--- a/기획자료/0319_FSM_보스행동문서_김세윤.pptx
+++ b/기획자료/0319_FSM_보스행동문서_김세윤.pptx
@@ -257,7 +257,7 @@
           <a:p>
             <a:fld id="{6FFBD3A2-686E-45E8-BE78-F70D8F4067A0}" type="datetimeFigureOut">
               <a:rPr lang="ko-KR" altLang="en-US" smtClean="0"/>
-              <a:t>2022-03-19</a:t>
+              <a:t>2022-05-05</a:t>
             </a:fld>
             <a:endParaRPr lang="ko-KR" altLang="en-US"/>
           </a:p>
@@ -2372,7 +2372,7 @@
           <p:cNvPr id="2" name="제목 1">
             <a:extLst>
               <a:ext uri="{FF2B5EF4-FFF2-40B4-BE49-F238E27FC236}">
-                <a16:creationId xmlns:a16="http://schemas.microsoft.com/office/drawing/2014/main" xmlns="" id="{0266FFC6-F19E-4D0C-9835-D726E944A438}"/>
+                <a16:creationId xmlns:a16="http://schemas.microsoft.com/office/drawing/2014/main" id="{0266FFC6-F19E-4D0C-9835-D726E944A438}"/>
               </a:ext>
             </a:extLst>
           </p:cNvPr>
@@ -2409,7 +2409,7 @@
           <p:cNvPr id="3" name="부제목 2">
             <a:extLst>
               <a:ext uri="{FF2B5EF4-FFF2-40B4-BE49-F238E27FC236}">
-                <a16:creationId xmlns:a16="http://schemas.microsoft.com/office/drawing/2014/main" xmlns="" id="{E0544BC7-B7B6-4896-B785-02C8D960DD73}"/>
+                <a16:creationId xmlns:a16="http://schemas.microsoft.com/office/drawing/2014/main" id="{E0544BC7-B7B6-4896-B785-02C8D960DD73}"/>
               </a:ext>
             </a:extLst>
           </p:cNvPr>
@@ -2479,7 +2479,7 @@
           <p:cNvPr id="4" name="날짜 개체 틀 3">
             <a:extLst>
               <a:ext uri="{FF2B5EF4-FFF2-40B4-BE49-F238E27FC236}">
-                <a16:creationId xmlns:a16="http://schemas.microsoft.com/office/drawing/2014/main" xmlns="" id="{902FF572-8FEB-4093-984B-FC693DBC53FB}"/>
+                <a16:creationId xmlns:a16="http://schemas.microsoft.com/office/drawing/2014/main" id="{902FF572-8FEB-4093-984B-FC693DBC53FB}"/>
               </a:ext>
             </a:extLst>
           </p:cNvPr>
@@ -2497,7 +2497,7 @@
           <a:p>
             <a:fld id="{765155EE-5AC6-4793-8598-ADB22C1B6B2D}" type="datetimeFigureOut">
               <a:rPr lang="ko-KR" altLang="en-US" smtClean="0"/>
-              <a:t>2022-03-19</a:t>
+              <a:t>2022-05-05</a:t>
             </a:fld>
             <a:endParaRPr lang="ko-KR" altLang="en-US"/>
           </a:p>
@@ -2508,7 +2508,7 @@
           <p:cNvPr id="5" name="바닥글 개체 틀 4">
             <a:extLst>
               <a:ext uri="{FF2B5EF4-FFF2-40B4-BE49-F238E27FC236}">
-                <a16:creationId xmlns:a16="http://schemas.microsoft.com/office/drawing/2014/main" xmlns="" id="{1AFD18D2-7334-4FF8-A26F-9F2EC3C52EE8}"/>
+                <a16:creationId xmlns:a16="http://schemas.microsoft.com/office/drawing/2014/main" id="{1AFD18D2-7334-4FF8-A26F-9F2EC3C52EE8}"/>
               </a:ext>
             </a:extLst>
           </p:cNvPr>
@@ -2533,7 +2533,7 @@
           <p:cNvPr id="6" name="슬라이드 번호 개체 틀 5">
             <a:extLst>
               <a:ext uri="{FF2B5EF4-FFF2-40B4-BE49-F238E27FC236}">
-                <a16:creationId xmlns:a16="http://schemas.microsoft.com/office/drawing/2014/main" xmlns="" id="{452AB1B4-7A01-446F-8A4C-21D852FC8480}"/>
+                <a16:creationId xmlns:a16="http://schemas.microsoft.com/office/drawing/2014/main" id="{452AB1B4-7A01-446F-8A4C-21D852FC8480}"/>
               </a:ext>
             </a:extLst>
           </p:cNvPr>
@@ -2592,7 +2592,7 @@
           <p:cNvPr id="2" name="제목 1">
             <a:extLst>
               <a:ext uri="{FF2B5EF4-FFF2-40B4-BE49-F238E27FC236}">
-                <a16:creationId xmlns:a16="http://schemas.microsoft.com/office/drawing/2014/main" xmlns="" id="{4DA75C1A-3A23-4E7F-A5D0-B5FB33F06375}"/>
+                <a16:creationId xmlns:a16="http://schemas.microsoft.com/office/drawing/2014/main" id="{4DA75C1A-3A23-4E7F-A5D0-B5FB33F06375}"/>
               </a:ext>
             </a:extLst>
           </p:cNvPr>
@@ -2620,7 +2620,7 @@
           <p:cNvPr id="3" name="세로 텍스트 개체 틀 2">
             <a:extLst>
               <a:ext uri="{FF2B5EF4-FFF2-40B4-BE49-F238E27FC236}">
-                <a16:creationId xmlns:a16="http://schemas.microsoft.com/office/drawing/2014/main" xmlns="" id="{578A4776-E22D-49AA-9C36-591BF828A4C4}"/>
+                <a16:creationId xmlns:a16="http://schemas.microsoft.com/office/drawing/2014/main" id="{578A4776-E22D-49AA-9C36-591BF828A4C4}"/>
               </a:ext>
             </a:extLst>
           </p:cNvPr>
@@ -2677,7 +2677,7 @@
           <p:cNvPr id="4" name="날짜 개체 틀 3">
             <a:extLst>
               <a:ext uri="{FF2B5EF4-FFF2-40B4-BE49-F238E27FC236}">
-                <a16:creationId xmlns:a16="http://schemas.microsoft.com/office/drawing/2014/main" xmlns="" id="{C7C6DCE0-D56B-4195-BFA2-C28D80BDADE7}"/>
+                <a16:creationId xmlns:a16="http://schemas.microsoft.com/office/drawing/2014/main" id="{C7C6DCE0-D56B-4195-BFA2-C28D80BDADE7}"/>
               </a:ext>
             </a:extLst>
           </p:cNvPr>
@@ -2695,7 +2695,7 @@
           <a:p>
             <a:fld id="{765155EE-5AC6-4793-8598-ADB22C1B6B2D}" type="datetimeFigureOut">
               <a:rPr lang="ko-KR" altLang="en-US" smtClean="0"/>
-              <a:t>2022-03-19</a:t>
+              <a:t>2022-05-05</a:t>
             </a:fld>
             <a:endParaRPr lang="ko-KR" altLang="en-US"/>
           </a:p>
@@ -2706,7 +2706,7 @@
           <p:cNvPr id="5" name="바닥글 개체 틀 4">
             <a:extLst>
               <a:ext uri="{FF2B5EF4-FFF2-40B4-BE49-F238E27FC236}">
-                <a16:creationId xmlns:a16="http://schemas.microsoft.com/office/drawing/2014/main" xmlns="" id="{9FD55352-52F6-4B7A-BCC3-03AF69F394BA}"/>
+                <a16:creationId xmlns:a16="http://schemas.microsoft.com/office/drawing/2014/main" id="{9FD55352-52F6-4B7A-BCC3-03AF69F394BA}"/>
               </a:ext>
             </a:extLst>
           </p:cNvPr>
@@ -2731,7 +2731,7 @@
           <p:cNvPr id="6" name="슬라이드 번호 개체 틀 5">
             <a:extLst>
               <a:ext uri="{FF2B5EF4-FFF2-40B4-BE49-F238E27FC236}">
-                <a16:creationId xmlns:a16="http://schemas.microsoft.com/office/drawing/2014/main" xmlns="" id="{8B0372A3-9D42-4361-B8E5-7E6B119CDC58}"/>
+                <a16:creationId xmlns:a16="http://schemas.microsoft.com/office/drawing/2014/main" id="{8B0372A3-9D42-4361-B8E5-7E6B119CDC58}"/>
               </a:ext>
             </a:extLst>
           </p:cNvPr>
@@ -2790,7 +2790,7 @@
           <p:cNvPr id="2" name="세로 제목 1">
             <a:extLst>
               <a:ext uri="{FF2B5EF4-FFF2-40B4-BE49-F238E27FC236}">
-                <a16:creationId xmlns:a16="http://schemas.microsoft.com/office/drawing/2014/main" xmlns="" id="{7A834948-6737-4C3D-B356-1458EE6B0B5E}"/>
+                <a16:creationId xmlns:a16="http://schemas.microsoft.com/office/drawing/2014/main" id="{7A834948-6737-4C3D-B356-1458EE6B0B5E}"/>
               </a:ext>
             </a:extLst>
           </p:cNvPr>
@@ -2823,7 +2823,7 @@
           <p:cNvPr id="3" name="세로 텍스트 개체 틀 2">
             <a:extLst>
               <a:ext uri="{FF2B5EF4-FFF2-40B4-BE49-F238E27FC236}">
-                <a16:creationId xmlns:a16="http://schemas.microsoft.com/office/drawing/2014/main" xmlns="" id="{37EF7A23-2288-4C08-8229-7F24E58C5191}"/>
+                <a16:creationId xmlns:a16="http://schemas.microsoft.com/office/drawing/2014/main" id="{37EF7A23-2288-4C08-8229-7F24E58C5191}"/>
               </a:ext>
             </a:extLst>
           </p:cNvPr>
@@ -2885,7 +2885,7 @@
           <p:cNvPr id="4" name="날짜 개체 틀 3">
             <a:extLst>
               <a:ext uri="{FF2B5EF4-FFF2-40B4-BE49-F238E27FC236}">
-                <a16:creationId xmlns:a16="http://schemas.microsoft.com/office/drawing/2014/main" xmlns="" id="{5E3EEEF9-37A8-4970-898B-7EF24D65CFE3}"/>
+                <a16:creationId xmlns:a16="http://schemas.microsoft.com/office/drawing/2014/main" id="{5E3EEEF9-37A8-4970-898B-7EF24D65CFE3}"/>
               </a:ext>
             </a:extLst>
           </p:cNvPr>
@@ -2903,7 +2903,7 @@
           <a:p>
             <a:fld id="{765155EE-5AC6-4793-8598-ADB22C1B6B2D}" type="datetimeFigureOut">
               <a:rPr lang="ko-KR" altLang="en-US" smtClean="0"/>
-              <a:t>2022-03-19</a:t>
+              <a:t>2022-05-05</a:t>
             </a:fld>
             <a:endParaRPr lang="ko-KR" altLang="en-US"/>
           </a:p>
@@ -2914,7 +2914,7 @@
           <p:cNvPr id="5" name="바닥글 개체 틀 4">
             <a:extLst>
               <a:ext uri="{FF2B5EF4-FFF2-40B4-BE49-F238E27FC236}">
-                <a16:creationId xmlns:a16="http://schemas.microsoft.com/office/drawing/2014/main" xmlns="" id="{5B2FED5C-F232-419C-A8B0-568D12897836}"/>
+                <a16:creationId xmlns:a16="http://schemas.microsoft.com/office/drawing/2014/main" id="{5B2FED5C-F232-419C-A8B0-568D12897836}"/>
               </a:ext>
             </a:extLst>
           </p:cNvPr>
@@ -2939,7 +2939,7 @@
           <p:cNvPr id="6" name="슬라이드 번호 개체 틀 5">
             <a:extLst>
               <a:ext uri="{FF2B5EF4-FFF2-40B4-BE49-F238E27FC236}">
-                <a16:creationId xmlns:a16="http://schemas.microsoft.com/office/drawing/2014/main" xmlns="" id="{D6FDA646-47C4-4631-8E10-127F0FA9EE32}"/>
+                <a16:creationId xmlns:a16="http://schemas.microsoft.com/office/drawing/2014/main" id="{D6FDA646-47C4-4631-8E10-127F0FA9EE32}"/>
               </a:ext>
             </a:extLst>
           </p:cNvPr>
@@ -2998,7 +2998,7 @@
           <p:cNvPr id="2" name="제목 1">
             <a:extLst>
               <a:ext uri="{FF2B5EF4-FFF2-40B4-BE49-F238E27FC236}">
-                <a16:creationId xmlns:a16="http://schemas.microsoft.com/office/drawing/2014/main" xmlns="" id="{C1F047D6-B748-4485-BEA2-4C7E0C2D2F04}"/>
+                <a16:creationId xmlns:a16="http://schemas.microsoft.com/office/drawing/2014/main" id="{C1F047D6-B748-4485-BEA2-4C7E0C2D2F04}"/>
               </a:ext>
             </a:extLst>
           </p:cNvPr>
@@ -3026,7 +3026,7 @@
           <p:cNvPr id="3" name="내용 개체 틀 2">
             <a:extLst>
               <a:ext uri="{FF2B5EF4-FFF2-40B4-BE49-F238E27FC236}">
-                <a16:creationId xmlns:a16="http://schemas.microsoft.com/office/drawing/2014/main" xmlns="" id="{37231C60-99CB-40A2-A5AF-866C56C36C4C}"/>
+                <a16:creationId xmlns:a16="http://schemas.microsoft.com/office/drawing/2014/main" id="{37231C60-99CB-40A2-A5AF-866C56C36C4C}"/>
               </a:ext>
             </a:extLst>
           </p:cNvPr>
@@ -3083,7 +3083,7 @@
           <p:cNvPr id="4" name="날짜 개체 틀 3">
             <a:extLst>
               <a:ext uri="{FF2B5EF4-FFF2-40B4-BE49-F238E27FC236}">
-                <a16:creationId xmlns:a16="http://schemas.microsoft.com/office/drawing/2014/main" xmlns="" id="{E9567AB5-3176-4EBB-9D8A-1289B4C2078E}"/>
+                <a16:creationId xmlns:a16="http://schemas.microsoft.com/office/drawing/2014/main" id="{E9567AB5-3176-4EBB-9D8A-1289B4C2078E}"/>
               </a:ext>
             </a:extLst>
           </p:cNvPr>
@@ -3101,7 +3101,7 @@
           <a:p>
             <a:fld id="{765155EE-5AC6-4793-8598-ADB22C1B6B2D}" type="datetimeFigureOut">
               <a:rPr lang="ko-KR" altLang="en-US" smtClean="0"/>
-              <a:t>2022-03-19</a:t>
+              <a:t>2022-05-05</a:t>
             </a:fld>
             <a:endParaRPr lang="ko-KR" altLang="en-US"/>
           </a:p>
@@ -3112,7 +3112,7 @@
           <p:cNvPr id="5" name="바닥글 개체 틀 4">
             <a:extLst>
               <a:ext uri="{FF2B5EF4-FFF2-40B4-BE49-F238E27FC236}">
-                <a16:creationId xmlns:a16="http://schemas.microsoft.com/office/drawing/2014/main" xmlns="" id="{E40D23F6-2BAD-4AC1-989E-25FC4896165B}"/>
+                <a16:creationId xmlns:a16="http://schemas.microsoft.com/office/drawing/2014/main" id="{E40D23F6-2BAD-4AC1-989E-25FC4896165B}"/>
               </a:ext>
             </a:extLst>
           </p:cNvPr>
@@ -3137,7 +3137,7 @@
           <p:cNvPr id="6" name="슬라이드 번호 개체 틀 5">
             <a:extLst>
               <a:ext uri="{FF2B5EF4-FFF2-40B4-BE49-F238E27FC236}">
-                <a16:creationId xmlns:a16="http://schemas.microsoft.com/office/drawing/2014/main" xmlns="" id="{746E6D78-543C-4077-A121-0FD373ABC0F3}"/>
+                <a16:creationId xmlns:a16="http://schemas.microsoft.com/office/drawing/2014/main" id="{746E6D78-543C-4077-A121-0FD373ABC0F3}"/>
               </a:ext>
             </a:extLst>
           </p:cNvPr>
@@ -3166,7 +3166,7 @@
           <p:cNvPr id="7" name="그룹 6">
             <a:extLst>
               <a:ext uri="{FF2B5EF4-FFF2-40B4-BE49-F238E27FC236}">
-                <a16:creationId xmlns:a16="http://schemas.microsoft.com/office/drawing/2014/main" xmlns="" id="{EEB00F9A-9F56-4BF1-965B-7358330A8428}"/>
+                <a16:creationId xmlns:a16="http://schemas.microsoft.com/office/drawing/2014/main" id="{EEB00F9A-9F56-4BF1-965B-7358330A8428}"/>
               </a:ext>
             </a:extLst>
           </p:cNvPr>
@@ -3186,7 +3186,7 @@
             <p:cNvPr id="8" name="직선 연결선 7">
               <a:extLst>
                 <a:ext uri="{FF2B5EF4-FFF2-40B4-BE49-F238E27FC236}">
-                  <a16:creationId xmlns:a16="http://schemas.microsoft.com/office/drawing/2014/main" xmlns="" id="{922A5BEE-AF7E-42C1-B18F-4025D4FED09D}"/>
+                  <a16:creationId xmlns:a16="http://schemas.microsoft.com/office/drawing/2014/main" id="{922A5BEE-AF7E-42C1-B18F-4025D4FED09D}"/>
                 </a:ext>
               </a:extLst>
             </p:cNvPr>
@@ -3223,7 +3223,7 @@
             <p:cNvPr id="9" name="직선 연결선 8">
               <a:extLst>
                 <a:ext uri="{FF2B5EF4-FFF2-40B4-BE49-F238E27FC236}">
-                  <a16:creationId xmlns:a16="http://schemas.microsoft.com/office/drawing/2014/main" xmlns="" id="{6B7FA1BC-7E8B-4483-908A-0FB9D2CF19B9}"/>
+                  <a16:creationId xmlns:a16="http://schemas.microsoft.com/office/drawing/2014/main" id="{6B7FA1BC-7E8B-4483-908A-0FB9D2CF19B9}"/>
                 </a:ext>
               </a:extLst>
             </p:cNvPr>
@@ -3260,7 +3260,7 @@
             <p:cNvPr id="10" name="직선 연결선 9">
               <a:extLst>
                 <a:ext uri="{FF2B5EF4-FFF2-40B4-BE49-F238E27FC236}">
-                  <a16:creationId xmlns:a16="http://schemas.microsoft.com/office/drawing/2014/main" xmlns="" id="{B17B5159-A5CD-4882-806C-EF4C9C7F5EDD}"/>
+                  <a16:creationId xmlns:a16="http://schemas.microsoft.com/office/drawing/2014/main" id="{B17B5159-A5CD-4882-806C-EF4C9C7F5EDD}"/>
                 </a:ext>
               </a:extLst>
             </p:cNvPr>
@@ -3299,7 +3299,7 @@
             <p:cNvPr id="11" name="직선 연결선 10">
               <a:extLst>
                 <a:ext uri="{FF2B5EF4-FFF2-40B4-BE49-F238E27FC236}">
-                  <a16:creationId xmlns:a16="http://schemas.microsoft.com/office/drawing/2014/main" xmlns="" id="{6B242CEE-423C-4C70-89AC-553AD93F453D}"/>
+                  <a16:creationId xmlns:a16="http://schemas.microsoft.com/office/drawing/2014/main" id="{6B242CEE-423C-4C70-89AC-553AD93F453D}"/>
                 </a:ext>
               </a:extLst>
             </p:cNvPr>
@@ -3338,7 +3338,7 @@
             <p:cNvPr id="12" name="타원 11">
               <a:extLst>
                 <a:ext uri="{FF2B5EF4-FFF2-40B4-BE49-F238E27FC236}">
-                  <a16:creationId xmlns:a16="http://schemas.microsoft.com/office/drawing/2014/main" xmlns="" id="{16D33858-1313-4B58-95AA-21EC2FB1BC4C}"/>
+                  <a16:creationId xmlns:a16="http://schemas.microsoft.com/office/drawing/2014/main" id="{16D33858-1313-4B58-95AA-21EC2FB1BC4C}"/>
                 </a:ext>
               </a:extLst>
             </p:cNvPr>
@@ -3392,7 +3392,7 @@
             <p:cNvPr id="13" name="타원 12">
               <a:extLst>
                 <a:ext uri="{FF2B5EF4-FFF2-40B4-BE49-F238E27FC236}">
-                  <a16:creationId xmlns:a16="http://schemas.microsoft.com/office/drawing/2014/main" xmlns="" id="{3518258D-13B7-4B5B-8D4F-2FABFB2D5777}"/>
+                  <a16:creationId xmlns:a16="http://schemas.microsoft.com/office/drawing/2014/main" id="{3518258D-13B7-4B5B-8D4F-2FABFB2D5777}"/>
                 </a:ext>
               </a:extLst>
             </p:cNvPr>
@@ -3477,7 +3477,7 @@
           <p:cNvPr id="2" name="제목 1">
             <a:extLst>
               <a:ext uri="{FF2B5EF4-FFF2-40B4-BE49-F238E27FC236}">
-                <a16:creationId xmlns:a16="http://schemas.microsoft.com/office/drawing/2014/main" xmlns="" id="{5A8E6AD2-11D6-4A6F-B4FA-D41194FDC54B}"/>
+                <a16:creationId xmlns:a16="http://schemas.microsoft.com/office/drawing/2014/main" id="{5A8E6AD2-11D6-4A6F-B4FA-D41194FDC54B}"/>
               </a:ext>
             </a:extLst>
           </p:cNvPr>
@@ -3514,7 +3514,7 @@
           <p:cNvPr id="3" name="텍스트 개체 틀 2">
             <a:extLst>
               <a:ext uri="{FF2B5EF4-FFF2-40B4-BE49-F238E27FC236}">
-                <a16:creationId xmlns:a16="http://schemas.microsoft.com/office/drawing/2014/main" xmlns="" id="{047681EA-E248-450E-BE4E-E13B8DC4A232}"/>
+                <a16:creationId xmlns:a16="http://schemas.microsoft.com/office/drawing/2014/main" id="{047681EA-E248-450E-BE4E-E13B8DC4A232}"/>
               </a:ext>
             </a:extLst>
           </p:cNvPr>
@@ -3639,7 +3639,7 @@
           <p:cNvPr id="4" name="날짜 개체 틀 3">
             <a:extLst>
               <a:ext uri="{FF2B5EF4-FFF2-40B4-BE49-F238E27FC236}">
-                <a16:creationId xmlns:a16="http://schemas.microsoft.com/office/drawing/2014/main" xmlns="" id="{E0257145-B9E9-4BB0-A805-6E1DF2EACACE}"/>
+                <a16:creationId xmlns:a16="http://schemas.microsoft.com/office/drawing/2014/main" id="{E0257145-B9E9-4BB0-A805-6E1DF2EACACE}"/>
               </a:ext>
             </a:extLst>
           </p:cNvPr>
@@ -3657,7 +3657,7 @@
           <a:p>
             <a:fld id="{765155EE-5AC6-4793-8598-ADB22C1B6B2D}" type="datetimeFigureOut">
               <a:rPr lang="ko-KR" altLang="en-US" smtClean="0"/>
-              <a:t>2022-03-19</a:t>
+              <a:t>2022-05-05</a:t>
             </a:fld>
             <a:endParaRPr lang="ko-KR" altLang="en-US"/>
           </a:p>
@@ -3668,7 +3668,7 @@
           <p:cNvPr id="5" name="바닥글 개체 틀 4">
             <a:extLst>
               <a:ext uri="{FF2B5EF4-FFF2-40B4-BE49-F238E27FC236}">
-                <a16:creationId xmlns:a16="http://schemas.microsoft.com/office/drawing/2014/main" xmlns="" id="{63577E24-F16D-4B6B-BBA3-30CDC8F5270F}"/>
+                <a16:creationId xmlns:a16="http://schemas.microsoft.com/office/drawing/2014/main" id="{63577E24-F16D-4B6B-BBA3-30CDC8F5270F}"/>
               </a:ext>
             </a:extLst>
           </p:cNvPr>
@@ -3693,7 +3693,7 @@
           <p:cNvPr id="6" name="슬라이드 번호 개체 틀 5">
             <a:extLst>
               <a:ext uri="{FF2B5EF4-FFF2-40B4-BE49-F238E27FC236}">
-                <a16:creationId xmlns:a16="http://schemas.microsoft.com/office/drawing/2014/main" xmlns="" id="{D6F7CB40-FB45-4D44-A45A-FD695D996B5D}"/>
+                <a16:creationId xmlns:a16="http://schemas.microsoft.com/office/drawing/2014/main" id="{D6F7CB40-FB45-4D44-A45A-FD695D996B5D}"/>
               </a:ext>
             </a:extLst>
           </p:cNvPr>
@@ -3752,7 +3752,7 @@
           <p:cNvPr id="2" name="제목 1">
             <a:extLst>
               <a:ext uri="{FF2B5EF4-FFF2-40B4-BE49-F238E27FC236}">
-                <a16:creationId xmlns:a16="http://schemas.microsoft.com/office/drawing/2014/main" xmlns="" id="{2306DA33-8385-419D-8C7F-668539410C6E}"/>
+                <a16:creationId xmlns:a16="http://schemas.microsoft.com/office/drawing/2014/main" id="{2306DA33-8385-419D-8C7F-668539410C6E}"/>
               </a:ext>
             </a:extLst>
           </p:cNvPr>
@@ -3780,7 +3780,7 @@
           <p:cNvPr id="3" name="내용 개체 틀 2">
             <a:extLst>
               <a:ext uri="{FF2B5EF4-FFF2-40B4-BE49-F238E27FC236}">
-                <a16:creationId xmlns:a16="http://schemas.microsoft.com/office/drawing/2014/main" xmlns="" id="{E5B9C2DE-B2FE-4021-A368-93322C20D5B8}"/>
+                <a16:creationId xmlns:a16="http://schemas.microsoft.com/office/drawing/2014/main" id="{E5B9C2DE-B2FE-4021-A368-93322C20D5B8}"/>
               </a:ext>
             </a:extLst>
           </p:cNvPr>
@@ -3842,7 +3842,7 @@
           <p:cNvPr id="4" name="내용 개체 틀 3">
             <a:extLst>
               <a:ext uri="{FF2B5EF4-FFF2-40B4-BE49-F238E27FC236}">
-                <a16:creationId xmlns:a16="http://schemas.microsoft.com/office/drawing/2014/main" xmlns="" id="{83A95331-6A63-4A14-B3A1-84C6475CC861}"/>
+                <a16:creationId xmlns:a16="http://schemas.microsoft.com/office/drawing/2014/main" id="{83A95331-6A63-4A14-B3A1-84C6475CC861}"/>
               </a:ext>
             </a:extLst>
           </p:cNvPr>
@@ -3904,7 +3904,7 @@
           <p:cNvPr id="5" name="날짜 개체 틀 4">
             <a:extLst>
               <a:ext uri="{FF2B5EF4-FFF2-40B4-BE49-F238E27FC236}">
-                <a16:creationId xmlns:a16="http://schemas.microsoft.com/office/drawing/2014/main" xmlns="" id="{DA633D7A-A6C6-4BFF-98B6-6401729F65A3}"/>
+                <a16:creationId xmlns:a16="http://schemas.microsoft.com/office/drawing/2014/main" id="{DA633D7A-A6C6-4BFF-98B6-6401729F65A3}"/>
               </a:ext>
             </a:extLst>
           </p:cNvPr>
@@ -3922,7 +3922,7 @@
           <a:p>
             <a:fld id="{765155EE-5AC6-4793-8598-ADB22C1B6B2D}" type="datetimeFigureOut">
               <a:rPr lang="ko-KR" altLang="en-US" smtClean="0"/>
-              <a:t>2022-03-19</a:t>
+              <a:t>2022-05-05</a:t>
             </a:fld>
             <a:endParaRPr lang="ko-KR" altLang="en-US"/>
           </a:p>
@@ -3933,7 +3933,7 @@
           <p:cNvPr id="6" name="바닥글 개체 틀 5">
             <a:extLst>
               <a:ext uri="{FF2B5EF4-FFF2-40B4-BE49-F238E27FC236}">
-                <a16:creationId xmlns:a16="http://schemas.microsoft.com/office/drawing/2014/main" xmlns="" id="{C9CFBCA9-7693-4581-9234-BCD090536933}"/>
+                <a16:creationId xmlns:a16="http://schemas.microsoft.com/office/drawing/2014/main" id="{C9CFBCA9-7693-4581-9234-BCD090536933}"/>
               </a:ext>
             </a:extLst>
           </p:cNvPr>
@@ -3958,7 +3958,7 @@
           <p:cNvPr id="7" name="슬라이드 번호 개체 틀 6">
             <a:extLst>
               <a:ext uri="{FF2B5EF4-FFF2-40B4-BE49-F238E27FC236}">
-                <a16:creationId xmlns:a16="http://schemas.microsoft.com/office/drawing/2014/main" xmlns="" id="{5D841834-92F2-4414-AB3F-203CB02F35CF}"/>
+                <a16:creationId xmlns:a16="http://schemas.microsoft.com/office/drawing/2014/main" id="{5D841834-92F2-4414-AB3F-203CB02F35CF}"/>
               </a:ext>
             </a:extLst>
           </p:cNvPr>
@@ -4017,7 +4017,7 @@
           <p:cNvPr id="2" name="제목 1">
             <a:extLst>
               <a:ext uri="{FF2B5EF4-FFF2-40B4-BE49-F238E27FC236}">
-                <a16:creationId xmlns:a16="http://schemas.microsoft.com/office/drawing/2014/main" xmlns="" id="{2E2F74DF-E5EF-4690-B48B-E188ED4B9A6F}"/>
+                <a16:creationId xmlns:a16="http://schemas.microsoft.com/office/drawing/2014/main" id="{2E2F74DF-E5EF-4690-B48B-E188ED4B9A6F}"/>
               </a:ext>
             </a:extLst>
           </p:cNvPr>
@@ -4050,7 +4050,7 @@
           <p:cNvPr id="3" name="텍스트 개체 틀 2">
             <a:extLst>
               <a:ext uri="{FF2B5EF4-FFF2-40B4-BE49-F238E27FC236}">
-                <a16:creationId xmlns:a16="http://schemas.microsoft.com/office/drawing/2014/main" xmlns="" id="{BD5B0E94-8D9A-42A3-84CA-60329D43FE74}"/>
+                <a16:creationId xmlns:a16="http://schemas.microsoft.com/office/drawing/2014/main" id="{BD5B0E94-8D9A-42A3-84CA-60329D43FE74}"/>
               </a:ext>
             </a:extLst>
           </p:cNvPr>
@@ -4121,7 +4121,7 @@
           <p:cNvPr id="4" name="내용 개체 틀 3">
             <a:extLst>
               <a:ext uri="{FF2B5EF4-FFF2-40B4-BE49-F238E27FC236}">
-                <a16:creationId xmlns:a16="http://schemas.microsoft.com/office/drawing/2014/main" xmlns="" id="{0737E957-A675-48D3-99B7-E1F7477206E8}"/>
+                <a16:creationId xmlns:a16="http://schemas.microsoft.com/office/drawing/2014/main" id="{0737E957-A675-48D3-99B7-E1F7477206E8}"/>
               </a:ext>
             </a:extLst>
           </p:cNvPr>
@@ -4183,7 +4183,7 @@
           <p:cNvPr id="5" name="텍스트 개체 틀 4">
             <a:extLst>
               <a:ext uri="{FF2B5EF4-FFF2-40B4-BE49-F238E27FC236}">
-                <a16:creationId xmlns:a16="http://schemas.microsoft.com/office/drawing/2014/main" xmlns="" id="{8E22F6D2-066B-4902-8DEB-389E321A4C15}"/>
+                <a16:creationId xmlns:a16="http://schemas.microsoft.com/office/drawing/2014/main" id="{8E22F6D2-066B-4902-8DEB-389E321A4C15}"/>
               </a:ext>
             </a:extLst>
           </p:cNvPr>
@@ -4254,7 +4254,7 @@
           <p:cNvPr id="6" name="내용 개체 틀 5">
             <a:extLst>
               <a:ext uri="{FF2B5EF4-FFF2-40B4-BE49-F238E27FC236}">
-                <a16:creationId xmlns:a16="http://schemas.microsoft.com/office/drawing/2014/main" xmlns="" id="{DAF47F21-4ED1-467D-9D1D-48DD803DB6F8}"/>
+                <a16:creationId xmlns:a16="http://schemas.microsoft.com/office/drawing/2014/main" id="{DAF47F21-4ED1-467D-9D1D-48DD803DB6F8}"/>
               </a:ext>
             </a:extLst>
           </p:cNvPr>
@@ -4316,7 +4316,7 @@
           <p:cNvPr id="7" name="날짜 개체 틀 6">
             <a:extLst>
               <a:ext uri="{FF2B5EF4-FFF2-40B4-BE49-F238E27FC236}">
-                <a16:creationId xmlns:a16="http://schemas.microsoft.com/office/drawing/2014/main" xmlns="" id="{E7D7CE31-3A45-4595-A5CF-CFF110FD15AC}"/>
+                <a16:creationId xmlns:a16="http://schemas.microsoft.com/office/drawing/2014/main" id="{E7D7CE31-3A45-4595-A5CF-CFF110FD15AC}"/>
               </a:ext>
             </a:extLst>
           </p:cNvPr>
@@ -4334,7 +4334,7 @@
           <a:p>
             <a:fld id="{765155EE-5AC6-4793-8598-ADB22C1B6B2D}" type="datetimeFigureOut">
               <a:rPr lang="ko-KR" altLang="en-US" smtClean="0"/>
-              <a:t>2022-03-19</a:t>
+              <a:t>2022-05-05</a:t>
             </a:fld>
             <a:endParaRPr lang="ko-KR" altLang="en-US"/>
           </a:p>
@@ -4345,7 +4345,7 @@
           <p:cNvPr id="8" name="바닥글 개체 틀 7">
             <a:extLst>
               <a:ext uri="{FF2B5EF4-FFF2-40B4-BE49-F238E27FC236}">
-                <a16:creationId xmlns:a16="http://schemas.microsoft.com/office/drawing/2014/main" xmlns="" id="{31EE8538-0911-4BC6-9AE3-F247402C16FA}"/>
+                <a16:creationId xmlns:a16="http://schemas.microsoft.com/office/drawing/2014/main" id="{31EE8538-0911-4BC6-9AE3-F247402C16FA}"/>
               </a:ext>
             </a:extLst>
           </p:cNvPr>
@@ -4370,7 +4370,7 @@
           <p:cNvPr id="9" name="슬라이드 번호 개체 틀 8">
             <a:extLst>
               <a:ext uri="{FF2B5EF4-FFF2-40B4-BE49-F238E27FC236}">
-                <a16:creationId xmlns:a16="http://schemas.microsoft.com/office/drawing/2014/main" xmlns="" id="{18EC61F1-683A-4B77-8B69-9FCE4EBEABC0}"/>
+                <a16:creationId xmlns:a16="http://schemas.microsoft.com/office/drawing/2014/main" id="{18EC61F1-683A-4B77-8B69-9FCE4EBEABC0}"/>
               </a:ext>
             </a:extLst>
           </p:cNvPr>
@@ -4429,7 +4429,7 @@
           <p:cNvPr id="2" name="제목 1">
             <a:extLst>
               <a:ext uri="{FF2B5EF4-FFF2-40B4-BE49-F238E27FC236}">
-                <a16:creationId xmlns:a16="http://schemas.microsoft.com/office/drawing/2014/main" xmlns="" id="{A5870FE4-13C8-448D-BE7B-001E4F676DDF}"/>
+                <a16:creationId xmlns:a16="http://schemas.microsoft.com/office/drawing/2014/main" id="{A5870FE4-13C8-448D-BE7B-001E4F676DDF}"/>
               </a:ext>
             </a:extLst>
           </p:cNvPr>
@@ -4457,7 +4457,7 @@
           <p:cNvPr id="3" name="날짜 개체 틀 2">
             <a:extLst>
               <a:ext uri="{FF2B5EF4-FFF2-40B4-BE49-F238E27FC236}">
-                <a16:creationId xmlns:a16="http://schemas.microsoft.com/office/drawing/2014/main" xmlns="" id="{29EB8D33-03DA-4ED8-AF3A-1BD21596F70A}"/>
+                <a16:creationId xmlns:a16="http://schemas.microsoft.com/office/drawing/2014/main" id="{29EB8D33-03DA-4ED8-AF3A-1BD21596F70A}"/>
               </a:ext>
             </a:extLst>
           </p:cNvPr>
@@ -4475,7 +4475,7 @@
           <a:p>
             <a:fld id="{765155EE-5AC6-4793-8598-ADB22C1B6B2D}" type="datetimeFigureOut">
               <a:rPr lang="ko-KR" altLang="en-US" smtClean="0"/>
-              <a:t>2022-03-19</a:t>
+              <a:t>2022-05-05</a:t>
             </a:fld>
             <a:endParaRPr lang="ko-KR" altLang="en-US"/>
           </a:p>
@@ -4486,7 +4486,7 @@
           <p:cNvPr id="4" name="바닥글 개체 틀 3">
             <a:extLst>
               <a:ext uri="{FF2B5EF4-FFF2-40B4-BE49-F238E27FC236}">
-                <a16:creationId xmlns:a16="http://schemas.microsoft.com/office/drawing/2014/main" xmlns="" id="{35CE421D-E9E0-4ACE-9BEB-0988E471D7DC}"/>
+                <a16:creationId xmlns:a16="http://schemas.microsoft.com/office/drawing/2014/main" id="{35CE421D-E9E0-4ACE-9BEB-0988E471D7DC}"/>
               </a:ext>
             </a:extLst>
           </p:cNvPr>
@@ -4511,7 +4511,7 @@
           <p:cNvPr id="5" name="슬라이드 번호 개체 틀 4">
             <a:extLst>
               <a:ext uri="{FF2B5EF4-FFF2-40B4-BE49-F238E27FC236}">
-                <a16:creationId xmlns:a16="http://schemas.microsoft.com/office/drawing/2014/main" xmlns="" id="{71F32AD1-C44F-497D-BF8A-6A0D96F943A0}"/>
+                <a16:creationId xmlns:a16="http://schemas.microsoft.com/office/drawing/2014/main" id="{71F32AD1-C44F-497D-BF8A-6A0D96F943A0}"/>
               </a:ext>
             </a:extLst>
           </p:cNvPr>
@@ -4570,7 +4570,7 @@
           <p:cNvPr id="2" name="날짜 개체 틀 1">
             <a:extLst>
               <a:ext uri="{FF2B5EF4-FFF2-40B4-BE49-F238E27FC236}">
-                <a16:creationId xmlns:a16="http://schemas.microsoft.com/office/drawing/2014/main" xmlns="" id="{EE4F8438-07E2-42E2-891E-6AB8B858BA1C}"/>
+                <a16:creationId xmlns:a16="http://schemas.microsoft.com/office/drawing/2014/main" id="{EE4F8438-07E2-42E2-891E-6AB8B858BA1C}"/>
               </a:ext>
             </a:extLst>
           </p:cNvPr>
@@ -4588,7 +4588,7 @@
           <a:p>
             <a:fld id="{765155EE-5AC6-4793-8598-ADB22C1B6B2D}" type="datetimeFigureOut">
               <a:rPr lang="ko-KR" altLang="en-US" smtClean="0"/>
-              <a:t>2022-03-19</a:t>
+              <a:t>2022-05-05</a:t>
             </a:fld>
             <a:endParaRPr lang="ko-KR" altLang="en-US"/>
           </a:p>
@@ -4599,7 +4599,7 @@
           <p:cNvPr id="3" name="바닥글 개체 틀 2">
             <a:extLst>
               <a:ext uri="{FF2B5EF4-FFF2-40B4-BE49-F238E27FC236}">
-                <a16:creationId xmlns:a16="http://schemas.microsoft.com/office/drawing/2014/main" xmlns="" id="{C1CF39F6-6EB3-4537-8AF2-E39EC2B388A8}"/>
+                <a16:creationId xmlns:a16="http://schemas.microsoft.com/office/drawing/2014/main" id="{C1CF39F6-6EB3-4537-8AF2-E39EC2B388A8}"/>
               </a:ext>
             </a:extLst>
           </p:cNvPr>
@@ -4624,7 +4624,7 @@
           <p:cNvPr id="4" name="슬라이드 번호 개체 틀 3">
             <a:extLst>
               <a:ext uri="{FF2B5EF4-FFF2-40B4-BE49-F238E27FC236}">
-                <a16:creationId xmlns:a16="http://schemas.microsoft.com/office/drawing/2014/main" xmlns="" id="{3F69A7B8-FDBE-4223-8AA6-974B2B88E67D}"/>
+                <a16:creationId xmlns:a16="http://schemas.microsoft.com/office/drawing/2014/main" id="{3F69A7B8-FDBE-4223-8AA6-974B2B88E67D}"/>
               </a:ext>
             </a:extLst>
           </p:cNvPr>
@@ -4683,7 +4683,7 @@
           <p:cNvPr id="2" name="제목 1">
             <a:extLst>
               <a:ext uri="{FF2B5EF4-FFF2-40B4-BE49-F238E27FC236}">
-                <a16:creationId xmlns:a16="http://schemas.microsoft.com/office/drawing/2014/main" xmlns="" id="{ED6CFADE-06EE-41C0-86F4-DF4599137148}"/>
+                <a16:creationId xmlns:a16="http://schemas.microsoft.com/office/drawing/2014/main" id="{ED6CFADE-06EE-41C0-86F4-DF4599137148}"/>
               </a:ext>
             </a:extLst>
           </p:cNvPr>
@@ -4720,7 +4720,7 @@
           <p:cNvPr id="3" name="내용 개체 틀 2">
             <a:extLst>
               <a:ext uri="{FF2B5EF4-FFF2-40B4-BE49-F238E27FC236}">
-                <a16:creationId xmlns:a16="http://schemas.microsoft.com/office/drawing/2014/main" xmlns="" id="{922F2999-D040-4C9C-9A8C-28FD5F8E7D88}"/>
+                <a16:creationId xmlns:a16="http://schemas.microsoft.com/office/drawing/2014/main" id="{922F2999-D040-4C9C-9A8C-28FD5F8E7D88}"/>
               </a:ext>
             </a:extLst>
           </p:cNvPr>
@@ -4810,7 +4810,7 @@
           <p:cNvPr id="4" name="텍스트 개체 틀 3">
             <a:extLst>
               <a:ext uri="{FF2B5EF4-FFF2-40B4-BE49-F238E27FC236}">
-                <a16:creationId xmlns:a16="http://schemas.microsoft.com/office/drawing/2014/main" xmlns="" id="{14D481D6-6E33-4A8A-AF95-56741BBB4464}"/>
+                <a16:creationId xmlns:a16="http://schemas.microsoft.com/office/drawing/2014/main" id="{14D481D6-6E33-4A8A-AF95-56741BBB4464}"/>
               </a:ext>
             </a:extLst>
           </p:cNvPr>
@@ -4881,7 +4881,7 @@
           <p:cNvPr id="5" name="날짜 개체 틀 4">
             <a:extLst>
               <a:ext uri="{FF2B5EF4-FFF2-40B4-BE49-F238E27FC236}">
-                <a16:creationId xmlns:a16="http://schemas.microsoft.com/office/drawing/2014/main" xmlns="" id="{FDF7F9EE-A9E2-4250-89A0-568A23D8AD75}"/>
+                <a16:creationId xmlns:a16="http://schemas.microsoft.com/office/drawing/2014/main" id="{FDF7F9EE-A9E2-4250-89A0-568A23D8AD75}"/>
               </a:ext>
             </a:extLst>
           </p:cNvPr>
@@ -4899,7 +4899,7 @@
           <a:p>
             <a:fld id="{765155EE-5AC6-4793-8598-ADB22C1B6B2D}" type="datetimeFigureOut">
               <a:rPr lang="ko-KR" altLang="en-US" smtClean="0"/>
-              <a:t>2022-03-19</a:t>
+              <a:t>2022-05-05</a:t>
             </a:fld>
             <a:endParaRPr lang="ko-KR" altLang="en-US"/>
           </a:p>
@@ -4910,7 +4910,7 @@
           <p:cNvPr id="6" name="바닥글 개체 틀 5">
             <a:extLst>
               <a:ext uri="{FF2B5EF4-FFF2-40B4-BE49-F238E27FC236}">
-                <a16:creationId xmlns:a16="http://schemas.microsoft.com/office/drawing/2014/main" xmlns="" id="{59E0636C-415C-4302-B79E-5AC847F091D5}"/>
+                <a16:creationId xmlns:a16="http://schemas.microsoft.com/office/drawing/2014/main" id="{59E0636C-415C-4302-B79E-5AC847F091D5}"/>
               </a:ext>
             </a:extLst>
           </p:cNvPr>
@@ -4935,7 +4935,7 @@
           <p:cNvPr id="7" name="슬라이드 번호 개체 틀 6">
             <a:extLst>
               <a:ext uri="{FF2B5EF4-FFF2-40B4-BE49-F238E27FC236}">
-                <a16:creationId xmlns:a16="http://schemas.microsoft.com/office/drawing/2014/main" xmlns="" id="{C1A4F97D-E807-4757-A1E3-D79B01613411}"/>
+                <a16:creationId xmlns:a16="http://schemas.microsoft.com/office/drawing/2014/main" id="{C1A4F97D-E807-4757-A1E3-D79B01613411}"/>
               </a:ext>
             </a:extLst>
           </p:cNvPr>
@@ -4994,7 +4994,7 @@
           <p:cNvPr id="2" name="제목 1">
             <a:extLst>
               <a:ext uri="{FF2B5EF4-FFF2-40B4-BE49-F238E27FC236}">
-                <a16:creationId xmlns:a16="http://schemas.microsoft.com/office/drawing/2014/main" xmlns="" id="{DB7DAA96-96ED-4682-A31D-DE8AD6A22DC6}"/>
+                <a16:creationId xmlns:a16="http://schemas.microsoft.com/office/drawing/2014/main" id="{DB7DAA96-96ED-4682-A31D-DE8AD6A22DC6}"/>
               </a:ext>
             </a:extLst>
           </p:cNvPr>
@@ -5031,7 +5031,7 @@
           <p:cNvPr id="3" name="그림 개체 틀 2">
             <a:extLst>
               <a:ext uri="{FF2B5EF4-FFF2-40B4-BE49-F238E27FC236}">
-                <a16:creationId xmlns:a16="http://schemas.microsoft.com/office/drawing/2014/main" xmlns="" id="{AE8BDC85-F7B6-4DD7-A688-10F3B501EDD9}"/>
+                <a16:creationId xmlns:a16="http://schemas.microsoft.com/office/drawing/2014/main" id="{AE8BDC85-F7B6-4DD7-A688-10F3B501EDD9}"/>
               </a:ext>
             </a:extLst>
           </p:cNvPr>
@@ -5098,7 +5098,7 @@
           <p:cNvPr id="4" name="텍스트 개체 틀 3">
             <a:extLst>
               <a:ext uri="{FF2B5EF4-FFF2-40B4-BE49-F238E27FC236}">
-                <a16:creationId xmlns:a16="http://schemas.microsoft.com/office/drawing/2014/main" xmlns="" id="{CFF3C3E5-4FD5-4BB2-B69E-5818CA3A7F35}"/>
+                <a16:creationId xmlns:a16="http://schemas.microsoft.com/office/drawing/2014/main" id="{CFF3C3E5-4FD5-4BB2-B69E-5818CA3A7F35}"/>
               </a:ext>
             </a:extLst>
           </p:cNvPr>
@@ -5169,7 +5169,7 @@
           <p:cNvPr id="5" name="날짜 개체 틀 4">
             <a:extLst>
               <a:ext uri="{FF2B5EF4-FFF2-40B4-BE49-F238E27FC236}">
-                <a16:creationId xmlns:a16="http://schemas.microsoft.com/office/drawing/2014/main" xmlns="" id="{3ED7D51D-2C45-4366-9C0F-B1F6B51B72BD}"/>
+                <a16:creationId xmlns:a16="http://schemas.microsoft.com/office/drawing/2014/main" id="{3ED7D51D-2C45-4366-9C0F-B1F6B51B72BD}"/>
               </a:ext>
             </a:extLst>
           </p:cNvPr>
@@ -5187,7 +5187,7 @@
           <a:p>
             <a:fld id="{765155EE-5AC6-4793-8598-ADB22C1B6B2D}" type="datetimeFigureOut">
               <a:rPr lang="ko-KR" altLang="en-US" smtClean="0"/>
-              <a:t>2022-03-19</a:t>
+              <a:t>2022-05-05</a:t>
             </a:fld>
             <a:endParaRPr lang="ko-KR" altLang="en-US"/>
           </a:p>
@@ -5198,7 +5198,7 @@
           <p:cNvPr id="6" name="바닥글 개체 틀 5">
             <a:extLst>
               <a:ext uri="{FF2B5EF4-FFF2-40B4-BE49-F238E27FC236}">
-                <a16:creationId xmlns:a16="http://schemas.microsoft.com/office/drawing/2014/main" xmlns="" id="{792B363C-D776-40DD-920B-30DB5569F7DD}"/>
+                <a16:creationId xmlns:a16="http://schemas.microsoft.com/office/drawing/2014/main" id="{792B363C-D776-40DD-920B-30DB5569F7DD}"/>
               </a:ext>
             </a:extLst>
           </p:cNvPr>
@@ -5223,7 +5223,7 @@
           <p:cNvPr id="7" name="슬라이드 번호 개체 틀 6">
             <a:extLst>
               <a:ext uri="{FF2B5EF4-FFF2-40B4-BE49-F238E27FC236}">
-                <a16:creationId xmlns:a16="http://schemas.microsoft.com/office/drawing/2014/main" xmlns="" id="{1FB92C4F-2034-41D2-A91D-9E5D12FD8CB1}"/>
+                <a16:creationId xmlns:a16="http://schemas.microsoft.com/office/drawing/2014/main" id="{1FB92C4F-2034-41D2-A91D-9E5D12FD8CB1}"/>
               </a:ext>
             </a:extLst>
           </p:cNvPr>
@@ -5287,7 +5287,7 @@
           <p:cNvPr id="2" name="제목 개체 틀 1">
             <a:extLst>
               <a:ext uri="{FF2B5EF4-FFF2-40B4-BE49-F238E27FC236}">
-                <a16:creationId xmlns:a16="http://schemas.microsoft.com/office/drawing/2014/main" xmlns="" id="{FD4344E4-8674-4A6A-8ADD-1D7F36CF6028}"/>
+                <a16:creationId xmlns:a16="http://schemas.microsoft.com/office/drawing/2014/main" id="{FD4344E4-8674-4A6A-8ADD-1D7F36CF6028}"/>
               </a:ext>
             </a:extLst>
           </p:cNvPr>
@@ -5325,7 +5325,7 @@
           <p:cNvPr id="3" name="텍스트 개체 틀 2">
             <a:extLst>
               <a:ext uri="{FF2B5EF4-FFF2-40B4-BE49-F238E27FC236}">
-                <a16:creationId xmlns:a16="http://schemas.microsoft.com/office/drawing/2014/main" xmlns="" id="{3B9B6448-955E-40D0-AF02-BD8797BB0723}"/>
+                <a16:creationId xmlns:a16="http://schemas.microsoft.com/office/drawing/2014/main" id="{3B9B6448-955E-40D0-AF02-BD8797BB0723}"/>
               </a:ext>
             </a:extLst>
           </p:cNvPr>
@@ -5392,7 +5392,7 @@
           <p:cNvPr id="4" name="날짜 개체 틀 3">
             <a:extLst>
               <a:ext uri="{FF2B5EF4-FFF2-40B4-BE49-F238E27FC236}">
-                <a16:creationId xmlns:a16="http://schemas.microsoft.com/office/drawing/2014/main" xmlns="" id="{9BD89330-5FC0-4648-B585-E0D227D4BF9F}"/>
+                <a16:creationId xmlns:a16="http://schemas.microsoft.com/office/drawing/2014/main" id="{9BD89330-5FC0-4648-B585-E0D227D4BF9F}"/>
               </a:ext>
             </a:extLst>
           </p:cNvPr>
@@ -5428,7 +5428,7 @@
           <a:p>
             <a:fld id="{765155EE-5AC6-4793-8598-ADB22C1B6B2D}" type="datetimeFigureOut">
               <a:rPr lang="ko-KR" altLang="en-US" smtClean="0"/>
-              <a:t>2022-03-19</a:t>
+              <a:t>2022-05-05</a:t>
             </a:fld>
             <a:endParaRPr lang="ko-KR" altLang="en-US"/>
           </a:p>
@@ -5439,7 +5439,7 @@
           <p:cNvPr id="5" name="바닥글 개체 틀 4">
             <a:extLst>
               <a:ext uri="{FF2B5EF4-FFF2-40B4-BE49-F238E27FC236}">
-                <a16:creationId xmlns:a16="http://schemas.microsoft.com/office/drawing/2014/main" xmlns="" id="{4F304167-3C8C-4CC4-AB5B-909CEE80A311}"/>
+                <a16:creationId xmlns:a16="http://schemas.microsoft.com/office/drawing/2014/main" id="{4F304167-3C8C-4CC4-AB5B-909CEE80A311}"/>
               </a:ext>
             </a:extLst>
           </p:cNvPr>
@@ -5482,7 +5482,7 @@
           <p:cNvPr id="6" name="슬라이드 번호 개체 틀 5">
             <a:extLst>
               <a:ext uri="{FF2B5EF4-FFF2-40B4-BE49-F238E27FC236}">
-                <a16:creationId xmlns:a16="http://schemas.microsoft.com/office/drawing/2014/main" xmlns="" id="{F11A7BC7-2B26-43DC-AFBF-FB80EE86858F}"/>
+                <a16:creationId xmlns:a16="http://schemas.microsoft.com/office/drawing/2014/main" id="{F11A7BC7-2B26-43DC-AFBF-FB80EE86858F}"/>
               </a:ext>
             </a:extLst>
           </p:cNvPr>
@@ -5850,7 +5850,7 @@
           <p:cNvPr id="2" name="제목 1">
             <a:extLst>
               <a:ext uri="{FF2B5EF4-FFF2-40B4-BE49-F238E27FC236}">
-                <a16:creationId xmlns:a16="http://schemas.microsoft.com/office/drawing/2014/main" xmlns="" id="{7FAC10C0-980D-4787-B3D9-26DD5B1F14A3}"/>
+                <a16:creationId xmlns:a16="http://schemas.microsoft.com/office/drawing/2014/main" id="{7FAC10C0-980D-4787-B3D9-26DD5B1F14A3}"/>
               </a:ext>
             </a:extLst>
           </p:cNvPr>
@@ -5895,7 +5895,7 @@
           <p:cNvPr id="3" name="부제목 2">
             <a:extLst>
               <a:ext uri="{FF2B5EF4-FFF2-40B4-BE49-F238E27FC236}">
-                <a16:creationId xmlns:a16="http://schemas.microsoft.com/office/drawing/2014/main" xmlns="" id="{6112054A-1739-4877-AD38-920E303D8CED}"/>
+                <a16:creationId xmlns:a16="http://schemas.microsoft.com/office/drawing/2014/main" id="{6112054A-1739-4877-AD38-920E303D8CED}"/>
               </a:ext>
             </a:extLst>
           </p:cNvPr>
@@ -5920,7 +5920,7 @@
           <p:cNvPr id="4" name="그룹 3">
             <a:extLst>
               <a:ext uri="{FF2B5EF4-FFF2-40B4-BE49-F238E27FC236}">
-                <a16:creationId xmlns:a16="http://schemas.microsoft.com/office/drawing/2014/main" xmlns="" id="{B6F6E4F6-4ECC-485D-9AE6-48F391234B2C}"/>
+                <a16:creationId xmlns:a16="http://schemas.microsoft.com/office/drawing/2014/main" id="{B6F6E4F6-4ECC-485D-9AE6-48F391234B2C}"/>
               </a:ext>
             </a:extLst>
           </p:cNvPr>
@@ -5940,7 +5940,7 @@
             <p:cNvPr id="5" name="직선 연결선 4">
               <a:extLst>
                 <a:ext uri="{FF2B5EF4-FFF2-40B4-BE49-F238E27FC236}">
-                  <a16:creationId xmlns:a16="http://schemas.microsoft.com/office/drawing/2014/main" xmlns="" id="{6D79124A-F436-442B-A3B4-BD5CAA0BC997}"/>
+                  <a16:creationId xmlns:a16="http://schemas.microsoft.com/office/drawing/2014/main" id="{6D79124A-F436-442B-A3B4-BD5CAA0BC997}"/>
                 </a:ext>
               </a:extLst>
             </p:cNvPr>
@@ -5977,7 +5977,7 @@
             <p:cNvPr id="6" name="직선 연결선 5">
               <a:extLst>
                 <a:ext uri="{FF2B5EF4-FFF2-40B4-BE49-F238E27FC236}">
-                  <a16:creationId xmlns:a16="http://schemas.microsoft.com/office/drawing/2014/main" xmlns="" id="{5FF9896F-E058-47F0-AC20-DFE9172A0659}"/>
+                  <a16:creationId xmlns:a16="http://schemas.microsoft.com/office/drawing/2014/main" id="{5FF9896F-E058-47F0-AC20-DFE9172A0659}"/>
                 </a:ext>
               </a:extLst>
             </p:cNvPr>
@@ -6014,7 +6014,7 @@
             <p:cNvPr id="7" name="직선 연결선 6">
               <a:extLst>
                 <a:ext uri="{FF2B5EF4-FFF2-40B4-BE49-F238E27FC236}">
-                  <a16:creationId xmlns:a16="http://schemas.microsoft.com/office/drawing/2014/main" xmlns="" id="{529546E5-9235-40E5-9064-99A4F5B4A8C8}"/>
+                  <a16:creationId xmlns:a16="http://schemas.microsoft.com/office/drawing/2014/main" id="{529546E5-9235-40E5-9064-99A4F5B4A8C8}"/>
                 </a:ext>
               </a:extLst>
             </p:cNvPr>
@@ -6053,7 +6053,7 @@
             <p:cNvPr id="8" name="직선 연결선 7">
               <a:extLst>
                 <a:ext uri="{FF2B5EF4-FFF2-40B4-BE49-F238E27FC236}">
-                  <a16:creationId xmlns:a16="http://schemas.microsoft.com/office/drawing/2014/main" xmlns="" id="{D302C329-419E-488D-BFD5-9046DED9CD2A}"/>
+                  <a16:creationId xmlns:a16="http://schemas.microsoft.com/office/drawing/2014/main" id="{D302C329-419E-488D-BFD5-9046DED9CD2A}"/>
                 </a:ext>
               </a:extLst>
             </p:cNvPr>
@@ -6092,7 +6092,7 @@
             <p:cNvPr id="9" name="타원 8">
               <a:extLst>
                 <a:ext uri="{FF2B5EF4-FFF2-40B4-BE49-F238E27FC236}">
-                  <a16:creationId xmlns:a16="http://schemas.microsoft.com/office/drawing/2014/main" xmlns="" id="{E4F8A6EF-1C62-41A0-B75E-A5BE98E4489D}"/>
+                  <a16:creationId xmlns:a16="http://schemas.microsoft.com/office/drawing/2014/main" id="{E4F8A6EF-1C62-41A0-B75E-A5BE98E4489D}"/>
                 </a:ext>
               </a:extLst>
             </p:cNvPr>
@@ -6146,7 +6146,7 @@
             <p:cNvPr id="10" name="타원 9">
               <a:extLst>
                 <a:ext uri="{FF2B5EF4-FFF2-40B4-BE49-F238E27FC236}">
-                  <a16:creationId xmlns:a16="http://schemas.microsoft.com/office/drawing/2014/main" xmlns="" id="{16BB25D7-56E8-441F-8D4A-61FB9179D625}"/>
+                  <a16:creationId xmlns:a16="http://schemas.microsoft.com/office/drawing/2014/main" id="{16BB25D7-56E8-441F-8D4A-61FB9179D625}"/>
                 </a:ext>
               </a:extLst>
             </p:cNvPr>
@@ -6231,7 +6231,7 @@
           <p:cNvPr id="2" name="제목 1">
             <a:extLst>
               <a:ext uri="{FF2B5EF4-FFF2-40B4-BE49-F238E27FC236}">
-                <a16:creationId xmlns:a16="http://schemas.microsoft.com/office/drawing/2014/main" xmlns="" id="{B0D0D6BF-BDD9-48B2-B072-093BAED78505}"/>
+                <a16:creationId xmlns:a16="http://schemas.microsoft.com/office/drawing/2014/main" id="{B0D0D6BF-BDD9-48B2-B072-093BAED78505}"/>
               </a:ext>
             </a:extLst>
           </p:cNvPr>
@@ -6248,10 +6248,9 @@
           <a:lstStyle/>
           <a:p>
             <a:r>
-              <a:rPr lang="ko-KR" altLang="en-US" dirty="0" smtClean="0"/>
+              <a:rPr lang="ko-KR" altLang="en-US" dirty="0"/>
               <a:t>추격 설명</a:t>
             </a:r>
-            <a:endParaRPr lang="ko-KR" altLang="en-US" dirty="0"/>
           </a:p>
         </p:txBody>
       </p:sp>
@@ -6260,7 +6259,7 @@
           <p:cNvPr id="3" name="내용 개체 틀 2">
             <a:extLst>
               <a:ext uri="{FF2B5EF4-FFF2-40B4-BE49-F238E27FC236}">
-                <a16:creationId xmlns:a16="http://schemas.microsoft.com/office/drawing/2014/main" xmlns="" id="{BED93B48-AA0D-45A5-BC61-836BE857E3A6}"/>
+                <a16:creationId xmlns:a16="http://schemas.microsoft.com/office/drawing/2014/main" id="{BED93B48-AA0D-45A5-BC61-836BE857E3A6}"/>
               </a:ext>
             </a:extLst>
           </p:cNvPr>
@@ -6320,7 +6319,7 @@
           <p:cNvPr id="40" name="표 28">
             <a:extLst>
               <a:ext uri="{FF2B5EF4-FFF2-40B4-BE49-F238E27FC236}">
-                <a16:creationId xmlns:a16="http://schemas.microsoft.com/office/drawing/2014/main" xmlns="" id="{881D1448-CB3C-4A8F-98E9-71C9A7C8F01B}"/>
+                <a16:creationId xmlns:a16="http://schemas.microsoft.com/office/drawing/2014/main" id="{881D1448-CB3C-4A8F-98E9-71C9A7C8F01B}"/>
               </a:ext>
             </a:extLst>
           </p:cNvPr>
@@ -6330,14 +6329,14 @@
           <p:nvPr>
             <p:extLst>
               <p:ext uri="{D42A27DB-BD31-4B8C-83A1-F6EECF244321}">
-                <p14:modId xmlns:p14="http://schemas.microsoft.com/office/powerpoint/2010/main" val="2284076911"/>
+                <p14:modId xmlns:p14="http://schemas.microsoft.com/office/powerpoint/2010/main" val="2471106480"/>
               </p:ext>
             </p:extLst>
           </p:nvPr>
         </p:nvGraphicFramePr>
         <p:xfrm>
           <a:off x="688374" y="2424608"/>
-          <a:ext cx="11010139" cy="767080"/>
+          <a:ext cx="11010139" cy="741680"/>
         </p:xfrm>
         <a:graphic>
           <a:graphicData uri="http://schemas.openxmlformats.org/drawingml/2006/table">
@@ -6349,25 +6348,31 @@
                 <a:gridCol w="624378">
                   <a:extLst>
                     <a:ext uri="{9D8B030D-6E8A-4147-A177-3AD203B41FA5}">
-                      <a16:colId xmlns:a16="http://schemas.microsoft.com/office/drawing/2014/main" xmlns="" val="2823673714"/>
+                      <a16:colId xmlns:a16="http://schemas.microsoft.com/office/drawing/2014/main" val="2823673714"/>
                     </a:ext>
                   </a:extLst>
                 </a:gridCol>
                 <a:gridCol w="1077363">
                   <a:extLst>
                     <a:ext uri="{9D8B030D-6E8A-4147-A177-3AD203B41FA5}">
-                      <a16:colId xmlns:a16="http://schemas.microsoft.com/office/drawing/2014/main" xmlns="" val="3657127649"/>
+                      <a16:colId xmlns:a16="http://schemas.microsoft.com/office/drawing/2014/main" val="3657127649"/>
                     </a:ext>
                   </a:extLst>
                 </a:gridCol>
                 <a:gridCol w="1321806">
                   <a:extLst>
                     <a:ext uri="{9D8B030D-6E8A-4147-A177-3AD203B41FA5}">
-                      <a16:colId xmlns:a16="http://schemas.microsoft.com/office/drawing/2014/main" xmlns="" val="2018470204"/>
+                      <a16:colId xmlns:a16="http://schemas.microsoft.com/office/drawing/2014/main" val="2018470204"/>
                     </a:ext>
                   </a:extLst>
                 </a:gridCol>
-                <a:gridCol w="7986592"/>
+                <a:gridCol w="7986592">
+                  <a:extLst>
+                    <a:ext uri="{9D8B030D-6E8A-4147-A177-3AD203B41FA5}">
+                      <a16:colId xmlns:a16="http://schemas.microsoft.com/office/drawing/2014/main" val="20003"/>
+                    </a:ext>
+                  </a:extLst>
+                </a:gridCol>
               </a:tblGrid>
               <a:tr h="370840">
                 <a:tc>
@@ -6399,10 +6404,9 @@
                         </a:lnSpc>
                       </a:pPr>
                       <a:r>
-                        <a:rPr lang="ko-KR" altLang="en-US" sz="1600" dirty="0" smtClean="0"/>
+                        <a:rPr lang="ko-KR" altLang="en-US" sz="1600" dirty="0"/>
                         <a:t>데이터</a:t>
                       </a:r>
-                      <a:endParaRPr lang="ko-KR" altLang="en-US" sz="1600" dirty="0"/>
                     </a:p>
                   </a:txBody>
                   <a:tcPr anchor="ctr"/>
@@ -6418,10 +6422,9 @@
                         </a:lnSpc>
                       </a:pPr>
                       <a:r>
-                        <a:rPr lang="ko-KR" altLang="en-US" sz="1600" dirty="0" smtClean="0"/>
+                        <a:rPr lang="ko-KR" altLang="en-US" sz="1600" dirty="0"/>
                         <a:t>값</a:t>
                       </a:r>
-                      <a:endParaRPr lang="ko-KR" altLang="en-US" sz="1600" dirty="0"/>
                     </a:p>
                   </a:txBody>
                   <a:tcPr anchor="ctr"/>
@@ -6437,17 +6440,16 @@
                         </a:lnSpc>
                       </a:pPr>
                       <a:r>
-                        <a:rPr lang="ko-KR" altLang="en-US" sz="1600" dirty="0" smtClean="0"/>
+                        <a:rPr lang="ko-KR" altLang="en-US" sz="1600" dirty="0"/>
                         <a:t>기능</a:t>
                       </a:r>
-                      <a:endParaRPr lang="ko-KR" altLang="en-US" sz="1600" dirty="0"/>
                     </a:p>
                   </a:txBody>
                   <a:tcPr anchor="ctr"/>
                 </a:tc>
                 <a:extLst>
                   <a:ext uri="{0D108BD9-81ED-4DB2-BD59-A6C34878D82A}">
-                    <a16:rowId xmlns:a16="http://schemas.microsoft.com/office/drawing/2014/main" xmlns="" val="3186733371"/>
+                    <a16:rowId xmlns:a16="http://schemas.microsoft.com/office/drawing/2014/main" val="3186733371"/>
                   </a:ext>
                 </a:extLst>
               </a:tr>
@@ -6463,7 +6465,7 @@
                         </a:lnSpc>
                       </a:pPr>
                       <a:r>
-                        <a:rPr lang="en-US" altLang="ko-KR" sz="1400" dirty="0" smtClean="0"/>
+                        <a:rPr lang="en-US" altLang="ko-KR" sz="1400" dirty="0"/>
                         <a:t>1</a:t>
                       </a:r>
                       <a:endParaRPr lang="ko-KR" altLang="en-US" sz="1400" dirty="0"/>
@@ -6482,7 +6484,7 @@
                         </a:lnSpc>
                       </a:pPr>
                       <a:r>
-                        <a:rPr lang="ko-KR" altLang="en-US" sz="1400" dirty="0" err="1" smtClean="0"/>
+                        <a:rPr lang="ko-KR" altLang="en-US" sz="1400" dirty="0" err="1"/>
                         <a:t>어그로</a:t>
                       </a:r>
                       <a:endParaRPr lang="ko-KR" altLang="en-US" sz="1400" dirty="0"/>
@@ -6501,8 +6503,8 @@
                         </a:lnSpc>
                       </a:pPr>
                       <a:r>
-                        <a:rPr lang="en-US" altLang="ko-KR" sz="1400" dirty="0" err="1" smtClean="0"/>
-                        <a:t>int</a:t>
+                        <a:rPr lang="en-US" altLang="ko-KR" sz="1400" dirty="0"/>
+                        <a:t>float</a:t>
                       </a:r>
                       <a:endParaRPr lang="ko-KR" altLang="en-US" sz="1400" dirty="0"/>
                     </a:p>
@@ -6520,19 +6522,19 @@
                         </a:lnSpc>
                       </a:pPr>
                       <a:r>
-                        <a:rPr lang="ko-KR" altLang="en-US" sz="1400" dirty="0" err="1" smtClean="0"/>
+                        <a:rPr lang="ko-KR" altLang="en-US" sz="1400" dirty="0" err="1"/>
                         <a:t>어그로</a:t>
                       </a:r>
                       <a:r>
-                        <a:rPr lang="ko-KR" altLang="en-US" sz="1400" dirty="0" smtClean="0"/>
+                        <a:rPr lang="ko-KR" altLang="en-US" sz="1400" dirty="0"/>
                         <a:t> 값 감소는</a:t>
                       </a:r>
                       <a:r>
-                        <a:rPr lang="ko-KR" altLang="en-US" sz="1400" baseline="0" dirty="0" smtClean="0"/>
+                        <a:rPr lang="ko-KR" altLang="en-US" sz="1400" baseline="0" dirty="0"/>
                         <a:t> 별도로 관리되는 고정 된 수치가 감소 한다</a:t>
                       </a:r>
                       <a:r>
-                        <a:rPr lang="en-US" altLang="ko-KR" sz="1400" baseline="0" dirty="0" smtClean="0"/>
+                        <a:rPr lang="en-US" altLang="ko-KR" sz="1400" baseline="0" dirty="0"/>
                         <a:t>.</a:t>
                       </a:r>
                       <a:endParaRPr lang="ko-KR" altLang="en-US" sz="1400" dirty="0"/>
@@ -6540,6 +6542,11 @@
                   </a:txBody>
                   <a:tcPr anchor="ctr"/>
                 </a:tc>
+                <a:extLst>
+                  <a:ext uri="{0D108BD9-81ED-4DB2-BD59-A6C34878D82A}">
+                    <a16:rowId xmlns:a16="http://schemas.microsoft.com/office/drawing/2014/main" val="10001"/>
+                  </a:ext>
+                </a:extLst>
               </a:tr>
             </a:tbl>
           </a:graphicData>
@@ -6550,7 +6557,7 @@
           <p:cNvPr id="5" name="TextBox 4">
             <a:extLst>
               <a:ext uri="{FF2B5EF4-FFF2-40B4-BE49-F238E27FC236}">
-                <a16:creationId xmlns:a16="http://schemas.microsoft.com/office/drawing/2014/main" xmlns="" id="{F27AAED5-21D0-4ADF-9BE8-460DB407CC40}"/>
+                <a16:creationId xmlns:a16="http://schemas.microsoft.com/office/drawing/2014/main" id="{F27AAED5-21D0-4ADF-9BE8-460DB407CC40}"/>
               </a:ext>
             </a:extLst>
           </p:cNvPr>
@@ -6581,19 +6588,19 @@
               <a:buChar char="•"/>
             </a:pPr>
             <a:r>
-              <a:rPr lang="ko-KR" altLang="en-US" sz="1400" dirty="0" smtClean="0"/>
+              <a:rPr lang="ko-KR" altLang="en-US" sz="1400" dirty="0"/>
               <a:t>추격은 보스 </a:t>
             </a:r>
             <a:r>
-              <a:rPr lang="ko-KR" altLang="en-US" sz="1400" dirty="0" err="1" smtClean="0"/>
+              <a:rPr lang="ko-KR" altLang="en-US" sz="1400" dirty="0" err="1"/>
               <a:t>몬스터가</a:t>
             </a:r>
             <a:r>
-              <a:rPr lang="ko-KR" altLang="en-US" sz="1400" dirty="0" smtClean="0"/>
+              <a:rPr lang="ko-KR" altLang="en-US" sz="1400" dirty="0"/>
               <a:t> 플레이어를 인지하고 따라가는 상태이다</a:t>
             </a:r>
             <a:r>
-              <a:rPr lang="en-US" altLang="ko-KR" sz="1400" dirty="0" smtClean="0"/>
+              <a:rPr lang="en-US" altLang="ko-KR" sz="1400" dirty="0"/>
               <a:t>.</a:t>
             </a:r>
           </a:p>
@@ -6606,11 +6613,11 @@
               <a:buChar char="•"/>
             </a:pPr>
             <a:r>
-              <a:rPr lang="ko-KR" altLang="en-US" sz="1400" dirty="0" smtClean="0"/>
+              <a:rPr lang="ko-KR" altLang="en-US" sz="1400" dirty="0"/>
               <a:t>추격하고 이동하는 과정에서 피해를 받거나 플레이어가 전투 범위 안으로 이동하면 전투로 전환 한다</a:t>
             </a:r>
             <a:r>
-              <a:rPr lang="en-US" altLang="ko-KR" sz="1400" dirty="0" smtClean="0"/>
+              <a:rPr lang="en-US" altLang="ko-KR" sz="1400" dirty="0"/>
               <a:t>.</a:t>
             </a:r>
             <a:endParaRPr lang="ko-KR" altLang="en-US" sz="1400" dirty="0"/>
@@ -6627,13 +6634,6 @@
   <p:clrMapOvr>
     <a:masterClrMapping/>
   </p:clrMapOvr>
-  <p:timing>
-    <p:tnLst>
-      <p:par>
-        <p:cTn id="1" dur="indefinite" restart="never" nodeType="tmRoot"/>
-      </p:par>
-    </p:tnLst>
-  </p:timing>
 </p:sld>
 </file>
 
@@ -6659,7 +6659,7 @@
           <p:cNvPr id="2" name="제목 1">
             <a:extLst>
               <a:ext uri="{FF2B5EF4-FFF2-40B4-BE49-F238E27FC236}">
-                <a16:creationId xmlns:a16="http://schemas.microsoft.com/office/drawing/2014/main" xmlns="" id="{B0D0D6BF-BDD9-48B2-B072-093BAED78505}"/>
+                <a16:creationId xmlns:a16="http://schemas.microsoft.com/office/drawing/2014/main" id="{B0D0D6BF-BDD9-48B2-B072-093BAED78505}"/>
               </a:ext>
             </a:extLst>
           </p:cNvPr>
@@ -6676,22 +6676,17 @@
           <a:lstStyle/>
           <a:p>
             <a:r>
-              <a:rPr lang="ko-KR" altLang="en-US" dirty="0" smtClean="0"/>
+              <a:rPr lang="ko-KR" altLang="en-US" dirty="0"/>
               <a:t>전투 </a:t>
             </a:r>
             <a:r>
-              <a:rPr lang="ko-KR" altLang="en-US" dirty="0" err="1" smtClean="0"/>
-              <a:t>플로</a:t>
-            </a:r>
-            <a:r>
-              <a:rPr lang="ko-KR" altLang="en-US" dirty="0" err="1" smtClean="0"/>
-              <a:t>우</a:t>
-            </a:r>
-            <a:r>
-              <a:rPr lang="ko-KR" altLang="en-US" dirty="0" smtClean="0"/>
+              <a:rPr lang="ko-KR" altLang="en-US" dirty="0" err="1"/>
+              <a:t>플로우</a:t>
+            </a:r>
+            <a:r>
+              <a:rPr lang="ko-KR" altLang="en-US" dirty="0"/>
               <a:t> 차트</a:t>
             </a:r>
-            <a:endParaRPr lang="ko-KR" altLang="en-US" dirty="0"/>
           </a:p>
         </p:txBody>
       </p:sp>
@@ -6700,7 +6695,7 @@
           <p:cNvPr id="3" name="내용 개체 틀 2">
             <a:extLst>
               <a:ext uri="{FF2B5EF4-FFF2-40B4-BE49-F238E27FC236}">
-                <a16:creationId xmlns:a16="http://schemas.microsoft.com/office/drawing/2014/main" xmlns="" id="{BED93B48-AA0D-45A5-BC61-836BE857E3A6}"/>
+                <a16:creationId xmlns:a16="http://schemas.microsoft.com/office/drawing/2014/main" id="{BED93B48-AA0D-45A5-BC61-836BE857E3A6}"/>
               </a:ext>
             </a:extLst>
           </p:cNvPr>
@@ -6760,7 +6755,7 @@
           <p:cNvPr id="6" name="순서도: 판단 5">
             <a:extLst>
               <a:ext uri="{FF2B5EF4-FFF2-40B4-BE49-F238E27FC236}">
-                <a16:creationId xmlns:a16="http://schemas.microsoft.com/office/drawing/2014/main" xmlns="" id="{FC609F0B-2115-405B-8324-342A061AB0BF}"/>
+                <a16:creationId xmlns:a16="http://schemas.microsoft.com/office/drawing/2014/main" id="{FC609F0B-2115-405B-8324-342A061AB0BF}"/>
               </a:ext>
             </a:extLst>
           </p:cNvPr>
@@ -6818,7 +6813,7 @@
           <p:cNvPr id="7" name="TextBox 6">
             <a:extLst>
               <a:ext uri="{FF2B5EF4-FFF2-40B4-BE49-F238E27FC236}">
-                <a16:creationId xmlns:a16="http://schemas.microsoft.com/office/drawing/2014/main" xmlns="" id="{F27AAED5-21D0-4ADF-9BE8-460DB407CC40}"/>
+                <a16:creationId xmlns:a16="http://schemas.microsoft.com/office/drawing/2014/main" id="{F27AAED5-21D0-4ADF-9BE8-460DB407CC40}"/>
               </a:ext>
             </a:extLst>
           </p:cNvPr>
@@ -6843,27 +6838,27 @@
           <a:p>
             <a:pPr algn="ctr"/>
             <a:r>
-              <a:rPr lang="ko-KR" altLang="en-US" sz="1000" dirty="0" err="1" smtClean="0"/>
+              <a:rPr lang="ko-KR" altLang="en-US" sz="1000" dirty="0" err="1"/>
               <a:t>스테미너</a:t>
             </a:r>
-            <a:endParaRPr lang="en-US" altLang="ko-KR" sz="1000" dirty="0" smtClean="0"/>
+            <a:endParaRPr lang="en-US" altLang="ko-KR" sz="1000" dirty="0"/>
           </a:p>
           <a:p>
             <a:pPr algn="ctr"/>
             <a:r>
-              <a:rPr lang="ko-KR" altLang="en-US" sz="1000" dirty="0" smtClean="0"/>
+              <a:rPr lang="ko-KR" altLang="en-US" sz="1000" dirty="0"/>
               <a:t>현재 </a:t>
             </a:r>
             <a:r>
-              <a:rPr lang="en-US" altLang="ko-KR" sz="1000" dirty="0" smtClean="0"/>
+              <a:rPr lang="en-US" altLang="ko-KR" sz="1000" dirty="0"/>
               <a:t>&lt; </a:t>
             </a:r>
             <a:r>
-              <a:rPr lang="ko-KR" altLang="en-US" sz="1000" dirty="0" smtClean="0"/>
+              <a:rPr lang="ko-KR" altLang="en-US" sz="1000" dirty="0"/>
               <a:t>최대</a:t>
             </a:r>
             <a:r>
-              <a:rPr lang="en-US" altLang="ko-KR" sz="1000" dirty="0" smtClean="0"/>
+              <a:rPr lang="en-US" altLang="ko-KR" sz="1000" dirty="0"/>
               <a:t>?</a:t>
             </a:r>
           </a:p>
@@ -6874,7 +6869,7 @@
           <p:cNvPr id="8" name="타원 7">
             <a:extLst>
               <a:ext uri="{FF2B5EF4-FFF2-40B4-BE49-F238E27FC236}">
-                <a16:creationId xmlns:a16="http://schemas.microsoft.com/office/drawing/2014/main" xmlns="" id="{D07271FD-A020-49D2-8CEF-5AD36D770F03}"/>
+                <a16:creationId xmlns:a16="http://schemas.microsoft.com/office/drawing/2014/main" id="{D07271FD-A020-49D2-8CEF-5AD36D770F03}"/>
               </a:ext>
             </a:extLst>
           </p:cNvPr>
@@ -6932,7 +6927,7 @@
           <p:cNvPr id="9" name="TextBox 8">
             <a:extLst>
               <a:ext uri="{FF2B5EF4-FFF2-40B4-BE49-F238E27FC236}">
-                <a16:creationId xmlns:a16="http://schemas.microsoft.com/office/drawing/2014/main" xmlns="" id="{F27AAED5-21D0-4ADF-9BE8-460DB407CC40}"/>
+                <a16:creationId xmlns:a16="http://schemas.microsoft.com/office/drawing/2014/main" id="{F27AAED5-21D0-4ADF-9BE8-460DB407CC40}"/>
               </a:ext>
             </a:extLst>
           </p:cNvPr>
@@ -6957,10 +6952,9 @@
           <a:p>
             <a:pPr algn="ctr"/>
             <a:r>
-              <a:rPr lang="ko-KR" altLang="en-US" sz="1400" dirty="0" smtClean="0"/>
+              <a:rPr lang="ko-KR" altLang="en-US" sz="1400" dirty="0"/>
               <a:t>전투</a:t>
             </a:r>
-            <a:endParaRPr lang="ko-KR" altLang="en-US" sz="1400" dirty="0"/>
           </a:p>
         </p:txBody>
       </p:sp>
@@ -7009,7 +7003,7 @@
           <a:p>
             <a:pPr algn="ctr"/>
             <a:r>
-              <a:rPr lang="ko-KR" altLang="en-US" sz="1000" dirty="0" smtClean="0">
+              <a:rPr lang="ko-KR" altLang="en-US" sz="1000" dirty="0">
                 <a:solidFill>
                   <a:schemeClr val="tx1"/>
                 </a:solidFill>
@@ -7017,23 +7011,18 @@
               <a:t>보스 상태 </a:t>
             </a:r>
             <a:r>
-              <a:rPr lang="en-US" altLang="ko-KR" sz="1000" dirty="0" smtClean="0">
+              <a:rPr lang="en-US" altLang="ko-KR" sz="1000" dirty="0">
                 <a:solidFill>
                   <a:schemeClr val="tx1"/>
                 </a:solidFill>
               </a:rPr>
               <a:t>:</a:t>
             </a:r>
-            <a:endParaRPr lang="en-US" altLang="ko-KR" sz="1000" dirty="0">
-              <a:solidFill>
-                <a:schemeClr val="tx1"/>
-              </a:solidFill>
-            </a:endParaRPr>
           </a:p>
           <a:p>
             <a:pPr algn="ctr"/>
             <a:r>
-              <a:rPr lang="en-US" altLang="ko-KR" sz="1000" dirty="0" smtClean="0">
+              <a:rPr lang="en-US" altLang="ko-KR" sz="1000" dirty="0">
                 <a:solidFill>
                   <a:schemeClr val="tx1"/>
                 </a:solidFill>
@@ -7041,18 +7030,13 @@
               <a:t> </a:t>
             </a:r>
             <a:r>
-              <a:rPr lang="ko-KR" altLang="en-US" sz="1000" dirty="0" smtClean="0">
+              <a:rPr lang="ko-KR" altLang="en-US" sz="1000" dirty="0">
                 <a:solidFill>
                   <a:schemeClr val="tx1"/>
                 </a:solidFill>
               </a:rPr>
               <a:t>전투 저장</a:t>
             </a:r>
-            <a:endParaRPr lang="ko-KR" altLang="en-US" sz="1000" dirty="0" smtClean="0">
-              <a:solidFill>
-                <a:schemeClr val="tx1"/>
-              </a:solidFill>
-            </a:endParaRPr>
           </a:p>
         </p:txBody>
       </p:sp>
@@ -7061,7 +7045,7 @@
           <p:cNvPr id="64" name="타원 63">
             <a:extLst>
               <a:ext uri="{FF2B5EF4-FFF2-40B4-BE49-F238E27FC236}">
-                <a16:creationId xmlns:a16="http://schemas.microsoft.com/office/drawing/2014/main" xmlns="" id="{D07271FD-A020-49D2-8CEF-5AD36D770F03}"/>
+                <a16:creationId xmlns:a16="http://schemas.microsoft.com/office/drawing/2014/main" id="{D07271FD-A020-49D2-8CEF-5AD36D770F03}"/>
               </a:ext>
             </a:extLst>
           </p:cNvPr>
@@ -7119,7 +7103,7 @@
           <p:cNvPr id="65" name="TextBox 64">
             <a:extLst>
               <a:ext uri="{FF2B5EF4-FFF2-40B4-BE49-F238E27FC236}">
-                <a16:creationId xmlns:a16="http://schemas.microsoft.com/office/drawing/2014/main" xmlns="" id="{F27AAED5-21D0-4ADF-9BE8-460DB407CC40}"/>
+                <a16:creationId xmlns:a16="http://schemas.microsoft.com/office/drawing/2014/main" id="{F27AAED5-21D0-4ADF-9BE8-460DB407CC40}"/>
               </a:ext>
             </a:extLst>
           </p:cNvPr>
@@ -7144,10 +7128,9 @@
           <a:p>
             <a:pPr algn="ctr"/>
             <a:r>
-              <a:rPr lang="ko-KR" altLang="en-US" sz="1400" dirty="0" smtClean="0"/>
+              <a:rPr lang="ko-KR" altLang="en-US" sz="1400" dirty="0"/>
               <a:t>턴 체크</a:t>
             </a:r>
-            <a:endParaRPr lang="ko-KR" altLang="en-US" sz="1400" dirty="0"/>
           </a:p>
         </p:txBody>
       </p:sp>
@@ -7273,7 +7256,7 @@
           <p:cNvPr id="54" name="순서도: 판단 53">
             <a:extLst>
               <a:ext uri="{FF2B5EF4-FFF2-40B4-BE49-F238E27FC236}">
-                <a16:creationId xmlns:a16="http://schemas.microsoft.com/office/drawing/2014/main" xmlns="" id="{FC609F0B-2115-405B-8324-342A061AB0BF}"/>
+                <a16:creationId xmlns:a16="http://schemas.microsoft.com/office/drawing/2014/main" id="{FC609F0B-2115-405B-8324-342A061AB0BF}"/>
               </a:ext>
             </a:extLst>
           </p:cNvPr>
@@ -7331,7 +7314,7 @@
           <p:cNvPr id="56" name="TextBox 55">
             <a:extLst>
               <a:ext uri="{FF2B5EF4-FFF2-40B4-BE49-F238E27FC236}">
-                <a16:creationId xmlns:a16="http://schemas.microsoft.com/office/drawing/2014/main" xmlns="" id="{F27AAED5-21D0-4ADF-9BE8-460DB407CC40}"/>
+                <a16:creationId xmlns:a16="http://schemas.microsoft.com/office/drawing/2014/main" id="{F27AAED5-21D0-4ADF-9BE8-460DB407CC40}"/>
               </a:ext>
             </a:extLst>
           </p:cNvPr>
@@ -7356,30 +7339,29 @@
           <a:p>
             <a:pPr algn="ctr"/>
             <a:r>
-              <a:rPr lang="ko-KR" altLang="en-US" sz="1000" dirty="0" smtClean="0"/>
+              <a:rPr lang="ko-KR" altLang="en-US" sz="1000" dirty="0"/>
               <a:t>스킬 </a:t>
             </a:r>
             <a:r>
-              <a:rPr lang="en-US" altLang="ko-KR" sz="1000" dirty="0" smtClean="0"/>
+              <a:rPr lang="en-US" altLang="ko-KR" sz="1000" dirty="0"/>
               <a:t>N</a:t>
             </a:r>
             <a:r>
-              <a:rPr lang="ko-KR" altLang="en-US" sz="1000" dirty="0" smtClean="0"/>
+              <a:rPr lang="ko-KR" altLang="en-US" sz="1000" dirty="0"/>
               <a:t>이 사용</a:t>
             </a:r>
-            <a:endParaRPr lang="en-US" altLang="ko-KR" sz="1000" dirty="0" smtClean="0"/>
+            <a:endParaRPr lang="en-US" altLang="ko-KR" sz="1000" dirty="0"/>
           </a:p>
           <a:p>
             <a:pPr algn="ctr"/>
             <a:r>
-              <a:rPr lang="ko-KR" altLang="en-US" sz="1000" dirty="0" smtClean="0"/>
+              <a:rPr lang="ko-KR" altLang="en-US" sz="1000" dirty="0"/>
               <a:t>가능한가</a:t>
             </a:r>
             <a:r>
-              <a:rPr lang="en-US" altLang="ko-KR" sz="1000" dirty="0" smtClean="0"/>
+              <a:rPr lang="en-US" altLang="ko-KR" sz="1000" dirty="0"/>
               <a:t>?</a:t>
             </a:r>
-            <a:endParaRPr lang="en-US" altLang="ko-KR" sz="1000" dirty="0" smtClean="0"/>
           </a:p>
         </p:txBody>
       </p:sp>
@@ -7428,7 +7410,7 @@
           <a:p>
             <a:pPr algn="ctr"/>
             <a:r>
-              <a:rPr lang="en-US" altLang="ko-KR" sz="1000" dirty="0" smtClean="0">
+              <a:rPr lang="en-US" altLang="ko-KR" sz="1000" dirty="0">
                 <a:solidFill>
                   <a:schemeClr val="tx1"/>
                 </a:solidFill>
@@ -7439,14 +7421,14 @@
           <a:p>
             <a:pPr algn="ctr"/>
             <a:r>
-              <a:rPr lang="en-US" altLang="ko-KR" sz="1000" dirty="0" smtClean="0">
+              <a:rPr lang="en-US" altLang="ko-KR" sz="1000" dirty="0">
                 <a:solidFill>
                   <a:schemeClr val="tx1"/>
                 </a:solidFill>
               </a:rPr>
               <a:t>S = 0</a:t>
             </a:r>
-            <a:endParaRPr lang="ko-KR" altLang="en-US" sz="1000" dirty="0" smtClean="0">
+            <a:endParaRPr lang="ko-KR" altLang="en-US" sz="1000" dirty="0">
               <a:solidFill>
                 <a:schemeClr val="tx1"/>
               </a:solidFill>
@@ -7498,7 +7480,7 @@
           <a:lstStyle/>
           <a:p>
             <a:pPr algn="ctr"/>
-            <a:endParaRPr lang="ko-KR" altLang="en-US" sz="1000" dirty="0" smtClean="0">
+            <a:endParaRPr lang="ko-KR" altLang="en-US" sz="1000" dirty="0">
               <a:solidFill>
                 <a:schemeClr val="tx1"/>
               </a:solidFill>
@@ -7511,7 +7493,7 @@
           <p:cNvPr id="71" name="순서도: 판단 70">
             <a:extLst>
               <a:ext uri="{FF2B5EF4-FFF2-40B4-BE49-F238E27FC236}">
-                <a16:creationId xmlns:a16="http://schemas.microsoft.com/office/drawing/2014/main" xmlns="" id="{FC609F0B-2115-405B-8324-342A061AB0BF}"/>
+                <a16:creationId xmlns:a16="http://schemas.microsoft.com/office/drawing/2014/main" id="{FC609F0B-2115-405B-8324-342A061AB0BF}"/>
               </a:ext>
             </a:extLst>
           </p:cNvPr>
@@ -7569,7 +7551,7 @@
           <p:cNvPr id="73" name="TextBox 72">
             <a:extLst>
               <a:ext uri="{FF2B5EF4-FFF2-40B4-BE49-F238E27FC236}">
-                <a16:creationId xmlns:a16="http://schemas.microsoft.com/office/drawing/2014/main" xmlns="" id="{F27AAED5-21D0-4ADF-9BE8-460DB407CC40}"/>
+                <a16:creationId xmlns:a16="http://schemas.microsoft.com/office/drawing/2014/main" id="{F27AAED5-21D0-4ADF-9BE8-460DB407CC40}"/>
               </a:ext>
             </a:extLst>
           </p:cNvPr>
@@ -7594,42 +7576,37 @@
           <a:p>
             <a:pPr algn="ctr"/>
             <a:r>
-              <a:rPr lang="ko-KR" altLang="en-US" sz="1000" dirty="0" smtClean="0"/>
+              <a:rPr lang="ko-KR" altLang="en-US" sz="1000" dirty="0"/>
               <a:t>스킬</a:t>
             </a:r>
             <a:r>
-              <a:rPr lang="en-US" altLang="ko-KR" sz="1000" dirty="0" smtClean="0"/>
+              <a:rPr lang="en-US" altLang="ko-KR" sz="1000" dirty="0"/>
               <a:t> N</a:t>
             </a:r>
             <a:r>
-              <a:rPr lang="ko-KR" altLang="en-US" sz="1000" dirty="0" smtClean="0"/>
+              <a:rPr lang="ko-KR" altLang="en-US" sz="1000" dirty="0"/>
               <a:t>이 </a:t>
             </a:r>
-            <a:endParaRPr lang="en-US" altLang="ko-KR" sz="1000" dirty="0" smtClean="0"/>
+            <a:endParaRPr lang="en-US" altLang="ko-KR" sz="1000" dirty="0"/>
           </a:p>
           <a:p>
             <a:pPr algn="ctr"/>
             <a:r>
-              <a:rPr lang="ko-KR" altLang="en-US" sz="1000" dirty="0" smtClean="0"/>
-              <a:t>이미 </a:t>
-            </a:r>
-            <a:r>
-              <a:rPr lang="ko-KR" altLang="en-US" sz="1000" dirty="0" smtClean="0"/>
-              <a:t>저장 되어</a:t>
-            </a:r>
-            <a:endParaRPr lang="en-US" altLang="ko-KR" sz="1000" dirty="0" smtClean="0"/>
+              <a:rPr lang="ko-KR" altLang="en-US" sz="1000" dirty="0"/>
+              <a:t>이미 저장 되어</a:t>
+            </a:r>
+            <a:endParaRPr lang="en-US" altLang="ko-KR" sz="1000" dirty="0"/>
           </a:p>
           <a:p>
             <a:pPr algn="ctr"/>
             <a:r>
-              <a:rPr lang="ko-KR" altLang="en-US" sz="1000" dirty="0" smtClean="0"/>
+              <a:rPr lang="ko-KR" altLang="en-US" sz="1000" dirty="0"/>
               <a:t>있는가</a:t>
             </a:r>
             <a:r>
-              <a:rPr lang="en-US" altLang="ko-KR" sz="1000" dirty="0" smtClean="0"/>
+              <a:rPr lang="en-US" altLang="ko-KR" sz="1000" dirty="0"/>
               <a:t>?</a:t>
             </a:r>
-            <a:endParaRPr lang="en-US" altLang="ko-KR" sz="1000" dirty="0" smtClean="0"/>
           </a:p>
         </p:txBody>
       </p:sp>
@@ -7638,7 +7615,7 @@
           <p:cNvPr id="74" name="직사각형 73">
             <a:extLst>
               <a:ext uri="{FF2B5EF4-FFF2-40B4-BE49-F238E27FC236}">
-                <a16:creationId xmlns:a16="http://schemas.microsoft.com/office/drawing/2014/main" xmlns="" id="{43D1D2BF-E427-4741-8C52-A409965921E2}"/>
+                <a16:creationId xmlns:a16="http://schemas.microsoft.com/office/drawing/2014/main" id="{43D1D2BF-E427-4741-8C52-A409965921E2}"/>
               </a:ext>
             </a:extLst>
           </p:cNvPr>
@@ -7684,7 +7661,7 @@
           <a:p>
             <a:pPr algn="ctr"/>
             <a:r>
-              <a:rPr lang="en-US" altLang="ko-KR" sz="1000" dirty="0" smtClean="0">
+              <a:rPr lang="en-US" altLang="ko-KR" sz="1000" dirty="0">
                 <a:solidFill>
                   <a:schemeClr val="tx1"/>
                 </a:solidFill>
@@ -7704,7 +7681,7 @@
           <p:cNvPr id="77" name="순서도: 판단 76">
             <a:extLst>
               <a:ext uri="{FF2B5EF4-FFF2-40B4-BE49-F238E27FC236}">
-                <a16:creationId xmlns:a16="http://schemas.microsoft.com/office/drawing/2014/main" xmlns="" id="{FC609F0B-2115-405B-8324-342A061AB0BF}"/>
+                <a16:creationId xmlns:a16="http://schemas.microsoft.com/office/drawing/2014/main" id="{FC609F0B-2115-405B-8324-342A061AB0BF}"/>
               </a:ext>
             </a:extLst>
           </p:cNvPr>
@@ -7762,7 +7739,7 @@
           <p:cNvPr id="79" name="TextBox 78">
             <a:extLst>
               <a:ext uri="{FF2B5EF4-FFF2-40B4-BE49-F238E27FC236}">
-                <a16:creationId xmlns:a16="http://schemas.microsoft.com/office/drawing/2014/main" xmlns="" id="{F27AAED5-21D0-4ADF-9BE8-460DB407CC40}"/>
+                <a16:creationId xmlns:a16="http://schemas.microsoft.com/office/drawing/2014/main" id="{F27AAED5-21D0-4ADF-9BE8-460DB407CC40}"/>
               </a:ext>
             </a:extLst>
           </p:cNvPr>
@@ -7787,35 +7764,35 @@
           <a:p>
             <a:pPr algn="ctr"/>
             <a:r>
-              <a:rPr lang="ko-KR" altLang="en-US" sz="1000" smtClean="0"/>
+              <a:rPr lang="ko-KR" altLang="en-US" sz="1000"/>
               <a:t>스킬 </a:t>
             </a:r>
             <a:r>
-              <a:rPr lang="en-US" altLang="ko-KR" sz="1000" dirty="0" smtClean="0"/>
+              <a:rPr lang="en-US" altLang="ko-KR" sz="1000" dirty="0"/>
               <a:t>S</a:t>
             </a:r>
             <a:r>
-              <a:rPr lang="ko-KR" altLang="en-US" sz="1000" dirty="0" smtClean="0"/>
+              <a:rPr lang="ko-KR" altLang="en-US" sz="1000" dirty="0"/>
               <a:t>가 있고</a:t>
             </a:r>
-            <a:endParaRPr lang="en-US" altLang="ko-KR" sz="1000" dirty="0" smtClean="0"/>
+            <a:endParaRPr lang="en-US" altLang="ko-KR" sz="1000" dirty="0"/>
           </a:p>
           <a:p>
             <a:pPr algn="ctr"/>
             <a:r>
-              <a:rPr lang="ko-KR" altLang="en-US" sz="1000" dirty="0" smtClean="0"/>
+              <a:rPr lang="ko-KR" altLang="en-US" sz="1000" dirty="0"/>
               <a:t>플레이어를 공격</a:t>
             </a:r>
-            <a:endParaRPr lang="en-US" altLang="ko-KR" sz="1000" dirty="0" smtClean="0"/>
+            <a:endParaRPr lang="en-US" altLang="ko-KR" sz="1000" dirty="0"/>
           </a:p>
           <a:p>
             <a:pPr algn="ctr"/>
             <a:r>
-              <a:rPr lang="ko-KR" altLang="en-US" sz="1000" dirty="0" smtClean="0"/>
+              <a:rPr lang="ko-KR" altLang="en-US" sz="1000" dirty="0"/>
               <a:t>가능한가</a:t>
             </a:r>
             <a:r>
-              <a:rPr lang="en-US" altLang="ko-KR" sz="1000" dirty="0" smtClean="0"/>
+              <a:rPr lang="en-US" altLang="ko-KR" sz="1000" dirty="0"/>
               <a:t>?</a:t>
             </a:r>
           </a:p>
@@ -7845,30 +7822,29 @@
           <a:p>
             <a:pPr algn="ctr"/>
             <a:r>
-              <a:rPr lang="en-US" altLang="ko-KR" sz="1000" smtClean="0"/>
+              <a:rPr lang="en-US" altLang="ko-KR" sz="1000"/>
               <a:t>SkillUse</a:t>
             </a:r>
             <a:r>
-              <a:rPr lang="ko-KR" altLang="en-US" sz="1000" dirty="0" smtClean="0"/>
+              <a:rPr lang="ko-KR" altLang="en-US" sz="1000" dirty="0"/>
               <a:t>에</a:t>
             </a:r>
-            <a:endParaRPr lang="en-US" altLang="ko-KR" sz="1000" dirty="0" smtClean="0"/>
+            <a:endParaRPr lang="en-US" altLang="ko-KR" sz="1000" dirty="0"/>
           </a:p>
           <a:p>
             <a:pPr algn="ctr"/>
             <a:r>
-              <a:rPr lang="ko-KR" altLang="en-US" sz="1000" dirty="0" smtClean="0"/>
+              <a:rPr lang="ko-KR" altLang="en-US" sz="1000" dirty="0"/>
               <a:t>스킬 </a:t>
             </a:r>
             <a:r>
-              <a:rPr lang="en-US" altLang="ko-KR" sz="1000" dirty="0" smtClean="0"/>
+              <a:rPr lang="en-US" altLang="ko-KR" sz="1000" dirty="0"/>
               <a:t>N </a:t>
             </a:r>
             <a:r>
-              <a:rPr lang="ko-KR" altLang="en-US" sz="1000" dirty="0" smtClean="0"/>
+              <a:rPr lang="ko-KR" altLang="en-US" sz="1000" dirty="0"/>
               <a:t>저장</a:t>
             </a:r>
-            <a:endParaRPr lang="ko-KR" altLang="en-US" sz="1000" dirty="0"/>
           </a:p>
         </p:txBody>
       </p:sp>
@@ -7877,7 +7853,7 @@
           <p:cNvPr id="82" name="순서도: 판단 81">
             <a:extLst>
               <a:ext uri="{FF2B5EF4-FFF2-40B4-BE49-F238E27FC236}">
-                <a16:creationId xmlns:a16="http://schemas.microsoft.com/office/drawing/2014/main" xmlns="" id="{FC609F0B-2115-405B-8324-342A061AB0BF}"/>
+                <a16:creationId xmlns:a16="http://schemas.microsoft.com/office/drawing/2014/main" id="{FC609F0B-2115-405B-8324-342A061AB0BF}"/>
               </a:ext>
             </a:extLst>
           </p:cNvPr>
@@ -7935,7 +7911,7 @@
           <p:cNvPr id="83" name="TextBox 82">
             <a:extLst>
               <a:ext uri="{FF2B5EF4-FFF2-40B4-BE49-F238E27FC236}">
-                <a16:creationId xmlns:a16="http://schemas.microsoft.com/office/drawing/2014/main" xmlns="" id="{F27AAED5-21D0-4ADF-9BE8-460DB407CC40}"/>
+                <a16:creationId xmlns:a16="http://schemas.microsoft.com/office/drawing/2014/main" id="{F27AAED5-21D0-4ADF-9BE8-460DB407CC40}"/>
               </a:ext>
             </a:extLst>
           </p:cNvPr>
@@ -7960,7 +7936,7 @@
           <a:p>
             <a:pPr algn="ctr"/>
             <a:r>
-              <a:rPr lang="en-US" altLang="ko-KR" sz="1000" dirty="0" smtClean="0"/>
+              <a:rPr lang="en-US" altLang="ko-KR" sz="1000" dirty="0"/>
               <a:t>N &gt; 4</a:t>
             </a:r>
           </a:p>
@@ -8051,7 +8027,7 @@
           <p:cNvPr id="86" name="직사각형 85">
             <a:extLst>
               <a:ext uri="{FF2B5EF4-FFF2-40B4-BE49-F238E27FC236}">
-                <a16:creationId xmlns:a16="http://schemas.microsoft.com/office/drawing/2014/main" xmlns="" id="{43D1D2BF-E427-4741-8C52-A409965921E2}"/>
+                <a16:creationId xmlns:a16="http://schemas.microsoft.com/office/drawing/2014/main" id="{43D1D2BF-E427-4741-8C52-A409965921E2}"/>
               </a:ext>
             </a:extLst>
           </p:cNvPr>
@@ -8097,7 +8073,7 @@
           <a:p>
             <a:pPr algn="ctr"/>
             <a:r>
-              <a:rPr lang="en-US" altLang="ko-KR" sz="1000" dirty="0" smtClean="0">
+              <a:rPr lang="en-US" altLang="ko-KR" sz="1000" dirty="0">
                 <a:solidFill>
                   <a:schemeClr val="tx1"/>
                 </a:solidFill>
@@ -8156,7 +8132,7 @@
           <a:lstStyle/>
           <a:p>
             <a:pPr algn="ctr"/>
-            <a:endParaRPr lang="ko-KR" altLang="en-US" sz="1000" dirty="0" smtClean="0">
+            <a:endParaRPr lang="ko-KR" altLang="en-US" sz="1000" dirty="0">
               <a:solidFill>
                 <a:schemeClr val="tx1"/>
               </a:solidFill>
@@ -8188,34 +8164,29 @@
           <a:p>
             <a:pPr algn="ctr"/>
             <a:r>
-              <a:rPr lang="en-US" altLang="ko-KR" sz="1000" dirty="0" err="1" smtClean="0"/>
+              <a:rPr lang="en-US" altLang="ko-KR" sz="1000" dirty="0" err="1"/>
               <a:t>SkillAtv</a:t>
             </a:r>
             <a:r>
-              <a:rPr lang="ko-KR" altLang="en-US" sz="1000" dirty="0" smtClean="0"/>
+              <a:rPr lang="ko-KR" altLang="en-US" sz="1000" dirty="0"/>
               <a:t>에</a:t>
             </a:r>
-            <a:endParaRPr lang="en-US" altLang="ko-KR" sz="1000" dirty="0" smtClean="0"/>
+            <a:endParaRPr lang="en-US" altLang="ko-KR" sz="1000" dirty="0"/>
           </a:p>
           <a:p>
             <a:pPr algn="ctr"/>
             <a:r>
-              <a:rPr lang="ko-KR" altLang="en-US" sz="1000" dirty="0" smtClean="0"/>
+              <a:rPr lang="ko-KR" altLang="en-US" sz="1000" dirty="0"/>
               <a:t>스킬 </a:t>
             </a:r>
             <a:r>
               <a:rPr lang="en-US" altLang="ko-KR" sz="1000" dirty="0"/>
-              <a:t>S</a:t>
-            </a:r>
-            <a:r>
-              <a:rPr lang="en-US" altLang="ko-KR" sz="1000" dirty="0" smtClean="0"/>
-              <a:t> </a:t>
-            </a:r>
-            <a:r>
-              <a:rPr lang="ko-KR" altLang="en-US" sz="1000" dirty="0" smtClean="0"/>
+              <a:t>S </a:t>
+            </a:r>
+            <a:r>
+              <a:rPr lang="ko-KR" altLang="en-US" sz="1000" dirty="0"/>
               <a:t>저장</a:t>
             </a:r>
-            <a:endParaRPr lang="ko-KR" altLang="en-US" sz="1000" dirty="0"/>
           </a:p>
         </p:txBody>
       </p:sp>
@@ -8224,7 +8195,7 @@
           <p:cNvPr id="92" name="순서도: 판단 91">
             <a:extLst>
               <a:ext uri="{FF2B5EF4-FFF2-40B4-BE49-F238E27FC236}">
-                <a16:creationId xmlns:a16="http://schemas.microsoft.com/office/drawing/2014/main" xmlns="" id="{FC609F0B-2115-405B-8324-342A061AB0BF}"/>
+                <a16:creationId xmlns:a16="http://schemas.microsoft.com/office/drawing/2014/main" id="{FC609F0B-2115-405B-8324-342A061AB0BF}"/>
               </a:ext>
             </a:extLst>
           </p:cNvPr>
@@ -8282,7 +8253,7 @@
           <p:cNvPr id="93" name="TextBox 92">
             <a:extLst>
               <a:ext uri="{FF2B5EF4-FFF2-40B4-BE49-F238E27FC236}">
-                <a16:creationId xmlns:a16="http://schemas.microsoft.com/office/drawing/2014/main" xmlns="" id="{F27AAED5-21D0-4ADF-9BE8-460DB407CC40}"/>
+                <a16:creationId xmlns:a16="http://schemas.microsoft.com/office/drawing/2014/main" id="{F27AAED5-21D0-4ADF-9BE8-460DB407CC40}"/>
               </a:ext>
             </a:extLst>
           </p:cNvPr>
@@ -8307,7 +8278,7 @@
           <a:p>
             <a:pPr algn="ctr"/>
             <a:r>
-              <a:rPr lang="en-US" altLang="ko-KR" sz="1000" dirty="0" smtClean="0"/>
+              <a:rPr lang="en-US" altLang="ko-KR" sz="1000" dirty="0"/>
               <a:t>S &gt; 4</a:t>
             </a:r>
           </a:p>
@@ -8318,7 +8289,7 @@
           <p:cNvPr id="94" name="직사각형 93">
             <a:extLst>
               <a:ext uri="{FF2B5EF4-FFF2-40B4-BE49-F238E27FC236}">
-                <a16:creationId xmlns:a16="http://schemas.microsoft.com/office/drawing/2014/main" xmlns="" id="{43D1D2BF-E427-4741-8C52-A409965921E2}"/>
+                <a16:creationId xmlns:a16="http://schemas.microsoft.com/office/drawing/2014/main" id="{43D1D2BF-E427-4741-8C52-A409965921E2}"/>
               </a:ext>
             </a:extLst>
           </p:cNvPr>
@@ -8364,7 +8335,7 @@
           <a:p>
             <a:pPr algn="ctr"/>
             <a:r>
-              <a:rPr lang="ko-KR" altLang="en-US" sz="1000" dirty="0" smtClean="0">
+              <a:rPr lang="ko-KR" altLang="en-US" sz="1000" dirty="0">
                 <a:solidFill>
                   <a:schemeClr val="tx1"/>
                 </a:solidFill>
@@ -8372,13 +8343,32 @@
               <a:t>선택 스킬 </a:t>
             </a:r>
             <a:r>
-              <a:rPr lang="en-US" altLang="ko-KR" sz="1000" dirty="0" smtClean="0">
+              <a:rPr lang="en-US" altLang="ko-KR" sz="1000" dirty="0">
                 <a:solidFill>
                   <a:schemeClr val="tx1"/>
                 </a:solidFill>
               </a:rPr>
               <a:t>RND</a:t>
             </a:r>
+          </a:p>
+          <a:p>
+            <a:pPr algn="ctr"/>
+            <a:r>
+              <a:rPr lang="ko-KR" altLang="en-US" sz="1000" dirty="0">
+                <a:solidFill>
+                  <a:schemeClr val="tx1"/>
+                </a:solidFill>
+              </a:rPr>
+              <a:t>사용 및 </a:t>
+            </a:r>
+            <a:r>
+              <a:rPr lang="ko-KR" altLang="en-US" sz="1000" dirty="0" err="1">
+                <a:solidFill>
+                  <a:schemeClr val="tx1"/>
+                </a:solidFill>
+              </a:rPr>
+              <a:t>스테미너</a:t>
+            </a:r>
             <a:endParaRPr lang="en-US" altLang="ko-KR" sz="1000" dirty="0">
               <a:solidFill>
                 <a:schemeClr val="tx1"/>
@@ -8388,38 +8378,14 @@
           <a:p>
             <a:pPr algn="ctr"/>
             <a:r>
-              <a:rPr lang="ko-KR" altLang="en-US" sz="1000" dirty="0" smtClean="0">
-                <a:solidFill>
-                  <a:schemeClr val="tx1"/>
-                </a:solidFill>
-              </a:rPr>
-              <a:t>사용 및 </a:t>
-            </a:r>
-            <a:r>
-              <a:rPr lang="ko-KR" altLang="en-US" sz="1000" dirty="0" err="1" smtClean="0">
-                <a:solidFill>
-                  <a:schemeClr val="tx1"/>
-                </a:solidFill>
-              </a:rPr>
-              <a:t>스테미너</a:t>
-            </a:r>
-            <a:endParaRPr lang="en-US" altLang="ko-KR" sz="1000" dirty="0" smtClean="0">
-              <a:solidFill>
-                <a:schemeClr val="tx1"/>
-              </a:solidFill>
-            </a:endParaRPr>
-          </a:p>
-          <a:p>
-            <a:pPr algn="ctr"/>
-            <a:r>
-              <a:rPr lang="ko-KR" altLang="en-US" sz="1000" dirty="0" smtClean="0">
+              <a:rPr lang="ko-KR" altLang="en-US" sz="1000" dirty="0">
                 <a:solidFill>
                   <a:schemeClr val="tx1"/>
                 </a:solidFill>
               </a:rPr>
               <a:t>감소</a:t>
             </a:r>
-            <a:endParaRPr lang="en-US" altLang="ko-KR" sz="1000" dirty="0" smtClean="0">
+            <a:endParaRPr lang="en-US" altLang="ko-KR" sz="1000" dirty="0">
               <a:solidFill>
                 <a:schemeClr val="tx1"/>
               </a:solidFill>
@@ -8980,7 +8946,7 @@
           <a:lstStyle/>
           <a:p>
             <a:pPr algn="ctr"/>
-            <a:endParaRPr lang="ko-KR" altLang="en-US" sz="1400" dirty="0" smtClean="0">
+            <a:endParaRPr lang="ko-KR" altLang="en-US" sz="1400" dirty="0">
               <a:solidFill>
                 <a:schemeClr val="tx1"/>
               </a:solidFill>
@@ -9110,7 +9076,7 @@
           <p:cNvPr id="132" name="타원 131">
             <a:extLst>
               <a:ext uri="{FF2B5EF4-FFF2-40B4-BE49-F238E27FC236}">
-                <a16:creationId xmlns:a16="http://schemas.microsoft.com/office/drawing/2014/main" xmlns="" id="{E823F898-3057-4BBE-8138-A2A83C8311FA}"/>
+                <a16:creationId xmlns:a16="http://schemas.microsoft.com/office/drawing/2014/main" id="{E823F898-3057-4BBE-8138-A2A83C8311FA}"/>
               </a:ext>
             </a:extLst>
           </p:cNvPr>
@@ -9176,7 +9142,7 @@
           <p:cNvPr id="133" name="타원 132">
             <a:extLst>
               <a:ext uri="{FF2B5EF4-FFF2-40B4-BE49-F238E27FC236}">
-                <a16:creationId xmlns:a16="http://schemas.microsoft.com/office/drawing/2014/main" xmlns="" id="{E823F898-3057-4BBE-8138-A2A83C8311FA}"/>
+                <a16:creationId xmlns:a16="http://schemas.microsoft.com/office/drawing/2014/main" id="{E823F898-3057-4BBE-8138-A2A83C8311FA}"/>
               </a:ext>
             </a:extLst>
           </p:cNvPr>
@@ -9222,7 +9188,7 @@
           <a:p>
             <a:pPr algn="ctr"/>
             <a:r>
-              <a:rPr lang="en-US" altLang="ko-KR" sz="1400" dirty="0" smtClean="0">
+              <a:rPr lang="en-US" altLang="ko-KR" sz="1400" dirty="0">
                 <a:solidFill>
                   <a:schemeClr val="tx1"/>
                 </a:solidFill>
@@ -9242,7 +9208,7 @@
           <p:cNvPr id="134" name="타원 133">
             <a:extLst>
               <a:ext uri="{FF2B5EF4-FFF2-40B4-BE49-F238E27FC236}">
-                <a16:creationId xmlns:a16="http://schemas.microsoft.com/office/drawing/2014/main" xmlns="" id="{E823F898-3057-4BBE-8138-A2A83C8311FA}"/>
+                <a16:creationId xmlns:a16="http://schemas.microsoft.com/office/drawing/2014/main" id="{E823F898-3057-4BBE-8138-A2A83C8311FA}"/>
               </a:ext>
             </a:extLst>
           </p:cNvPr>
@@ -9288,7 +9254,7 @@
           <a:p>
             <a:pPr algn="ctr"/>
             <a:r>
-              <a:rPr lang="en-US" altLang="ko-KR" sz="1400" dirty="0" smtClean="0">
+              <a:rPr lang="en-US" altLang="ko-KR" sz="1400" dirty="0">
                 <a:solidFill>
                   <a:schemeClr val="tx1"/>
                 </a:solidFill>
@@ -9313,13 +9279,6 @@
   <p:clrMapOvr>
     <a:masterClrMapping/>
   </p:clrMapOvr>
-  <p:timing>
-    <p:tnLst>
-      <p:par>
-        <p:cTn id="1" dur="indefinite" restart="never" nodeType="tmRoot"/>
-      </p:par>
-    </p:tnLst>
-  </p:timing>
 </p:sld>
 </file>
 
@@ -9345,7 +9304,7 @@
           <p:cNvPr id="2" name="제목 1">
             <a:extLst>
               <a:ext uri="{FF2B5EF4-FFF2-40B4-BE49-F238E27FC236}">
-                <a16:creationId xmlns:a16="http://schemas.microsoft.com/office/drawing/2014/main" xmlns="" id="{B0D0D6BF-BDD9-48B2-B072-093BAED78505}"/>
+                <a16:creationId xmlns:a16="http://schemas.microsoft.com/office/drawing/2014/main" id="{B0D0D6BF-BDD9-48B2-B072-093BAED78505}"/>
               </a:ext>
             </a:extLst>
           </p:cNvPr>
@@ -9362,10 +9321,9 @@
           <a:lstStyle/>
           <a:p>
             <a:r>
-              <a:rPr lang="ko-KR" altLang="en-US" dirty="0" smtClean="0"/>
+              <a:rPr lang="ko-KR" altLang="en-US" dirty="0"/>
               <a:t>대기 설명</a:t>
             </a:r>
-            <a:endParaRPr lang="ko-KR" altLang="en-US" dirty="0"/>
           </a:p>
         </p:txBody>
       </p:sp>
@@ -9374,7 +9332,7 @@
           <p:cNvPr id="3" name="내용 개체 틀 2">
             <a:extLst>
               <a:ext uri="{FF2B5EF4-FFF2-40B4-BE49-F238E27FC236}">
-                <a16:creationId xmlns:a16="http://schemas.microsoft.com/office/drawing/2014/main" xmlns="" id="{BED93B48-AA0D-45A5-BC61-836BE857E3A6}"/>
+                <a16:creationId xmlns:a16="http://schemas.microsoft.com/office/drawing/2014/main" id="{BED93B48-AA0D-45A5-BC61-836BE857E3A6}"/>
               </a:ext>
             </a:extLst>
           </p:cNvPr>
@@ -9434,7 +9392,7 @@
           <p:cNvPr id="40" name="표 28">
             <a:extLst>
               <a:ext uri="{FF2B5EF4-FFF2-40B4-BE49-F238E27FC236}">
-                <a16:creationId xmlns:a16="http://schemas.microsoft.com/office/drawing/2014/main" xmlns="" id="{881D1448-CB3C-4A8F-98E9-71C9A7C8F01B}"/>
+                <a16:creationId xmlns:a16="http://schemas.microsoft.com/office/drawing/2014/main" id="{881D1448-CB3C-4A8F-98E9-71C9A7C8F01B}"/>
               </a:ext>
             </a:extLst>
           </p:cNvPr>
@@ -9444,14 +9402,14 @@
           <p:nvPr>
             <p:extLst>
               <p:ext uri="{D42A27DB-BD31-4B8C-83A1-F6EECF244321}">
-                <p14:modId xmlns:p14="http://schemas.microsoft.com/office/powerpoint/2010/main" val="2982482361"/>
+                <p14:modId xmlns:p14="http://schemas.microsoft.com/office/powerpoint/2010/main" val="3377222173"/>
               </p:ext>
             </p:extLst>
           </p:nvPr>
         </p:nvGraphicFramePr>
         <p:xfrm>
           <a:off x="688374" y="1818029"/>
-          <a:ext cx="11010139" cy="2509584"/>
+          <a:ext cx="11010139" cy="2428432"/>
         </p:xfrm>
         <a:graphic>
           <a:graphicData uri="http://schemas.openxmlformats.org/drawingml/2006/table">
@@ -9463,26 +9421,38 @@
                 <a:gridCol w="687753">
                   <a:extLst>
                     <a:ext uri="{9D8B030D-6E8A-4147-A177-3AD203B41FA5}">
-                      <a16:colId xmlns:a16="http://schemas.microsoft.com/office/drawing/2014/main" xmlns="" val="2823673714"/>
+                      <a16:colId xmlns:a16="http://schemas.microsoft.com/office/drawing/2014/main" val="2823673714"/>
                     </a:ext>
                   </a:extLst>
                 </a:gridCol>
                 <a:gridCol w="1285592">
                   <a:extLst>
                     <a:ext uri="{9D8B030D-6E8A-4147-A177-3AD203B41FA5}">
-                      <a16:colId xmlns:a16="http://schemas.microsoft.com/office/drawing/2014/main" xmlns="" val="3657127649"/>
+                      <a16:colId xmlns:a16="http://schemas.microsoft.com/office/drawing/2014/main" val="3657127649"/>
                     </a:ext>
                   </a:extLst>
                 </a:gridCol>
                 <a:gridCol w="776593">
                   <a:extLst>
                     <a:ext uri="{9D8B030D-6E8A-4147-A177-3AD203B41FA5}">
-                      <a16:colId xmlns:a16="http://schemas.microsoft.com/office/drawing/2014/main" xmlns="" val="2018470204"/>
+                      <a16:colId xmlns:a16="http://schemas.microsoft.com/office/drawing/2014/main" val="2018470204"/>
                     </a:ext>
                   </a:extLst>
                 </a:gridCol>
-                <a:gridCol w="996338"/>
-                <a:gridCol w="7263863"/>
+                <a:gridCol w="996338">
+                  <a:extLst>
+                    <a:ext uri="{9D8B030D-6E8A-4147-A177-3AD203B41FA5}">
+                      <a16:colId xmlns:a16="http://schemas.microsoft.com/office/drawing/2014/main" val="20003"/>
+                    </a:ext>
+                  </a:extLst>
+                </a:gridCol>
+                <a:gridCol w="7263863">
+                  <a:extLst>
+                    <a:ext uri="{9D8B030D-6E8A-4147-A177-3AD203B41FA5}">
+                      <a16:colId xmlns:a16="http://schemas.microsoft.com/office/drawing/2014/main" val="20004"/>
+                    </a:ext>
+                  </a:extLst>
+                </a:gridCol>
               </a:tblGrid>
               <a:tr h="370840">
                 <a:tc>
@@ -9514,10 +9484,9 @@
                         </a:lnSpc>
                       </a:pPr>
                       <a:r>
-                        <a:rPr lang="ko-KR" altLang="en-US" sz="1600" dirty="0" smtClean="0"/>
+                        <a:rPr lang="ko-KR" altLang="en-US" sz="1600" dirty="0"/>
                         <a:t>데이터</a:t>
                       </a:r>
-                      <a:endParaRPr lang="ko-KR" altLang="en-US" sz="1600" dirty="0"/>
                     </a:p>
                   </a:txBody>
                   <a:tcPr anchor="ctr"/>
@@ -9533,10 +9502,9 @@
                         </a:lnSpc>
                       </a:pPr>
                       <a:r>
-                        <a:rPr lang="ko-KR" altLang="en-US" sz="1600" dirty="0" smtClean="0"/>
+                        <a:rPr lang="ko-KR" altLang="en-US" sz="1600" dirty="0"/>
                         <a:t>값</a:t>
                       </a:r>
-                      <a:endParaRPr lang="ko-KR" altLang="en-US" sz="1600" dirty="0"/>
                     </a:p>
                   </a:txBody>
                   <a:tcPr anchor="ctr"/>
@@ -9552,10 +9520,9 @@
                         </a:lnSpc>
                       </a:pPr>
                       <a:r>
-                        <a:rPr lang="ko-KR" altLang="en-US" sz="1600" dirty="0" smtClean="0"/>
+                        <a:rPr lang="ko-KR" altLang="en-US" sz="1600" dirty="0"/>
                         <a:t>명칭</a:t>
                       </a:r>
-                      <a:endParaRPr lang="ko-KR" altLang="en-US" sz="1600" dirty="0"/>
                     </a:p>
                   </a:txBody>
                   <a:tcPr anchor="ctr"/>
@@ -9571,17 +9538,16 @@
                         </a:lnSpc>
                       </a:pPr>
                       <a:r>
-                        <a:rPr lang="ko-KR" altLang="en-US" sz="1600" dirty="0" smtClean="0"/>
+                        <a:rPr lang="ko-KR" altLang="en-US" sz="1600" dirty="0"/>
                         <a:t>기능</a:t>
                       </a:r>
-                      <a:endParaRPr lang="ko-KR" altLang="en-US" sz="1600" dirty="0"/>
                     </a:p>
                   </a:txBody>
                   <a:tcPr anchor="ctr"/>
                 </a:tc>
                 <a:extLst>
                   <a:ext uri="{0D108BD9-81ED-4DB2-BD59-A6C34878D82A}">
-                    <a16:rowId xmlns:a16="http://schemas.microsoft.com/office/drawing/2014/main" xmlns="" val="3186733371"/>
+                    <a16:rowId xmlns:a16="http://schemas.microsoft.com/office/drawing/2014/main" val="3186733371"/>
                   </a:ext>
                 </a:extLst>
               </a:tr>
@@ -9597,7 +9563,7 @@
                         </a:lnSpc>
                       </a:pPr>
                       <a:r>
-                        <a:rPr lang="en-US" altLang="ko-KR" sz="1400" dirty="0" smtClean="0"/>
+                        <a:rPr lang="en-US" altLang="ko-KR" sz="1400" dirty="0"/>
                         <a:t>1</a:t>
                       </a:r>
                       <a:endParaRPr lang="ko-KR" altLang="en-US" sz="1400" dirty="0"/>
@@ -9616,8 +9582,237 @@
                         </a:lnSpc>
                       </a:pPr>
                       <a:r>
-                        <a:rPr lang="en-US" altLang="ko-KR" sz="1400" dirty="0" smtClean="0"/>
+                        <a:rPr lang="en-US" altLang="ko-KR" sz="1400" dirty="0"/>
                         <a:t>N, S</a:t>
+                      </a:r>
+                      <a:endParaRPr lang="ko-KR" altLang="en-US" sz="1400" dirty="0"/>
+                    </a:p>
+                  </a:txBody>
+                  <a:tcPr anchor="ctr"/>
+                </a:tc>
+                <a:tc>
+                  <a:txBody>
+                    <a:bodyPr/>
+                    <a:lstStyle/>
+                    <a:p>
+                      <a:pPr marL="0" marR="0" lvl="0" indent="0" algn="ctr" defTabSz="914400" rtl="0" eaLnBrk="1" fontAlgn="auto" latinLnBrk="1" hangingPunct="1">
+                        <a:lnSpc>
+                          <a:spcPct val="125000"/>
+                        </a:lnSpc>
+                        <a:spcBef>
+                          <a:spcPts val="0"/>
+                        </a:spcBef>
+                        <a:spcAft>
+                          <a:spcPts val="0"/>
+                        </a:spcAft>
+                        <a:buClrTx/>
+                        <a:buSzTx/>
+                        <a:buFontTx/>
+                        <a:buNone/>
+                        <a:tabLst/>
+                        <a:defRPr/>
+                      </a:pPr>
+                      <a:r>
+                        <a:rPr kumimoji="0" lang="en-US" altLang="ko-KR" sz="1400" b="0" i="0" u="none" strike="noStrike" kern="1200" cap="none" spc="0" normalizeH="0" baseline="0" noProof="0" dirty="0">
+                          <a:ln>
+                            <a:noFill/>
+                          </a:ln>
+                          <a:solidFill>
+                            <a:prstClr val="black"/>
+                          </a:solidFill>
+                          <a:effectLst/>
+                          <a:uLnTx/>
+                          <a:uFillTx/>
+                          <a:latin typeface="맑은 고딕" panose="020F0502020204030204"/>
+                          <a:ea typeface="맑은 고딕" panose="020B0503020000020004" pitchFamily="50" charset="-127"/>
+                          <a:cs typeface="+mn-cs"/>
+                        </a:rPr>
+                        <a:t>Float</a:t>
+                      </a:r>
+                      <a:endParaRPr kumimoji="0" lang="ko-KR" altLang="en-US" sz="1400" b="0" i="0" u="none" strike="noStrike" kern="1200" cap="none" spc="0" normalizeH="0" baseline="0" noProof="0" dirty="0">
+                        <a:ln>
+                          <a:noFill/>
+                        </a:ln>
+                        <a:solidFill>
+                          <a:prstClr val="black"/>
+                        </a:solidFill>
+                        <a:effectLst/>
+                        <a:uLnTx/>
+                        <a:uFillTx/>
+                        <a:latin typeface="맑은 고딕" panose="020F0502020204030204"/>
+                        <a:ea typeface="맑은 고딕" panose="020B0503020000020004" pitchFamily="50" charset="-127"/>
+                        <a:cs typeface="+mn-cs"/>
+                      </a:endParaRPr>
+                    </a:p>
+                  </a:txBody>
+                  <a:tcPr anchor="ctr"/>
+                </a:tc>
+                <a:tc>
+                  <a:txBody>
+                    <a:bodyPr/>
+                    <a:lstStyle/>
+                    <a:p>
+                      <a:pPr algn="ctr" latinLnBrk="1">
+                        <a:lnSpc>
+                          <a:spcPct val="125000"/>
+                        </a:lnSpc>
+                      </a:pPr>
+                      <a:r>
+                        <a:rPr lang="en-US" altLang="ko-KR" sz="1400" dirty="0"/>
+                        <a:t>N, S</a:t>
+                      </a:r>
+                      <a:endParaRPr lang="ko-KR" altLang="en-US" sz="1400" dirty="0"/>
+                    </a:p>
+                  </a:txBody>
+                  <a:tcPr anchor="ctr"/>
+                </a:tc>
+                <a:tc>
+                  <a:txBody>
+                    <a:bodyPr/>
+                    <a:lstStyle/>
+                    <a:p>
+                      <a:pPr algn="l" latinLnBrk="1">
+                        <a:lnSpc>
+                          <a:spcPct val="125000"/>
+                        </a:lnSpc>
+                      </a:pPr>
+                      <a:r>
+                        <a:rPr lang="ko-KR" altLang="en-US" sz="1400" dirty="0"/>
+                        <a:t>사용 </a:t>
+                      </a:r>
+                      <a:r>
+                        <a:rPr lang="en-US" altLang="ko-KR" sz="1400" dirty="0"/>
+                        <a:t>&amp; </a:t>
+                      </a:r>
+                      <a:r>
+                        <a:rPr lang="ko-KR" altLang="en-US" sz="1400" dirty="0" err="1"/>
+                        <a:t>시전</a:t>
+                      </a:r>
+                      <a:r>
+                        <a:rPr lang="ko-KR" altLang="en-US" sz="1400" dirty="0"/>
+                        <a:t> 가능한 </a:t>
+                      </a:r>
+                      <a:r>
+                        <a:rPr lang="ko-KR" altLang="en-US" sz="1400" dirty="0" err="1"/>
+                        <a:t>스킬을</a:t>
+                      </a:r>
+                      <a:r>
+                        <a:rPr lang="ko-KR" altLang="en-US" sz="1400" dirty="0"/>
+                        <a:t> 카운트 하기 위한 가변 변수 </a:t>
+                      </a:r>
+                      <a:r>
+                        <a:rPr lang="en-US" altLang="ko-KR" sz="1400" dirty="0"/>
+                        <a:t>N</a:t>
+                      </a:r>
+                      <a:r>
+                        <a:rPr lang="ko-KR" altLang="en-US" sz="1400" dirty="0"/>
+                        <a:t>과 </a:t>
+                      </a:r>
+                      <a:r>
+                        <a:rPr lang="en-US" altLang="ko-KR" sz="1400" dirty="0"/>
+                        <a:t>S,</a:t>
+                      </a:r>
+                      <a:r>
+                        <a:rPr lang="en-US" altLang="ko-KR" sz="1400" baseline="0" dirty="0"/>
+                        <a:t> </a:t>
+                      </a:r>
+                      <a:r>
+                        <a:rPr lang="ko-KR" altLang="en-US" sz="1400" baseline="0" dirty="0"/>
+                        <a:t>각각 </a:t>
+                      </a:r>
+                      <a:r>
+                        <a:rPr lang="en-US" altLang="ko-KR" sz="1400" baseline="0" dirty="0"/>
+                        <a:t>N</a:t>
+                      </a:r>
+                      <a:r>
+                        <a:rPr lang="ko-KR" altLang="en-US" sz="1400" baseline="0" dirty="0"/>
+                        <a:t>과 </a:t>
+                      </a:r>
+                      <a:r>
+                        <a:rPr lang="en-US" altLang="ko-KR" sz="1400" baseline="0" dirty="0"/>
+                        <a:t>S</a:t>
+                      </a:r>
+                      <a:r>
+                        <a:rPr lang="ko-KR" altLang="en-US" sz="1400" baseline="0" dirty="0"/>
+                        <a:t>는 </a:t>
+                      </a:r>
+                      <a:r>
+                        <a:rPr lang="en-US" altLang="ko-KR" sz="1400" baseline="0" dirty="0"/>
+                        <a:t>Skill1~4</a:t>
+                      </a:r>
+                      <a:r>
+                        <a:rPr lang="ko-KR" altLang="en-US" sz="1400" baseline="0" dirty="0"/>
+                        <a:t>까지를 체크하고 조건에 맞는 </a:t>
+                      </a:r>
+                      <a:r>
+                        <a:rPr lang="ko-KR" altLang="en-US" sz="1400" baseline="0" dirty="0" err="1"/>
+                        <a:t>스킬을</a:t>
+                      </a:r>
+                      <a:r>
+                        <a:rPr lang="ko-KR" altLang="en-US" sz="1400" baseline="0" dirty="0"/>
+                        <a:t> </a:t>
+                      </a:r>
+                      <a:r>
+                        <a:rPr lang="ko-KR" altLang="en-US" sz="1400" baseline="0" dirty="0" err="1"/>
+                        <a:t>사용가능한</a:t>
+                      </a:r>
+                      <a:r>
+                        <a:rPr lang="ko-KR" altLang="en-US" sz="1400" baseline="0" dirty="0"/>
+                        <a:t> </a:t>
+                      </a:r>
+                      <a:r>
+                        <a:rPr lang="ko-KR" altLang="en-US" sz="1400" baseline="0" dirty="0" err="1"/>
+                        <a:t>스킬과</a:t>
+                      </a:r>
+                      <a:r>
+                        <a:rPr lang="ko-KR" altLang="en-US" sz="1400" baseline="0" dirty="0"/>
+                        <a:t> </a:t>
+                      </a:r>
+                      <a:r>
+                        <a:rPr lang="ko-KR" altLang="en-US" sz="1400" baseline="0" dirty="0" err="1"/>
+                        <a:t>시전</a:t>
+                      </a:r>
+                      <a:r>
+                        <a:rPr lang="ko-KR" altLang="en-US" sz="1400" baseline="0" dirty="0"/>
+                        <a:t> 가능한 </a:t>
+                      </a:r>
+                      <a:r>
+                        <a:rPr lang="ko-KR" altLang="en-US" sz="1400" baseline="0" dirty="0" err="1"/>
+                        <a:t>스킬에</a:t>
+                      </a:r>
+                      <a:r>
+                        <a:rPr lang="ko-KR" altLang="en-US" sz="1400" baseline="0" dirty="0"/>
+                        <a:t> 저장한다</a:t>
+                      </a:r>
+                      <a:r>
+                        <a:rPr lang="en-US" altLang="ko-KR" sz="1400" baseline="0" dirty="0"/>
+                        <a:t>.</a:t>
+                      </a:r>
+                      <a:endParaRPr lang="ko-KR" altLang="en-US" sz="1400" dirty="0"/>
+                    </a:p>
+                  </a:txBody>
+                  <a:tcPr anchor="ctr"/>
+                </a:tc>
+                <a:extLst>
+                  <a:ext uri="{0D108BD9-81ED-4DB2-BD59-A6C34878D82A}">
+                    <a16:rowId xmlns:a16="http://schemas.microsoft.com/office/drawing/2014/main" val="3769079932"/>
+                  </a:ext>
+                </a:extLst>
+              </a:tr>
+              <a:tr h="370840">
+                <a:tc>
+                  <a:txBody>
+                    <a:bodyPr/>
+                    <a:lstStyle/>
+                    <a:p>
+                      <a:pPr algn="ctr" latinLnBrk="1">
+                        <a:lnSpc>
+                          <a:spcPct val="125000"/>
+                        </a:lnSpc>
+                      </a:pPr>
+                      <a:r>
+                        <a:rPr lang="en-US" altLang="ko-KR" sz="1400" dirty="0"/>
+                        <a:t>2</a:t>
                       </a:r>
                       <a:endParaRPr lang="ko-KR" altLang="en-US" sz="1400" dirty="0"/>
                     </a:p>
@@ -9635,8 +9830,195 @@
                         </a:lnSpc>
                       </a:pPr>
                       <a:r>
-                        <a:rPr lang="en-US" altLang="ko-KR" sz="1400" dirty="0" err="1" smtClean="0"/>
+                        <a:rPr lang="ko-KR" altLang="en-US" sz="1400" dirty="0"/>
+                        <a:t>사용 가능한 스킬</a:t>
+                      </a:r>
+                    </a:p>
+                  </a:txBody>
+                  <a:tcPr anchor="ctr"/>
+                </a:tc>
+                <a:tc>
+                  <a:txBody>
+                    <a:bodyPr/>
+                    <a:lstStyle/>
+                    <a:p>
+                      <a:pPr marL="0" marR="0" lvl="0" indent="0" algn="ctr" defTabSz="914400" rtl="0" eaLnBrk="1" fontAlgn="auto" latinLnBrk="1" hangingPunct="1">
+                        <a:lnSpc>
+                          <a:spcPct val="125000"/>
+                        </a:lnSpc>
+                        <a:spcBef>
+                          <a:spcPts val="0"/>
+                        </a:spcBef>
+                        <a:spcAft>
+                          <a:spcPts val="0"/>
+                        </a:spcAft>
+                        <a:buClrTx/>
+                        <a:buSzTx/>
+                        <a:buFontTx/>
+                        <a:buNone/>
+                        <a:tabLst/>
+                        <a:defRPr/>
+                      </a:pPr>
+                      <a:r>
+                        <a:rPr kumimoji="0" lang="en-US" altLang="ko-KR" sz="1400" b="0" i="0" u="none" strike="noStrike" kern="1200" cap="none" spc="0" normalizeH="0" baseline="0" noProof="0" dirty="0">
+                          <a:ln>
+                            <a:noFill/>
+                          </a:ln>
+                          <a:solidFill>
+                            <a:prstClr val="black"/>
+                          </a:solidFill>
+                          <a:effectLst/>
+                          <a:uLnTx/>
+                          <a:uFillTx/>
+                          <a:latin typeface="맑은 고딕" panose="020F0502020204030204"/>
+                          <a:ea typeface="맑은 고딕" panose="020B0503020000020004" pitchFamily="50" charset="-127"/>
+                          <a:cs typeface="+mn-cs"/>
+                        </a:rPr>
                         <a:t>int</a:t>
+                      </a:r>
+                      <a:endParaRPr kumimoji="0" lang="ko-KR" altLang="en-US" sz="1400" b="0" i="0" u="none" strike="noStrike" kern="1200" cap="none" spc="0" normalizeH="0" baseline="0" noProof="0" dirty="0">
+                        <a:ln>
+                          <a:noFill/>
+                        </a:ln>
+                        <a:solidFill>
+                          <a:prstClr val="black"/>
+                        </a:solidFill>
+                        <a:effectLst/>
+                        <a:uLnTx/>
+                        <a:uFillTx/>
+                        <a:latin typeface="맑은 고딕" panose="020F0502020204030204"/>
+                        <a:ea typeface="맑은 고딕" panose="020B0503020000020004" pitchFamily="50" charset="-127"/>
+                        <a:cs typeface="+mn-cs"/>
+                      </a:endParaRPr>
+                    </a:p>
+                  </a:txBody>
+                  <a:tcPr anchor="ctr"/>
+                </a:tc>
+                <a:tc>
+                  <a:txBody>
+                    <a:bodyPr/>
+                    <a:lstStyle/>
+                    <a:p>
+                      <a:pPr algn="ctr" latinLnBrk="1">
+                        <a:lnSpc>
+                          <a:spcPct val="125000"/>
+                        </a:lnSpc>
+                      </a:pPr>
+                      <a:r>
+                        <a:rPr lang="en-US" altLang="ko-KR" sz="1400" dirty="0" err="1"/>
+                        <a:t>SkillUse</a:t>
+                      </a:r>
+                      <a:endParaRPr lang="ko-KR" altLang="en-US" sz="1400" dirty="0"/>
+                    </a:p>
+                  </a:txBody>
+                  <a:tcPr anchor="ctr"/>
+                </a:tc>
+                <a:tc>
+                  <a:txBody>
+                    <a:bodyPr/>
+                    <a:lstStyle/>
+                    <a:p>
+                      <a:pPr algn="l" latinLnBrk="1">
+                        <a:lnSpc>
+                          <a:spcPct val="125000"/>
+                        </a:lnSpc>
+                      </a:pPr>
+                      <a:r>
+                        <a:rPr lang="ko-KR" altLang="en-US" sz="1400" dirty="0" err="1"/>
+                        <a:t>쿨타임이</a:t>
+                      </a:r>
+                      <a:r>
+                        <a:rPr lang="ko-KR" altLang="en-US" sz="1400" dirty="0"/>
+                        <a:t> </a:t>
+                      </a:r>
+                      <a:r>
+                        <a:rPr lang="en-US" altLang="ko-KR" sz="1400" dirty="0"/>
+                        <a:t>0</a:t>
+                      </a:r>
+                      <a:r>
+                        <a:rPr lang="ko-KR" altLang="en-US" sz="1400" dirty="0"/>
+                        <a:t>인 상태의 </a:t>
+                      </a:r>
+                      <a:r>
+                        <a:rPr lang="ko-KR" altLang="en-US" sz="1400" dirty="0" err="1"/>
+                        <a:t>스킬들을</a:t>
+                      </a:r>
+                      <a:r>
+                        <a:rPr lang="ko-KR" altLang="en-US" sz="1400" dirty="0"/>
+                        <a:t> 저장하는 공간</a:t>
+                      </a:r>
+                      <a:r>
+                        <a:rPr lang="en-US" altLang="ko-KR" sz="1400" dirty="0"/>
+                        <a:t>, </a:t>
+                      </a:r>
+                      <a:r>
+                        <a:rPr lang="ko-KR" altLang="en-US" sz="1400" dirty="0"/>
+                        <a:t>저장 된 </a:t>
+                      </a:r>
+                      <a:r>
+                        <a:rPr lang="ko-KR" altLang="en-US" sz="1400" dirty="0" err="1"/>
+                        <a:t>스킬들은</a:t>
+                      </a:r>
+                      <a:r>
+                        <a:rPr lang="ko-KR" altLang="en-US" sz="1400" dirty="0"/>
+                        <a:t> 전투가 종료 되거나</a:t>
+                      </a:r>
+                      <a:r>
+                        <a:rPr lang="en-US" altLang="ko-KR" sz="1400" dirty="0"/>
+                        <a:t>, </a:t>
+                      </a:r>
+                    </a:p>
+                    <a:p>
+                      <a:pPr algn="l" latinLnBrk="1">
+                        <a:lnSpc>
+                          <a:spcPct val="125000"/>
+                        </a:lnSpc>
+                      </a:pPr>
+                      <a:r>
+                        <a:rPr lang="ko-KR" altLang="en-US" sz="1400" dirty="0" err="1"/>
+                        <a:t>스킬이</a:t>
+                      </a:r>
+                      <a:r>
+                        <a:rPr lang="ko-KR" altLang="en-US" sz="1400" dirty="0"/>
+                        <a:t> </a:t>
+                      </a:r>
+                      <a:r>
+                        <a:rPr lang="ko-KR" altLang="en-US" sz="1400" dirty="0" err="1"/>
+                        <a:t>시전</a:t>
+                      </a:r>
+                      <a:r>
+                        <a:rPr lang="ko-KR" altLang="en-US" sz="1400" dirty="0"/>
+                        <a:t> 될 때 까지 데이터를 저장하고 있는다</a:t>
+                      </a:r>
+                      <a:r>
+                        <a:rPr lang="en-US" altLang="ko-KR" sz="1400" dirty="0"/>
+                        <a:t>.</a:t>
+                      </a:r>
+                      <a:endParaRPr lang="ko-KR" altLang="en-US" sz="1400" dirty="0"/>
+                    </a:p>
+                  </a:txBody>
+                  <a:tcPr anchor="ctr"/>
+                </a:tc>
+                <a:extLst>
+                  <a:ext uri="{0D108BD9-81ED-4DB2-BD59-A6C34878D82A}">
+                    <a16:rowId xmlns:a16="http://schemas.microsoft.com/office/drawing/2014/main" val="858373754"/>
+                  </a:ext>
+                </a:extLst>
+              </a:tr>
+              <a:tr h="370840">
+                <a:tc>
+                  <a:txBody>
+                    <a:bodyPr/>
+                    <a:lstStyle/>
+                    <a:p>
+                      <a:pPr algn="ctr" latinLnBrk="1">
+                        <a:lnSpc>
+                          <a:spcPct val="125000"/>
+                        </a:lnSpc>
+                      </a:pPr>
+                      <a:r>
+                        <a:rPr lang="en-US" altLang="ko-KR" sz="1400" dirty="0"/>
+                        <a:t>3</a:t>
                       </a:r>
                       <a:endParaRPr lang="ko-KR" altLang="en-US" sz="1400" dirty="0"/>
                     </a:p>
@@ -9654,10 +10036,25 @@
                         </a:lnSpc>
                       </a:pPr>
                       <a:r>
-                        <a:rPr lang="en-US" altLang="ko-KR" sz="1400" dirty="0" smtClean="0"/>
-                        <a:t>N, S</a:t>
-                      </a:r>
-                      <a:endParaRPr lang="ko-KR" altLang="en-US" sz="1400" dirty="0"/>
+                        <a:rPr lang="ko-KR" altLang="en-US" sz="1400" dirty="0" err="1"/>
+                        <a:t>시전</a:t>
+                      </a:r>
+                      <a:r>
+                        <a:rPr lang="ko-KR" altLang="en-US" sz="1400" dirty="0"/>
+                        <a:t> 가능한</a:t>
+                      </a:r>
+                      <a:endParaRPr lang="en-US" altLang="ko-KR" sz="1400" dirty="0"/>
+                    </a:p>
+                    <a:p>
+                      <a:pPr algn="ctr" latinLnBrk="1">
+                        <a:lnSpc>
+                          <a:spcPct val="125000"/>
+                        </a:lnSpc>
+                      </a:pPr>
+                      <a:r>
+                        <a:rPr lang="ko-KR" altLang="en-US" sz="1400" dirty="0"/>
+                        <a:t>스킬</a:t>
+                      </a:r>
                     </a:p>
                   </a:txBody>
                   <a:tcPr anchor="ctr"/>
@@ -9667,150 +10064,54 @@
                     <a:bodyPr/>
                     <a:lstStyle/>
                     <a:p>
-                      <a:pPr algn="l" latinLnBrk="1">
+                      <a:pPr marL="0" marR="0" lvl="0" indent="0" algn="ctr" defTabSz="914400" rtl="0" eaLnBrk="1" fontAlgn="auto" latinLnBrk="1" hangingPunct="1">
                         <a:lnSpc>
                           <a:spcPct val="125000"/>
                         </a:lnSpc>
+                        <a:spcBef>
+                          <a:spcPts val="0"/>
+                        </a:spcBef>
+                        <a:spcAft>
+                          <a:spcPts val="0"/>
+                        </a:spcAft>
+                        <a:buClrTx/>
+                        <a:buSzTx/>
+                        <a:buFontTx/>
+                        <a:buNone/>
+                        <a:tabLst/>
+                        <a:defRPr/>
                       </a:pPr>
                       <a:r>
-                        <a:rPr lang="ko-KR" altLang="en-US" sz="1400" dirty="0" smtClean="0"/>
-                        <a:t>사용 </a:t>
-                      </a:r>
-                      <a:r>
-                        <a:rPr lang="en-US" altLang="ko-KR" sz="1400" dirty="0" smtClean="0"/>
-                        <a:t>&amp; </a:t>
-                      </a:r>
-                      <a:r>
-                        <a:rPr lang="ko-KR" altLang="en-US" sz="1400" dirty="0" err="1" smtClean="0"/>
-                        <a:t>시전</a:t>
-                      </a:r>
-                      <a:r>
-                        <a:rPr lang="ko-KR" altLang="en-US" sz="1400" dirty="0" smtClean="0"/>
-                        <a:t> 가능한 </a:t>
-                      </a:r>
-                      <a:r>
-                        <a:rPr lang="ko-KR" altLang="en-US" sz="1400" dirty="0" err="1" smtClean="0"/>
-                        <a:t>스킬을</a:t>
-                      </a:r>
-                      <a:r>
-                        <a:rPr lang="ko-KR" altLang="en-US" sz="1400" dirty="0" smtClean="0"/>
-                        <a:t> 카운트 하기 위한 가변 변수 </a:t>
-                      </a:r>
-                      <a:r>
-                        <a:rPr lang="en-US" altLang="ko-KR" sz="1400" dirty="0" smtClean="0"/>
-                        <a:t>N</a:t>
-                      </a:r>
-                      <a:r>
-                        <a:rPr lang="ko-KR" altLang="en-US" sz="1400" dirty="0" smtClean="0"/>
-                        <a:t>과 </a:t>
-                      </a:r>
-                      <a:r>
-                        <a:rPr lang="en-US" altLang="ko-KR" sz="1400" dirty="0" smtClean="0"/>
-                        <a:t>S,</a:t>
-                      </a:r>
-                      <a:r>
-                        <a:rPr lang="en-US" altLang="ko-KR" sz="1400" baseline="0" dirty="0" smtClean="0"/>
-                        <a:t> </a:t>
-                      </a:r>
-                      <a:r>
-                        <a:rPr lang="ko-KR" altLang="en-US" sz="1400" baseline="0" dirty="0" smtClean="0"/>
-                        <a:t>각각 </a:t>
-                      </a:r>
-                      <a:r>
-                        <a:rPr lang="en-US" altLang="ko-KR" sz="1400" baseline="0" dirty="0" smtClean="0"/>
-                        <a:t>N</a:t>
-                      </a:r>
-                      <a:r>
-                        <a:rPr lang="ko-KR" altLang="en-US" sz="1400" baseline="0" dirty="0" smtClean="0"/>
-                        <a:t>과 </a:t>
-                      </a:r>
-                      <a:r>
-                        <a:rPr lang="en-US" altLang="ko-KR" sz="1400" baseline="0" dirty="0" smtClean="0"/>
-                        <a:t>S</a:t>
-                      </a:r>
-                      <a:r>
-                        <a:rPr lang="ko-KR" altLang="en-US" sz="1400" baseline="0" dirty="0" smtClean="0"/>
-                        <a:t>는 </a:t>
-                      </a:r>
-                      <a:r>
-                        <a:rPr lang="en-US" altLang="ko-KR" sz="1400" baseline="0" dirty="0" smtClean="0"/>
-                        <a:t>Skill1~4</a:t>
-                      </a:r>
-                      <a:r>
-                        <a:rPr lang="ko-KR" altLang="en-US" sz="1400" baseline="0" dirty="0" smtClean="0"/>
-                        <a:t>까지를 체크하고 조건에 맞는 </a:t>
-                      </a:r>
-                      <a:r>
-                        <a:rPr lang="ko-KR" altLang="en-US" sz="1400" baseline="0" dirty="0" err="1" smtClean="0"/>
-                        <a:t>스킬을</a:t>
-                      </a:r>
-                      <a:r>
-                        <a:rPr lang="ko-KR" altLang="en-US" sz="1400" baseline="0" dirty="0" smtClean="0"/>
-                        <a:t> </a:t>
-                      </a:r>
-                      <a:r>
-                        <a:rPr lang="ko-KR" altLang="en-US" sz="1400" baseline="0" dirty="0" err="1" smtClean="0"/>
-                        <a:t>사용가능한</a:t>
-                      </a:r>
-                      <a:r>
-                        <a:rPr lang="ko-KR" altLang="en-US" sz="1400" baseline="0" dirty="0" smtClean="0"/>
-                        <a:t> </a:t>
-                      </a:r>
-                      <a:r>
-                        <a:rPr lang="ko-KR" altLang="en-US" sz="1400" baseline="0" dirty="0" err="1" smtClean="0"/>
-                        <a:t>스킬과</a:t>
-                      </a:r>
-                      <a:r>
-                        <a:rPr lang="ko-KR" altLang="en-US" sz="1400" baseline="0" dirty="0" smtClean="0"/>
-                        <a:t> </a:t>
-                      </a:r>
-                      <a:r>
-                        <a:rPr lang="ko-KR" altLang="en-US" sz="1400" baseline="0" dirty="0" err="1" smtClean="0"/>
-                        <a:t>시전</a:t>
-                      </a:r>
-                      <a:r>
-                        <a:rPr lang="ko-KR" altLang="en-US" sz="1400" baseline="0" dirty="0" smtClean="0"/>
-                        <a:t> 가능한 </a:t>
-                      </a:r>
-                      <a:r>
-                        <a:rPr lang="ko-KR" altLang="en-US" sz="1400" baseline="0" dirty="0" err="1" smtClean="0"/>
-                        <a:t>스킬에</a:t>
-                      </a:r>
-                      <a:r>
-                        <a:rPr lang="ko-KR" altLang="en-US" sz="1400" baseline="0" dirty="0" smtClean="0"/>
-                        <a:t> 저장한다</a:t>
-                      </a:r>
-                      <a:r>
-                        <a:rPr lang="en-US" altLang="ko-KR" sz="1400" baseline="0" dirty="0" smtClean="0"/>
-                        <a:t>.</a:t>
-                      </a:r>
-                      <a:endParaRPr lang="ko-KR" altLang="en-US" sz="1400" dirty="0"/>
-                    </a:p>
-                  </a:txBody>
-                  <a:tcPr anchor="ctr"/>
-                </a:tc>
-                <a:extLst>
-                  <a:ext uri="{0D108BD9-81ED-4DB2-BD59-A6C34878D82A}">
-                    <a16:rowId xmlns:a16="http://schemas.microsoft.com/office/drawing/2014/main" xmlns="" val="3769079932"/>
-                  </a:ext>
-                </a:extLst>
-              </a:tr>
-              <a:tr h="370840">
-                <a:tc>
-                  <a:txBody>
-                    <a:bodyPr/>
-                    <a:lstStyle/>
-                    <a:p>
-                      <a:pPr algn="ctr" latinLnBrk="1">
-                        <a:lnSpc>
-                          <a:spcPct val="125000"/>
-                        </a:lnSpc>
-                      </a:pPr>
-                      <a:r>
-                        <a:rPr lang="en-US" altLang="ko-KR" sz="1400" dirty="0" smtClean="0"/>
-                        <a:t>2</a:t>
-                      </a:r>
-                      <a:endParaRPr lang="ko-KR" altLang="en-US" sz="1400" dirty="0"/>
+                        <a:rPr kumimoji="0" lang="en-US" altLang="ko-KR" sz="1400" b="0" i="0" u="none" strike="noStrike" kern="1200" cap="none" spc="0" normalizeH="0" baseline="0" noProof="0" dirty="0">
+                          <a:ln>
+                            <a:noFill/>
+                          </a:ln>
+                          <a:solidFill>
+                            <a:prstClr val="black"/>
+                          </a:solidFill>
+                          <a:effectLst/>
+                          <a:uLnTx/>
+                          <a:uFillTx/>
+                          <a:latin typeface="맑은 고딕" panose="020F0502020204030204"/>
+                          <a:ea typeface="맑은 고딕" panose="020B0503020000020004" pitchFamily="50" charset="-127"/>
+                          <a:cs typeface="+mn-cs"/>
+                        </a:rPr>
+                        <a:t>int</a:t>
+                      </a:r>
+                      <a:endParaRPr kumimoji="0" lang="ko-KR" altLang="en-US" sz="1400" b="0" i="0" u="none" strike="noStrike" kern="1200" cap="none" spc="0" normalizeH="0" baseline="0" noProof="0" dirty="0">
+                        <a:ln>
+                          <a:noFill/>
+                        </a:ln>
+                        <a:solidFill>
+                          <a:prstClr val="black"/>
+                        </a:solidFill>
+                        <a:effectLst/>
+                        <a:uLnTx/>
+                        <a:uFillTx/>
+                        <a:latin typeface="맑은 고딕" panose="020F0502020204030204"/>
+                        <a:ea typeface="맑은 고딕" panose="020B0503020000020004" pitchFamily="50" charset="-127"/>
+                        <a:cs typeface="+mn-cs"/>
+                      </a:endParaRPr>
                     </a:p>
                   </a:txBody>
                   <a:tcPr anchor="ctr"/>
@@ -9826,230 +10127,7 @@
                         </a:lnSpc>
                       </a:pPr>
                       <a:r>
-                        <a:rPr lang="ko-KR" altLang="en-US" sz="1400" dirty="0" smtClean="0"/>
-                        <a:t>사용 가능한 스킬</a:t>
-                      </a:r>
-                      <a:endParaRPr lang="ko-KR" altLang="en-US" sz="1400" dirty="0"/>
-                    </a:p>
-                  </a:txBody>
-                  <a:tcPr anchor="ctr"/>
-                </a:tc>
-                <a:tc>
-                  <a:txBody>
-                    <a:bodyPr/>
-                    <a:lstStyle/>
-                    <a:p>
-                      <a:pPr algn="ctr" latinLnBrk="1">
-                        <a:lnSpc>
-                          <a:spcPct val="125000"/>
-                        </a:lnSpc>
-                      </a:pPr>
-                      <a:r>
-                        <a:rPr lang="en-US" altLang="ko-KR" sz="1400" dirty="0" err="1" smtClean="0"/>
-                        <a:t>int</a:t>
-                      </a:r>
-                      <a:endParaRPr lang="ko-KR" altLang="en-US" sz="1400" dirty="0"/>
-                    </a:p>
-                  </a:txBody>
-                  <a:tcPr anchor="ctr"/>
-                </a:tc>
-                <a:tc>
-                  <a:txBody>
-                    <a:bodyPr/>
-                    <a:lstStyle/>
-                    <a:p>
-                      <a:pPr algn="ctr" latinLnBrk="1">
-                        <a:lnSpc>
-                          <a:spcPct val="125000"/>
-                        </a:lnSpc>
-                      </a:pPr>
-                      <a:r>
-                        <a:rPr lang="en-US" altLang="ko-KR" sz="1400" dirty="0" err="1" smtClean="0"/>
-                        <a:t>SkillUse</a:t>
-                      </a:r>
-                      <a:endParaRPr lang="ko-KR" altLang="en-US" sz="1400" dirty="0"/>
-                    </a:p>
-                  </a:txBody>
-                  <a:tcPr anchor="ctr"/>
-                </a:tc>
-                <a:tc>
-                  <a:txBody>
-                    <a:bodyPr/>
-                    <a:lstStyle/>
-                    <a:p>
-                      <a:pPr algn="l" latinLnBrk="1">
-                        <a:lnSpc>
-                          <a:spcPct val="125000"/>
-                        </a:lnSpc>
-                      </a:pPr>
-                      <a:r>
-                        <a:rPr lang="ko-KR" altLang="en-US" sz="1400" dirty="0" err="1" smtClean="0"/>
-                        <a:t>쿨타임이</a:t>
-                      </a:r>
-                      <a:r>
-                        <a:rPr lang="ko-KR" altLang="en-US" sz="1400" dirty="0" smtClean="0"/>
-                        <a:t> </a:t>
-                      </a:r>
-                      <a:r>
-                        <a:rPr lang="en-US" altLang="ko-KR" sz="1400" dirty="0" smtClean="0"/>
-                        <a:t>0</a:t>
-                      </a:r>
-                      <a:r>
-                        <a:rPr lang="ko-KR" altLang="en-US" sz="1400" dirty="0" smtClean="0"/>
-                        <a:t>인 상태의 </a:t>
-                      </a:r>
-                      <a:r>
-                        <a:rPr lang="ko-KR" altLang="en-US" sz="1400" dirty="0" err="1" smtClean="0"/>
-                        <a:t>스킬들을</a:t>
-                      </a:r>
-                      <a:r>
-                        <a:rPr lang="ko-KR" altLang="en-US" sz="1400" dirty="0" smtClean="0"/>
-                        <a:t> 저장하는 공간</a:t>
-                      </a:r>
-                      <a:r>
-                        <a:rPr lang="en-US" altLang="ko-KR" sz="1400" dirty="0" smtClean="0"/>
-                        <a:t>, </a:t>
-                      </a:r>
-                      <a:r>
-                        <a:rPr lang="ko-KR" altLang="en-US" sz="1400" dirty="0" smtClean="0"/>
-                        <a:t>저장 된 </a:t>
-                      </a:r>
-                      <a:r>
-                        <a:rPr lang="ko-KR" altLang="en-US" sz="1400" dirty="0" err="1" smtClean="0"/>
-                        <a:t>스킬들은</a:t>
-                      </a:r>
-                      <a:r>
-                        <a:rPr lang="ko-KR" altLang="en-US" sz="1400" dirty="0" smtClean="0"/>
-                        <a:t> 전투가 종료 되거나</a:t>
-                      </a:r>
-                      <a:r>
-                        <a:rPr lang="en-US" altLang="ko-KR" sz="1400" dirty="0" smtClean="0"/>
-                        <a:t>, </a:t>
-                      </a:r>
-                    </a:p>
-                    <a:p>
-                      <a:pPr algn="l" latinLnBrk="1">
-                        <a:lnSpc>
-                          <a:spcPct val="125000"/>
-                        </a:lnSpc>
-                      </a:pPr>
-                      <a:r>
-                        <a:rPr lang="ko-KR" altLang="en-US" sz="1400" dirty="0" err="1" smtClean="0"/>
-                        <a:t>스킬이</a:t>
-                      </a:r>
-                      <a:r>
-                        <a:rPr lang="ko-KR" altLang="en-US" sz="1400" dirty="0" smtClean="0"/>
-                        <a:t> </a:t>
-                      </a:r>
-                      <a:r>
-                        <a:rPr lang="ko-KR" altLang="en-US" sz="1400" dirty="0" err="1" smtClean="0"/>
-                        <a:t>시전</a:t>
-                      </a:r>
-                      <a:r>
-                        <a:rPr lang="ko-KR" altLang="en-US" sz="1400" dirty="0" smtClean="0"/>
-                        <a:t> 될 때 까지 데이터를 저장하고 있는다</a:t>
-                      </a:r>
-                      <a:r>
-                        <a:rPr lang="en-US" altLang="ko-KR" sz="1400" dirty="0" smtClean="0"/>
-                        <a:t>.</a:t>
-                      </a:r>
-                      <a:endParaRPr lang="ko-KR" altLang="en-US" sz="1400" dirty="0"/>
-                    </a:p>
-                  </a:txBody>
-                  <a:tcPr anchor="ctr"/>
-                </a:tc>
-                <a:extLst>
-                  <a:ext uri="{0D108BD9-81ED-4DB2-BD59-A6C34878D82A}">
-                    <a16:rowId xmlns:a16="http://schemas.microsoft.com/office/drawing/2014/main" xmlns="" val="858373754"/>
-                  </a:ext>
-                </a:extLst>
-              </a:tr>
-              <a:tr h="370840">
-                <a:tc>
-                  <a:txBody>
-                    <a:bodyPr/>
-                    <a:lstStyle/>
-                    <a:p>
-                      <a:pPr algn="ctr" latinLnBrk="1">
-                        <a:lnSpc>
-                          <a:spcPct val="125000"/>
-                        </a:lnSpc>
-                      </a:pPr>
-                      <a:r>
-                        <a:rPr lang="en-US" altLang="ko-KR" sz="1400" dirty="0" smtClean="0"/>
-                        <a:t>3</a:t>
-                      </a:r>
-                      <a:endParaRPr lang="ko-KR" altLang="en-US" sz="1400" dirty="0"/>
-                    </a:p>
-                  </a:txBody>
-                  <a:tcPr anchor="ctr"/>
-                </a:tc>
-                <a:tc>
-                  <a:txBody>
-                    <a:bodyPr/>
-                    <a:lstStyle/>
-                    <a:p>
-                      <a:pPr algn="ctr" latinLnBrk="1">
-                        <a:lnSpc>
-                          <a:spcPct val="125000"/>
-                        </a:lnSpc>
-                      </a:pPr>
-                      <a:r>
-                        <a:rPr lang="ko-KR" altLang="en-US" sz="1400" dirty="0" err="1" smtClean="0"/>
-                        <a:t>시전</a:t>
-                      </a:r>
-                      <a:r>
-                        <a:rPr lang="ko-KR" altLang="en-US" sz="1400" dirty="0" smtClean="0"/>
-                        <a:t> 가능한</a:t>
-                      </a:r>
-                      <a:endParaRPr lang="en-US" altLang="ko-KR" sz="1400" dirty="0" smtClean="0"/>
-                    </a:p>
-                    <a:p>
-                      <a:pPr algn="ctr" latinLnBrk="1">
-                        <a:lnSpc>
-                          <a:spcPct val="125000"/>
-                        </a:lnSpc>
-                      </a:pPr>
-                      <a:r>
-                        <a:rPr lang="ko-KR" altLang="en-US" sz="1400" dirty="0" smtClean="0"/>
-                        <a:t>스킬</a:t>
-                      </a:r>
-                      <a:endParaRPr lang="ko-KR" altLang="en-US" sz="1400" dirty="0"/>
-                    </a:p>
-                  </a:txBody>
-                  <a:tcPr anchor="ctr"/>
-                </a:tc>
-                <a:tc>
-                  <a:txBody>
-                    <a:bodyPr/>
-                    <a:lstStyle/>
-                    <a:p>
-                      <a:pPr algn="ctr" latinLnBrk="1">
-                        <a:lnSpc>
-                          <a:spcPct val="125000"/>
-                        </a:lnSpc>
-                      </a:pPr>
-                      <a:r>
-                        <a:rPr lang="en-US" altLang="ko-KR" sz="1400" dirty="0" err="1" smtClean="0"/>
-                        <a:t>int</a:t>
-                      </a:r>
-                      <a:endParaRPr lang="en-US" altLang="ko-KR" sz="1400" dirty="0"/>
-                    </a:p>
-                  </a:txBody>
-                  <a:tcPr anchor="ctr"/>
-                </a:tc>
-                <a:tc>
-                  <a:txBody>
-                    <a:bodyPr/>
-                    <a:lstStyle/>
-                    <a:p>
-                      <a:pPr algn="ctr" latinLnBrk="1">
-                        <a:lnSpc>
-                          <a:spcPct val="125000"/>
-                        </a:lnSpc>
-                      </a:pPr>
-                      <a:r>
-                        <a:rPr lang="en-US" altLang="ko-KR" sz="1400" dirty="0" err="1" smtClean="0"/>
+                        <a:rPr lang="en-US" altLang="ko-KR" sz="1400" dirty="0" err="1"/>
                         <a:t>SkillAtv</a:t>
                       </a:r>
                       <a:endParaRPr lang="en-US" altLang="ko-KR" sz="1400" dirty="0"/>
@@ -10068,62 +10146,62 @@
                         </a:lnSpc>
                       </a:pPr>
                       <a:r>
-                        <a:rPr lang="ko-KR" altLang="en-US" sz="1400" dirty="0" err="1" smtClean="0"/>
+                        <a:rPr lang="ko-KR" altLang="en-US" sz="1400" dirty="0" err="1"/>
                         <a:t>가변형</a:t>
                       </a:r>
                       <a:r>
-                        <a:rPr lang="ko-KR" altLang="en-US" sz="1400" dirty="0" smtClean="0"/>
+                        <a:rPr lang="ko-KR" altLang="en-US" sz="1400" dirty="0"/>
                         <a:t> 데이터로 </a:t>
                       </a:r>
                       <a:r>
-                        <a:rPr lang="en-US" altLang="ko-KR" sz="1400" dirty="0" err="1" smtClean="0"/>
+                        <a:rPr lang="en-US" altLang="ko-KR" sz="1400" dirty="0" err="1"/>
                         <a:t>SkillUse</a:t>
                       </a:r>
                       <a:r>
-                        <a:rPr lang="ko-KR" altLang="en-US" sz="1400" dirty="0" smtClean="0"/>
+                        <a:rPr lang="ko-KR" altLang="en-US" sz="1400" dirty="0"/>
                         <a:t>에 저장 되어 있는 </a:t>
                       </a:r>
                       <a:r>
-                        <a:rPr lang="ko-KR" altLang="en-US" sz="1400" dirty="0" err="1" smtClean="0"/>
+                        <a:rPr lang="ko-KR" altLang="en-US" sz="1400" dirty="0" err="1"/>
                         <a:t>스킬과</a:t>
                       </a:r>
                       <a:r>
-                        <a:rPr lang="ko-KR" altLang="en-US" sz="1400" dirty="0" smtClean="0"/>
+                        <a:rPr lang="ko-KR" altLang="en-US" sz="1400" dirty="0"/>
                         <a:t> 해당 </a:t>
                       </a:r>
                       <a:r>
-                        <a:rPr lang="ko-KR" altLang="en-US" sz="1400" dirty="0" err="1" smtClean="0"/>
+                        <a:rPr lang="ko-KR" altLang="en-US" sz="1400" dirty="0" err="1"/>
                         <a:t>스킬로</a:t>
                       </a:r>
                       <a:r>
-                        <a:rPr lang="ko-KR" altLang="en-US" sz="1400" dirty="0" smtClean="0"/>
+                        <a:rPr lang="ko-KR" altLang="en-US" sz="1400" dirty="0"/>
                         <a:t> 플레이어를 공격 할 수 있는지 확인하고 가능하면 </a:t>
                       </a:r>
                       <a:r>
-                        <a:rPr lang="en-US" altLang="ko-KR" sz="1400" dirty="0" err="1" smtClean="0"/>
+                        <a:rPr lang="en-US" altLang="ko-KR" sz="1400" dirty="0" err="1"/>
                         <a:t>SkillAtv</a:t>
                       </a:r>
                       <a:r>
-                        <a:rPr lang="ko-KR" altLang="en-US" sz="1400" dirty="0" smtClean="0"/>
+                        <a:rPr lang="ko-KR" altLang="en-US" sz="1400" dirty="0"/>
                         <a:t>에 저장</a:t>
                       </a:r>
                       <a:r>
-                        <a:rPr lang="en-US" altLang="ko-KR" sz="1400" dirty="0" smtClean="0"/>
+                        <a:rPr lang="en-US" altLang="ko-KR" sz="1400" dirty="0"/>
                         <a:t>, </a:t>
                       </a:r>
                       <a:r>
-                        <a:rPr lang="ko-KR" altLang="en-US" sz="1400" dirty="0" smtClean="0"/>
+                        <a:rPr lang="ko-KR" altLang="en-US" sz="1400" dirty="0"/>
                         <a:t>저장된 모든 스킬 중에 </a:t>
                       </a:r>
                       <a:r>
-                        <a:rPr lang="en-US" altLang="ko-KR" sz="1400" dirty="0" smtClean="0"/>
+                        <a:rPr lang="en-US" altLang="ko-KR" sz="1400" dirty="0"/>
                         <a:t>RND</a:t>
                       </a:r>
                       <a:r>
-                        <a:rPr lang="ko-KR" altLang="en-US" sz="1400" dirty="0" smtClean="0"/>
+                        <a:rPr lang="ko-KR" altLang="en-US" sz="1400" dirty="0"/>
                         <a:t>로 결정해서 </a:t>
                       </a:r>
-                      <a:endParaRPr lang="en-US" altLang="ko-KR" sz="1400" dirty="0" smtClean="0"/>
+                      <a:endParaRPr lang="en-US" altLang="ko-KR" sz="1400" dirty="0"/>
                     </a:p>
                     <a:p>
                       <a:pPr algn="l" latinLnBrk="1">
@@ -10132,41 +10210,40 @@
                         </a:lnSpc>
                       </a:pPr>
                       <a:r>
-                        <a:rPr lang="ko-KR" altLang="en-US" sz="1400" dirty="0" err="1" smtClean="0"/>
+                        <a:rPr lang="ko-KR" altLang="en-US" sz="1400" dirty="0" err="1"/>
                         <a:t>스킬을</a:t>
                       </a:r>
                       <a:r>
-                        <a:rPr lang="ko-KR" altLang="en-US" sz="1400" dirty="0" smtClean="0"/>
+                        <a:rPr lang="ko-KR" altLang="en-US" sz="1400" dirty="0"/>
                         <a:t> 사용 이후 </a:t>
                       </a:r>
                       <a:r>
-                        <a:rPr lang="en-US" altLang="ko-KR" sz="1400" dirty="0" err="1" smtClean="0"/>
+                        <a:rPr lang="en-US" altLang="ko-KR" sz="1400" dirty="0" err="1"/>
                         <a:t>SkillAtv</a:t>
                       </a:r>
                       <a:r>
-                        <a:rPr lang="ko-KR" altLang="en-US" sz="1400" dirty="0" smtClean="0"/>
+                        <a:rPr lang="ko-KR" altLang="en-US" sz="1400" dirty="0"/>
                         <a:t>에 저장되어 있는 데이터는 </a:t>
                       </a:r>
                       <a:r>
-                        <a:rPr lang="ko-KR" altLang="en-US" sz="1400" dirty="0" err="1" smtClean="0"/>
+                        <a:rPr lang="ko-KR" altLang="en-US" sz="1400" dirty="0" err="1"/>
                         <a:t>리셋</a:t>
                       </a:r>
                       <a:r>
-                        <a:rPr lang="ko-KR" altLang="en-US" sz="1400" dirty="0" smtClean="0"/>
+                        <a:rPr lang="ko-KR" altLang="en-US" sz="1400" dirty="0"/>
                         <a:t> 된다</a:t>
                       </a:r>
                       <a:r>
-                        <a:rPr lang="en-US" altLang="ko-KR" sz="1400" dirty="0" smtClean="0"/>
+                        <a:rPr lang="en-US" altLang="ko-KR" sz="1400" dirty="0"/>
                         <a:t>.</a:t>
                       </a:r>
-                      <a:endParaRPr lang="en-US" altLang="ko-KR" sz="1400" dirty="0"/>
                     </a:p>
                   </a:txBody>
                   <a:tcPr anchor="ctr"/>
                 </a:tc>
                 <a:extLst>
                   <a:ext uri="{0D108BD9-81ED-4DB2-BD59-A6C34878D82A}">
-                    <a16:rowId xmlns:a16="http://schemas.microsoft.com/office/drawing/2014/main" xmlns="" val="2967758029"/>
+                    <a16:rowId xmlns:a16="http://schemas.microsoft.com/office/drawing/2014/main" val="2967758029"/>
                   </a:ext>
                 </a:extLst>
               </a:tr>
@@ -10184,13 +10261,6 @@
   <p:clrMapOvr>
     <a:masterClrMapping/>
   </p:clrMapOvr>
-  <p:timing>
-    <p:tnLst>
-      <p:par>
-        <p:cTn id="1" dur="indefinite" restart="never" nodeType="tmRoot"/>
-      </p:par>
-    </p:tnLst>
-  </p:timing>
 </p:sld>
 </file>
 
@@ -10216,7 +10286,7 @@
           <p:cNvPr id="2" name="제목 1">
             <a:extLst>
               <a:ext uri="{FF2B5EF4-FFF2-40B4-BE49-F238E27FC236}">
-                <a16:creationId xmlns:a16="http://schemas.microsoft.com/office/drawing/2014/main" xmlns="" id="{B0D0D6BF-BDD9-48B2-B072-093BAED78505}"/>
+                <a16:creationId xmlns:a16="http://schemas.microsoft.com/office/drawing/2014/main" id="{B0D0D6BF-BDD9-48B2-B072-093BAED78505}"/>
               </a:ext>
             </a:extLst>
           </p:cNvPr>
@@ -10233,22 +10303,17 @@
           <a:lstStyle/>
           <a:p>
             <a:r>
-              <a:rPr lang="ko-KR" altLang="en-US" dirty="0" smtClean="0"/>
+              <a:rPr lang="ko-KR" altLang="en-US" dirty="0"/>
               <a:t>전투 </a:t>
             </a:r>
             <a:r>
-              <a:rPr lang="ko-KR" altLang="en-US" dirty="0" err="1" smtClean="0"/>
-              <a:t>플로</a:t>
-            </a:r>
-            <a:r>
-              <a:rPr lang="ko-KR" altLang="en-US" dirty="0" err="1" smtClean="0"/>
-              <a:t>우</a:t>
-            </a:r>
-            <a:r>
-              <a:rPr lang="ko-KR" altLang="en-US" dirty="0" smtClean="0"/>
+              <a:rPr lang="ko-KR" altLang="en-US" dirty="0" err="1"/>
+              <a:t>플로우</a:t>
+            </a:r>
+            <a:r>
+              <a:rPr lang="ko-KR" altLang="en-US" dirty="0"/>
               <a:t> 차트</a:t>
             </a:r>
-            <a:endParaRPr lang="ko-KR" altLang="en-US" dirty="0"/>
           </a:p>
         </p:txBody>
       </p:sp>
@@ -10257,7 +10322,7 @@
           <p:cNvPr id="3" name="내용 개체 틀 2">
             <a:extLst>
               <a:ext uri="{FF2B5EF4-FFF2-40B4-BE49-F238E27FC236}">
-                <a16:creationId xmlns:a16="http://schemas.microsoft.com/office/drawing/2014/main" xmlns="" id="{BED93B48-AA0D-45A5-BC61-836BE857E3A6}"/>
+                <a16:creationId xmlns:a16="http://schemas.microsoft.com/office/drawing/2014/main" id="{BED93B48-AA0D-45A5-BC61-836BE857E3A6}"/>
               </a:ext>
             </a:extLst>
           </p:cNvPr>
@@ -10317,7 +10382,7 @@
           <p:cNvPr id="8" name="타원 7">
             <a:extLst>
               <a:ext uri="{FF2B5EF4-FFF2-40B4-BE49-F238E27FC236}">
-                <a16:creationId xmlns:a16="http://schemas.microsoft.com/office/drawing/2014/main" xmlns="" id="{D07271FD-A020-49D2-8CEF-5AD36D770F03}"/>
+                <a16:creationId xmlns:a16="http://schemas.microsoft.com/office/drawing/2014/main" id="{D07271FD-A020-49D2-8CEF-5AD36D770F03}"/>
               </a:ext>
             </a:extLst>
           </p:cNvPr>
@@ -10375,7 +10440,7 @@
           <p:cNvPr id="9" name="TextBox 8">
             <a:extLst>
               <a:ext uri="{FF2B5EF4-FFF2-40B4-BE49-F238E27FC236}">
-                <a16:creationId xmlns:a16="http://schemas.microsoft.com/office/drawing/2014/main" xmlns="" id="{F27AAED5-21D0-4ADF-9BE8-460DB407CC40}"/>
+                <a16:creationId xmlns:a16="http://schemas.microsoft.com/office/drawing/2014/main" id="{F27AAED5-21D0-4ADF-9BE8-460DB407CC40}"/>
               </a:ext>
             </a:extLst>
           </p:cNvPr>
@@ -10400,7 +10465,7 @@
           <a:p>
             <a:pPr algn="ctr"/>
             <a:r>
-              <a:rPr lang="ko-KR" altLang="en-US" sz="1400" dirty="0" err="1" smtClean="0"/>
+              <a:rPr lang="ko-KR" altLang="en-US" sz="1400" dirty="0" err="1"/>
               <a:t>디버프</a:t>
             </a:r>
             <a:endParaRPr lang="en-US" altLang="ko-KR" sz="1400" dirty="0"/>
@@ -10408,10 +10473,9 @@
           <a:p>
             <a:pPr algn="ctr"/>
             <a:r>
-              <a:rPr lang="ko-KR" altLang="en-US" sz="1400" dirty="0" smtClean="0"/>
+              <a:rPr lang="ko-KR" altLang="en-US" sz="1400" dirty="0"/>
               <a:t>체크</a:t>
             </a:r>
-            <a:endParaRPr lang="ko-KR" altLang="en-US" sz="1400" dirty="0"/>
           </a:p>
         </p:txBody>
       </p:sp>
@@ -10561,18 +10625,13 @@
               <a:t> </a:t>
             </a:r>
             <a:r>
-              <a:rPr lang="ko-KR" altLang="en-US" sz="1000" dirty="0" smtClean="0">
+              <a:rPr lang="ko-KR" altLang="en-US" sz="1000" dirty="0">
                 <a:solidFill>
                   <a:schemeClr val="tx1"/>
                 </a:solidFill>
               </a:rPr>
               <a:t>상태이상 추가</a:t>
             </a:r>
-            <a:endParaRPr lang="ko-KR" altLang="en-US" sz="1000" dirty="0">
-              <a:solidFill>
-                <a:schemeClr val="tx1"/>
-              </a:solidFill>
-            </a:endParaRPr>
           </a:p>
         </p:txBody>
       </p:sp>
@@ -10620,7 +10679,7 @@
           <p:cNvPr id="132" name="타원 131">
             <a:extLst>
               <a:ext uri="{FF2B5EF4-FFF2-40B4-BE49-F238E27FC236}">
-                <a16:creationId xmlns:a16="http://schemas.microsoft.com/office/drawing/2014/main" xmlns="" id="{E823F898-3057-4BBE-8138-A2A83C8311FA}"/>
+                <a16:creationId xmlns:a16="http://schemas.microsoft.com/office/drawing/2014/main" id="{E823F898-3057-4BBE-8138-A2A83C8311FA}"/>
               </a:ext>
             </a:extLst>
           </p:cNvPr>
@@ -10686,7 +10745,7 @@
           <p:cNvPr id="57" name="순서도: 판단 56">
             <a:extLst>
               <a:ext uri="{FF2B5EF4-FFF2-40B4-BE49-F238E27FC236}">
-                <a16:creationId xmlns:a16="http://schemas.microsoft.com/office/drawing/2014/main" xmlns="" id="{FC609F0B-2115-405B-8324-342A061AB0BF}"/>
+                <a16:creationId xmlns:a16="http://schemas.microsoft.com/office/drawing/2014/main" id="{FC609F0B-2115-405B-8324-342A061AB0BF}"/>
               </a:ext>
             </a:extLst>
           </p:cNvPr>
@@ -10744,7 +10803,7 @@
           <p:cNvPr id="59" name="TextBox 58">
             <a:extLst>
               <a:ext uri="{FF2B5EF4-FFF2-40B4-BE49-F238E27FC236}">
-                <a16:creationId xmlns:a16="http://schemas.microsoft.com/office/drawing/2014/main" xmlns="" id="{F27AAED5-21D0-4ADF-9BE8-460DB407CC40}"/>
+                <a16:creationId xmlns:a16="http://schemas.microsoft.com/office/drawing/2014/main" id="{F27AAED5-21D0-4ADF-9BE8-460DB407CC40}"/>
               </a:ext>
             </a:extLst>
           </p:cNvPr>
@@ -10769,26 +10828,26 @@
           <a:p>
             <a:pPr algn="ctr"/>
             <a:r>
-              <a:rPr lang="ko-KR" altLang="en-US" sz="1000" dirty="0" smtClean="0"/>
+              <a:rPr lang="ko-KR" altLang="en-US" sz="1000" dirty="0"/>
               <a:t>상태이상이</a:t>
             </a:r>
-            <a:endParaRPr lang="en-US" altLang="ko-KR" sz="1000" dirty="0" smtClean="0"/>
+            <a:endParaRPr lang="en-US" altLang="ko-KR" sz="1000" dirty="0"/>
           </a:p>
           <a:p>
             <a:pPr algn="ctr"/>
             <a:r>
-              <a:rPr lang="ko-KR" altLang="en-US" sz="1000" dirty="0" smtClean="0"/>
+              <a:rPr lang="ko-KR" altLang="en-US" sz="1000" dirty="0"/>
               <a:t>턴에 영향을</a:t>
             </a:r>
-            <a:endParaRPr lang="en-US" altLang="ko-KR" sz="1000" dirty="0" smtClean="0"/>
+            <a:endParaRPr lang="en-US" altLang="ko-KR" sz="1000" dirty="0"/>
           </a:p>
           <a:p>
             <a:pPr algn="ctr"/>
             <a:r>
-              <a:rPr lang="ko-KR" altLang="en-US" sz="1000" dirty="0" smtClean="0"/>
+              <a:rPr lang="ko-KR" altLang="en-US" sz="1000" dirty="0"/>
               <a:t>주는가</a:t>
             </a:r>
-            <a:endParaRPr lang="en-US" altLang="ko-KR" sz="1000" dirty="0" smtClean="0"/>
+            <a:endParaRPr lang="en-US" altLang="ko-KR" sz="1000" dirty="0"/>
           </a:p>
         </p:txBody>
       </p:sp>
@@ -10797,7 +10856,7 @@
           <p:cNvPr id="60" name="타원 59">
             <a:extLst>
               <a:ext uri="{FF2B5EF4-FFF2-40B4-BE49-F238E27FC236}">
-                <a16:creationId xmlns:a16="http://schemas.microsoft.com/office/drawing/2014/main" xmlns="" id="{D07271FD-A020-49D2-8CEF-5AD36D770F03}"/>
+                <a16:creationId xmlns:a16="http://schemas.microsoft.com/office/drawing/2014/main" id="{D07271FD-A020-49D2-8CEF-5AD36D770F03}"/>
               </a:ext>
             </a:extLst>
           </p:cNvPr>
@@ -10855,7 +10914,7 @@
           <p:cNvPr id="61" name="TextBox 60">
             <a:extLst>
               <a:ext uri="{FF2B5EF4-FFF2-40B4-BE49-F238E27FC236}">
-                <a16:creationId xmlns:a16="http://schemas.microsoft.com/office/drawing/2014/main" xmlns="" id="{F27AAED5-21D0-4ADF-9BE8-460DB407CC40}"/>
+                <a16:creationId xmlns:a16="http://schemas.microsoft.com/office/drawing/2014/main" id="{F27AAED5-21D0-4ADF-9BE8-460DB407CC40}"/>
               </a:ext>
             </a:extLst>
           </p:cNvPr>
@@ -10880,7 +10939,7 @@
           <a:p>
             <a:pPr algn="ctr"/>
             <a:r>
-              <a:rPr lang="ko-KR" altLang="en-US" sz="1400" smtClean="0"/>
+              <a:rPr lang="ko-KR" altLang="en-US" sz="1400"/>
               <a:t>리턴</a:t>
             </a:r>
             <a:endParaRPr lang="ko-KR" altLang="en-US" sz="1400" dirty="0"/>
@@ -10892,7 +10951,7 @@
           <p:cNvPr id="62" name="순서도: 판단 61">
             <a:extLst>
               <a:ext uri="{FF2B5EF4-FFF2-40B4-BE49-F238E27FC236}">
-                <a16:creationId xmlns:a16="http://schemas.microsoft.com/office/drawing/2014/main" xmlns="" id="{FC609F0B-2115-405B-8324-342A061AB0BF}"/>
+                <a16:creationId xmlns:a16="http://schemas.microsoft.com/office/drawing/2014/main" id="{FC609F0B-2115-405B-8324-342A061AB0BF}"/>
               </a:ext>
             </a:extLst>
           </p:cNvPr>
@@ -10950,7 +11009,7 @@
           <p:cNvPr id="63" name="TextBox 62">
             <a:extLst>
               <a:ext uri="{FF2B5EF4-FFF2-40B4-BE49-F238E27FC236}">
-                <a16:creationId xmlns:a16="http://schemas.microsoft.com/office/drawing/2014/main" xmlns="" id="{F27AAED5-21D0-4ADF-9BE8-460DB407CC40}"/>
+                <a16:creationId xmlns:a16="http://schemas.microsoft.com/office/drawing/2014/main" id="{F27AAED5-21D0-4ADF-9BE8-460DB407CC40}"/>
               </a:ext>
             </a:extLst>
           </p:cNvPr>
@@ -10975,31 +11034,31 @@
           <a:p>
             <a:pPr algn="ctr"/>
             <a:r>
-              <a:rPr lang="ko-KR" altLang="en-US" sz="1000" dirty="0" err="1" smtClean="0"/>
+              <a:rPr lang="ko-KR" altLang="en-US" sz="1000" dirty="0" err="1"/>
               <a:t>디버프</a:t>
             </a:r>
             <a:r>
-              <a:rPr lang="ko-KR" altLang="en-US" sz="1000" dirty="0" smtClean="0"/>
+              <a:rPr lang="ko-KR" altLang="en-US" sz="1000" dirty="0"/>
               <a:t> 지속</a:t>
             </a:r>
-            <a:endParaRPr lang="en-US" altLang="ko-KR" sz="1000" dirty="0" smtClean="0"/>
+            <a:endParaRPr lang="en-US" altLang="ko-KR" sz="1000" dirty="0"/>
           </a:p>
           <a:p>
             <a:pPr algn="ctr"/>
             <a:r>
-              <a:rPr lang="ko-KR" altLang="en-US" sz="1000" dirty="0" smtClean="0"/>
+              <a:rPr lang="ko-KR" altLang="en-US" sz="1000" dirty="0"/>
               <a:t>시간이 종료 </a:t>
             </a:r>
-            <a:endParaRPr lang="en-US" altLang="ko-KR" sz="1000" dirty="0" smtClean="0"/>
+            <a:endParaRPr lang="en-US" altLang="ko-KR" sz="1000" dirty="0"/>
           </a:p>
           <a:p>
             <a:pPr algn="ctr"/>
             <a:r>
-              <a:rPr lang="ko-KR" altLang="en-US" sz="1000" dirty="0" smtClean="0"/>
+              <a:rPr lang="ko-KR" altLang="en-US" sz="1000" dirty="0"/>
               <a:t>되었는가</a:t>
             </a:r>
             <a:r>
-              <a:rPr lang="en-US" altLang="ko-KR" sz="1000" dirty="0" smtClean="0"/>
+              <a:rPr lang="en-US" altLang="ko-KR" sz="1000" dirty="0"/>
               <a:t>?</a:t>
             </a:r>
           </a:p>
@@ -11010,7 +11069,7 @@
           <p:cNvPr id="66" name="직사각형 65">
             <a:extLst>
               <a:ext uri="{FF2B5EF4-FFF2-40B4-BE49-F238E27FC236}">
-                <a16:creationId xmlns:a16="http://schemas.microsoft.com/office/drawing/2014/main" xmlns="" id="{43D1D2BF-E427-4741-8C52-A409965921E2}"/>
+                <a16:creationId xmlns:a16="http://schemas.microsoft.com/office/drawing/2014/main" id="{43D1D2BF-E427-4741-8C52-A409965921E2}"/>
               </a:ext>
             </a:extLst>
           </p:cNvPr>
@@ -11056,7 +11115,7 @@
           <a:p>
             <a:pPr algn="ctr"/>
             <a:r>
-              <a:rPr lang="ko-KR" altLang="en-US" sz="1000" dirty="0" err="1" smtClean="0">
+              <a:rPr lang="ko-KR" altLang="en-US" sz="1000" dirty="0" err="1">
                 <a:solidFill>
                   <a:schemeClr val="tx1"/>
                 </a:solidFill>
@@ -11064,7 +11123,7 @@
               <a:t>디버프</a:t>
             </a:r>
             <a:r>
-              <a:rPr lang="ko-KR" altLang="en-US" sz="1000" dirty="0" smtClean="0">
+              <a:rPr lang="ko-KR" altLang="en-US" sz="1000" dirty="0">
                 <a:solidFill>
                   <a:schemeClr val="tx1"/>
                 </a:solidFill>
@@ -11072,7 +11131,7 @@
               <a:t> 지속시간 </a:t>
             </a:r>
             <a:r>
-              <a:rPr lang="en-US" altLang="ko-KR" sz="1000" dirty="0" smtClean="0">
+              <a:rPr lang="en-US" altLang="ko-KR" sz="1000" dirty="0">
                 <a:solidFill>
                   <a:schemeClr val="tx1"/>
                 </a:solidFill>
@@ -11083,7 +11142,7 @@
           <a:p>
             <a:pPr algn="ctr"/>
             <a:r>
-              <a:rPr lang="en-US" altLang="ko-KR" sz="1000" dirty="0" smtClean="0">
+              <a:rPr lang="en-US" altLang="ko-KR" sz="1000" dirty="0">
                 <a:solidFill>
                   <a:schemeClr val="tx1"/>
                 </a:solidFill>
@@ -11091,7 +11150,7 @@
               <a:t>&amp;&amp; </a:t>
             </a:r>
             <a:r>
-              <a:rPr lang="ko-KR" altLang="en-US" sz="1000" dirty="0" err="1" smtClean="0">
+              <a:rPr lang="ko-KR" altLang="en-US" sz="1000" dirty="0" err="1">
                 <a:solidFill>
                   <a:schemeClr val="tx1"/>
                 </a:solidFill>
@@ -11099,14 +11158,14 @@
               <a:t>스테미너</a:t>
             </a:r>
             <a:r>
-              <a:rPr lang="ko-KR" altLang="en-US" sz="1000" dirty="0" smtClean="0">
+              <a:rPr lang="ko-KR" altLang="en-US" sz="1000" dirty="0">
                 <a:solidFill>
                   <a:schemeClr val="tx1"/>
                 </a:solidFill>
               </a:rPr>
               <a:t> 감소</a:t>
             </a:r>
-            <a:endParaRPr lang="en-US" altLang="ko-KR" sz="1000" dirty="0" smtClean="0">
+            <a:endParaRPr lang="en-US" altLang="ko-KR" sz="1000" dirty="0">
               <a:solidFill>
                 <a:schemeClr val="tx1"/>
               </a:solidFill>
@@ -11186,18 +11245,13 @@
               <a:t> </a:t>
             </a:r>
             <a:r>
-              <a:rPr lang="ko-KR" altLang="en-US" sz="1000" dirty="0" smtClean="0">
+              <a:rPr lang="ko-KR" altLang="en-US" sz="1000" dirty="0">
                 <a:solidFill>
                   <a:schemeClr val="tx1"/>
                 </a:solidFill>
               </a:rPr>
               <a:t>상태이상 제거</a:t>
             </a:r>
-            <a:endParaRPr lang="ko-KR" altLang="en-US" sz="1000" dirty="0">
-              <a:solidFill>
-                <a:schemeClr val="tx1"/>
-              </a:solidFill>
-            </a:endParaRPr>
           </a:p>
         </p:txBody>
       </p:sp>
@@ -11362,7 +11416,7 @@
           <a:lstStyle/>
           <a:p>
             <a:pPr algn="ctr"/>
-            <a:endParaRPr lang="ko-KR" altLang="en-US" sz="1400" dirty="0" smtClean="0">
+            <a:endParaRPr lang="ko-KR" altLang="en-US" sz="1400" dirty="0">
               <a:solidFill>
                 <a:schemeClr val="tx1"/>
               </a:solidFill>
@@ -11492,7 +11546,7 @@
           <p:cNvPr id="81" name="타원 80">
             <a:extLst>
               <a:ext uri="{FF2B5EF4-FFF2-40B4-BE49-F238E27FC236}">
-                <a16:creationId xmlns:a16="http://schemas.microsoft.com/office/drawing/2014/main" xmlns="" id="{E823F898-3057-4BBE-8138-A2A83C8311FA}"/>
+                <a16:creationId xmlns:a16="http://schemas.microsoft.com/office/drawing/2014/main" id="{E823F898-3057-4BBE-8138-A2A83C8311FA}"/>
               </a:ext>
             </a:extLst>
           </p:cNvPr>
@@ -11538,7 +11592,7 @@
           <a:p>
             <a:pPr algn="ctr"/>
             <a:r>
-              <a:rPr lang="en-US" altLang="ko-KR" sz="1400" dirty="0" smtClean="0">
+              <a:rPr lang="en-US" altLang="ko-KR" sz="1400" dirty="0">
                 <a:solidFill>
                   <a:schemeClr val="tx1"/>
                 </a:solidFill>
@@ -11563,13 +11617,6 @@
   <p:clrMapOvr>
     <a:masterClrMapping/>
   </p:clrMapOvr>
-  <p:timing>
-    <p:tnLst>
-      <p:par>
-        <p:cTn id="1" dur="indefinite" restart="never" nodeType="tmRoot"/>
-      </p:par>
-    </p:tnLst>
-  </p:timing>
 </p:sld>
 </file>
 
@@ -11595,7 +11642,7 @@
           <p:cNvPr id="2" name="제목 1">
             <a:extLst>
               <a:ext uri="{FF2B5EF4-FFF2-40B4-BE49-F238E27FC236}">
-                <a16:creationId xmlns:a16="http://schemas.microsoft.com/office/drawing/2014/main" xmlns="" id="{B0D0D6BF-BDD9-48B2-B072-093BAED78505}"/>
+                <a16:creationId xmlns:a16="http://schemas.microsoft.com/office/drawing/2014/main" id="{B0D0D6BF-BDD9-48B2-B072-093BAED78505}"/>
               </a:ext>
             </a:extLst>
           </p:cNvPr>
@@ -11612,10 +11659,9 @@
           <a:lstStyle/>
           <a:p>
             <a:r>
-              <a:rPr lang="ko-KR" altLang="en-US" dirty="0" smtClean="0"/>
+              <a:rPr lang="ko-KR" altLang="en-US" dirty="0"/>
               <a:t>대기 설명</a:t>
             </a:r>
-            <a:endParaRPr lang="ko-KR" altLang="en-US" dirty="0"/>
           </a:p>
         </p:txBody>
       </p:sp>
@@ -11624,7 +11670,7 @@
           <p:cNvPr id="3" name="내용 개체 틀 2">
             <a:extLst>
               <a:ext uri="{FF2B5EF4-FFF2-40B4-BE49-F238E27FC236}">
-                <a16:creationId xmlns:a16="http://schemas.microsoft.com/office/drawing/2014/main" xmlns="" id="{BED93B48-AA0D-45A5-BC61-836BE857E3A6}"/>
+                <a16:creationId xmlns:a16="http://schemas.microsoft.com/office/drawing/2014/main" id="{BED93B48-AA0D-45A5-BC61-836BE857E3A6}"/>
               </a:ext>
             </a:extLst>
           </p:cNvPr>
@@ -11684,7 +11730,7 @@
           <p:cNvPr id="40" name="표 28">
             <a:extLst>
               <a:ext uri="{FF2B5EF4-FFF2-40B4-BE49-F238E27FC236}">
-                <a16:creationId xmlns:a16="http://schemas.microsoft.com/office/drawing/2014/main" xmlns="" id="{881D1448-CB3C-4A8F-98E9-71C9A7C8F01B}"/>
+                <a16:creationId xmlns:a16="http://schemas.microsoft.com/office/drawing/2014/main" id="{881D1448-CB3C-4A8F-98E9-71C9A7C8F01B}"/>
               </a:ext>
             </a:extLst>
           </p:cNvPr>
@@ -11701,7 +11747,7 @@
         </p:nvGraphicFramePr>
         <p:xfrm>
           <a:off x="688374" y="1818029"/>
-          <a:ext cx="11010139" cy="1590168"/>
+          <a:ext cx="11010139" cy="1564768"/>
         </p:xfrm>
         <a:graphic>
           <a:graphicData uri="http://schemas.openxmlformats.org/drawingml/2006/table">
@@ -11713,26 +11759,38 @@
                 <a:gridCol w="687753">
                   <a:extLst>
                     <a:ext uri="{9D8B030D-6E8A-4147-A177-3AD203B41FA5}">
-                      <a16:colId xmlns:a16="http://schemas.microsoft.com/office/drawing/2014/main" xmlns="" val="2823673714"/>
+                      <a16:colId xmlns:a16="http://schemas.microsoft.com/office/drawing/2014/main" val="2823673714"/>
                     </a:ext>
                   </a:extLst>
                 </a:gridCol>
                 <a:gridCol w="1285592">
                   <a:extLst>
                     <a:ext uri="{9D8B030D-6E8A-4147-A177-3AD203B41FA5}">
-                      <a16:colId xmlns:a16="http://schemas.microsoft.com/office/drawing/2014/main" xmlns="" val="3657127649"/>
+                      <a16:colId xmlns:a16="http://schemas.microsoft.com/office/drawing/2014/main" val="3657127649"/>
                     </a:ext>
                   </a:extLst>
                 </a:gridCol>
                 <a:gridCol w="776593">
                   <a:extLst>
                     <a:ext uri="{9D8B030D-6E8A-4147-A177-3AD203B41FA5}">
-                      <a16:colId xmlns:a16="http://schemas.microsoft.com/office/drawing/2014/main" xmlns="" val="2018470204"/>
+                      <a16:colId xmlns:a16="http://schemas.microsoft.com/office/drawing/2014/main" val="2018470204"/>
                     </a:ext>
                   </a:extLst>
                 </a:gridCol>
-                <a:gridCol w="996338"/>
-                <a:gridCol w="7263863"/>
+                <a:gridCol w="996338">
+                  <a:extLst>
+                    <a:ext uri="{9D8B030D-6E8A-4147-A177-3AD203B41FA5}">
+                      <a16:colId xmlns:a16="http://schemas.microsoft.com/office/drawing/2014/main" val="20003"/>
+                    </a:ext>
+                  </a:extLst>
+                </a:gridCol>
+                <a:gridCol w="7263863">
+                  <a:extLst>
+                    <a:ext uri="{9D8B030D-6E8A-4147-A177-3AD203B41FA5}">
+                      <a16:colId xmlns:a16="http://schemas.microsoft.com/office/drawing/2014/main" val="20004"/>
+                    </a:ext>
+                  </a:extLst>
+                </a:gridCol>
               </a:tblGrid>
               <a:tr h="370840">
                 <a:tc>
@@ -11746,8 +11804,62 @@
                         </a:lnSpc>
                       </a:pPr>
                       <a:r>
-                        <a:rPr lang="ko-KR" altLang="en-US" sz="1600" dirty="0" smtClean="0"/>
+                        <a:rPr lang="ko-KR" altLang="en-US" sz="1600" dirty="0"/>
                         <a:t>넘버</a:t>
+                      </a:r>
+                    </a:p>
+                  </a:txBody>
+                  <a:tcPr anchor="ctr"/>
+                </a:tc>
+                <a:tc>
+                  <a:txBody>
+                    <a:bodyPr/>
+                    <a:lstStyle/>
+                    <a:p>
+                      <a:pPr algn="ctr" latinLnBrk="1">
+                        <a:lnSpc>
+                          <a:spcPct val="125000"/>
+                        </a:lnSpc>
+                      </a:pPr>
+                      <a:r>
+                        <a:rPr lang="ko-KR" altLang="en-US" sz="1600" dirty="0"/>
+                        <a:t>데이터</a:t>
+                      </a:r>
+                    </a:p>
+                  </a:txBody>
+                  <a:tcPr anchor="ctr"/>
+                </a:tc>
+                <a:tc>
+                  <a:txBody>
+                    <a:bodyPr/>
+                    <a:lstStyle/>
+                    <a:p>
+                      <a:pPr algn="ctr" latinLnBrk="1">
+                        <a:lnSpc>
+                          <a:spcPct val="125000"/>
+                        </a:lnSpc>
+                      </a:pPr>
+                      <a:r>
+                        <a:rPr lang="ko-KR" altLang="en-US" sz="1600" dirty="0"/>
+                        <a:t>값</a:t>
+                      </a:r>
+                    </a:p>
+                  </a:txBody>
+                  <a:tcPr anchor="ctr"/>
+                </a:tc>
+                <a:tc>
+                  <a:txBody>
+                    <a:bodyPr/>
+                    <a:lstStyle/>
+                    <a:p>
+                      <a:pPr algn="ctr" latinLnBrk="1">
+                        <a:lnSpc>
+                          <a:spcPct val="125000"/>
+                        </a:lnSpc>
+                      </a:pPr>
+                      <a:r>
+                        <a:rPr lang="ko-KR" altLang="en-US" sz="1600"/>
+                        <a:t>명칭</a:t>
                       </a:r>
                       <a:endParaRPr lang="ko-KR" altLang="en-US" sz="1600" dirty="0"/>
                     </a:p>
@@ -11765,64 +11877,7 @@
                         </a:lnSpc>
                       </a:pPr>
                       <a:r>
-                        <a:rPr lang="ko-KR" altLang="en-US" sz="1600" dirty="0" smtClean="0"/>
-                        <a:t>데이터</a:t>
-                      </a:r>
-                      <a:endParaRPr lang="ko-KR" altLang="en-US" sz="1600" dirty="0"/>
-                    </a:p>
-                  </a:txBody>
-                  <a:tcPr anchor="ctr"/>
-                </a:tc>
-                <a:tc>
-                  <a:txBody>
-                    <a:bodyPr/>
-                    <a:lstStyle/>
-                    <a:p>
-                      <a:pPr algn="ctr" latinLnBrk="1">
-                        <a:lnSpc>
-                          <a:spcPct val="125000"/>
-                        </a:lnSpc>
-                      </a:pPr>
-                      <a:r>
-                        <a:rPr lang="ko-KR" altLang="en-US" sz="1600" dirty="0" smtClean="0"/>
-                        <a:t>값</a:t>
-                      </a:r>
-                      <a:endParaRPr lang="ko-KR" altLang="en-US" sz="1600" dirty="0"/>
-                    </a:p>
-                  </a:txBody>
-                  <a:tcPr anchor="ctr"/>
-                </a:tc>
-                <a:tc>
-                  <a:txBody>
-                    <a:bodyPr/>
-                    <a:lstStyle/>
-                    <a:p>
-                      <a:pPr algn="ctr" latinLnBrk="1">
-                        <a:lnSpc>
-                          <a:spcPct val="125000"/>
-                        </a:lnSpc>
-                      </a:pPr>
-                      <a:r>
-                        <a:rPr lang="ko-KR" altLang="en-US" sz="1600" smtClean="0"/>
-                        <a:t>명칭</a:t>
-                      </a:r>
-                      <a:endParaRPr lang="ko-KR" altLang="en-US" sz="1600" dirty="0"/>
-                    </a:p>
-                  </a:txBody>
-                  <a:tcPr anchor="ctr"/>
-                </a:tc>
-                <a:tc>
-                  <a:txBody>
-                    <a:bodyPr/>
-                    <a:lstStyle/>
-                    <a:p>
-                      <a:pPr algn="ctr" latinLnBrk="1">
-                        <a:lnSpc>
-                          <a:spcPct val="125000"/>
-                        </a:lnSpc>
-                      </a:pPr>
-                      <a:r>
-                        <a:rPr lang="ko-KR" altLang="en-US" sz="1600" smtClean="0"/>
+                        <a:rPr lang="ko-KR" altLang="en-US" sz="1600"/>
                         <a:t>기능</a:t>
                       </a:r>
                       <a:endParaRPr lang="ko-KR" altLang="en-US" sz="1600" dirty="0"/>
@@ -11832,7 +11887,7 @@
                 </a:tc>
                 <a:extLst>
                   <a:ext uri="{0D108BD9-81ED-4DB2-BD59-A6C34878D82A}">
-                    <a16:rowId xmlns:a16="http://schemas.microsoft.com/office/drawing/2014/main" xmlns="" val="3186733371"/>
+                    <a16:rowId xmlns:a16="http://schemas.microsoft.com/office/drawing/2014/main" val="3186733371"/>
                   </a:ext>
                 </a:extLst>
               </a:tr>
@@ -11848,7 +11903,7 @@
                         </a:lnSpc>
                       </a:pPr>
                       <a:r>
-                        <a:rPr lang="en-US" altLang="ko-KR" sz="1400" dirty="0" smtClean="0"/>
+                        <a:rPr lang="en-US" altLang="ko-KR" sz="1400" dirty="0"/>
                         <a:t>1</a:t>
                       </a:r>
                       <a:endParaRPr lang="ko-KR" altLang="en-US" sz="1400" dirty="0"/>
@@ -11867,10 +11922,10 @@
                         </a:lnSpc>
                       </a:pPr>
                       <a:r>
-                        <a:rPr lang="ko-KR" altLang="en-US" sz="1400" dirty="0" smtClean="0"/>
+                        <a:rPr lang="ko-KR" altLang="en-US" sz="1400" dirty="0"/>
                         <a:t>턴 영향 상태</a:t>
                       </a:r>
-                      <a:endParaRPr lang="en-US" altLang="ko-KR" sz="1400" dirty="0" smtClean="0"/>
+                      <a:endParaRPr lang="en-US" altLang="ko-KR" sz="1400" dirty="0"/>
                     </a:p>
                     <a:p>
                       <a:pPr algn="ctr" latinLnBrk="1">
@@ -11879,8 +11934,26 @@
                         </a:lnSpc>
                       </a:pPr>
                       <a:r>
-                        <a:rPr lang="ko-KR" altLang="en-US" sz="1400" dirty="0" smtClean="0"/>
+                        <a:rPr lang="ko-KR" altLang="en-US" sz="1400" dirty="0"/>
                         <a:t>이상</a:t>
+                      </a:r>
+                    </a:p>
+                  </a:txBody>
+                  <a:tcPr anchor="ctr"/>
+                </a:tc>
+                <a:tc>
+                  <a:txBody>
+                    <a:bodyPr/>
+                    <a:lstStyle/>
+                    <a:p>
+                      <a:pPr algn="ctr" latinLnBrk="1">
+                        <a:lnSpc>
+                          <a:spcPct val="125000"/>
+                        </a:lnSpc>
+                      </a:pPr>
+                      <a:r>
+                        <a:rPr lang="en-US" altLang="ko-KR" sz="1400" dirty="0"/>
+                        <a:t>-</a:t>
                       </a:r>
                       <a:endParaRPr lang="ko-KR" altLang="en-US" sz="1400" dirty="0"/>
                     </a:p>
@@ -11898,8 +11971,84 @@
                         </a:lnSpc>
                       </a:pPr>
                       <a:r>
-                        <a:rPr lang="en-US" altLang="ko-KR" sz="1400" dirty="0" smtClean="0"/>
-                        <a:t>-</a:t>
+                        <a:rPr lang="en-US" altLang="ko-KR" sz="1400" dirty="0" err="1"/>
+                        <a:t>HDebuff</a:t>
+                      </a:r>
+                      <a:endParaRPr lang="ko-KR" altLang="en-US" sz="1400" dirty="0"/>
+                    </a:p>
+                  </a:txBody>
+                  <a:tcPr anchor="ctr"/>
+                </a:tc>
+                <a:tc>
+                  <a:txBody>
+                    <a:bodyPr/>
+                    <a:lstStyle/>
+                    <a:p>
+                      <a:pPr algn="l" latinLnBrk="1">
+                        <a:lnSpc>
+                          <a:spcPct val="125000"/>
+                        </a:lnSpc>
+                      </a:pPr>
+                      <a:r>
+                        <a:rPr lang="ko-KR" altLang="en-US" sz="1400" dirty="0"/>
+                        <a:t>수면</a:t>
+                      </a:r>
+                      <a:r>
+                        <a:rPr lang="en-US" altLang="ko-KR" sz="1400" dirty="0"/>
+                        <a:t>, </a:t>
+                      </a:r>
+                      <a:r>
+                        <a:rPr lang="ko-KR" altLang="en-US" sz="1400" dirty="0" err="1"/>
+                        <a:t>스턴</a:t>
+                      </a:r>
+                      <a:r>
+                        <a:rPr lang="en-US" altLang="ko-KR" sz="1400" dirty="0"/>
+                        <a:t>, </a:t>
+                      </a:r>
+                      <a:r>
+                        <a:rPr lang="ko-KR" altLang="en-US" sz="1400" dirty="0"/>
+                        <a:t>동결의 </a:t>
+                      </a:r>
+                      <a:r>
+                        <a:rPr lang="ko-KR" altLang="en-US" sz="1400" dirty="0" err="1"/>
+                        <a:t>디버프로</a:t>
+                      </a:r>
+                      <a:r>
+                        <a:rPr lang="ko-KR" altLang="en-US" sz="1400" dirty="0"/>
+                        <a:t> 보스 </a:t>
+                      </a:r>
+                      <a:r>
+                        <a:rPr lang="ko-KR" altLang="en-US" sz="1400" dirty="0" err="1"/>
+                        <a:t>몬스터의</a:t>
+                      </a:r>
+                      <a:r>
+                        <a:rPr lang="ko-KR" altLang="en-US" sz="1400" dirty="0"/>
+                        <a:t> 행동을 </a:t>
+                      </a:r>
+                    </a:p>
+                  </a:txBody>
+                  <a:tcPr anchor="ctr"/>
+                </a:tc>
+                <a:extLst>
+                  <a:ext uri="{0D108BD9-81ED-4DB2-BD59-A6C34878D82A}">
+                    <a16:rowId xmlns:a16="http://schemas.microsoft.com/office/drawing/2014/main" val="3769079932"/>
+                  </a:ext>
+                </a:extLst>
+              </a:tr>
+              <a:tr h="370840">
+                <a:tc>
+                  <a:txBody>
+                    <a:bodyPr/>
+                    <a:lstStyle/>
+                    <a:p>
+                      <a:pPr algn="ctr" latinLnBrk="1">
+                        <a:lnSpc>
+                          <a:spcPct val="125000"/>
+                        </a:lnSpc>
+                      </a:pPr>
+                      <a:r>
+                        <a:rPr lang="en-US" altLang="ko-KR" sz="1400"/>
+                        <a:t>2</a:t>
                       </a:r>
                       <a:endParaRPr lang="ko-KR" altLang="en-US" sz="1400" dirty="0"/>
                     </a:p>
@@ -11917,8 +12066,45 @@
                         </a:lnSpc>
                       </a:pPr>
                       <a:r>
-                        <a:rPr lang="en-US" altLang="ko-KR" sz="1400" dirty="0" err="1" smtClean="0"/>
-                        <a:t>HDebuff</a:t>
+                        <a:rPr lang="ko-KR" altLang="en-US" sz="1400" dirty="0"/>
+                        <a:t>리턴</a:t>
+                      </a:r>
+                    </a:p>
+                  </a:txBody>
+                  <a:tcPr anchor="ctr"/>
+                </a:tc>
+                <a:tc>
+                  <a:txBody>
+                    <a:bodyPr/>
+                    <a:lstStyle/>
+                    <a:p>
+                      <a:pPr algn="ctr" latinLnBrk="1">
+                        <a:lnSpc>
+                          <a:spcPct val="125000"/>
+                        </a:lnSpc>
+                      </a:pPr>
+                      <a:r>
+                        <a:rPr lang="en-US" altLang="ko-KR" sz="1400" dirty="0"/>
+                        <a:t>-</a:t>
+                      </a:r>
+                      <a:endParaRPr lang="ko-KR" altLang="en-US" sz="1400" dirty="0"/>
+                    </a:p>
+                  </a:txBody>
+                  <a:tcPr anchor="ctr"/>
+                </a:tc>
+                <a:tc>
+                  <a:txBody>
+                    <a:bodyPr/>
+                    <a:lstStyle/>
+                    <a:p>
+                      <a:pPr algn="ctr" latinLnBrk="1">
+                        <a:lnSpc>
+                          <a:spcPct val="125000"/>
+                        </a:lnSpc>
+                      </a:pPr>
+                      <a:r>
+                        <a:rPr lang="en-US" altLang="ko-KR" sz="1400" dirty="0"/>
+                        <a:t>-</a:t>
                       </a:r>
                       <a:endParaRPr lang="ko-KR" altLang="en-US" sz="1400" dirty="0"/>
                     </a:p>
@@ -11936,40 +12122,28 @@
                         </a:lnSpc>
                       </a:pPr>
                       <a:r>
-                        <a:rPr lang="ko-KR" altLang="en-US" sz="1400" dirty="0" smtClean="0"/>
-                        <a:t>수면</a:t>
-                      </a:r>
-                      <a:r>
-                        <a:rPr lang="en-US" altLang="ko-KR" sz="1400" dirty="0" smtClean="0"/>
+                        <a:rPr lang="ko-KR" altLang="en-US" sz="1400" dirty="0"/>
+                        <a:t>보스 상태에서 상태이상이 없을 경우 다시 기존의 보스 상태에 해당하는 </a:t>
+                      </a:r>
+                      <a:r>
+                        <a:rPr lang="ko-KR" altLang="en-US" sz="1400" dirty="0" err="1"/>
+                        <a:t>플로우</a:t>
+                      </a:r>
+                      <a:r>
+                        <a:rPr lang="ko-KR" altLang="en-US" sz="1400" dirty="0"/>
+                        <a:t> 차트로 이동</a:t>
+                      </a:r>
+                      <a:r>
+                        <a:rPr lang="en-US" altLang="ko-KR" sz="1400" dirty="0"/>
                         <a:t>, </a:t>
                       </a:r>
                       <a:r>
-                        <a:rPr lang="ko-KR" altLang="en-US" sz="1400" dirty="0" err="1" smtClean="0"/>
-                        <a:t>스턴</a:t>
-                      </a:r>
-                      <a:r>
-                        <a:rPr lang="en-US" altLang="ko-KR" sz="1400" dirty="0" smtClean="0"/>
-                        <a:t>, </a:t>
-                      </a:r>
-                      <a:r>
-                        <a:rPr lang="ko-KR" altLang="en-US" sz="1400" dirty="0" smtClean="0"/>
-                        <a:t>동결의 </a:t>
-                      </a:r>
-                      <a:r>
-                        <a:rPr lang="ko-KR" altLang="en-US" sz="1400" dirty="0" err="1" smtClean="0"/>
-                        <a:t>디버프로</a:t>
-                      </a:r>
-                      <a:r>
-                        <a:rPr lang="ko-KR" altLang="en-US" sz="1400" dirty="0" smtClean="0"/>
-                        <a:t> 보스 </a:t>
-                      </a:r>
-                      <a:r>
-                        <a:rPr lang="ko-KR" altLang="en-US" sz="1400" dirty="0" err="1" smtClean="0"/>
-                        <a:t>몬스터의</a:t>
-                      </a:r>
-                      <a:r>
-                        <a:rPr lang="ko-KR" altLang="en-US" sz="1400" dirty="0" smtClean="0"/>
-                        <a:t> 행동을 </a:t>
+                        <a:rPr lang="ko-KR" altLang="en-US" sz="1400" dirty="0"/>
+                        <a:t>반대로 상태이상이 상태에 추가 되어 있으면 턴 체크로 돌아간다</a:t>
+                      </a:r>
+                      <a:r>
+                        <a:rPr lang="en-US" altLang="ko-KR" sz="1400" dirty="0"/>
+                        <a:t>.</a:t>
                       </a:r>
                       <a:endParaRPr lang="ko-KR" altLang="en-US" sz="1400" dirty="0"/>
                     </a:p>
@@ -11978,129 +12152,7 @@
                 </a:tc>
                 <a:extLst>
                   <a:ext uri="{0D108BD9-81ED-4DB2-BD59-A6C34878D82A}">
-                    <a16:rowId xmlns:a16="http://schemas.microsoft.com/office/drawing/2014/main" xmlns="" val="3769079932"/>
-                  </a:ext>
-                </a:extLst>
-              </a:tr>
-              <a:tr h="370840">
-                <a:tc>
-                  <a:txBody>
-                    <a:bodyPr/>
-                    <a:lstStyle/>
-                    <a:p>
-                      <a:pPr algn="ctr" latinLnBrk="1">
-                        <a:lnSpc>
-                          <a:spcPct val="125000"/>
-                        </a:lnSpc>
-                      </a:pPr>
-                      <a:r>
-                        <a:rPr lang="en-US" altLang="ko-KR" sz="1400" smtClean="0"/>
-                        <a:t>2</a:t>
-                      </a:r>
-                      <a:endParaRPr lang="ko-KR" altLang="en-US" sz="1400" dirty="0"/>
-                    </a:p>
-                  </a:txBody>
-                  <a:tcPr anchor="ctr"/>
-                </a:tc>
-                <a:tc>
-                  <a:txBody>
-                    <a:bodyPr/>
-                    <a:lstStyle/>
-                    <a:p>
-                      <a:pPr algn="ctr" latinLnBrk="1">
-                        <a:lnSpc>
-                          <a:spcPct val="125000"/>
-                        </a:lnSpc>
-                      </a:pPr>
-                      <a:r>
-                        <a:rPr lang="ko-KR" altLang="en-US" sz="1400" dirty="0" smtClean="0"/>
-                        <a:t>리턴</a:t>
-                      </a:r>
-                      <a:endParaRPr lang="ko-KR" altLang="en-US" sz="1400" dirty="0"/>
-                    </a:p>
-                  </a:txBody>
-                  <a:tcPr anchor="ctr"/>
-                </a:tc>
-                <a:tc>
-                  <a:txBody>
-                    <a:bodyPr/>
-                    <a:lstStyle/>
-                    <a:p>
-                      <a:pPr algn="ctr" latinLnBrk="1">
-                        <a:lnSpc>
-                          <a:spcPct val="125000"/>
-                        </a:lnSpc>
-                      </a:pPr>
-                      <a:r>
-                        <a:rPr lang="en-US" altLang="ko-KR" sz="1400" dirty="0" smtClean="0"/>
-                        <a:t>-</a:t>
-                      </a:r>
-                      <a:endParaRPr lang="ko-KR" altLang="en-US" sz="1400" dirty="0"/>
-                    </a:p>
-                  </a:txBody>
-                  <a:tcPr anchor="ctr"/>
-                </a:tc>
-                <a:tc>
-                  <a:txBody>
-                    <a:bodyPr/>
-                    <a:lstStyle/>
-                    <a:p>
-                      <a:pPr algn="ctr" latinLnBrk="1">
-                        <a:lnSpc>
-                          <a:spcPct val="125000"/>
-                        </a:lnSpc>
-                      </a:pPr>
-                      <a:r>
-                        <a:rPr lang="en-US" altLang="ko-KR" sz="1400" dirty="0" smtClean="0"/>
-                        <a:t>-</a:t>
-                      </a:r>
-                      <a:endParaRPr lang="ko-KR" altLang="en-US" sz="1400" dirty="0"/>
-                    </a:p>
-                  </a:txBody>
-                  <a:tcPr anchor="ctr"/>
-                </a:tc>
-                <a:tc>
-                  <a:txBody>
-                    <a:bodyPr/>
-                    <a:lstStyle/>
-                    <a:p>
-                      <a:pPr algn="l" latinLnBrk="1">
-                        <a:lnSpc>
-                          <a:spcPct val="125000"/>
-                        </a:lnSpc>
-                      </a:pPr>
-                      <a:r>
-                        <a:rPr lang="ko-KR" altLang="en-US" sz="1400" dirty="0" smtClean="0"/>
-                        <a:t>보스 상태에서 상태이상이 없을 경우 다시 기존의 보스 상태에 해당하는 </a:t>
-                      </a:r>
-                      <a:r>
-                        <a:rPr lang="ko-KR" altLang="en-US" sz="1400" dirty="0" err="1" smtClean="0"/>
-                        <a:t>플로우</a:t>
-                      </a:r>
-                      <a:r>
-                        <a:rPr lang="ko-KR" altLang="en-US" sz="1400" dirty="0" smtClean="0"/>
-                        <a:t> 차트로 이동</a:t>
-                      </a:r>
-                      <a:r>
-                        <a:rPr lang="en-US" altLang="ko-KR" sz="1400" dirty="0" smtClean="0"/>
-                        <a:t>, </a:t>
-                      </a:r>
-                      <a:r>
-                        <a:rPr lang="ko-KR" altLang="en-US" sz="1400" dirty="0" smtClean="0"/>
-                        <a:t>반대로 상태이상이 상태에 추가 되어 있으면 턴 체크로 돌아간다</a:t>
-                      </a:r>
-                      <a:r>
-                        <a:rPr lang="en-US" altLang="ko-KR" sz="1400" dirty="0" smtClean="0"/>
-                        <a:t>.</a:t>
-                      </a:r>
-                      <a:endParaRPr lang="ko-KR" altLang="en-US" sz="1400" dirty="0"/>
-                    </a:p>
-                  </a:txBody>
-                  <a:tcPr anchor="ctr"/>
-                </a:tc>
-                <a:extLst>
-                  <a:ext uri="{0D108BD9-81ED-4DB2-BD59-A6C34878D82A}">
-                    <a16:rowId xmlns:a16="http://schemas.microsoft.com/office/drawing/2014/main" xmlns="" val="858373754"/>
+                    <a16:rowId xmlns:a16="http://schemas.microsoft.com/office/drawing/2014/main" val="858373754"/>
                   </a:ext>
                 </a:extLst>
               </a:tr>
@@ -12118,13 +12170,6 @@
   <p:clrMapOvr>
     <a:masterClrMapping/>
   </p:clrMapOvr>
-  <p:timing>
-    <p:tnLst>
-      <p:par>
-        <p:cTn id="1" dur="indefinite" restart="never" nodeType="tmRoot"/>
-      </p:par>
-    </p:tnLst>
-  </p:timing>
 </p:sld>
 </file>
 
@@ -12150,7 +12195,7 @@
           <p:cNvPr id="2" name="제목 1">
             <a:extLst>
               <a:ext uri="{FF2B5EF4-FFF2-40B4-BE49-F238E27FC236}">
-                <a16:creationId xmlns:a16="http://schemas.microsoft.com/office/drawing/2014/main" xmlns="" id="{B0D0D6BF-BDD9-48B2-B072-093BAED78505}"/>
+                <a16:creationId xmlns:a16="http://schemas.microsoft.com/office/drawing/2014/main" id="{B0D0D6BF-BDD9-48B2-B072-093BAED78505}"/>
               </a:ext>
             </a:extLst>
           </p:cNvPr>
@@ -12167,22 +12212,17 @@
           <a:lstStyle/>
           <a:p>
             <a:r>
-              <a:rPr lang="ko-KR" altLang="en-US" dirty="0" smtClean="0"/>
+              <a:rPr lang="ko-KR" altLang="en-US" dirty="0"/>
               <a:t>전투 </a:t>
             </a:r>
             <a:r>
-              <a:rPr lang="ko-KR" altLang="en-US" dirty="0" err="1" smtClean="0"/>
-              <a:t>플로</a:t>
-            </a:r>
-            <a:r>
-              <a:rPr lang="ko-KR" altLang="en-US" dirty="0" err="1" smtClean="0"/>
-              <a:t>우</a:t>
-            </a:r>
-            <a:r>
-              <a:rPr lang="ko-KR" altLang="en-US" dirty="0" smtClean="0"/>
+              <a:rPr lang="ko-KR" altLang="en-US" dirty="0" err="1"/>
+              <a:t>플로우</a:t>
+            </a:r>
+            <a:r>
+              <a:rPr lang="ko-KR" altLang="en-US" dirty="0"/>
               <a:t> 차트</a:t>
             </a:r>
-            <a:endParaRPr lang="ko-KR" altLang="en-US" dirty="0"/>
           </a:p>
         </p:txBody>
       </p:sp>
@@ -12191,7 +12231,7 @@
           <p:cNvPr id="3" name="내용 개체 틀 2">
             <a:extLst>
               <a:ext uri="{FF2B5EF4-FFF2-40B4-BE49-F238E27FC236}">
-                <a16:creationId xmlns:a16="http://schemas.microsoft.com/office/drawing/2014/main" xmlns="" id="{BED93B48-AA0D-45A5-BC61-836BE857E3A6}"/>
+                <a16:creationId xmlns:a16="http://schemas.microsoft.com/office/drawing/2014/main" id="{BED93B48-AA0D-45A5-BC61-836BE857E3A6}"/>
               </a:ext>
             </a:extLst>
           </p:cNvPr>
@@ -12251,7 +12291,7 @@
           <p:cNvPr id="8" name="타원 7">
             <a:extLst>
               <a:ext uri="{FF2B5EF4-FFF2-40B4-BE49-F238E27FC236}">
-                <a16:creationId xmlns:a16="http://schemas.microsoft.com/office/drawing/2014/main" xmlns="" id="{D07271FD-A020-49D2-8CEF-5AD36D770F03}"/>
+                <a16:creationId xmlns:a16="http://schemas.microsoft.com/office/drawing/2014/main" id="{D07271FD-A020-49D2-8CEF-5AD36D770F03}"/>
               </a:ext>
             </a:extLst>
           </p:cNvPr>
@@ -12309,7 +12349,7 @@
           <p:cNvPr id="9" name="TextBox 8">
             <a:extLst>
               <a:ext uri="{FF2B5EF4-FFF2-40B4-BE49-F238E27FC236}">
-                <a16:creationId xmlns:a16="http://schemas.microsoft.com/office/drawing/2014/main" xmlns="" id="{F27AAED5-21D0-4ADF-9BE8-460DB407CC40}"/>
+                <a16:creationId xmlns:a16="http://schemas.microsoft.com/office/drawing/2014/main" id="{F27AAED5-21D0-4ADF-9BE8-460DB407CC40}"/>
               </a:ext>
             </a:extLst>
           </p:cNvPr>
@@ -12334,7 +12374,7 @@
           <a:p>
             <a:pPr algn="ctr"/>
             <a:r>
-              <a:rPr lang="ko-KR" altLang="en-US" sz="1400" smtClean="0"/>
+              <a:rPr lang="ko-KR" altLang="en-US" sz="1400"/>
               <a:t>사망</a:t>
             </a:r>
             <a:endParaRPr lang="ko-KR" altLang="en-US" sz="1400" dirty="0"/>
@@ -12444,18 +12484,13 @@
           <a:p>
             <a:pPr algn="ctr"/>
             <a:r>
-              <a:rPr lang="ko-KR" altLang="en-US" sz="1000" dirty="0" smtClean="0">
+              <a:rPr lang="ko-KR" altLang="en-US" sz="1000" dirty="0">
                 <a:solidFill>
                   <a:schemeClr val="tx1"/>
                 </a:solidFill>
               </a:rPr>
               <a:t>사망</a:t>
             </a:r>
-            <a:endParaRPr lang="ko-KR" altLang="en-US" sz="1000" dirty="0">
-              <a:solidFill>
-                <a:schemeClr val="tx1"/>
-              </a:solidFill>
-            </a:endParaRPr>
           </a:p>
         </p:txBody>
       </p:sp>
@@ -12464,7 +12499,7 @@
           <p:cNvPr id="60" name="타원 59">
             <a:extLst>
               <a:ext uri="{FF2B5EF4-FFF2-40B4-BE49-F238E27FC236}">
-                <a16:creationId xmlns:a16="http://schemas.microsoft.com/office/drawing/2014/main" xmlns="" id="{D07271FD-A020-49D2-8CEF-5AD36D770F03}"/>
+                <a16:creationId xmlns:a16="http://schemas.microsoft.com/office/drawing/2014/main" id="{D07271FD-A020-49D2-8CEF-5AD36D770F03}"/>
               </a:ext>
             </a:extLst>
           </p:cNvPr>
@@ -12522,7 +12557,7 @@
           <p:cNvPr id="61" name="TextBox 60">
             <a:extLst>
               <a:ext uri="{FF2B5EF4-FFF2-40B4-BE49-F238E27FC236}">
-                <a16:creationId xmlns:a16="http://schemas.microsoft.com/office/drawing/2014/main" xmlns="" id="{F27AAED5-21D0-4ADF-9BE8-460DB407CC40}"/>
+                <a16:creationId xmlns:a16="http://schemas.microsoft.com/office/drawing/2014/main" id="{F27AAED5-21D0-4ADF-9BE8-460DB407CC40}"/>
               </a:ext>
             </a:extLst>
           </p:cNvPr>
@@ -12547,10 +12582,9 @@
           <a:p>
             <a:pPr algn="ctr"/>
             <a:r>
-              <a:rPr lang="ko-KR" altLang="en-US" sz="1400" dirty="0" smtClean="0"/>
+              <a:rPr lang="ko-KR" altLang="en-US" sz="1400" dirty="0"/>
               <a:t>리턴</a:t>
             </a:r>
-            <a:endParaRPr lang="ko-KR" altLang="en-US" sz="1400" dirty="0"/>
           </a:p>
         </p:txBody>
       </p:sp>
@@ -12559,7 +12593,7 @@
           <p:cNvPr id="28" name="직사각형 27">
             <a:extLst>
               <a:ext uri="{FF2B5EF4-FFF2-40B4-BE49-F238E27FC236}">
-                <a16:creationId xmlns:a16="http://schemas.microsoft.com/office/drawing/2014/main" xmlns="" id="{43D1D2BF-E427-4741-8C52-A409965921E2}"/>
+                <a16:creationId xmlns:a16="http://schemas.microsoft.com/office/drawing/2014/main" id="{43D1D2BF-E427-4741-8C52-A409965921E2}"/>
               </a:ext>
             </a:extLst>
           </p:cNvPr>
@@ -12605,14 +12639,14 @@
           <a:p>
             <a:pPr algn="ctr"/>
             <a:r>
-              <a:rPr lang="ko-KR" altLang="en-US" sz="1000" dirty="0" smtClean="0">
+              <a:rPr lang="ko-KR" altLang="en-US" sz="1000" dirty="0">
                 <a:solidFill>
                   <a:schemeClr val="tx1"/>
                 </a:solidFill>
               </a:rPr>
               <a:t>스테이지 </a:t>
             </a:r>
-            <a:endParaRPr lang="en-US" altLang="ko-KR" sz="1000" dirty="0" smtClean="0">
+            <a:endParaRPr lang="en-US" altLang="ko-KR" sz="1000" dirty="0">
               <a:solidFill>
                 <a:schemeClr val="tx1"/>
               </a:solidFill>
@@ -12621,14 +12655,14 @@
           <a:p>
             <a:pPr algn="ctr"/>
             <a:r>
-              <a:rPr lang="ko-KR" altLang="en-US" sz="1000" dirty="0" smtClean="0">
+              <a:rPr lang="ko-KR" altLang="en-US" sz="1000" dirty="0">
                 <a:solidFill>
                   <a:schemeClr val="tx1"/>
                 </a:solidFill>
               </a:rPr>
               <a:t>승리 및 종료</a:t>
             </a:r>
-            <a:endParaRPr lang="en-US" altLang="ko-KR" sz="1000" dirty="0" smtClean="0">
+            <a:endParaRPr lang="en-US" altLang="ko-KR" sz="1000" dirty="0">
               <a:solidFill>
                 <a:schemeClr val="tx1"/>
               </a:solidFill>
@@ -12719,7 +12753,7 @@
           <p:cNvPr id="35" name="표 28">
             <a:extLst>
               <a:ext uri="{FF2B5EF4-FFF2-40B4-BE49-F238E27FC236}">
-                <a16:creationId xmlns:a16="http://schemas.microsoft.com/office/drawing/2014/main" xmlns="" id="{881D1448-CB3C-4A8F-98E9-71C9A7C8F01B}"/>
+                <a16:creationId xmlns:a16="http://schemas.microsoft.com/office/drawing/2014/main" id="{881D1448-CB3C-4A8F-98E9-71C9A7C8F01B}"/>
               </a:ext>
             </a:extLst>
           </p:cNvPr>
@@ -12736,7 +12770,7 @@
         </p:nvGraphicFramePr>
         <p:xfrm>
           <a:off x="688374" y="3022140"/>
-          <a:ext cx="11010139" cy="993204"/>
+          <a:ext cx="11010139" cy="967804"/>
         </p:xfrm>
         <a:graphic>
           <a:graphicData uri="http://schemas.openxmlformats.org/drawingml/2006/table">
@@ -12748,26 +12782,38 @@
                 <a:gridCol w="687753">
                   <a:extLst>
                     <a:ext uri="{9D8B030D-6E8A-4147-A177-3AD203B41FA5}">
-                      <a16:colId xmlns:a16="http://schemas.microsoft.com/office/drawing/2014/main" xmlns="" val="2823673714"/>
+                      <a16:colId xmlns:a16="http://schemas.microsoft.com/office/drawing/2014/main" val="2823673714"/>
                     </a:ext>
                   </a:extLst>
                 </a:gridCol>
                 <a:gridCol w="1285592">
                   <a:extLst>
                     <a:ext uri="{9D8B030D-6E8A-4147-A177-3AD203B41FA5}">
-                      <a16:colId xmlns:a16="http://schemas.microsoft.com/office/drawing/2014/main" xmlns="" val="3657127649"/>
+                      <a16:colId xmlns:a16="http://schemas.microsoft.com/office/drawing/2014/main" val="3657127649"/>
                     </a:ext>
                   </a:extLst>
                 </a:gridCol>
                 <a:gridCol w="776593">
                   <a:extLst>
                     <a:ext uri="{9D8B030D-6E8A-4147-A177-3AD203B41FA5}">
-                      <a16:colId xmlns:a16="http://schemas.microsoft.com/office/drawing/2014/main" xmlns="" val="2018470204"/>
+                      <a16:colId xmlns:a16="http://schemas.microsoft.com/office/drawing/2014/main" val="2018470204"/>
                     </a:ext>
                   </a:extLst>
                 </a:gridCol>
-                <a:gridCol w="996338"/>
-                <a:gridCol w="7263863"/>
+                <a:gridCol w="996338">
+                  <a:extLst>
+                    <a:ext uri="{9D8B030D-6E8A-4147-A177-3AD203B41FA5}">
+                      <a16:colId xmlns:a16="http://schemas.microsoft.com/office/drawing/2014/main" val="20003"/>
+                    </a:ext>
+                  </a:extLst>
+                </a:gridCol>
+                <a:gridCol w="7263863">
+                  <a:extLst>
+                    <a:ext uri="{9D8B030D-6E8A-4147-A177-3AD203B41FA5}">
+                      <a16:colId xmlns:a16="http://schemas.microsoft.com/office/drawing/2014/main" val="20004"/>
+                    </a:ext>
+                  </a:extLst>
+                </a:gridCol>
               </a:tblGrid>
               <a:tr h="370840">
                 <a:tc>
@@ -12781,8 +12827,62 @@
                         </a:lnSpc>
                       </a:pPr>
                       <a:r>
-                        <a:rPr lang="ko-KR" altLang="en-US" sz="1600" dirty="0" smtClean="0"/>
+                        <a:rPr lang="ko-KR" altLang="en-US" sz="1600" dirty="0"/>
                         <a:t>넘버</a:t>
+                      </a:r>
+                    </a:p>
+                  </a:txBody>
+                  <a:tcPr anchor="ctr"/>
+                </a:tc>
+                <a:tc>
+                  <a:txBody>
+                    <a:bodyPr/>
+                    <a:lstStyle/>
+                    <a:p>
+                      <a:pPr algn="ctr" latinLnBrk="1">
+                        <a:lnSpc>
+                          <a:spcPct val="125000"/>
+                        </a:lnSpc>
+                      </a:pPr>
+                      <a:r>
+                        <a:rPr lang="ko-KR" altLang="en-US" sz="1600" dirty="0"/>
+                        <a:t>데이터</a:t>
+                      </a:r>
+                    </a:p>
+                  </a:txBody>
+                  <a:tcPr anchor="ctr"/>
+                </a:tc>
+                <a:tc>
+                  <a:txBody>
+                    <a:bodyPr/>
+                    <a:lstStyle/>
+                    <a:p>
+                      <a:pPr algn="ctr" latinLnBrk="1">
+                        <a:lnSpc>
+                          <a:spcPct val="125000"/>
+                        </a:lnSpc>
+                      </a:pPr>
+                      <a:r>
+                        <a:rPr lang="ko-KR" altLang="en-US" sz="1600" dirty="0"/>
+                        <a:t>값</a:t>
+                      </a:r>
+                    </a:p>
+                  </a:txBody>
+                  <a:tcPr anchor="ctr"/>
+                </a:tc>
+                <a:tc>
+                  <a:txBody>
+                    <a:bodyPr/>
+                    <a:lstStyle/>
+                    <a:p>
+                      <a:pPr algn="ctr" latinLnBrk="1">
+                        <a:lnSpc>
+                          <a:spcPct val="125000"/>
+                        </a:lnSpc>
+                      </a:pPr>
+                      <a:r>
+                        <a:rPr lang="ko-KR" altLang="en-US" sz="1600"/>
+                        <a:t>명칭</a:t>
                       </a:r>
                       <a:endParaRPr lang="ko-KR" altLang="en-US" sz="1600" dirty="0"/>
                     </a:p>
@@ -12800,64 +12900,7 @@
                         </a:lnSpc>
                       </a:pPr>
                       <a:r>
-                        <a:rPr lang="ko-KR" altLang="en-US" sz="1600" dirty="0" smtClean="0"/>
-                        <a:t>데이터</a:t>
-                      </a:r>
-                      <a:endParaRPr lang="ko-KR" altLang="en-US" sz="1600" dirty="0"/>
-                    </a:p>
-                  </a:txBody>
-                  <a:tcPr anchor="ctr"/>
-                </a:tc>
-                <a:tc>
-                  <a:txBody>
-                    <a:bodyPr/>
-                    <a:lstStyle/>
-                    <a:p>
-                      <a:pPr algn="ctr" latinLnBrk="1">
-                        <a:lnSpc>
-                          <a:spcPct val="125000"/>
-                        </a:lnSpc>
-                      </a:pPr>
-                      <a:r>
-                        <a:rPr lang="ko-KR" altLang="en-US" sz="1600" dirty="0" smtClean="0"/>
-                        <a:t>값</a:t>
-                      </a:r>
-                      <a:endParaRPr lang="ko-KR" altLang="en-US" sz="1600" dirty="0"/>
-                    </a:p>
-                  </a:txBody>
-                  <a:tcPr anchor="ctr"/>
-                </a:tc>
-                <a:tc>
-                  <a:txBody>
-                    <a:bodyPr/>
-                    <a:lstStyle/>
-                    <a:p>
-                      <a:pPr algn="ctr" latinLnBrk="1">
-                        <a:lnSpc>
-                          <a:spcPct val="125000"/>
-                        </a:lnSpc>
-                      </a:pPr>
-                      <a:r>
-                        <a:rPr lang="ko-KR" altLang="en-US" sz="1600" smtClean="0"/>
-                        <a:t>명칭</a:t>
-                      </a:r>
-                      <a:endParaRPr lang="ko-KR" altLang="en-US" sz="1600" dirty="0"/>
-                    </a:p>
-                  </a:txBody>
-                  <a:tcPr anchor="ctr"/>
-                </a:tc>
-                <a:tc>
-                  <a:txBody>
-                    <a:bodyPr/>
-                    <a:lstStyle/>
-                    <a:p>
-                      <a:pPr algn="ctr" latinLnBrk="1">
-                        <a:lnSpc>
-                          <a:spcPct val="125000"/>
-                        </a:lnSpc>
-                      </a:pPr>
-                      <a:r>
-                        <a:rPr lang="ko-KR" altLang="en-US" sz="1600" smtClean="0"/>
+                        <a:rPr lang="ko-KR" altLang="en-US" sz="1600"/>
                         <a:t>기능</a:t>
                       </a:r>
                       <a:endParaRPr lang="ko-KR" altLang="en-US" sz="1600" dirty="0"/>
@@ -12867,7 +12910,7 @@
                 </a:tc>
                 <a:extLst>
                   <a:ext uri="{0D108BD9-81ED-4DB2-BD59-A6C34878D82A}">
-                    <a16:rowId xmlns:a16="http://schemas.microsoft.com/office/drawing/2014/main" xmlns="" val="3186733371"/>
+                    <a16:rowId xmlns:a16="http://schemas.microsoft.com/office/drawing/2014/main" val="3186733371"/>
                   </a:ext>
                 </a:extLst>
               </a:tr>
@@ -12883,7 +12926,7 @@
                         </a:lnSpc>
                       </a:pPr>
                       <a:r>
-                        <a:rPr lang="en-US" altLang="ko-KR" sz="1400" dirty="0" smtClean="0"/>
+                        <a:rPr lang="en-US" altLang="ko-KR" sz="1400" dirty="0"/>
                         <a:t>1</a:t>
                       </a:r>
                       <a:endParaRPr lang="ko-KR" altLang="en-US" sz="1400" dirty="0"/>
@@ -12902,7 +12945,7 @@
                         </a:lnSpc>
                       </a:pPr>
                       <a:r>
-                        <a:rPr lang="en-US" altLang="ko-KR" sz="1400" dirty="0" smtClean="0"/>
+                        <a:rPr lang="en-US" altLang="ko-KR" sz="1400" dirty="0"/>
                         <a:t>-</a:t>
                       </a:r>
                       <a:endParaRPr lang="ko-KR" altLang="en-US" sz="1400" dirty="0"/>
@@ -12921,7 +12964,7 @@
                         </a:lnSpc>
                       </a:pPr>
                       <a:r>
-                        <a:rPr lang="en-US" altLang="ko-KR" sz="1400" dirty="0" smtClean="0"/>
+                        <a:rPr lang="en-US" altLang="ko-KR" sz="1400" dirty="0"/>
                         <a:t>-</a:t>
                       </a:r>
                       <a:endParaRPr lang="ko-KR" altLang="en-US" sz="1400" dirty="0"/>
@@ -12940,7 +12983,7 @@
                         </a:lnSpc>
                       </a:pPr>
                       <a:r>
-                        <a:rPr lang="en-US" altLang="ko-KR" sz="1400" dirty="0" smtClean="0"/>
+                        <a:rPr lang="en-US" altLang="ko-KR" sz="1400" dirty="0"/>
                         <a:t>-</a:t>
                       </a:r>
                       <a:endParaRPr lang="ko-KR" altLang="en-US" sz="1400" dirty="0"/>
@@ -12959,47 +13002,47 @@
                         </a:lnSpc>
                       </a:pPr>
                       <a:r>
-                        <a:rPr lang="ko-KR" altLang="en-US" sz="1400" dirty="0" smtClean="0"/>
+                        <a:rPr lang="ko-KR" altLang="en-US" sz="1400" dirty="0"/>
                         <a:t>보스 </a:t>
                       </a:r>
                       <a:r>
-                        <a:rPr lang="ko-KR" altLang="en-US" sz="1400" dirty="0" err="1" smtClean="0"/>
+                        <a:rPr lang="ko-KR" altLang="en-US" sz="1400" dirty="0" err="1"/>
                         <a:t>몬스터가</a:t>
                       </a:r>
                       <a:r>
-                        <a:rPr lang="ko-KR" altLang="en-US" sz="1400" dirty="0" smtClean="0"/>
+                        <a:rPr lang="ko-KR" altLang="en-US" sz="1400" dirty="0"/>
                         <a:t> 사망 </a:t>
                       </a:r>
                       <a:r>
-                        <a:rPr lang="ko-KR" altLang="en-US" sz="1400" dirty="0" err="1" smtClean="0"/>
+                        <a:rPr lang="ko-KR" altLang="en-US" sz="1400" dirty="0" err="1"/>
                         <a:t>스테이터스로</a:t>
                       </a:r>
                       <a:r>
-                        <a:rPr lang="ko-KR" altLang="en-US" sz="1400" dirty="0" smtClean="0"/>
+                        <a:rPr lang="ko-KR" altLang="en-US" sz="1400" dirty="0"/>
                         <a:t> 들어가면</a:t>
                       </a:r>
                       <a:r>
-                        <a:rPr lang="ko-KR" altLang="en-US" sz="1400" baseline="0" dirty="0" smtClean="0"/>
+                        <a:rPr lang="ko-KR" altLang="en-US" sz="1400" baseline="0" dirty="0"/>
                         <a:t> 피격 불가 상태</a:t>
                       </a:r>
                       <a:r>
-                        <a:rPr lang="en-US" altLang="ko-KR" sz="1400" baseline="0" dirty="0" smtClean="0"/>
+                        <a:rPr lang="en-US" altLang="ko-KR" sz="1400" baseline="0" dirty="0"/>
                         <a:t>, </a:t>
                       </a:r>
                       <a:r>
-                        <a:rPr lang="ko-KR" altLang="en-US" sz="1400" baseline="0" dirty="0" smtClean="0"/>
+                        <a:rPr lang="ko-KR" altLang="en-US" sz="1400" baseline="0" dirty="0"/>
                         <a:t>전투 불가 상태</a:t>
                       </a:r>
                       <a:r>
-                        <a:rPr lang="en-US" altLang="ko-KR" sz="1400" baseline="0" dirty="0" smtClean="0"/>
+                        <a:rPr lang="en-US" altLang="ko-KR" sz="1400" baseline="0" dirty="0"/>
                         <a:t> </a:t>
                       </a:r>
                       <a:r>
-                        <a:rPr lang="ko-KR" altLang="en-US" sz="1400" baseline="0" dirty="0" smtClean="0"/>
+                        <a:rPr lang="ko-KR" altLang="en-US" sz="1400" baseline="0" dirty="0"/>
                         <a:t>및 사망 애니메이션 출력 한다</a:t>
                       </a:r>
                       <a:r>
-                        <a:rPr lang="en-US" altLang="ko-KR" sz="1400" baseline="0" dirty="0" smtClean="0"/>
+                        <a:rPr lang="en-US" altLang="ko-KR" sz="1400" baseline="0" dirty="0"/>
                         <a:t>.</a:t>
                       </a:r>
                       <a:endParaRPr lang="ko-KR" altLang="en-US" sz="1400" dirty="0"/>
@@ -13009,7 +13052,7 @@
                 </a:tc>
                 <a:extLst>
                   <a:ext uri="{0D108BD9-81ED-4DB2-BD59-A6C34878D82A}">
-                    <a16:rowId xmlns:a16="http://schemas.microsoft.com/office/drawing/2014/main" xmlns="" val="3769079932"/>
+                    <a16:rowId xmlns:a16="http://schemas.microsoft.com/office/drawing/2014/main" val="3769079932"/>
                   </a:ext>
                 </a:extLst>
               </a:tr>
@@ -13022,7 +13065,7 @@
           <p:cNvPr id="36" name="타원 35">
             <a:extLst>
               <a:ext uri="{FF2B5EF4-FFF2-40B4-BE49-F238E27FC236}">
-                <a16:creationId xmlns:a16="http://schemas.microsoft.com/office/drawing/2014/main" xmlns="" id="{E823F898-3057-4BBE-8138-A2A83C8311FA}"/>
+                <a16:creationId xmlns:a16="http://schemas.microsoft.com/office/drawing/2014/main" id="{E823F898-3057-4BBE-8138-A2A83C8311FA}"/>
               </a:ext>
             </a:extLst>
           </p:cNvPr>
@@ -13093,13 +13136,6 @@
   <p:clrMapOvr>
     <a:masterClrMapping/>
   </p:clrMapOvr>
-  <p:timing>
-    <p:tnLst>
-      <p:par>
-        <p:cTn id="1" dur="indefinite" restart="never" nodeType="tmRoot"/>
-      </p:par>
-    </p:tnLst>
-  </p:timing>
 </p:sld>
 </file>
 
@@ -13164,7 +13200,7 @@
           <a:lstStyle/>
           <a:p>
             <a:pPr algn="ctr"/>
-            <a:endParaRPr lang="ko-KR" altLang="en-US" sz="1400" dirty="0" smtClean="0">
+            <a:endParaRPr lang="ko-KR" altLang="en-US" sz="1400" dirty="0">
               <a:solidFill>
                 <a:schemeClr val="tx1"/>
               </a:solidFill>
@@ -13216,7 +13252,7 @@
           <a:lstStyle/>
           <a:p>
             <a:pPr algn="ctr"/>
-            <a:endParaRPr lang="ko-KR" altLang="en-US" sz="1400" dirty="0" smtClean="0">
+            <a:endParaRPr lang="ko-KR" altLang="en-US" sz="1400" dirty="0">
               <a:solidFill>
                 <a:schemeClr val="tx1"/>
               </a:solidFill>
@@ -13229,7 +13265,7 @@
           <p:cNvPr id="17" name="사각형: 둥근 모서리 16">
             <a:extLst>
               <a:ext uri="{FF2B5EF4-FFF2-40B4-BE49-F238E27FC236}">
-                <a16:creationId xmlns:a16="http://schemas.microsoft.com/office/drawing/2014/main" xmlns="" id="{40429F65-7EC1-41A1-B258-135525FE6E3D}"/>
+                <a16:creationId xmlns:a16="http://schemas.microsoft.com/office/drawing/2014/main" id="{40429F65-7EC1-41A1-B258-135525FE6E3D}"/>
               </a:ext>
             </a:extLst>
           </p:cNvPr>
@@ -13287,7 +13323,7 @@
           <p:cNvPr id="16" name="사각형: 둥근 모서리 15">
             <a:extLst>
               <a:ext uri="{FF2B5EF4-FFF2-40B4-BE49-F238E27FC236}">
-                <a16:creationId xmlns:a16="http://schemas.microsoft.com/office/drawing/2014/main" xmlns="" id="{15323066-0D43-484E-994C-B543936F16BE}"/>
+                <a16:creationId xmlns:a16="http://schemas.microsoft.com/office/drawing/2014/main" id="{15323066-0D43-484E-994C-B543936F16BE}"/>
               </a:ext>
             </a:extLst>
           </p:cNvPr>
@@ -13345,7 +13381,7 @@
           <p:cNvPr id="15" name="사각형: 둥근 모서리 14">
             <a:extLst>
               <a:ext uri="{FF2B5EF4-FFF2-40B4-BE49-F238E27FC236}">
-                <a16:creationId xmlns:a16="http://schemas.microsoft.com/office/drawing/2014/main" xmlns="" id="{A2926A09-073A-454F-9004-D53170029536}"/>
+                <a16:creationId xmlns:a16="http://schemas.microsoft.com/office/drawing/2014/main" id="{A2926A09-073A-454F-9004-D53170029536}"/>
               </a:ext>
             </a:extLst>
           </p:cNvPr>
@@ -13405,7 +13441,7 @@
           <p:cNvPr id="2" name="제목 1">
             <a:extLst>
               <a:ext uri="{FF2B5EF4-FFF2-40B4-BE49-F238E27FC236}">
-                <a16:creationId xmlns:a16="http://schemas.microsoft.com/office/drawing/2014/main" xmlns="" id="{B0D0D6BF-BDD9-48B2-B072-093BAED78505}"/>
+                <a16:creationId xmlns:a16="http://schemas.microsoft.com/office/drawing/2014/main" id="{B0D0D6BF-BDD9-48B2-B072-093BAED78505}"/>
               </a:ext>
             </a:extLst>
           </p:cNvPr>
@@ -13438,7 +13474,7 @@
           <p:cNvPr id="3" name="내용 개체 틀 2">
             <a:extLst>
               <a:ext uri="{FF2B5EF4-FFF2-40B4-BE49-F238E27FC236}">
-                <a16:creationId xmlns:a16="http://schemas.microsoft.com/office/drawing/2014/main" xmlns="" id="{BED93B48-AA0D-45A5-BC61-836BE857E3A6}"/>
+                <a16:creationId xmlns:a16="http://schemas.microsoft.com/office/drawing/2014/main" id="{BED93B48-AA0D-45A5-BC61-836BE857E3A6}"/>
               </a:ext>
             </a:extLst>
           </p:cNvPr>
@@ -13543,7 +13579,7 @@
           <p:cNvPr id="10" name="타원 9">
             <a:extLst>
               <a:ext uri="{FF2B5EF4-FFF2-40B4-BE49-F238E27FC236}">
-                <a16:creationId xmlns:a16="http://schemas.microsoft.com/office/drawing/2014/main" xmlns="" id="{D07271FD-A020-49D2-8CEF-5AD36D770F03}"/>
+                <a16:creationId xmlns:a16="http://schemas.microsoft.com/office/drawing/2014/main" id="{D07271FD-A020-49D2-8CEF-5AD36D770F03}"/>
               </a:ext>
             </a:extLst>
           </p:cNvPr>
@@ -13604,7 +13640,7 @@
           <p:cNvPr id="11" name="타원 10">
             <a:extLst>
               <a:ext uri="{FF2B5EF4-FFF2-40B4-BE49-F238E27FC236}">
-                <a16:creationId xmlns:a16="http://schemas.microsoft.com/office/drawing/2014/main" xmlns="" id="{25F28C5B-D215-413D-AC67-3105B2526AD6}"/>
+                <a16:creationId xmlns:a16="http://schemas.microsoft.com/office/drawing/2014/main" id="{25F28C5B-D215-413D-AC67-3105B2526AD6}"/>
               </a:ext>
             </a:extLst>
           </p:cNvPr>
@@ -13665,7 +13701,7 @@
           <p:cNvPr id="12" name="타원 11">
             <a:extLst>
               <a:ext uri="{FF2B5EF4-FFF2-40B4-BE49-F238E27FC236}">
-                <a16:creationId xmlns:a16="http://schemas.microsoft.com/office/drawing/2014/main" xmlns="" id="{2D5DFA88-A59E-4E21-BE4E-4267FBED6AB8}"/>
+                <a16:creationId xmlns:a16="http://schemas.microsoft.com/office/drawing/2014/main" id="{2D5DFA88-A59E-4E21-BE4E-4267FBED6AB8}"/>
               </a:ext>
             </a:extLst>
           </p:cNvPr>
@@ -13726,7 +13762,7 @@
           <p:cNvPr id="13" name="타원 12">
             <a:extLst>
               <a:ext uri="{FF2B5EF4-FFF2-40B4-BE49-F238E27FC236}">
-                <a16:creationId xmlns:a16="http://schemas.microsoft.com/office/drawing/2014/main" xmlns="" id="{2AF30090-CBDA-4BD7-8788-E4C488015A25}"/>
+                <a16:creationId xmlns:a16="http://schemas.microsoft.com/office/drawing/2014/main" id="{2AF30090-CBDA-4BD7-8788-E4C488015A25}"/>
               </a:ext>
             </a:extLst>
           </p:cNvPr>
@@ -13784,7 +13820,7 @@
           <p:cNvPr id="14" name="타원 13">
             <a:extLst>
               <a:ext uri="{FF2B5EF4-FFF2-40B4-BE49-F238E27FC236}">
-                <a16:creationId xmlns:a16="http://schemas.microsoft.com/office/drawing/2014/main" xmlns="" id="{50B599D2-AB97-4469-9C20-6025D43E9254}"/>
+                <a16:creationId xmlns:a16="http://schemas.microsoft.com/office/drawing/2014/main" id="{50B599D2-AB97-4469-9C20-6025D43E9254}"/>
               </a:ext>
             </a:extLst>
           </p:cNvPr>
@@ -13850,7 +13886,7 @@
           <p:cNvPr id="19" name="직선 화살표 연결선 18">
             <a:extLst>
               <a:ext uri="{FF2B5EF4-FFF2-40B4-BE49-F238E27FC236}">
-                <a16:creationId xmlns:a16="http://schemas.microsoft.com/office/drawing/2014/main" xmlns="" id="{1A8597AB-C8C5-4E8E-8708-F3056541A5DD}"/>
+                <a16:creationId xmlns:a16="http://schemas.microsoft.com/office/drawing/2014/main" id="{1A8597AB-C8C5-4E8E-8708-F3056541A5DD}"/>
               </a:ext>
             </a:extLst>
           </p:cNvPr>
@@ -13894,7 +13930,7 @@
           <p:cNvPr id="22" name="직선 화살표 연결선 21">
             <a:extLst>
               <a:ext uri="{FF2B5EF4-FFF2-40B4-BE49-F238E27FC236}">
-                <a16:creationId xmlns:a16="http://schemas.microsoft.com/office/drawing/2014/main" xmlns="" id="{F13A47E4-6918-4BD3-B123-A3592AC8D699}"/>
+                <a16:creationId xmlns:a16="http://schemas.microsoft.com/office/drawing/2014/main" id="{F13A47E4-6918-4BD3-B123-A3592AC8D699}"/>
               </a:ext>
             </a:extLst>
           </p:cNvPr>
@@ -13938,7 +13974,7 @@
           <p:cNvPr id="27" name="직선 화살표 연결선 26">
             <a:extLst>
               <a:ext uri="{FF2B5EF4-FFF2-40B4-BE49-F238E27FC236}">
-                <a16:creationId xmlns:a16="http://schemas.microsoft.com/office/drawing/2014/main" xmlns="" id="{E7DDBAFE-D6E9-45C1-83D9-B7C3F3B4CE11}"/>
+                <a16:creationId xmlns:a16="http://schemas.microsoft.com/office/drawing/2014/main" id="{E7DDBAFE-D6E9-45C1-83D9-B7C3F3B4CE11}"/>
               </a:ext>
             </a:extLst>
           </p:cNvPr>
@@ -13982,7 +14018,7 @@
           <p:cNvPr id="34" name="직선 화살표 연결선 33">
             <a:extLst>
               <a:ext uri="{FF2B5EF4-FFF2-40B4-BE49-F238E27FC236}">
-                <a16:creationId xmlns:a16="http://schemas.microsoft.com/office/drawing/2014/main" xmlns="" id="{2EAC9D4F-911C-47A7-8E45-B480507BBC79}"/>
+                <a16:creationId xmlns:a16="http://schemas.microsoft.com/office/drawing/2014/main" id="{2EAC9D4F-911C-47A7-8E45-B480507BBC79}"/>
               </a:ext>
             </a:extLst>
           </p:cNvPr>
@@ -14026,7 +14062,7 @@
           <p:cNvPr id="36" name="직선 화살표 연결선 35">
             <a:extLst>
               <a:ext uri="{FF2B5EF4-FFF2-40B4-BE49-F238E27FC236}">
-                <a16:creationId xmlns:a16="http://schemas.microsoft.com/office/drawing/2014/main" xmlns="" id="{87007349-ABF6-4378-B195-3C7ECC99D9C2}"/>
+                <a16:creationId xmlns:a16="http://schemas.microsoft.com/office/drawing/2014/main" id="{87007349-ABF6-4378-B195-3C7ECC99D9C2}"/>
               </a:ext>
             </a:extLst>
           </p:cNvPr>
@@ -14070,7 +14106,7 @@
           <p:cNvPr id="40" name="직선 화살표 연결선 39">
             <a:extLst>
               <a:ext uri="{FF2B5EF4-FFF2-40B4-BE49-F238E27FC236}">
-                <a16:creationId xmlns:a16="http://schemas.microsoft.com/office/drawing/2014/main" xmlns="" id="{4AAE3D88-E638-47D1-9BFD-FFCB71D473C6}"/>
+                <a16:creationId xmlns:a16="http://schemas.microsoft.com/office/drawing/2014/main" id="{4AAE3D88-E638-47D1-9BFD-FFCB71D473C6}"/>
               </a:ext>
             </a:extLst>
           </p:cNvPr>
@@ -14114,7 +14150,7 @@
           <p:cNvPr id="47" name="직선 화살표 연결선 46">
             <a:extLst>
               <a:ext uri="{FF2B5EF4-FFF2-40B4-BE49-F238E27FC236}">
-                <a16:creationId xmlns:a16="http://schemas.microsoft.com/office/drawing/2014/main" xmlns="" id="{8D0CE952-3057-4B78-9E92-178A438F67A3}"/>
+                <a16:creationId xmlns:a16="http://schemas.microsoft.com/office/drawing/2014/main" id="{8D0CE952-3057-4B78-9E92-178A438F67A3}"/>
               </a:ext>
             </a:extLst>
           </p:cNvPr>
@@ -14158,7 +14194,7 @@
           <p:cNvPr id="50" name="직선 화살표 연결선 49">
             <a:extLst>
               <a:ext uri="{FF2B5EF4-FFF2-40B4-BE49-F238E27FC236}">
-                <a16:creationId xmlns:a16="http://schemas.microsoft.com/office/drawing/2014/main" xmlns="" id="{2F260E2F-0402-4D0B-B15E-21487F4B1C5D}"/>
+                <a16:creationId xmlns:a16="http://schemas.microsoft.com/office/drawing/2014/main" id="{2F260E2F-0402-4D0B-B15E-21487F4B1C5D}"/>
               </a:ext>
             </a:extLst>
           </p:cNvPr>
@@ -14202,7 +14238,7 @@
           <p:cNvPr id="51" name="직선 화살표 연결선 50">
             <a:extLst>
               <a:ext uri="{FF2B5EF4-FFF2-40B4-BE49-F238E27FC236}">
-                <a16:creationId xmlns:a16="http://schemas.microsoft.com/office/drawing/2014/main" xmlns="" id="{DF3AFE73-9661-4A25-B71A-596A5EDFE8BB}"/>
+                <a16:creationId xmlns:a16="http://schemas.microsoft.com/office/drawing/2014/main" id="{DF3AFE73-9661-4A25-B71A-596A5EDFE8BB}"/>
               </a:ext>
             </a:extLst>
           </p:cNvPr>
@@ -14246,7 +14282,7 @@
           <p:cNvPr id="53" name="직사각형 52">
             <a:extLst>
               <a:ext uri="{FF2B5EF4-FFF2-40B4-BE49-F238E27FC236}">
-                <a16:creationId xmlns:a16="http://schemas.microsoft.com/office/drawing/2014/main" xmlns="" id="{AE4161FE-D949-454C-B950-2B4F3EECE675}"/>
+                <a16:creationId xmlns:a16="http://schemas.microsoft.com/office/drawing/2014/main" id="{AE4161FE-D949-454C-B950-2B4F3EECE675}"/>
               </a:ext>
             </a:extLst>
           </p:cNvPr>
@@ -14292,18 +14328,13 @@
           <a:p>
             <a:pPr algn="ctr"/>
             <a:r>
-              <a:rPr lang="ko-KR" altLang="en-US" sz="1400" dirty="0" smtClean="0">
+              <a:rPr lang="ko-KR" altLang="en-US" sz="1400" dirty="0">
                 <a:solidFill>
                   <a:schemeClr val="tx1"/>
                 </a:solidFill>
               </a:rPr>
               <a:t>기본</a:t>
             </a:r>
-            <a:endParaRPr lang="ko-KR" altLang="en-US" sz="1400" dirty="0">
-              <a:solidFill>
-                <a:schemeClr val="tx1"/>
-              </a:solidFill>
-            </a:endParaRPr>
           </a:p>
         </p:txBody>
       </p:sp>
@@ -14312,7 +14343,7 @@
           <p:cNvPr id="54" name="타원 53">
             <a:extLst>
               <a:ext uri="{FF2B5EF4-FFF2-40B4-BE49-F238E27FC236}">
-                <a16:creationId xmlns:a16="http://schemas.microsoft.com/office/drawing/2014/main" xmlns="" id="{E823F898-3057-4BBE-8138-A2A83C8311FA}"/>
+                <a16:creationId xmlns:a16="http://schemas.microsoft.com/office/drawing/2014/main" id="{E823F898-3057-4BBE-8138-A2A83C8311FA}"/>
               </a:ext>
             </a:extLst>
           </p:cNvPr>
@@ -14378,7 +14409,7 @@
           <p:cNvPr id="58" name="타원 57">
             <a:extLst>
               <a:ext uri="{FF2B5EF4-FFF2-40B4-BE49-F238E27FC236}">
-                <a16:creationId xmlns:a16="http://schemas.microsoft.com/office/drawing/2014/main" xmlns="" id="{8C3512F9-646C-4901-930A-18FFF78DA091}"/>
+                <a16:creationId xmlns:a16="http://schemas.microsoft.com/office/drawing/2014/main" id="{8C3512F9-646C-4901-930A-18FFF78DA091}"/>
               </a:ext>
             </a:extLst>
           </p:cNvPr>
@@ -14444,7 +14475,7 @@
           <p:cNvPr id="59" name="타원 58">
             <a:extLst>
               <a:ext uri="{FF2B5EF4-FFF2-40B4-BE49-F238E27FC236}">
-                <a16:creationId xmlns:a16="http://schemas.microsoft.com/office/drawing/2014/main" xmlns="" id="{203D6129-BDF2-4E61-AA3C-120506DC05A3}"/>
+                <a16:creationId xmlns:a16="http://schemas.microsoft.com/office/drawing/2014/main" id="{203D6129-BDF2-4E61-AA3C-120506DC05A3}"/>
               </a:ext>
             </a:extLst>
           </p:cNvPr>
@@ -14510,7 +14541,7 @@
           <p:cNvPr id="60" name="타원 59">
             <a:extLst>
               <a:ext uri="{FF2B5EF4-FFF2-40B4-BE49-F238E27FC236}">
-                <a16:creationId xmlns:a16="http://schemas.microsoft.com/office/drawing/2014/main" xmlns="" id="{695E0334-BAD2-4F8D-9BD9-684F16DF9BA1}"/>
+                <a16:creationId xmlns:a16="http://schemas.microsoft.com/office/drawing/2014/main" id="{695E0334-BAD2-4F8D-9BD9-684F16DF9BA1}"/>
               </a:ext>
             </a:extLst>
           </p:cNvPr>
@@ -14576,7 +14607,7 @@
           <p:cNvPr id="61" name="타원 60">
             <a:extLst>
               <a:ext uri="{FF2B5EF4-FFF2-40B4-BE49-F238E27FC236}">
-                <a16:creationId xmlns:a16="http://schemas.microsoft.com/office/drawing/2014/main" xmlns="" id="{27F3C8EC-2554-4A3C-AE77-D45E5D416965}"/>
+                <a16:creationId xmlns:a16="http://schemas.microsoft.com/office/drawing/2014/main" id="{27F3C8EC-2554-4A3C-AE77-D45E5D416965}"/>
               </a:ext>
             </a:extLst>
           </p:cNvPr>
@@ -14642,7 +14673,7 @@
           <p:cNvPr id="62" name="타원 61">
             <a:extLst>
               <a:ext uri="{FF2B5EF4-FFF2-40B4-BE49-F238E27FC236}">
-                <a16:creationId xmlns:a16="http://schemas.microsoft.com/office/drawing/2014/main" xmlns="" id="{5335086D-9B95-439B-9629-916EE620E55C}"/>
+                <a16:creationId xmlns:a16="http://schemas.microsoft.com/office/drawing/2014/main" id="{5335086D-9B95-439B-9629-916EE620E55C}"/>
               </a:ext>
             </a:extLst>
           </p:cNvPr>
@@ -14700,7 +14731,7 @@
           <p:cNvPr id="63" name="타원 62">
             <a:extLst>
               <a:ext uri="{FF2B5EF4-FFF2-40B4-BE49-F238E27FC236}">
-                <a16:creationId xmlns:a16="http://schemas.microsoft.com/office/drawing/2014/main" xmlns="" id="{49ABA4F3-BEA7-49D9-89E5-E69D757B4712}"/>
+                <a16:creationId xmlns:a16="http://schemas.microsoft.com/office/drawing/2014/main" id="{49ABA4F3-BEA7-49D9-89E5-E69D757B4712}"/>
               </a:ext>
             </a:extLst>
           </p:cNvPr>
@@ -14758,7 +14789,7 @@
           <p:cNvPr id="64" name="타원 63">
             <a:extLst>
               <a:ext uri="{FF2B5EF4-FFF2-40B4-BE49-F238E27FC236}">
-                <a16:creationId xmlns:a16="http://schemas.microsoft.com/office/drawing/2014/main" xmlns="" id="{BFB5FC79-F124-4A06-B83E-41D73D5EE870}"/>
+                <a16:creationId xmlns:a16="http://schemas.microsoft.com/office/drawing/2014/main" id="{BFB5FC79-F124-4A06-B83E-41D73D5EE870}"/>
               </a:ext>
             </a:extLst>
           </p:cNvPr>
@@ -14824,7 +14855,7 @@
           <p:cNvPr id="65" name="타원 64">
             <a:extLst>
               <a:ext uri="{FF2B5EF4-FFF2-40B4-BE49-F238E27FC236}">
-                <a16:creationId xmlns:a16="http://schemas.microsoft.com/office/drawing/2014/main" xmlns="" id="{43C0E68C-A54E-495D-A434-2357614BE87E}"/>
+                <a16:creationId xmlns:a16="http://schemas.microsoft.com/office/drawing/2014/main" id="{43C0E68C-A54E-495D-A434-2357614BE87E}"/>
               </a:ext>
             </a:extLst>
           </p:cNvPr>
@@ -14890,7 +14921,7 @@
           <p:cNvPr id="31" name="타원 30">
             <a:extLst>
               <a:ext uri="{FF2B5EF4-FFF2-40B4-BE49-F238E27FC236}">
-                <a16:creationId xmlns:a16="http://schemas.microsoft.com/office/drawing/2014/main" xmlns="" id="{AD20328C-F091-4AC6-AEB1-54763C7F5D79}"/>
+                <a16:creationId xmlns:a16="http://schemas.microsoft.com/office/drawing/2014/main" id="{AD20328C-F091-4AC6-AEB1-54763C7F5D79}"/>
               </a:ext>
             </a:extLst>
           </p:cNvPr>
@@ -14948,7 +14979,7 @@
           <p:cNvPr id="41" name="직선 화살표 연결선 40">
             <a:extLst>
               <a:ext uri="{FF2B5EF4-FFF2-40B4-BE49-F238E27FC236}">
-                <a16:creationId xmlns:a16="http://schemas.microsoft.com/office/drawing/2014/main" xmlns="" id="{DE5BBF99-B688-40E1-B38B-922AED338249}"/>
+                <a16:creationId xmlns:a16="http://schemas.microsoft.com/office/drawing/2014/main" id="{DE5BBF99-B688-40E1-B38B-922AED338249}"/>
               </a:ext>
             </a:extLst>
           </p:cNvPr>
@@ -14992,7 +15023,7 @@
           <p:cNvPr id="42" name="직선 화살표 연결선 41">
             <a:extLst>
               <a:ext uri="{FF2B5EF4-FFF2-40B4-BE49-F238E27FC236}">
-                <a16:creationId xmlns:a16="http://schemas.microsoft.com/office/drawing/2014/main" xmlns="" id="{FF4136AF-98F8-4E9E-A922-17BBE4E00DF3}"/>
+                <a16:creationId xmlns:a16="http://schemas.microsoft.com/office/drawing/2014/main" id="{FF4136AF-98F8-4E9E-A922-17BBE4E00DF3}"/>
               </a:ext>
             </a:extLst>
           </p:cNvPr>
@@ -15036,7 +15067,7 @@
           <p:cNvPr id="55" name="타원 54">
             <a:extLst>
               <a:ext uri="{FF2B5EF4-FFF2-40B4-BE49-F238E27FC236}">
-                <a16:creationId xmlns:a16="http://schemas.microsoft.com/office/drawing/2014/main" xmlns="" id="{86C586E1-F970-4DE1-8CAF-06FED10EAF96}"/>
+                <a16:creationId xmlns:a16="http://schemas.microsoft.com/office/drawing/2014/main" id="{86C586E1-F970-4DE1-8CAF-06FED10EAF96}"/>
               </a:ext>
             </a:extLst>
           </p:cNvPr>
@@ -15102,7 +15133,7 @@
           <p:cNvPr id="56" name="타원 55">
             <a:extLst>
               <a:ext uri="{FF2B5EF4-FFF2-40B4-BE49-F238E27FC236}">
-                <a16:creationId xmlns:a16="http://schemas.microsoft.com/office/drawing/2014/main" xmlns="" id="{16433F56-BF7B-4126-9CA7-D9576A8D0E94}"/>
+                <a16:creationId xmlns:a16="http://schemas.microsoft.com/office/drawing/2014/main" id="{16433F56-BF7B-4126-9CA7-D9576A8D0E94}"/>
               </a:ext>
             </a:extLst>
           </p:cNvPr>
@@ -15168,7 +15199,7 @@
           <p:cNvPr id="67" name="TextBox 66">
             <a:extLst>
               <a:ext uri="{FF2B5EF4-FFF2-40B4-BE49-F238E27FC236}">
-                <a16:creationId xmlns:a16="http://schemas.microsoft.com/office/drawing/2014/main" xmlns="" id="{C6B16D19-B06A-4594-BA5D-536A1831DCDC}"/>
+                <a16:creationId xmlns:a16="http://schemas.microsoft.com/office/drawing/2014/main" id="{C6B16D19-B06A-4594-BA5D-536A1831DCDC}"/>
               </a:ext>
             </a:extLst>
           </p:cNvPr>
@@ -15193,18 +15224,17 @@
           <a:p>
             <a:pPr algn="ctr"/>
             <a:r>
-              <a:rPr lang="ko-KR" altLang="en-US" sz="1400" dirty="0" err="1" smtClean="0"/>
+              <a:rPr lang="ko-KR" altLang="en-US" sz="1400" dirty="0" err="1"/>
               <a:t>디버프</a:t>
             </a:r>
-            <a:endParaRPr lang="en-US" altLang="ko-KR" sz="1400" dirty="0" smtClean="0"/>
+            <a:endParaRPr lang="en-US" altLang="ko-KR" sz="1400" dirty="0"/>
           </a:p>
           <a:p>
             <a:pPr algn="ctr"/>
             <a:r>
-              <a:rPr lang="ko-KR" altLang="en-US" sz="1400" dirty="0" smtClean="0"/>
+              <a:rPr lang="ko-KR" altLang="en-US" sz="1400" dirty="0"/>
               <a:t>체크</a:t>
             </a:r>
-            <a:endParaRPr lang="ko-KR" altLang="en-US" sz="1400" dirty="0"/>
           </a:p>
         </p:txBody>
       </p:sp>
@@ -15213,7 +15243,7 @@
           <p:cNvPr id="68" name="TextBox 67">
             <a:extLst>
               <a:ext uri="{FF2B5EF4-FFF2-40B4-BE49-F238E27FC236}">
-                <a16:creationId xmlns:a16="http://schemas.microsoft.com/office/drawing/2014/main" xmlns="" id="{A487A0B3-FBE4-45E3-B0AF-FAE16530722A}"/>
+                <a16:creationId xmlns:a16="http://schemas.microsoft.com/office/drawing/2014/main" id="{A487A0B3-FBE4-45E3-B0AF-FAE16530722A}"/>
               </a:ext>
             </a:extLst>
           </p:cNvPr>
@@ -15237,7 +15267,7 @@
           <a:lstStyle/>
           <a:p>
             <a:r>
-              <a:rPr lang="en-US" altLang="ko-KR" sz="1400" dirty="0" smtClean="0"/>
+              <a:rPr lang="en-US" altLang="ko-KR" sz="1400" dirty="0"/>
               <a:t>10</a:t>
             </a:r>
             <a:endParaRPr lang="ko-KR" altLang="en-US" sz="1400" dirty="0"/>
@@ -15289,14 +15319,14 @@
           <a:p>
             <a:pPr algn="ctr"/>
             <a:r>
-              <a:rPr lang="ko-KR" altLang="en-US" sz="1400" dirty="0" smtClean="0">
+              <a:rPr lang="ko-KR" altLang="en-US" sz="1400" dirty="0">
                 <a:solidFill>
                   <a:schemeClr val="tx1"/>
                 </a:solidFill>
               </a:rPr>
               <a:t>보스 상태 </a:t>
             </a:r>
-            <a:endParaRPr lang="en-US" altLang="ko-KR" sz="1400" dirty="0" smtClean="0">
+            <a:endParaRPr lang="en-US" altLang="ko-KR" sz="1400" dirty="0">
               <a:solidFill>
                 <a:schemeClr val="tx1"/>
               </a:solidFill>
@@ -15305,18 +15335,13 @@
           <a:p>
             <a:pPr algn="ctr"/>
             <a:r>
-              <a:rPr lang="ko-KR" altLang="en-US" sz="1400" dirty="0" smtClean="0">
+              <a:rPr lang="ko-KR" altLang="en-US" sz="1400" dirty="0">
                 <a:solidFill>
                   <a:schemeClr val="tx1"/>
                 </a:solidFill>
               </a:rPr>
               <a:t>데이터</a:t>
             </a:r>
-            <a:endParaRPr lang="ko-KR" altLang="en-US" sz="1400" dirty="0" smtClean="0">
-              <a:solidFill>
-                <a:schemeClr val="tx1"/>
-              </a:solidFill>
-            </a:endParaRPr>
           </a:p>
         </p:txBody>
       </p:sp>
@@ -15325,7 +15350,7 @@
           <p:cNvPr id="71" name="TextBox 70">
             <a:extLst>
               <a:ext uri="{FF2B5EF4-FFF2-40B4-BE49-F238E27FC236}">
-                <a16:creationId xmlns:a16="http://schemas.microsoft.com/office/drawing/2014/main" xmlns="" id="{C6B16D19-B06A-4594-BA5D-536A1831DCDC}"/>
+                <a16:creationId xmlns:a16="http://schemas.microsoft.com/office/drawing/2014/main" id="{C6B16D19-B06A-4594-BA5D-536A1831DCDC}"/>
               </a:ext>
             </a:extLst>
           </p:cNvPr>
@@ -15350,10 +15375,9 @@
           <a:p>
             <a:pPr algn="ctr"/>
             <a:r>
-              <a:rPr lang="ko-KR" altLang="en-US" sz="1400" dirty="0" smtClean="0"/>
+              <a:rPr lang="ko-KR" altLang="en-US" sz="1400" dirty="0"/>
               <a:t>턴 체크</a:t>
             </a:r>
-            <a:endParaRPr lang="ko-KR" altLang="en-US" sz="1400" dirty="0"/>
           </a:p>
         </p:txBody>
       </p:sp>
@@ -15362,7 +15386,7 @@
           <p:cNvPr id="72" name="TextBox 71">
             <a:extLst>
               <a:ext uri="{FF2B5EF4-FFF2-40B4-BE49-F238E27FC236}">
-                <a16:creationId xmlns:a16="http://schemas.microsoft.com/office/drawing/2014/main" xmlns="" id="{A487A0B3-FBE4-45E3-B0AF-FAE16530722A}"/>
+                <a16:creationId xmlns:a16="http://schemas.microsoft.com/office/drawing/2014/main" id="{A487A0B3-FBE4-45E3-B0AF-FAE16530722A}"/>
               </a:ext>
             </a:extLst>
           </p:cNvPr>
@@ -15386,7 +15410,7 @@
           <a:lstStyle/>
           <a:p>
             <a:r>
-              <a:rPr lang="en-US" altLang="ko-KR" sz="1400" dirty="0" smtClean="0"/>
+              <a:rPr lang="en-US" altLang="ko-KR" sz="1400" dirty="0"/>
               <a:t>10</a:t>
             </a:r>
             <a:endParaRPr lang="ko-KR" altLang="en-US" sz="1400" dirty="0"/>
@@ -15398,7 +15422,7 @@
           <p:cNvPr id="73" name="직사각형 72">
             <a:extLst>
               <a:ext uri="{FF2B5EF4-FFF2-40B4-BE49-F238E27FC236}">
-                <a16:creationId xmlns:a16="http://schemas.microsoft.com/office/drawing/2014/main" xmlns="" id="{AE4161FE-D949-454C-B950-2B4F3EECE675}"/>
+                <a16:creationId xmlns:a16="http://schemas.microsoft.com/office/drawing/2014/main" id="{AE4161FE-D949-454C-B950-2B4F3EECE675}"/>
               </a:ext>
             </a:extLst>
           </p:cNvPr>
@@ -15444,18 +15468,13 @@
           <a:p>
             <a:pPr algn="ctr"/>
             <a:r>
-              <a:rPr lang="ko-KR" altLang="en-US" sz="1400" dirty="0" smtClean="0">
+              <a:rPr lang="ko-KR" altLang="en-US" sz="1400" dirty="0">
                 <a:solidFill>
                   <a:schemeClr val="tx1"/>
                 </a:solidFill>
               </a:rPr>
               <a:t>상시</a:t>
             </a:r>
-            <a:endParaRPr lang="ko-KR" altLang="en-US" sz="1400" dirty="0">
-              <a:solidFill>
-                <a:schemeClr val="tx1"/>
-              </a:solidFill>
-            </a:endParaRPr>
           </a:p>
         </p:txBody>
       </p:sp>
@@ -15469,13 +15488,6 @@
   <p:clrMapOvr>
     <a:masterClrMapping/>
   </p:clrMapOvr>
-  <p:timing>
-    <p:tnLst>
-      <p:par>
-        <p:cTn id="1" dur="indefinite" restart="never" nodeType="tmRoot"/>
-      </p:par>
-    </p:tnLst>
-  </p:timing>
 </p:sld>
 </file>
 
@@ -15501,7 +15513,7 @@
           <p:cNvPr id="2" name="제목 1">
             <a:extLst>
               <a:ext uri="{FF2B5EF4-FFF2-40B4-BE49-F238E27FC236}">
-                <a16:creationId xmlns:a16="http://schemas.microsoft.com/office/drawing/2014/main" xmlns="" id="{B0D0D6BF-BDD9-48B2-B072-093BAED78505}"/>
+                <a16:creationId xmlns:a16="http://schemas.microsoft.com/office/drawing/2014/main" id="{B0D0D6BF-BDD9-48B2-B072-093BAED78505}"/>
               </a:ext>
             </a:extLst>
           </p:cNvPr>
@@ -15534,7 +15546,7 @@
           <p:cNvPr id="3" name="내용 개체 틀 2">
             <a:extLst>
               <a:ext uri="{FF2B5EF4-FFF2-40B4-BE49-F238E27FC236}">
-                <a16:creationId xmlns:a16="http://schemas.microsoft.com/office/drawing/2014/main" xmlns="" id="{BED93B48-AA0D-45A5-BC61-836BE857E3A6}"/>
+                <a16:creationId xmlns:a16="http://schemas.microsoft.com/office/drawing/2014/main" id="{BED93B48-AA0D-45A5-BC61-836BE857E3A6}"/>
               </a:ext>
             </a:extLst>
           </p:cNvPr>
@@ -15639,7 +15651,7 @@
           <p:cNvPr id="31" name="표 28">
             <a:extLst>
               <a:ext uri="{FF2B5EF4-FFF2-40B4-BE49-F238E27FC236}">
-                <a16:creationId xmlns:a16="http://schemas.microsoft.com/office/drawing/2014/main" xmlns="" id="{881D1448-CB3C-4A8F-98E9-71C9A7C8F01B}"/>
+                <a16:creationId xmlns:a16="http://schemas.microsoft.com/office/drawing/2014/main" id="{881D1448-CB3C-4A8F-98E9-71C9A7C8F01B}"/>
               </a:ext>
             </a:extLst>
           </p:cNvPr>
@@ -15656,7 +15668,7 @@
         </p:nvGraphicFramePr>
         <p:xfrm>
           <a:off x="688374" y="1618118"/>
-          <a:ext cx="11010140" cy="4358640"/>
+          <a:ext cx="11010140" cy="4305364"/>
         </p:xfrm>
         <a:graphic>
           <a:graphicData uri="http://schemas.openxmlformats.org/drawingml/2006/table">
@@ -15668,21 +15680,21 @@
                 <a:gridCol w="632426">
                   <a:extLst>
                     <a:ext uri="{9D8B030D-6E8A-4147-A177-3AD203B41FA5}">
-                      <a16:colId xmlns:a16="http://schemas.microsoft.com/office/drawing/2014/main" xmlns="" val="2823673714"/>
+                      <a16:colId xmlns:a16="http://schemas.microsoft.com/office/drawing/2014/main" val="2823673714"/>
                     </a:ext>
                   </a:extLst>
                 </a:gridCol>
                 <a:gridCol w="1378857">
                   <a:extLst>
                     <a:ext uri="{9D8B030D-6E8A-4147-A177-3AD203B41FA5}">
-                      <a16:colId xmlns:a16="http://schemas.microsoft.com/office/drawing/2014/main" xmlns="" val="3657127649"/>
+                      <a16:colId xmlns:a16="http://schemas.microsoft.com/office/drawing/2014/main" val="3657127649"/>
                     </a:ext>
                   </a:extLst>
                 </a:gridCol>
                 <a:gridCol w="8998857">
                   <a:extLst>
                     <a:ext uri="{9D8B030D-6E8A-4147-A177-3AD203B41FA5}">
-                      <a16:colId xmlns:a16="http://schemas.microsoft.com/office/drawing/2014/main" xmlns="" val="2018470204"/>
+                      <a16:colId xmlns:a16="http://schemas.microsoft.com/office/drawing/2014/main" val="2018470204"/>
                     </a:ext>
                   </a:extLst>
                 </a:gridCol>
@@ -15744,7 +15756,7 @@
                 </a:tc>
                 <a:extLst>
                   <a:ext uri="{0D108BD9-81ED-4DB2-BD59-A6C34878D82A}">
-                    <a16:rowId xmlns:a16="http://schemas.microsoft.com/office/drawing/2014/main" xmlns="" val="3186733371"/>
+                    <a16:rowId xmlns:a16="http://schemas.microsoft.com/office/drawing/2014/main" val="3186733371"/>
                   </a:ext>
                 </a:extLst>
               </a:tr>
@@ -15822,7 +15834,7 @@
                 </a:tc>
                 <a:extLst>
                   <a:ext uri="{0D108BD9-81ED-4DB2-BD59-A6C34878D82A}">
-                    <a16:rowId xmlns:a16="http://schemas.microsoft.com/office/drawing/2014/main" xmlns="" val="3769079932"/>
+                    <a16:rowId xmlns:a16="http://schemas.microsoft.com/office/drawing/2014/main" val="3769079932"/>
                   </a:ext>
                 </a:extLst>
               </a:tr>
@@ -15924,7 +15936,7 @@
                 </a:tc>
                 <a:extLst>
                   <a:ext uri="{0D108BD9-81ED-4DB2-BD59-A6C34878D82A}">
-                    <a16:rowId xmlns:a16="http://schemas.microsoft.com/office/drawing/2014/main" xmlns="" val="858373754"/>
+                    <a16:rowId xmlns:a16="http://schemas.microsoft.com/office/drawing/2014/main" val="858373754"/>
                   </a:ext>
                 </a:extLst>
               </a:tr>
@@ -16022,7 +16034,7 @@
                 </a:tc>
                 <a:extLst>
                   <a:ext uri="{0D108BD9-81ED-4DB2-BD59-A6C34878D82A}">
-                    <a16:rowId xmlns:a16="http://schemas.microsoft.com/office/drawing/2014/main" xmlns="" val="2967758029"/>
+                    <a16:rowId xmlns:a16="http://schemas.microsoft.com/office/drawing/2014/main" val="2967758029"/>
                   </a:ext>
                 </a:extLst>
               </a:tr>
@@ -16101,7 +16113,7 @@
                 </a:tc>
                 <a:extLst>
                   <a:ext uri="{0D108BD9-81ED-4DB2-BD59-A6C34878D82A}">
-                    <a16:rowId xmlns:a16="http://schemas.microsoft.com/office/drawing/2014/main" xmlns="" val="2805100768"/>
+                    <a16:rowId xmlns:a16="http://schemas.microsoft.com/office/drawing/2014/main" val="2805100768"/>
                   </a:ext>
                 </a:extLst>
               </a:tr>
@@ -16196,7 +16208,7 @@
                 </a:tc>
                 <a:extLst>
                   <a:ext uri="{0D108BD9-81ED-4DB2-BD59-A6C34878D82A}">
-                    <a16:rowId xmlns:a16="http://schemas.microsoft.com/office/drawing/2014/main" xmlns="" val="2327436700"/>
+                    <a16:rowId xmlns:a16="http://schemas.microsoft.com/office/drawing/2014/main" val="2327436700"/>
                   </a:ext>
                 </a:extLst>
               </a:tr>
@@ -16231,16 +16243,12 @@
                         </a:lnSpc>
                       </a:pPr>
                       <a:r>
-                        <a:rPr lang="ko-KR" altLang="en-US" sz="1400" dirty="0" err="1" smtClean="0"/>
+                        <a:rPr lang="ko-KR" altLang="en-US" sz="1400" dirty="0" err="1"/>
                         <a:t>디버프</a:t>
                       </a:r>
                       <a:r>
-                        <a:rPr lang="ko-KR" altLang="en-US" sz="1400" dirty="0" smtClean="0"/>
-                        <a:t> </a:t>
-                      </a:r>
-                      <a:r>
                         <a:rPr lang="ko-KR" altLang="en-US" sz="1400" dirty="0"/>
-                        <a:t>체크</a:t>
+                        <a:t> 체크</a:t>
                       </a:r>
                     </a:p>
                   </a:txBody>
@@ -16257,35 +16265,23 @@
                         </a:lnSpc>
                       </a:pPr>
                       <a:r>
-                        <a:rPr lang="ko-KR" altLang="en-US" sz="1400" dirty="0" smtClean="0"/>
+                        <a:rPr lang="ko-KR" altLang="en-US" sz="1400" dirty="0"/>
                         <a:t>보스에게 </a:t>
                       </a:r>
                       <a:r>
-                        <a:rPr lang="ko-KR" altLang="en-US" sz="1400" dirty="0" err="1" smtClean="0"/>
+                        <a:rPr lang="ko-KR" altLang="en-US" sz="1400" dirty="0" err="1"/>
                         <a:t>디버프가</a:t>
                       </a:r>
                       <a:r>
-                        <a:rPr lang="ko-KR" altLang="en-US" sz="1400" dirty="0" smtClean="0"/>
-                        <a:t> 추가 </a:t>
-                      </a:r>
-                      <a:r>
                         <a:rPr lang="ko-KR" altLang="en-US" sz="1400" dirty="0"/>
-                        <a:t>되면 </a:t>
-                      </a:r>
-                      <a:r>
-                        <a:rPr lang="ko-KR" altLang="en-US" sz="1400" dirty="0" smtClean="0"/>
-                        <a:t>확인을 </a:t>
+                        <a:t> 추가 되면 확인을 위해 </a:t>
+                      </a:r>
+                      <a:r>
+                        <a:rPr lang="ko-KR" altLang="en-US" sz="1400" dirty="0" err="1"/>
+                        <a:t>디버프</a:t>
                       </a:r>
                       <a:r>
                         <a:rPr lang="ko-KR" altLang="en-US" sz="1400" dirty="0"/>
-                        <a:t>위해 </a:t>
-                      </a:r>
-                      <a:r>
-                        <a:rPr lang="ko-KR" altLang="en-US" sz="1400" dirty="0" err="1" smtClean="0"/>
-                        <a:t>디버프</a:t>
-                      </a:r>
-                      <a:r>
-                        <a:rPr lang="ko-KR" altLang="en-US" sz="1400" dirty="0" smtClean="0"/>
                         <a:t> 체크로 이동</a:t>
                       </a:r>
                       <a:endParaRPr lang="en-US" altLang="ko-KR" sz="1400" dirty="0"/>
@@ -16295,7 +16291,7 @@
                 </a:tc>
                 <a:extLst>
                   <a:ext uri="{0D108BD9-81ED-4DB2-BD59-A6C34878D82A}">
-                    <a16:rowId xmlns:a16="http://schemas.microsoft.com/office/drawing/2014/main" xmlns="" val="2130957632"/>
+                    <a16:rowId xmlns:a16="http://schemas.microsoft.com/office/drawing/2014/main" val="2130957632"/>
                   </a:ext>
                 </a:extLst>
               </a:tr>
@@ -16330,14 +16326,13 @@
                         </a:lnSpc>
                       </a:pPr>
                       <a:r>
-                        <a:rPr lang="ko-KR" altLang="en-US" sz="1400" dirty="0" err="1" smtClean="0"/>
+                        <a:rPr lang="ko-KR" altLang="en-US" sz="1400" dirty="0" err="1"/>
                         <a:t>디버프</a:t>
                       </a:r>
                       <a:r>
-                        <a:rPr lang="ko-KR" altLang="en-US" sz="1400" dirty="0" smtClean="0"/>
+                        <a:rPr lang="ko-KR" altLang="en-US" sz="1400" dirty="0"/>
                         <a:t> 종료</a:t>
                       </a:r>
-                      <a:endParaRPr lang="ko-KR" altLang="en-US" sz="1400" dirty="0"/>
                     </a:p>
                   </a:txBody>
                   <a:tcPr anchor="ctr"/>
@@ -16353,23 +16348,23 @@
                         </a:lnSpc>
                       </a:pPr>
                       <a:r>
-                        <a:rPr lang="ko-KR" altLang="en-US" sz="1400" dirty="0" smtClean="0"/>
+                        <a:rPr lang="ko-KR" altLang="en-US" sz="1400" dirty="0"/>
                         <a:t>턴에 영향을 주는 </a:t>
                       </a:r>
                       <a:r>
-                        <a:rPr lang="ko-KR" altLang="en-US" sz="1400" dirty="0" err="1" smtClean="0"/>
+                        <a:rPr lang="ko-KR" altLang="en-US" sz="1400" dirty="0" err="1"/>
                         <a:t>디버프가</a:t>
                       </a:r>
                       <a:r>
-                        <a:rPr lang="ko-KR" altLang="en-US" sz="1400" dirty="0" smtClean="0"/>
+                        <a:rPr lang="ko-KR" altLang="en-US" sz="1400" dirty="0"/>
                         <a:t> 종료 되거나 </a:t>
                       </a:r>
                       <a:r>
-                        <a:rPr lang="ko-KR" altLang="en-US" sz="1400" dirty="0" err="1" smtClean="0"/>
+                        <a:rPr lang="ko-KR" altLang="en-US" sz="1400" dirty="0" err="1"/>
                         <a:t>디버프가</a:t>
                       </a:r>
                       <a:r>
-                        <a:rPr lang="ko-KR" altLang="en-US" sz="1400" dirty="0" smtClean="0"/>
+                        <a:rPr lang="ko-KR" altLang="en-US" sz="1400" dirty="0"/>
                         <a:t> 턴에 영향을 주지 않으면 상태 변경으로 이동</a:t>
                       </a:r>
                       <a:endParaRPr lang="en-US" altLang="ko-KR" sz="1400" dirty="0"/>
@@ -16379,7 +16374,7 @@
                 </a:tc>
                 <a:extLst>
                   <a:ext uri="{0D108BD9-81ED-4DB2-BD59-A6C34878D82A}">
-                    <a16:rowId xmlns:a16="http://schemas.microsoft.com/office/drawing/2014/main" xmlns="" val="1467325178"/>
+                    <a16:rowId xmlns:a16="http://schemas.microsoft.com/office/drawing/2014/main" val="1467325178"/>
                   </a:ext>
                 </a:extLst>
               </a:tr>
@@ -16436,20 +16431,16 @@
                         </a:lnSpc>
                       </a:pPr>
                       <a:r>
-                        <a:rPr lang="ko-KR" altLang="en-US" sz="1400" dirty="0" smtClean="0"/>
+                        <a:rPr lang="ko-KR" altLang="en-US" sz="1400" dirty="0"/>
                         <a:t>보스</a:t>
                       </a:r>
                       <a:r>
-                        <a:rPr lang="ko-KR" altLang="en-US" sz="1400" baseline="0" dirty="0" smtClean="0"/>
+                        <a:rPr lang="ko-KR" altLang="en-US" sz="1400" baseline="0" dirty="0"/>
                         <a:t>의 상태 데이터</a:t>
                       </a:r>
                       <a:r>
-                        <a:rPr lang="ko-KR" altLang="en-US" sz="1400" dirty="0" smtClean="0"/>
-                        <a:t>에 </a:t>
-                      </a:r>
-                      <a:r>
                         <a:rPr lang="ko-KR" altLang="en-US" sz="1400" dirty="0"/>
-                        <a:t>따라 해당 위치에 맞는 </a:t>
+                        <a:t>에 따라 해당 위치에 맞는 </a:t>
                       </a:r>
                       <a:r>
                         <a:rPr lang="en-US" altLang="ko-KR" sz="1400" dirty="0"/>
@@ -16466,7 +16457,7 @@
                 </a:tc>
                 <a:extLst>
                   <a:ext uri="{0D108BD9-81ED-4DB2-BD59-A6C34878D82A}">
-                    <a16:rowId xmlns:a16="http://schemas.microsoft.com/office/drawing/2014/main" xmlns="" val="587932182"/>
+                    <a16:rowId xmlns:a16="http://schemas.microsoft.com/office/drawing/2014/main" val="587932182"/>
                   </a:ext>
                 </a:extLst>
               </a:tr>
@@ -16552,18 +16543,14 @@
                       </a:r>
                       <a:r>
                         <a:rPr lang="ko-KR" altLang="en-US" sz="1400" dirty="0"/>
-                        <a:t> 되었을 때 턴 체크로 </a:t>
-                      </a:r>
-                      <a:r>
-                        <a:rPr lang="ko-KR" altLang="en-US" sz="1400" dirty="0" smtClean="0"/>
-                        <a:t>이동</a:t>
-                      </a:r>
-                      <a:r>
-                        <a:rPr lang="en-US" altLang="ko-KR" sz="1400" dirty="0" smtClean="0"/>
+                        <a:t> 되었을 때 턴 체크로 이동</a:t>
+                      </a:r>
+                      <a:r>
+                        <a:rPr lang="en-US" altLang="ko-KR" sz="1400" dirty="0"/>
                         <a:t>, </a:t>
                       </a:r>
                       <a:r>
-                        <a:rPr lang="ko-KR" altLang="en-US" sz="1400" dirty="0" smtClean="0"/>
+                        <a:rPr lang="ko-KR" altLang="en-US" sz="1400" dirty="0"/>
                         <a:t>및 상태 전송</a:t>
                       </a:r>
                       <a:endParaRPr lang="en-US" altLang="ko-KR" sz="1400" dirty="0"/>
@@ -16573,7 +16560,7 @@
                 </a:tc>
                 <a:extLst>
                   <a:ext uri="{0D108BD9-81ED-4DB2-BD59-A6C34878D82A}">
-                    <a16:rowId xmlns:a16="http://schemas.microsoft.com/office/drawing/2014/main" xmlns="" val="3574725175"/>
+                    <a16:rowId xmlns:a16="http://schemas.microsoft.com/office/drawing/2014/main" val="3574725175"/>
                   </a:ext>
                 </a:extLst>
               </a:tr>
@@ -16608,10 +16595,9 @@
                         </a:lnSpc>
                       </a:pPr>
                       <a:r>
-                        <a:rPr lang="ko-KR" altLang="en-US" sz="1400" dirty="0" smtClean="0"/>
+                        <a:rPr lang="ko-KR" altLang="en-US" sz="1400" dirty="0"/>
                         <a:t>사망</a:t>
                       </a:r>
-                      <a:endParaRPr lang="ko-KR" altLang="en-US" sz="1400" dirty="0"/>
                     </a:p>
                   </a:txBody>
                   <a:tcPr anchor="ctr"/>
@@ -16661,7 +16647,7 @@
                 </a:tc>
                 <a:extLst>
                   <a:ext uri="{0D108BD9-81ED-4DB2-BD59-A6C34878D82A}">
-                    <a16:rowId xmlns:a16="http://schemas.microsoft.com/office/drawing/2014/main" xmlns="" val="2080981769"/>
+                    <a16:rowId xmlns:a16="http://schemas.microsoft.com/office/drawing/2014/main" val="2080981769"/>
                   </a:ext>
                 </a:extLst>
               </a:tr>
@@ -16674,7 +16660,7 @@
           <p:cNvPr id="7" name="TextBox 6">
             <a:extLst>
               <a:ext uri="{FF2B5EF4-FFF2-40B4-BE49-F238E27FC236}">
-                <a16:creationId xmlns:a16="http://schemas.microsoft.com/office/drawing/2014/main" xmlns="" id="{F27AAED5-21D0-4ADF-9BE8-460DB407CC40}"/>
+                <a16:creationId xmlns:a16="http://schemas.microsoft.com/office/drawing/2014/main" id="{F27AAED5-21D0-4ADF-9BE8-460DB407CC40}"/>
               </a:ext>
             </a:extLst>
           </p:cNvPr>
@@ -16702,18 +16688,13 @@
               <a:buChar char="•"/>
             </a:pPr>
             <a:r>
-              <a:rPr lang="en-US" altLang="ko-KR" sz="1400" dirty="0" smtClean="0"/>
+              <a:rPr lang="en-US" altLang="ko-KR" sz="1400" dirty="0"/>
               <a:t>8, 9</a:t>
             </a:r>
             <a:r>
-              <a:rPr lang="ko-KR" altLang="en-US" sz="1400" dirty="0" smtClean="0"/>
-              <a:t>의 </a:t>
-            </a:r>
-            <a:r>
-              <a:rPr lang="ko-KR" altLang="en-US" sz="1400" dirty="0" smtClean="0"/>
-              <a:t>붉은 원의 설명은 다음 슬라이드에</a:t>
-            </a:r>
-            <a:endParaRPr lang="ko-KR" altLang="en-US" sz="1400" dirty="0"/>
+              <a:rPr lang="ko-KR" altLang="en-US" sz="1400" dirty="0"/>
+              <a:t>의 붉은 원의 설명은 다음 슬라이드에</a:t>
+            </a:r>
           </a:p>
         </p:txBody>
       </p:sp>
@@ -16769,7 +16750,7 @@
           <p:cNvPr id="6" name="타원 5">
             <a:extLst>
               <a:ext uri="{FF2B5EF4-FFF2-40B4-BE49-F238E27FC236}">
-                <a16:creationId xmlns:a16="http://schemas.microsoft.com/office/drawing/2014/main" xmlns="" id="{695E0334-BAD2-4F8D-9BD9-684F16DF9BA1}"/>
+                <a16:creationId xmlns:a16="http://schemas.microsoft.com/office/drawing/2014/main" id="{695E0334-BAD2-4F8D-9BD9-684F16DF9BA1}"/>
               </a:ext>
             </a:extLst>
           </p:cNvPr>
@@ -16815,7 +16796,7 @@
           <a:p>
             <a:pPr algn="ctr"/>
             <a:r>
-              <a:rPr lang="en-US" altLang="ko-KR" sz="1400" dirty="0" smtClean="0">
+              <a:rPr lang="en-US" altLang="ko-KR" sz="1400" dirty="0">
                 <a:solidFill>
                   <a:srgbClr val="FF0000"/>
                 </a:solidFill>
@@ -16840,13 +16821,6 @@
   <p:clrMapOvr>
     <a:masterClrMapping/>
   </p:clrMapOvr>
-  <p:timing>
-    <p:tnLst>
-      <p:par>
-        <p:cTn id="1" dur="indefinite" restart="never" nodeType="tmRoot"/>
-      </p:par>
-    </p:tnLst>
-  </p:timing>
 </p:sld>
 </file>
 
@@ -16872,7 +16846,7 @@
           <p:cNvPr id="2" name="제목 1">
             <a:extLst>
               <a:ext uri="{FF2B5EF4-FFF2-40B4-BE49-F238E27FC236}">
-                <a16:creationId xmlns:a16="http://schemas.microsoft.com/office/drawing/2014/main" xmlns="" id="{B0D0D6BF-BDD9-48B2-B072-093BAED78505}"/>
+                <a16:creationId xmlns:a16="http://schemas.microsoft.com/office/drawing/2014/main" id="{B0D0D6BF-BDD9-48B2-B072-093BAED78505}"/>
               </a:ext>
             </a:extLst>
           </p:cNvPr>
@@ -16905,7 +16879,7 @@
           <p:cNvPr id="3" name="내용 개체 틀 2">
             <a:extLst>
               <a:ext uri="{FF2B5EF4-FFF2-40B4-BE49-F238E27FC236}">
-                <a16:creationId xmlns:a16="http://schemas.microsoft.com/office/drawing/2014/main" xmlns="" id="{BED93B48-AA0D-45A5-BC61-836BE857E3A6}"/>
+                <a16:creationId xmlns:a16="http://schemas.microsoft.com/office/drawing/2014/main" id="{BED93B48-AA0D-45A5-BC61-836BE857E3A6}"/>
               </a:ext>
             </a:extLst>
           </p:cNvPr>
@@ -17010,7 +16984,7 @@
           <p:cNvPr id="5" name="TextBox 4">
             <a:extLst>
               <a:ext uri="{FF2B5EF4-FFF2-40B4-BE49-F238E27FC236}">
-                <a16:creationId xmlns:a16="http://schemas.microsoft.com/office/drawing/2014/main" xmlns="" id="{F27AAED5-21D0-4ADF-9BE8-460DB407CC40}"/>
+                <a16:creationId xmlns:a16="http://schemas.microsoft.com/office/drawing/2014/main" id="{F27AAED5-21D0-4ADF-9BE8-460DB407CC40}"/>
               </a:ext>
             </a:extLst>
           </p:cNvPr>
@@ -17041,35 +17015,35 @@
               <a:buChar char="•"/>
             </a:pPr>
             <a:r>
-              <a:rPr lang="ko-KR" altLang="en-US" sz="1400" dirty="0" smtClean="0"/>
+              <a:rPr lang="ko-KR" altLang="en-US" sz="1400" dirty="0"/>
               <a:t>보스 </a:t>
             </a:r>
             <a:r>
-              <a:rPr lang="ko-KR" altLang="en-US" sz="1400" dirty="0" err="1" smtClean="0"/>
+              <a:rPr lang="ko-KR" altLang="en-US" sz="1400" dirty="0" err="1"/>
               <a:t>몬스터가</a:t>
             </a:r>
             <a:r>
-              <a:rPr lang="ko-KR" altLang="en-US" sz="1400" dirty="0" smtClean="0"/>
+              <a:rPr lang="ko-KR" altLang="en-US" sz="1400" dirty="0"/>
               <a:t> </a:t>
             </a:r>
             <a:r>
-              <a:rPr lang="ko-KR" altLang="en-US" sz="1400" dirty="0" err="1" smtClean="0"/>
+              <a:rPr lang="ko-KR" altLang="en-US" sz="1400" dirty="0" err="1"/>
               <a:t>턴제를</a:t>
             </a:r>
             <a:r>
-              <a:rPr lang="ko-KR" altLang="en-US" sz="1400" dirty="0" smtClean="0"/>
+              <a:rPr lang="ko-KR" altLang="en-US" sz="1400" dirty="0"/>
               <a:t> 사용하는 만큼 </a:t>
             </a:r>
             <a:r>
-              <a:rPr lang="ko-KR" altLang="en-US" sz="1400" dirty="0" err="1" smtClean="0"/>
+              <a:rPr lang="ko-KR" altLang="en-US" sz="1400" dirty="0" err="1"/>
               <a:t>스킬을</a:t>
             </a:r>
             <a:r>
-              <a:rPr lang="ko-KR" altLang="en-US" sz="1400" dirty="0" smtClean="0"/>
+              <a:rPr lang="ko-KR" altLang="en-US" sz="1400" dirty="0"/>
               <a:t> 사용 가능한 턴 체크가 필수인 상황</a:t>
             </a:r>
             <a:r>
-              <a:rPr lang="en-US" altLang="ko-KR" sz="1400" dirty="0" smtClean="0"/>
+              <a:rPr lang="en-US" altLang="ko-KR" sz="1400" dirty="0"/>
               <a:t>.</a:t>
             </a:r>
           </a:p>
@@ -17082,41 +17056,37 @@
               <a:buChar char="•"/>
             </a:pPr>
             <a:r>
-              <a:rPr lang="ko-KR" altLang="en-US" sz="1400" dirty="0" smtClean="0"/>
+              <a:rPr lang="ko-KR" altLang="en-US" sz="1400" dirty="0"/>
               <a:t>추가로 턴 체크를 하는 단계에서 보스의 상태가 변경 되지 않고 플레이어들이 공격을 하는 이른바 </a:t>
             </a:r>
             <a:r>
-              <a:rPr lang="ko-KR" altLang="en-US" sz="1400" dirty="0" err="1" smtClean="0"/>
+              <a:rPr lang="ko-KR" altLang="en-US" sz="1400" dirty="0" err="1"/>
               <a:t>어뷰징</a:t>
             </a:r>
             <a:r>
-              <a:rPr lang="ko-KR" altLang="en-US" sz="1400" dirty="0" smtClean="0"/>
+              <a:rPr lang="ko-KR" altLang="en-US" sz="1400" dirty="0"/>
               <a:t> 상황을 방지하기 위해</a:t>
             </a:r>
-            <a:r>
-              <a:rPr lang="en-US" altLang="ko-KR" sz="1400" dirty="0" smtClean="0"/>
-              <a:t/>
-            </a:r>
             <a:br>
-              <a:rPr lang="en-US" altLang="ko-KR" sz="1400" dirty="0" smtClean="0"/>
+              <a:rPr lang="en-US" altLang="ko-KR" sz="1400" dirty="0"/>
             </a:br>
             <a:r>
-              <a:rPr lang="en-US" altLang="ko-KR" sz="1400" dirty="0" smtClean="0"/>
+              <a:rPr lang="en-US" altLang="ko-KR" sz="1400" dirty="0"/>
               <a:t>“</a:t>
             </a:r>
             <a:r>
-              <a:rPr lang="ko-KR" altLang="en-US" sz="1400" dirty="0" smtClean="0"/>
+              <a:rPr lang="ko-KR" altLang="en-US" sz="1400" dirty="0"/>
               <a:t>보스 상태 데이터</a:t>
             </a:r>
             <a:r>
-              <a:rPr lang="en-US" altLang="ko-KR" sz="1400" dirty="0" smtClean="0"/>
+              <a:rPr lang="en-US" altLang="ko-KR" sz="1400" dirty="0"/>
               <a:t>”</a:t>
             </a:r>
             <a:r>
-              <a:rPr lang="ko-KR" altLang="en-US" sz="1400" dirty="0" smtClean="0"/>
+              <a:rPr lang="ko-KR" altLang="en-US" sz="1400" dirty="0"/>
               <a:t>를 따로 관리</a:t>
             </a:r>
-            <a:endParaRPr lang="en-US" altLang="ko-KR" sz="1400" dirty="0" smtClean="0"/>
+            <a:endParaRPr lang="en-US" altLang="ko-KR" sz="1400" dirty="0"/>
           </a:p>
           <a:p>
             <a:pPr marL="285750" indent="-285750">
@@ -17127,86 +17097,86 @@
               <a:buChar char="•"/>
             </a:pPr>
             <a:r>
-              <a:rPr lang="en-US" altLang="ko-KR" sz="1400" dirty="0" smtClean="0"/>
+              <a:rPr lang="en-US" altLang="ko-KR" sz="1400" dirty="0"/>
               <a:t>“</a:t>
             </a:r>
             <a:r>
-              <a:rPr lang="ko-KR" altLang="en-US" sz="1400" dirty="0" smtClean="0"/>
+              <a:rPr lang="ko-KR" altLang="en-US" sz="1400" dirty="0"/>
               <a:t>보스 상태 데이터</a:t>
             </a:r>
             <a:r>
-              <a:rPr lang="en-US" altLang="ko-KR" sz="1400" dirty="0" smtClean="0"/>
+              <a:rPr lang="en-US" altLang="ko-KR" sz="1400" dirty="0"/>
               <a:t>“</a:t>
             </a:r>
             <a:r>
-              <a:rPr lang="ko-KR" altLang="en-US" sz="1400" dirty="0" smtClean="0"/>
+              <a:rPr lang="ko-KR" altLang="en-US" sz="1400" dirty="0"/>
               <a:t>는 플레이어가 만들어낸 </a:t>
             </a:r>
             <a:r>
-              <a:rPr lang="ko-KR" altLang="en-US" sz="1400" dirty="0" err="1" smtClean="0"/>
+              <a:rPr lang="ko-KR" altLang="en-US" sz="1400" dirty="0" err="1"/>
               <a:t>어그로를</a:t>
             </a:r>
             <a:r>
-              <a:rPr lang="ko-KR" altLang="en-US" sz="1400" dirty="0" smtClean="0"/>
+              <a:rPr lang="ko-KR" altLang="en-US" sz="1400" dirty="0"/>
               <a:t> 토대로 </a:t>
             </a:r>
             <a:r>
-              <a:rPr lang="en-US" altLang="ko-KR" sz="1400" dirty="0" smtClean="0"/>
+              <a:rPr lang="en-US" altLang="ko-KR" sz="1400" dirty="0"/>
               <a:t>“</a:t>
             </a:r>
             <a:r>
-              <a:rPr lang="ko-KR" altLang="en-US" sz="1400" dirty="0" smtClean="0"/>
+              <a:rPr lang="ko-KR" altLang="en-US" sz="1400" dirty="0"/>
               <a:t>대기</a:t>
             </a:r>
             <a:r>
-              <a:rPr lang="en-US" altLang="ko-KR" sz="1400" dirty="0" smtClean="0"/>
+              <a:rPr lang="en-US" altLang="ko-KR" sz="1400" dirty="0"/>
               <a:t>, </a:t>
             </a:r>
             <a:r>
-              <a:rPr lang="ko-KR" altLang="en-US" sz="1400" dirty="0" smtClean="0"/>
+              <a:rPr lang="ko-KR" altLang="en-US" sz="1400" dirty="0"/>
               <a:t>추격</a:t>
             </a:r>
             <a:r>
-              <a:rPr lang="en-US" altLang="ko-KR" sz="1400" dirty="0" smtClean="0"/>
+              <a:rPr lang="en-US" altLang="ko-KR" sz="1400" dirty="0"/>
               <a:t>, </a:t>
             </a:r>
             <a:r>
-              <a:rPr lang="ko-KR" altLang="en-US" sz="1400" dirty="0" smtClean="0"/>
+              <a:rPr lang="ko-KR" altLang="en-US" sz="1400" dirty="0"/>
               <a:t>대기</a:t>
             </a:r>
             <a:r>
-              <a:rPr lang="en-US" altLang="ko-KR" sz="1400" dirty="0" smtClean="0"/>
+              <a:rPr lang="en-US" altLang="ko-KR" sz="1400" dirty="0"/>
               <a:t>, </a:t>
             </a:r>
             <a:r>
-              <a:rPr lang="ko-KR" altLang="en-US" sz="1400" dirty="0" smtClean="0"/>
+              <a:rPr lang="ko-KR" altLang="en-US" sz="1400" dirty="0"/>
               <a:t>상태이상</a:t>
             </a:r>
             <a:r>
-              <a:rPr lang="en-US" altLang="ko-KR" sz="1400" dirty="0" smtClean="0"/>
+              <a:rPr lang="en-US" altLang="ko-KR" sz="1400" dirty="0"/>
               <a:t>, </a:t>
             </a:r>
             <a:r>
-              <a:rPr lang="ko-KR" altLang="en-US" sz="1400" dirty="0" smtClean="0"/>
+              <a:rPr lang="ko-KR" altLang="en-US" sz="1400" dirty="0"/>
               <a:t>사망</a:t>
             </a:r>
             <a:r>
-              <a:rPr lang="en-US" altLang="ko-KR" sz="1400" dirty="0" smtClean="0"/>
+              <a:rPr lang="en-US" altLang="ko-KR" sz="1400" dirty="0"/>
               <a:t>“</a:t>
             </a:r>
             <a:r>
-              <a:rPr lang="ko-KR" altLang="en-US" sz="1400" dirty="0" smtClean="0"/>
+              <a:rPr lang="ko-KR" altLang="en-US" sz="1400" dirty="0"/>
               <a:t>의 </a:t>
             </a:r>
             <a:r>
-              <a:rPr lang="en-US" altLang="ko-KR" sz="1400" dirty="0" smtClean="0"/>
+              <a:rPr lang="en-US" altLang="ko-KR" sz="1400" dirty="0"/>
               <a:t>4</a:t>
             </a:r>
             <a:r>
-              <a:rPr lang="ko-KR" altLang="en-US" sz="1400" dirty="0" smtClean="0"/>
+              <a:rPr lang="ko-KR" altLang="en-US" sz="1400" dirty="0"/>
               <a:t>가지 단계로 분류</a:t>
             </a:r>
-            <a:endParaRPr lang="en-US" altLang="ko-KR" sz="1400" dirty="0" smtClean="0"/>
+            <a:endParaRPr lang="en-US" altLang="ko-KR" sz="1400" dirty="0"/>
           </a:p>
           <a:p>
             <a:pPr marL="285750" indent="-285750">
@@ -17217,46 +17187,42 @@
               <a:buChar char="•"/>
             </a:pPr>
             <a:r>
-              <a:rPr lang="ko-KR" altLang="en-US" sz="1400" dirty="0" smtClean="0"/>
+              <a:rPr lang="ko-KR" altLang="en-US" sz="1400" dirty="0"/>
               <a:t>그래서 앞선 슬라이드의 붉은 색 원이 가리키는 </a:t>
             </a:r>
             <a:r>
-              <a:rPr lang="en-US" altLang="ko-KR" sz="1400" dirty="0" smtClean="0"/>
+              <a:rPr lang="en-US" altLang="ko-KR" sz="1400" dirty="0"/>
               <a:t>8</a:t>
             </a:r>
             <a:r>
-              <a:rPr lang="ko-KR" altLang="en-US" sz="1400" dirty="0" smtClean="0"/>
+              <a:rPr lang="ko-KR" altLang="en-US" sz="1400" dirty="0"/>
               <a:t>의 경우 턴 체크의 조건이 충족 되면 </a:t>
             </a:r>
             <a:r>
-              <a:rPr lang="en-US" altLang="ko-KR" sz="1400" dirty="0" smtClean="0"/>
+              <a:rPr lang="en-US" altLang="ko-KR" sz="1400" dirty="0"/>
               <a:t>“</a:t>
             </a:r>
             <a:r>
-              <a:rPr lang="ko-KR" altLang="en-US" sz="1400" dirty="0" smtClean="0"/>
+              <a:rPr lang="ko-KR" altLang="en-US" sz="1400" dirty="0"/>
               <a:t>보스 상태 데이터</a:t>
             </a:r>
             <a:r>
-              <a:rPr lang="en-US" altLang="ko-KR" sz="1400" dirty="0" smtClean="0"/>
+              <a:rPr lang="en-US" altLang="ko-KR" sz="1400" dirty="0"/>
               <a:t>”</a:t>
             </a:r>
             <a:r>
-              <a:rPr lang="ko-KR" altLang="en-US" sz="1400" dirty="0" smtClean="0"/>
+              <a:rPr lang="ko-KR" altLang="en-US" sz="1400" dirty="0"/>
               <a:t>를 불러와서 그것에 맞는 </a:t>
             </a:r>
-            <a:r>
-              <a:rPr lang="en-US" altLang="ko-KR" sz="1400" dirty="0" smtClean="0"/>
-              <a:t/>
-            </a:r>
             <a:br>
-              <a:rPr lang="en-US" altLang="ko-KR" sz="1400" dirty="0" smtClean="0"/>
+              <a:rPr lang="en-US" altLang="ko-KR" sz="1400" dirty="0"/>
             </a:br>
             <a:r>
-              <a:rPr lang="ko-KR" altLang="en-US" sz="1400" dirty="0" smtClean="0"/>
+              <a:rPr lang="ko-KR" altLang="en-US" sz="1400" dirty="0"/>
               <a:t>상태로 이동</a:t>
             </a:r>
             <a:r>
-              <a:rPr lang="en-US" altLang="ko-KR" sz="1400" dirty="0" smtClean="0"/>
+              <a:rPr lang="en-US" altLang="ko-KR" sz="1400" dirty="0"/>
               <a:t>.</a:t>
             </a:r>
           </a:p>
@@ -17269,23 +17235,23 @@
               <a:buChar char="•"/>
             </a:pPr>
             <a:r>
-              <a:rPr lang="en-US" altLang="ko-KR" sz="1400" dirty="0" smtClean="0"/>
+              <a:rPr lang="en-US" altLang="ko-KR" sz="1400" dirty="0"/>
               <a:t>9</a:t>
             </a:r>
             <a:r>
-              <a:rPr lang="ko-KR" altLang="en-US" sz="1400" dirty="0" smtClean="0"/>
+              <a:rPr lang="ko-KR" altLang="en-US" sz="1400" dirty="0"/>
               <a:t>의 경우 </a:t>
             </a:r>
             <a:r>
-              <a:rPr lang="en-US" altLang="ko-KR" sz="1400" dirty="0" smtClean="0"/>
+              <a:rPr lang="en-US" altLang="ko-KR" sz="1400" dirty="0"/>
               <a:t>FSM </a:t>
             </a:r>
             <a:r>
-              <a:rPr lang="ko-KR" altLang="en-US" sz="1400" dirty="0" smtClean="0"/>
+              <a:rPr lang="ko-KR" altLang="en-US" sz="1400" dirty="0"/>
               <a:t>종료 전이나 진행 중 보스 상태 데이터에 변경이 생기면 같이 데이터를 전송하는 용도</a:t>
             </a:r>
             <a:r>
-              <a:rPr lang="en-US" altLang="ko-KR" sz="1400" dirty="0" smtClean="0"/>
+              <a:rPr lang="en-US" altLang="ko-KR" sz="1400" dirty="0"/>
               <a:t>.</a:t>
             </a:r>
             <a:endParaRPr lang="ko-KR" altLang="en-US" sz="1400" dirty="0"/>
@@ -17297,7 +17263,7 @@
           <p:cNvPr id="6" name="표 28">
             <a:extLst>
               <a:ext uri="{FF2B5EF4-FFF2-40B4-BE49-F238E27FC236}">
-                <a16:creationId xmlns:a16="http://schemas.microsoft.com/office/drawing/2014/main" xmlns="" id="{881D1448-CB3C-4A8F-98E9-71C9A7C8F01B}"/>
+                <a16:creationId xmlns:a16="http://schemas.microsoft.com/office/drawing/2014/main" id="{881D1448-CB3C-4A8F-98E9-71C9A7C8F01B}"/>
               </a:ext>
             </a:extLst>
           </p:cNvPr>
@@ -17314,7 +17280,7 @@
         </p:nvGraphicFramePr>
         <p:xfrm>
           <a:off x="688374" y="4045179"/>
-          <a:ext cx="11010140" cy="2250440"/>
+          <a:ext cx="11010140" cy="2225040"/>
         </p:xfrm>
         <a:graphic>
           <a:graphicData uri="http://schemas.openxmlformats.org/drawingml/2006/table">
@@ -17326,21 +17292,21 @@
                 <a:gridCol w="632426">
                   <a:extLst>
                     <a:ext uri="{9D8B030D-6E8A-4147-A177-3AD203B41FA5}">
-                      <a16:colId xmlns:a16="http://schemas.microsoft.com/office/drawing/2014/main" xmlns="" val="2823673714"/>
+                      <a16:colId xmlns:a16="http://schemas.microsoft.com/office/drawing/2014/main" val="2823673714"/>
                     </a:ext>
                   </a:extLst>
                 </a:gridCol>
                 <a:gridCol w="1378857">
                   <a:extLst>
                     <a:ext uri="{9D8B030D-6E8A-4147-A177-3AD203B41FA5}">
-                      <a16:colId xmlns:a16="http://schemas.microsoft.com/office/drawing/2014/main" xmlns="" val="3657127649"/>
+                      <a16:colId xmlns:a16="http://schemas.microsoft.com/office/drawing/2014/main" val="3657127649"/>
                     </a:ext>
                   </a:extLst>
                 </a:gridCol>
                 <a:gridCol w="8998857">
                   <a:extLst>
                     <a:ext uri="{9D8B030D-6E8A-4147-A177-3AD203B41FA5}">
-                      <a16:colId xmlns:a16="http://schemas.microsoft.com/office/drawing/2014/main" xmlns="" val="2018470204"/>
+                      <a16:colId xmlns:a16="http://schemas.microsoft.com/office/drawing/2014/main" val="2018470204"/>
                     </a:ext>
                   </a:extLst>
                 </a:gridCol>
@@ -17375,10 +17341,9 @@
                         </a:lnSpc>
                       </a:pPr>
                       <a:r>
-                        <a:rPr lang="ko-KR" altLang="en-US" sz="1600" dirty="0" smtClean="0"/>
+                        <a:rPr lang="ko-KR" altLang="en-US" sz="1600" dirty="0"/>
                         <a:t>상태</a:t>
                       </a:r>
-                      <a:endParaRPr lang="ko-KR" altLang="en-US" sz="1600" dirty="0"/>
                     </a:p>
                   </a:txBody>
                   <a:tcPr anchor="ctr"/>
@@ -17394,17 +17359,16 @@
                         </a:lnSpc>
                       </a:pPr>
                       <a:r>
-                        <a:rPr lang="ko-KR" altLang="en-US" sz="1600" dirty="0" smtClean="0"/>
+                        <a:rPr lang="ko-KR" altLang="en-US" sz="1600" dirty="0"/>
                         <a:t>기능</a:t>
                       </a:r>
-                      <a:endParaRPr lang="ko-KR" altLang="en-US" sz="1600" dirty="0"/>
                     </a:p>
                   </a:txBody>
                   <a:tcPr anchor="ctr"/>
                 </a:tc>
                 <a:extLst>
                   <a:ext uri="{0D108BD9-81ED-4DB2-BD59-A6C34878D82A}">
-                    <a16:rowId xmlns:a16="http://schemas.microsoft.com/office/drawing/2014/main" xmlns="" val="3186733371"/>
+                    <a16:rowId xmlns:a16="http://schemas.microsoft.com/office/drawing/2014/main" val="3186733371"/>
                   </a:ext>
                 </a:extLst>
               </a:tr>
@@ -17439,10 +17403,9 @@
                         </a:lnSpc>
                       </a:pPr>
                       <a:r>
-                        <a:rPr lang="ko-KR" altLang="en-US" sz="1400" dirty="0" smtClean="0"/>
+                        <a:rPr lang="ko-KR" altLang="en-US" sz="1400" dirty="0"/>
                         <a:t>대기</a:t>
                       </a:r>
-                      <a:endParaRPr lang="ko-KR" altLang="en-US" sz="1400" dirty="0"/>
                     </a:p>
                   </a:txBody>
                   <a:tcPr anchor="ctr"/>
@@ -17458,25 +17421,24 @@
                         </a:lnSpc>
                       </a:pPr>
                       <a:r>
-                        <a:rPr lang="ko-KR" altLang="en-US" sz="1400" dirty="0" smtClean="0"/>
+                        <a:rPr lang="ko-KR" altLang="en-US" sz="1400" dirty="0"/>
                         <a:t>보스 상태 데이터의 디폴트 값</a:t>
                       </a:r>
                       <a:r>
-                        <a:rPr lang="en-US" altLang="ko-KR" sz="1400" dirty="0" smtClean="0"/>
+                        <a:rPr lang="en-US" altLang="ko-KR" sz="1400" dirty="0"/>
                         <a:t>, </a:t>
                       </a:r>
                       <a:r>
-                        <a:rPr lang="ko-KR" altLang="en-US" sz="1400" dirty="0" smtClean="0"/>
+                        <a:rPr lang="ko-KR" altLang="en-US" sz="1400" dirty="0"/>
                         <a:t>아무런 이상이 없으면 항상 유지</a:t>
                       </a:r>
-                      <a:endParaRPr lang="ko-KR" altLang="en-US" sz="1400" dirty="0"/>
                     </a:p>
                   </a:txBody>
                   <a:tcPr anchor="ctr"/>
                 </a:tc>
                 <a:extLst>
                   <a:ext uri="{0D108BD9-81ED-4DB2-BD59-A6C34878D82A}">
-                    <a16:rowId xmlns:a16="http://schemas.microsoft.com/office/drawing/2014/main" xmlns="" val="3769079932"/>
+                    <a16:rowId xmlns:a16="http://schemas.microsoft.com/office/drawing/2014/main" val="3769079932"/>
                   </a:ext>
                 </a:extLst>
               </a:tr>
@@ -17511,10 +17473,9 @@
                         </a:lnSpc>
                       </a:pPr>
                       <a:r>
-                        <a:rPr lang="ko-KR" altLang="en-US" sz="1400" dirty="0" smtClean="0"/>
+                        <a:rPr lang="ko-KR" altLang="en-US" sz="1400" dirty="0"/>
                         <a:t>추격</a:t>
                       </a:r>
-                      <a:endParaRPr lang="ko-KR" altLang="en-US" sz="1400" dirty="0"/>
                     </a:p>
                   </a:txBody>
                   <a:tcPr anchor="ctr"/>
@@ -17530,45 +17491,44 @@
                         </a:lnSpc>
                       </a:pPr>
                       <a:r>
-                        <a:rPr lang="ko-KR" altLang="en-US" sz="1400" dirty="0" smtClean="0"/>
+                        <a:rPr lang="ko-KR" altLang="en-US" sz="1400" dirty="0"/>
                         <a:t>추격 조건이 만족 되거나</a:t>
                       </a:r>
                       <a:r>
-                        <a:rPr lang="en-US" altLang="ko-KR" sz="1400" dirty="0" smtClean="0"/>
+                        <a:rPr lang="en-US" altLang="ko-KR" sz="1400" dirty="0"/>
                         <a:t>, </a:t>
                       </a:r>
                       <a:r>
-                        <a:rPr lang="ko-KR" altLang="en-US" sz="1400" dirty="0" err="1" smtClean="0"/>
+                        <a:rPr lang="ko-KR" altLang="en-US" sz="1400" dirty="0" err="1"/>
                         <a:t>어그로가</a:t>
                       </a:r>
                       <a:r>
-                        <a:rPr lang="ko-KR" altLang="en-US" sz="1400" dirty="0" smtClean="0"/>
+                        <a:rPr lang="ko-KR" altLang="en-US" sz="1400" dirty="0"/>
                         <a:t> </a:t>
                       </a:r>
                       <a:r>
-                        <a:rPr lang="en-US" altLang="ko-KR" sz="1400" dirty="0" smtClean="0"/>
+                        <a:rPr lang="en-US" altLang="ko-KR" sz="1400" dirty="0"/>
                         <a:t>10</a:t>
                       </a:r>
                       <a:r>
-                        <a:rPr lang="ko-KR" altLang="en-US" sz="1400" dirty="0" smtClean="0"/>
+                        <a:rPr lang="ko-KR" altLang="en-US" sz="1400" dirty="0"/>
                         <a:t>이상 </a:t>
                       </a:r>
                       <a:r>
-                        <a:rPr lang="en-US" altLang="ko-KR" sz="1400" dirty="0" smtClean="0"/>
+                        <a:rPr lang="en-US" altLang="ko-KR" sz="1400" dirty="0"/>
                         <a:t>50 </a:t>
                       </a:r>
                       <a:r>
-                        <a:rPr lang="ko-KR" altLang="en-US" sz="1400" dirty="0" smtClean="0"/>
+                        <a:rPr lang="ko-KR" altLang="en-US" sz="1400" dirty="0"/>
                         <a:t>미만일 때 추격으로 이동</a:t>
                       </a:r>
-                      <a:endParaRPr lang="ko-KR" altLang="en-US" sz="1400" dirty="0"/>
                     </a:p>
                   </a:txBody>
                   <a:tcPr anchor="ctr"/>
                 </a:tc>
                 <a:extLst>
                   <a:ext uri="{0D108BD9-81ED-4DB2-BD59-A6C34878D82A}">
-                    <a16:rowId xmlns:a16="http://schemas.microsoft.com/office/drawing/2014/main" xmlns="" val="858373754"/>
+                    <a16:rowId xmlns:a16="http://schemas.microsoft.com/office/drawing/2014/main" val="858373754"/>
                   </a:ext>
                 </a:extLst>
               </a:tr>
@@ -17603,10 +17563,9 @@
                         </a:lnSpc>
                       </a:pPr>
                       <a:r>
-                        <a:rPr lang="ko-KR" altLang="en-US" sz="1400" dirty="0" smtClean="0"/>
+                        <a:rPr lang="ko-KR" altLang="en-US" sz="1400" dirty="0"/>
                         <a:t>전투</a:t>
                       </a:r>
-                      <a:endParaRPr lang="ko-KR" altLang="en-US" sz="1400" dirty="0"/>
                     </a:p>
                   </a:txBody>
                   <a:tcPr anchor="ctr"/>
@@ -17622,27 +17581,27 @@
                         </a:lnSpc>
                       </a:pPr>
                       <a:r>
-                        <a:rPr lang="ko-KR" altLang="en-US" sz="1400" dirty="0" smtClean="0"/>
+                        <a:rPr lang="ko-KR" altLang="en-US" sz="1400" dirty="0"/>
                         <a:t>전투 조건이 만족 되거나</a:t>
                       </a:r>
                       <a:r>
-                        <a:rPr lang="en-US" altLang="ko-KR" sz="1400" dirty="0" smtClean="0"/>
+                        <a:rPr lang="en-US" altLang="ko-KR" sz="1400" dirty="0"/>
                         <a:t>, </a:t>
                       </a:r>
                       <a:r>
-                        <a:rPr lang="ko-KR" altLang="en-US" sz="1400" dirty="0" err="1" smtClean="0"/>
+                        <a:rPr lang="ko-KR" altLang="en-US" sz="1400" dirty="0" err="1"/>
                         <a:t>어그로가</a:t>
                       </a:r>
                       <a:r>
-                        <a:rPr lang="ko-KR" altLang="en-US" sz="1400" dirty="0" smtClean="0"/>
+                        <a:rPr lang="ko-KR" altLang="en-US" sz="1400" dirty="0"/>
                         <a:t> </a:t>
                       </a:r>
                       <a:r>
-                        <a:rPr lang="en-US" altLang="ko-KR" sz="1400" dirty="0" smtClean="0"/>
+                        <a:rPr lang="en-US" altLang="ko-KR" sz="1400" dirty="0"/>
                         <a:t>50</a:t>
                       </a:r>
                       <a:r>
-                        <a:rPr lang="ko-KR" altLang="en-US" sz="1400" dirty="0" smtClean="0"/>
+                        <a:rPr lang="ko-KR" altLang="en-US" sz="1400" dirty="0"/>
                         <a:t>이상 이면 전투로 이동</a:t>
                       </a:r>
                       <a:endParaRPr lang="en-US" altLang="ko-KR" sz="1400" dirty="0"/>
@@ -17652,7 +17611,7 @@
                 </a:tc>
                 <a:extLst>
                   <a:ext uri="{0D108BD9-81ED-4DB2-BD59-A6C34878D82A}">
-                    <a16:rowId xmlns:a16="http://schemas.microsoft.com/office/drawing/2014/main" xmlns="" val="2967758029"/>
+                    <a16:rowId xmlns:a16="http://schemas.microsoft.com/office/drawing/2014/main" val="2967758029"/>
                   </a:ext>
                 </a:extLst>
               </a:tr>
@@ -17668,7 +17627,7 @@
                         </a:lnSpc>
                       </a:pPr>
                       <a:r>
-                        <a:rPr lang="en-US" altLang="ko-KR" sz="1400" dirty="0" smtClean="0"/>
+                        <a:rPr lang="en-US" altLang="ko-KR" sz="1400" dirty="0"/>
                         <a:t>4</a:t>
                       </a:r>
                       <a:endParaRPr lang="ko-KR" altLang="en-US" sz="1400" dirty="0"/>
@@ -17687,10 +17646,9 @@
                         </a:lnSpc>
                       </a:pPr>
                       <a:r>
-                        <a:rPr lang="ko-KR" altLang="en-US" sz="1400" dirty="0" smtClean="0"/>
+                        <a:rPr lang="ko-KR" altLang="en-US" sz="1400" dirty="0"/>
                         <a:t>상태이상</a:t>
                       </a:r>
-                      <a:endParaRPr lang="ko-KR" altLang="en-US" sz="1400" dirty="0"/>
                     </a:p>
                   </a:txBody>
                   <a:tcPr anchor="ctr"/>
@@ -17706,35 +17664,35 @@
                         </a:lnSpc>
                       </a:pPr>
                       <a:r>
-                        <a:rPr lang="ko-KR" altLang="en-US" sz="1400" dirty="0" smtClean="0"/>
+                        <a:rPr lang="ko-KR" altLang="en-US" sz="1400" dirty="0"/>
                         <a:t>수면</a:t>
                       </a:r>
                       <a:r>
-                        <a:rPr lang="en-US" altLang="ko-KR" sz="1400" dirty="0" smtClean="0"/>
+                        <a:rPr lang="en-US" altLang="ko-KR" sz="1400" dirty="0"/>
                         <a:t>, </a:t>
                       </a:r>
                       <a:r>
-                        <a:rPr lang="ko-KR" altLang="en-US" sz="1400" dirty="0" smtClean="0"/>
+                        <a:rPr lang="ko-KR" altLang="en-US" sz="1400" dirty="0"/>
                         <a:t>동결</a:t>
                       </a:r>
                       <a:r>
-                        <a:rPr lang="en-US" altLang="ko-KR" sz="1400" dirty="0" smtClean="0"/>
+                        <a:rPr lang="en-US" altLang="ko-KR" sz="1400" dirty="0"/>
                         <a:t>, </a:t>
                       </a:r>
                       <a:r>
-                        <a:rPr lang="ko-KR" altLang="en-US" sz="1400" dirty="0" err="1" smtClean="0"/>
+                        <a:rPr lang="ko-KR" altLang="en-US" sz="1400" dirty="0" err="1"/>
                         <a:t>스턴</a:t>
                       </a:r>
                       <a:r>
-                        <a:rPr lang="ko-KR" altLang="en-US" sz="1400" baseline="0" dirty="0" smtClean="0"/>
+                        <a:rPr lang="ko-KR" altLang="en-US" sz="1400" baseline="0" dirty="0"/>
                         <a:t> 같은 턴에 영향을 주는 </a:t>
                       </a:r>
                       <a:r>
-                        <a:rPr lang="ko-KR" altLang="en-US" sz="1400" baseline="0" dirty="0" err="1" smtClean="0"/>
+                        <a:rPr lang="ko-KR" altLang="en-US" sz="1400" baseline="0" dirty="0" err="1"/>
                         <a:t>디버프가</a:t>
                       </a:r>
                       <a:r>
-                        <a:rPr lang="ko-KR" altLang="en-US" sz="1400" baseline="0" dirty="0" smtClean="0"/>
+                        <a:rPr lang="ko-KR" altLang="en-US" sz="1400" baseline="0" dirty="0"/>
                         <a:t> 있으면 다른 상태와 같이 보스 상태에 적용</a:t>
                       </a:r>
                       <a:endParaRPr lang="en-US" altLang="ko-KR" sz="1400" dirty="0"/>
@@ -17742,6 +17700,11 @@
                   </a:txBody>
                   <a:tcPr anchor="ctr"/>
                 </a:tc>
+                <a:extLst>
+                  <a:ext uri="{0D108BD9-81ED-4DB2-BD59-A6C34878D82A}">
+                    <a16:rowId xmlns:a16="http://schemas.microsoft.com/office/drawing/2014/main" val="10004"/>
+                  </a:ext>
+                </a:extLst>
               </a:tr>
               <a:tr h="370840">
                 <a:tc>
@@ -17755,7 +17718,7 @@
                         </a:lnSpc>
                       </a:pPr>
                       <a:r>
-                        <a:rPr lang="en-US" altLang="ko-KR" sz="1400" dirty="0" smtClean="0"/>
+                        <a:rPr lang="en-US" altLang="ko-KR" sz="1400" dirty="0"/>
                         <a:t>5</a:t>
                       </a:r>
                       <a:endParaRPr lang="ko-KR" altLang="en-US" sz="1400" dirty="0"/>
@@ -17774,10 +17737,9 @@
                         </a:lnSpc>
                       </a:pPr>
                       <a:r>
-                        <a:rPr lang="ko-KR" altLang="en-US" sz="1400" dirty="0" smtClean="0"/>
+                        <a:rPr lang="ko-KR" altLang="en-US" sz="1400" dirty="0"/>
                         <a:t>사망</a:t>
                       </a:r>
-                      <a:endParaRPr lang="ko-KR" altLang="en-US" sz="1400" dirty="0"/>
                     </a:p>
                   </a:txBody>
                   <a:tcPr anchor="ctr"/>
@@ -17793,19 +17755,19 @@
                         </a:lnSpc>
                       </a:pPr>
                       <a:r>
-                        <a:rPr lang="ko-KR" altLang="en-US" sz="1400" dirty="0" smtClean="0"/>
+                        <a:rPr lang="ko-KR" altLang="en-US" sz="1400" dirty="0"/>
                         <a:t>체력</a:t>
                       </a:r>
                       <a:r>
-                        <a:rPr lang="ko-KR" altLang="en-US" sz="1400" baseline="0" dirty="0" smtClean="0"/>
+                        <a:rPr lang="ko-KR" altLang="en-US" sz="1400" baseline="0" dirty="0"/>
                         <a:t> </a:t>
                       </a:r>
                       <a:r>
-                        <a:rPr lang="en-US" altLang="ko-KR" sz="1400" baseline="0" dirty="0" smtClean="0"/>
+                        <a:rPr lang="en-US" altLang="ko-KR" sz="1400" baseline="0" dirty="0"/>
                         <a:t>=&lt; 0 </a:t>
                       </a:r>
                       <a:r>
-                        <a:rPr lang="ko-KR" altLang="en-US" sz="1400" baseline="0" dirty="0" smtClean="0"/>
+                        <a:rPr lang="ko-KR" altLang="en-US" sz="1400" baseline="0" dirty="0"/>
                         <a:t>값이 되면 사망으로 상태 데이터가 변경 되고 기본의 사망으로 이동</a:t>
                       </a:r>
                       <a:endParaRPr lang="en-US" altLang="ko-KR" sz="1400" dirty="0"/>
@@ -17813,6 +17775,11 @@
                   </a:txBody>
                   <a:tcPr anchor="ctr"/>
                 </a:tc>
+                <a:extLst>
+                  <a:ext uri="{0D108BD9-81ED-4DB2-BD59-A6C34878D82A}">
+                    <a16:rowId xmlns:a16="http://schemas.microsoft.com/office/drawing/2014/main" val="10005"/>
+                  </a:ext>
+                </a:extLst>
               </a:tr>
             </a:tbl>
           </a:graphicData>
@@ -17823,7 +17790,7 @@
           <p:cNvPr id="7" name="TextBox 6">
             <a:extLst>
               <a:ext uri="{FF2B5EF4-FFF2-40B4-BE49-F238E27FC236}">
-                <a16:creationId xmlns:a16="http://schemas.microsoft.com/office/drawing/2014/main" xmlns="" id="{F27AAED5-21D0-4ADF-9BE8-460DB407CC40}"/>
+                <a16:creationId xmlns:a16="http://schemas.microsoft.com/office/drawing/2014/main" id="{F27AAED5-21D0-4ADF-9BE8-460DB407CC40}"/>
               </a:ext>
             </a:extLst>
           </p:cNvPr>
@@ -17851,14 +17818,13 @@
               <a:buChar char="•"/>
             </a:pPr>
             <a:r>
-              <a:rPr lang="ko-KR" altLang="en-US" sz="1400" dirty="0" err="1" smtClean="0"/>
+              <a:rPr lang="ko-KR" altLang="en-US" sz="1400" dirty="0" err="1"/>
               <a:t>어그로에</a:t>
             </a:r>
             <a:r>
-              <a:rPr lang="ko-KR" altLang="en-US" sz="1400" dirty="0" smtClean="0"/>
+              <a:rPr lang="ko-KR" altLang="en-US" sz="1400" dirty="0"/>
               <a:t> 대한 문서는 별도의 문서로 작성</a:t>
             </a:r>
-            <a:endParaRPr lang="ko-KR" altLang="en-US" sz="1400" dirty="0"/>
           </a:p>
         </p:txBody>
       </p:sp>
@@ -17872,13 +17838,6 @@
   <p:clrMapOvr>
     <a:masterClrMapping/>
   </p:clrMapOvr>
-  <p:timing>
-    <p:tnLst>
-      <p:par>
-        <p:cTn id="1" dur="indefinite" restart="never" nodeType="tmRoot"/>
-      </p:par>
-    </p:tnLst>
-  </p:timing>
 </p:sld>
 </file>
 
@@ -17904,7 +17863,7 @@
           <p:cNvPr id="33" name="순서도: 종속 처리 32">
             <a:extLst>
               <a:ext uri="{FF2B5EF4-FFF2-40B4-BE49-F238E27FC236}">
-                <a16:creationId xmlns:a16="http://schemas.microsoft.com/office/drawing/2014/main" xmlns="" id="{6B7CCBC7-65B4-4DBE-81A3-2CCA0A7ECA7B}"/>
+                <a16:creationId xmlns:a16="http://schemas.microsoft.com/office/drawing/2014/main" id="{6B7CCBC7-65B4-4DBE-81A3-2CCA0A7ECA7B}"/>
               </a:ext>
             </a:extLst>
           </p:cNvPr>
@@ -17992,7 +17951,7 @@
           <p:cNvPr id="2" name="제목 1">
             <a:extLst>
               <a:ext uri="{FF2B5EF4-FFF2-40B4-BE49-F238E27FC236}">
-                <a16:creationId xmlns:a16="http://schemas.microsoft.com/office/drawing/2014/main" xmlns="" id="{B0D0D6BF-BDD9-48B2-B072-093BAED78505}"/>
+                <a16:creationId xmlns:a16="http://schemas.microsoft.com/office/drawing/2014/main" id="{B0D0D6BF-BDD9-48B2-B072-093BAED78505}"/>
               </a:ext>
             </a:extLst>
           </p:cNvPr>
@@ -18020,7 +17979,7 @@
           <p:cNvPr id="3" name="내용 개체 틀 2">
             <a:extLst>
               <a:ext uri="{FF2B5EF4-FFF2-40B4-BE49-F238E27FC236}">
-                <a16:creationId xmlns:a16="http://schemas.microsoft.com/office/drawing/2014/main" xmlns="" id="{BED93B48-AA0D-45A5-BC61-836BE857E3A6}"/>
+                <a16:creationId xmlns:a16="http://schemas.microsoft.com/office/drawing/2014/main" id="{BED93B48-AA0D-45A5-BC61-836BE857E3A6}"/>
               </a:ext>
             </a:extLst>
           </p:cNvPr>
@@ -18161,7 +18120,7 @@
           <p:cNvPr id="7" name="직사각형 6">
             <a:extLst>
               <a:ext uri="{FF2B5EF4-FFF2-40B4-BE49-F238E27FC236}">
-                <a16:creationId xmlns:a16="http://schemas.microsoft.com/office/drawing/2014/main" xmlns="" id="{43D1D2BF-E427-4741-8C52-A409965921E2}"/>
+                <a16:creationId xmlns:a16="http://schemas.microsoft.com/office/drawing/2014/main" id="{43D1D2BF-E427-4741-8C52-A409965921E2}"/>
               </a:ext>
             </a:extLst>
           </p:cNvPr>
@@ -18223,18 +18182,13 @@
               <a:t>: </a:t>
             </a:r>
             <a:r>
-              <a:rPr lang="ko-KR" altLang="en-US" sz="1400" dirty="0" smtClean="0">
+              <a:rPr lang="ko-KR" altLang="en-US" sz="1400" dirty="0">
                 <a:solidFill>
                   <a:schemeClr val="tx1"/>
                 </a:solidFill>
               </a:rPr>
               <a:t>보존</a:t>
             </a:r>
-            <a:endParaRPr lang="ko-KR" altLang="en-US" sz="1400" dirty="0">
-              <a:solidFill>
-                <a:schemeClr val="tx1"/>
-              </a:solidFill>
-            </a:endParaRPr>
           </a:p>
         </p:txBody>
       </p:sp>
@@ -18243,7 +18197,7 @@
           <p:cNvPr id="8" name="직사각형 7">
             <a:extLst>
               <a:ext uri="{FF2B5EF4-FFF2-40B4-BE49-F238E27FC236}">
-                <a16:creationId xmlns:a16="http://schemas.microsoft.com/office/drawing/2014/main" xmlns="" id="{47A15EE8-CD11-467E-8FE1-11AF39C2C3E7}"/>
+                <a16:creationId xmlns:a16="http://schemas.microsoft.com/office/drawing/2014/main" id="{47A15EE8-CD11-467E-8FE1-11AF39C2C3E7}"/>
               </a:ext>
             </a:extLst>
           </p:cNvPr>
@@ -18328,7 +18282,7 @@
           <p:cNvPr id="11" name="순서도: 판단 10">
             <a:extLst>
               <a:ext uri="{FF2B5EF4-FFF2-40B4-BE49-F238E27FC236}">
-                <a16:creationId xmlns:a16="http://schemas.microsoft.com/office/drawing/2014/main" xmlns="" id="{FC609F0B-2115-405B-8324-342A061AB0BF}"/>
+                <a16:creationId xmlns:a16="http://schemas.microsoft.com/office/drawing/2014/main" id="{FC609F0B-2115-405B-8324-342A061AB0BF}"/>
               </a:ext>
             </a:extLst>
           </p:cNvPr>
@@ -18386,7 +18340,7 @@
           <p:cNvPr id="12" name="TextBox 11">
             <a:extLst>
               <a:ext uri="{FF2B5EF4-FFF2-40B4-BE49-F238E27FC236}">
-                <a16:creationId xmlns:a16="http://schemas.microsoft.com/office/drawing/2014/main" xmlns="" id="{F27AAED5-21D0-4ADF-9BE8-460DB407CC40}"/>
+                <a16:creationId xmlns:a16="http://schemas.microsoft.com/office/drawing/2014/main" id="{F27AAED5-21D0-4ADF-9BE8-460DB407CC40}"/>
               </a:ext>
             </a:extLst>
           </p:cNvPr>
@@ -18443,7 +18397,7 @@
           <p:cNvPr id="15" name="직선 화살표 연결선 14">
             <a:extLst>
               <a:ext uri="{FF2B5EF4-FFF2-40B4-BE49-F238E27FC236}">
-                <a16:creationId xmlns:a16="http://schemas.microsoft.com/office/drawing/2014/main" xmlns="" id="{230CED12-E376-4CBB-AF04-CD85CF981EB9}"/>
+                <a16:creationId xmlns:a16="http://schemas.microsoft.com/office/drawing/2014/main" id="{230CED12-E376-4CBB-AF04-CD85CF981EB9}"/>
               </a:ext>
             </a:extLst>
           </p:cNvPr>
@@ -18489,7 +18443,7 @@
           <p:cNvPr id="17" name="연결선: 꺾임 16">
             <a:extLst>
               <a:ext uri="{FF2B5EF4-FFF2-40B4-BE49-F238E27FC236}">
-                <a16:creationId xmlns:a16="http://schemas.microsoft.com/office/drawing/2014/main" xmlns="" id="{EAD75097-7B5E-4C13-B5A0-FAA75CABB6E8}"/>
+                <a16:creationId xmlns:a16="http://schemas.microsoft.com/office/drawing/2014/main" id="{EAD75097-7B5E-4C13-B5A0-FAA75CABB6E8}"/>
               </a:ext>
             </a:extLst>
           </p:cNvPr>
@@ -18536,7 +18490,7 @@
           <p:cNvPr id="19" name="연결선: 꺾임 18">
             <a:extLst>
               <a:ext uri="{FF2B5EF4-FFF2-40B4-BE49-F238E27FC236}">
-                <a16:creationId xmlns:a16="http://schemas.microsoft.com/office/drawing/2014/main" xmlns="" id="{3C982549-3EB0-42ED-9C4D-9ABF29E9EF99}"/>
+                <a16:creationId xmlns:a16="http://schemas.microsoft.com/office/drawing/2014/main" id="{3C982549-3EB0-42ED-9C4D-9ABF29E9EF99}"/>
               </a:ext>
             </a:extLst>
           </p:cNvPr>
@@ -18583,7 +18537,7 @@
           <p:cNvPr id="22" name="직선 화살표 연결선 21">
             <a:extLst>
               <a:ext uri="{FF2B5EF4-FFF2-40B4-BE49-F238E27FC236}">
-                <a16:creationId xmlns:a16="http://schemas.microsoft.com/office/drawing/2014/main" xmlns="" id="{51AD9A18-AAC2-4B2E-BDCD-5945287C2580}"/>
+                <a16:creationId xmlns:a16="http://schemas.microsoft.com/office/drawing/2014/main" id="{51AD9A18-AAC2-4B2E-BDCD-5945287C2580}"/>
               </a:ext>
             </a:extLst>
           </p:cNvPr>
@@ -18628,7 +18582,7 @@
           <p:cNvPr id="26" name="직선 화살표 연결선 25">
             <a:extLst>
               <a:ext uri="{FF2B5EF4-FFF2-40B4-BE49-F238E27FC236}">
-                <a16:creationId xmlns:a16="http://schemas.microsoft.com/office/drawing/2014/main" xmlns="" id="{E5C36D3F-8241-453E-A113-4C8D8732EE72}"/>
+                <a16:creationId xmlns:a16="http://schemas.microsoft.com/office/drawing/2014/main" id="{E5C36D3F-8241-453E-A113-4C8D8732EE72}"/>
               </a:ext>
             </a:extLst>
           </p:cNvPr>
@@ -18673,7 +18627,7 @@
           <p:cNvPr id="27" name="TextBox 26">
             <a:extLst>
               <a:ext uri="{FF2B5EF4-FFF2-40B4-BE49-F238E27FC236}">
-                <a16:creationId xmlns:a16="http://schemas.microsoft.com/office/drawing/2014/main" xmlns="" id="{D1CCDE0E-F3E5-4F8C-9A94-66726ED145EB}"/>
+                <a16:creationId xmlns:a16="http://schemas.microsoft.com/office/drawing/2014/main" id="{D1CCDE0E-F3E5-4F8C-9A94-66726ED145EB}"/>
               </a:ext>
             </a:extLst>
           </p:cNvPr>
@@ -18753,7 +18707,7 @@
           <p:cNvPr id="28" name="표 28">
             <a:extLst>
               <a:ext uri="{FF2B5EF4-FFF2-40B4-BE49-F238E27FC236}">
-                <a16:creationId xmlns:a16="http://schemas.microsoft.com/office/drawing/2014/main" xmlns="" id="{C1E43D10-41A6-420B-8733-96CAC7C4EC91}"/>
+                <a16:creationId xmlns:a16="http://schemas.microsoft.com/office/drawing/2014/main" id="{C1E43D10-41A6-420B-8733-96CAC7C4EC91}"/>
               </a:ext>
             </a:extLst>
           </p:cNvPr>
@@ -18770,7 +18724,7 @@
         </p:nvGraphicFramePr>
         <p:xfrm>
           <a:off x="4513468" y="1890558"/>
-          <a:ext cx="6840333" cy="3473260"/>
+          <a:ext cx="6840333" cy="3352040"/>
         </p:xfrm>
         <a:graphic>
           <a:graphicData uri="http://schemas.openxmlformats.org/drawingml/2006/table">
@@ -18782,21 +18736,21 @@
                 <a:gridCol w="820532">
                   <a:extLst>
                     <a:ext uri="{9D8B030D-6E8A-4147-A177-3AD203B41FA5}">
-                      <a16:colId xmlns:a16="http://schemas.microsoft.com/office/drawing/2014/main" xmlns="" val="2823673714"/>
+                      <a16:colId xmlns:a16="http://schemas.microsoft.com/office/drawing/2014/main" val="2823673714"/>
                     </a:ext>
                   </a:extLst>
                 </a:gridCol>
                 <a:gridCol w="914400">
                   <a:extLst>
                     <a:ext uri="{9D8B030D-6E8A-4147-A177-3AD203B41FA5}">
-                      <a16:colId xmlns:a16="http://schemas.microsoft.com/office/drawing/2014/main" xmlns="" val="3657127649"/>
+                      <a16:colId xmlns:a16="http://schemas.microsoft.com/office/drawing/2014/main" val="3657127649"/>
                     </a:ext>
                   </a:extLst>
                 </a:gridCol>
                 <a:gridCol w="5105401">
                   <a:extLst>
                     <a:ext uri="{9D8B030D-6E8A-4147-A177-3AD203B41FA5}">
-                      <a16:colId xmlns:a16="http://schemas.microsoft.com/office/drawing/2014/main" xmlns="" val="2018470204"/>
+                      <a16:colId xmlns:a16="http://schemas.microsoft.com/office/drawing/2014/main" val="2018470204"/>
                     </a:ext>
                   </a:extLst>
                 </a:gridCol>
@@ -18858,7 +18812,7 @@
                 </a:tc>
                 <a:extLst>
                   <a:ext uri="{0D108BD9-81ED-4DB2-BD59-A6C34878D82A}">
-                    <a16:rowId xmlns:a16="http://schemas.microsoft.com/office/drawing/2014/main" xmlns="" val="3186733371"/>
+                    <a16:rowId xmlns:a16="http://schemas.microsoft.com/office/drawing/2014/main" val="3186733371"/>
                   </a:ext>
                 </a:extLst>
               </a:tr>
@@ -18893,8 +18847,68 @@
                         </a:lnSpc>
                       </a:pPr>
                       <a:r>
-                        <a:rPr lang="ko-KR" altLang="en-US" sz="1600" dirty="0" smtClean="0"/>
+                        <a:rPr lang="ko-KR" altLang="en-US" sz="1600" dirty="0"/>
                         <a:t>보존</a:t>
+                      </a:r>
+                    </a:p>
+                  </a:txBody>
+                  <a:tcPr anchor="ctr"/>
+                </a:tc>
+                <a:tc>
+                  <a:txBody>
+                    <a:bodyPr/>
+                    <a:lstStyle/>
+                    <a:p>
+                      <a:pPr algn="ctr" latinLnBrk="1">
+                        <a:lnSpc>
+                          <a:spcPct val="125000"/>
+                        </a:lnSpc>
+                      </a:pPr>
+                      <a:r>
+                        <a:rPr lang="ko-KR" altLang="en-US" sz="1600" dirty="0"/>
+                        <a:t>앞선</a:t>
+                      </a:r>
+                      <a:r>
+                        <a:rPr lang="ko-KR" altLang="en-US" sz="1600" baseline="0" dirty="0"/>
+                        <a:t> 상황의 보스 상태 데이터로 변경</a:t>
+                      </a:r>
+                      <a:endParaRPr lang="en-US" altLang="ko-KR" sz="1600" baseline="0" dirty="0"/>
+                    </a:p>
+                    <a:p>
+                      <a:pPr algn="ctr" latinLnBrk="1">
+                        <a:lnSpc>
+                          <a:spcPct val="125000"/>
+                        </a:lnSpc>
+                      </a:pPr>
+                      <a:r>
+                        <a:rPr lang="ko-KR" altLang="en-US" sz="1600" baseline="0" dirty="0"/>
+                        <a:t>보스 상태의 초기값은 대기를 사용</a:t>
+                      </a:r>
+                      <a:endParaRPr lang="ko-KR" altLang="en-US" sz="1600" dirty="0"/>
+                    </a:p>
+                  </a:txBody>
+                  <a:tcPr anchor="ctr"/>
+                </a:tc>
+                <a:extLst>
+                  <a:ext uri="{0D108BD9-81ED-4DB2-BD59-A6C34878D82A}">
+                    <a16:rowId xmlns:a16="http://schemas.microsoft.com/office/drawing/2014/main" val="3769079932"/>
+                  </a:ext>
+                </a:extLst>
+              </a:tr>
+              <a:tr h="370840">
+                <a:tc>
+                  <a:txBody>
+                    <a:bodyPr/>
+                    <a:lstStyle/>
+                    <a:p>
+                      <a:pPr algn="ctr" latinLnBrk="1">
+                        <a:lnSpc>
+                          <a:spcPct val="125000"/>
+                        </a:lnSpc>
+                      </a:pPr>
+                      <a:r>
+                        <a:rPr lang="en-US" altLang="ko-KR" sz="1600" dirty="0"/>
+                        <a:t>2</a:t>
                       </a:r>
                       <a:endParaRPr lang="ko-KR" altLang="en-US" sz="1600" dirty="0"/>
                     </a:p>
@@ -18912,14 +18926,28 @@
                         </a:lnSpc>
                       </a:pPr>
                       <a:r>
-                        <a:rPr lang="ko-KR" altLang="en-US" sz="1600" dirty="0" smtClean="0"/>
-                        <a:t>앞선</a:t>
-                      </a:r>
-                      <a:r>
-                        <a:rPr lang="ko-KR" altLang="en-US" sz="1600" baseline="0" dirty="0" smtClean="0"/>
-                        <a:t> 상황의 보스 상태 데이터로 변경</a:t>
-                      </a:r>
-                      <a:endParaRPr lang="en-US" altLang="ko-KR" sz="1600" baseline="0" dirty="0" smtClean="0"/>
+                        <a:rPr lang="ko-KR" altLang="en-US" sz="1600" dirty="0"/>
+                        <a:t>회복</a:t>
+                      </a:r>
+                    </a:p>
+                  </a:txBody>
+                  <a:tcPr anchor="ctr"/>
+                </a:tc>
+                <a:tc>
+                  <a:txBody>
+                    <a:bodyPr/>
+                    <a:lstStyle/>
+                    <a:p>
+                      <a:pPr algn="ctr" latinLnBrk="1">
+                        <a:lnSpc>
+                          <a:spcPct val="125000"/>
+                        </a:lnSpc>
+                      </a:pPr>
+                      <a:r>
+                        <a:rPr lang="ko-KR" altLang="en-US" sz="1600" dirty="0"/>
+                        <a:t>매초 진행 되는 연산으로 보스의 이동 속도 만큼</a:t>
+                      </a:r>
+                      <a:endParaRPr lang="en-US" altLang="ko-KR" sz="1600" dirty="0"/>
                     </a:p>
                     <a:p>
                       <a:pPr algn="ctr" latinLnBrk="1">
@@ -18928,8 +18956,16 @@
                         </a:lnSpc>
                       </a:pPr>
                       <a:r>
-                        <a:rPr lang="ko-KR" altLang="en-US" sz="1600" baseline="0" dirty="0" smtClean="0"/>
-                        <a:t>보스 상태의 초기값은 대기를 사용</a:t>
+                        <a:rPr lang="ko-KR" altLang="en-US" sz="1600" dirty="0" err="1"/>
+                        <a:t>스테미너가</a:t>
+                      </a:r>
+                      <a:r>
+                        <a:rPr lang="ko-KR" altLang="en-US" sz="1600" dirty="0"/>
+                        <a:t> 회복 된다</a:t>
+                      </a:r>
+                      <a:r>
+                        <a:rPr lang="en-US" altLang="ko-KR" sz="1600" dirty="0"/>
+                        <a:t>.</a:t>
                       </a:r>
                       <a:endParaRPr lang="ko-KR" altLang="en-US" sz="1600" dirty="0"/>
                     </a:p>
@@ -18938,7 +18974,7 @@
                 </a:tc>
                 <a:extLst>
                   <a:ext uri="{0D108BD9-81ED-4DB2-BD59-A6C34878D82A}">
-                    <a16:rowId xmlns:a16="http://schemas.microsoft.com/office/drawing/2014/main" xmlns="" val="3769079932"/>
+                    <a16:rowId xmlns:a16="http://schemas.microsoft.com/office/drawing/2014/main" val="858373754"/>
                   </a:ext>
                 </a:extLst>
               </a:tr>
@@ -18955,7 +18991,7 @@
                       </a:pPr>
                       <a:r>
                         <a:rPr lang="en-US" altLang="ko-KR" sz="1600" dirty="0"/>
-                        <a:t>2</a:t>
+                        <a:t>3</a:t>
                       </a:r>
                       <a:endParaRPr lang="ko-KR" altLang="en-US" sz="1600" dirty="0"/>
                     </a:p>
@@ -18974,7 +19010,7 @@
                       </a:pPr>
                       <a:r>
                         <a:rPr lang="ko-KR" altLang="en-US" sz="1600" dirty="0"/>
-                        <a:t>회복</a:t>
+                        <a:t>비교</a:t>
                       </a:r>
                     </a:p>
                   </a:txBody>
@@ -18992,7 +19028,15 @@
                       </a:pPr>
                       <a:r>
                         <a:rPr lang="ko-KR" altLang="en-US" sz="1600" dirty="0"/>
-                        <a:t>매초 진행 되는 연산으로 보스의 이동 속도 만큼</a:t>
+                        <a:t>보스가 가지고 있는 최대 </a:t>
+                      </a:r>
+                      <a:r>
+                        <a:rPr lang="ko-KR" altLang="en-US" sz="1600" dirty="0" err="1"/>
+                        <a:t>스테미너와</a:t>
+                      </a:r>
+                      <a:r>
+                        <a:rPr lang="ko-KR" altLang="en-US" sz="1600" dirty="0"/>
+                        <a:t> 회복을 통해 </a:t>
                       </a:r>
                       <a:endParaRPr lang="en-US" altLang="ko-KR" sz="1600" dirty="0"/>
                     </a:p>
@@ -19003,25 +19047,56 @@
                         </a:lnSpc>
                       </a:pPr>
                       <a:r>
+                        <a:rPr lang="ko-KR" altLang="en-US" sz="1600" dirty="0"/>
+                        <a:t>획득한 현재 </a:t>
+                      </a:r>
+                      <a:r>
                         <a:rPr lang="ko-KR" altLang="en-US" sz="1600" dirty="0" err="1"/>
-                        <a:t>스테미너가</a:t>
+                        <a:t>스테미너를</a:t>
                       </a:r>
                       <a:r>
                         <a:rPr lang="ko-KR" altLang="en-US" sz="1600" dirty="0"/>
-                        <a:t> 회복 된다</a:t>
+                        <a:t> 비교해서 </a:t>
                       </a:r>
                       <a:r>
                         <a:rPr lang="en-US" altLang="ko-KR" sz="1600" dirty="0"/>
-                        <a:t>.</a:t>
-                      </a:r>
-                      <a:endParaRPr lang="ko-KR" altLang="en-US" sz="1600" dirty="0"/>
+                        <a:t>“</a:t>
+                      </a:r>
+                      <a:r>
+                        <a:rPr lang="ko-KR" altLang="en-US" sz="1600" dirty="0"/>
+                        <a:t>현재 </a:t>
+                      </a:r>
+                      <a:r>
+                        <a:rPr lang="en-US" altLang="ko-KR" sz="1600" dirty="0"/>
+                        <a:t>&gt;= </a:t>
+                      </a:r>
+                      <a:r>
+                        <a:rPr lang="ko-KR" altLang="en-US" sz="1600" dirty="0"/>
+                        <a:t>최대</a:t>
+                      </a:r>
+                      <a:r>
+                        <a:rPr lang="en-US" altLang="ko-KR" sz="1600" dirty="0"/>
+                        <a:t>”</a:t>
+                      </a:r>
+                    </a:p>
+                    <a:p>
+                      <a:pPr algn="ctr" latinLnBrk="1">
+                        <a:lnSpc>
+                          <a:spcPct val="125000"/>
+                        </a:lnSpc>
+                      </a:pPr>
+                      <a:r>
+                        <a:rPr lang="ko-KR" altLang="en-US" sz="1600" dirty="0"/>
+                        <a:t>값이 되었을 때 연산으로 이동</a:t>
+                      </a:r>
+                      <a:endParaRPr lang="en-US" altLang="ko-KR" sz="1600" dirty="0"/>
                     </a:p>
                   </a:txBody>
                   <a:tcPr anchor="ctr"/>
                 </a:tc>
                 <a:extLst>
                   <a:ext uri="{0D108BD9-81ED-4DB2-BD59-A6C34878D82A}">
-                    <a16:rowId xmlns:a16="http://schemas.microsoft.com/office/drawing/2014/main" xmlns="" val="858373754"/>
+                    <a16:rowId xmlns:a16="http://schemas.microsoft.com/office/drawing/2014/main" val="2967758029"/>
                   </a:ext>
                 </a:extLst>
               </a:tr>
@@ -19038,7 +19113,7 @@
                       </a:pPr>
                       <a:r>
                         <a:rPr lang="en-US" altLang="ko-KR" sz="1600" dirty="0"/>
-                        <a:t>3</a:t>
+                        <a:t>4</a:t>
                       </a:r>
                       <a:endParaRPr lang="ko-KR" altLang="en-US" sz="1600" dirty="0"/>
                     </a:p>
@@ -19057,7 +19132,7 @@
                       </a:pPr>
                       <a:r>
                         <a:rPr lang="ko-KR" altLang="en-US" sz="1600" dirty="0"/>
-                        <a:t>비교</a:t>
+                        <a:t>연산</a:t>
                       </a:r>
                     </a:p>
                   </a:txBody>
@@ -19075,15 +19150,19 @@
                       </a:pPr>
                       <a:r>
                         <a:rPr lang="ko-KR" altLang="en-US" sz="1600" dirty="0"/>
-                        <a:t>보스가 가지고 있는 최대 </a:t>
+                        <a:t>아래의 보스 몬스터의 </a:t>
+                      </a:r>
+                      <a:r>
+                        <a:rPr lang="en-US" altLang="ko-KR" sz="1600" dirty="0"/>
+                        <a:t>FSM</a:t>
+                      </a:r>
+                      <a:r>
+                        <a:rPr lang="ko-KR" altLang="en-US" sz="1600" dirty="0"/>
+                        <a:t>을 연산하는 </a:t>
                       </a:r>
                       <a:r>
                         <a:rPr lang="ko-KR" altLang="en-US" sz="1600" dirty="0" err="1"/>
-                        <a:t>스테미너와</a:t>
-                      </a:r>
-                      <a:r>
-                        <a:rPr lang="ko-KR" altLang="en-US" sz="1600" dirty="0"/>
-                        <a:t> 회복을 통해 </a:t>
+                        <a:t>스테이터스</a:t>
                       </a:r>
                       <a:endParaRPr lang="en-US" altLang="ko-KR" sz="1600" dirty="0"/>
                     </a:p>
@@ -19094,150 +19173,24 @@
                         </a:lnSpc>
                       </a:pPr>
                       <a:r>
+                        <a:rPr lang="en-US" altLang="ko-KR" sz="1600" dirty="0"/>
+                        <a:t>FSM</a:t>
+                      </a:r>
+                      <a:r>
                         <a:rPr lang="ko-KR" altLang="en-US" sz="1600" dirty="0"/>
-                        <a:t>획득한 현재 </a:t>
-                      </a:r>
-                      <a:r>
-                        <a:rPr lang="ko-KR" altLang="en-US" sz="1600" dirty="0" err="1"/>
-                        <a:t>스테미너를</a:t>
-                      </a:r>
-                      <a:r>
-                        <a:rPr lang="ko-KR" altLang="en-US" sz="1600" dirty="0"/>
-                        <a:t> 비교해서 </a:t>
+                        <a:t>연산이 끝나면 다시 정지 상태로 들어간다</a:t>
                       </a:r>
                       <a:r>
                         <a:rPr lang="en-US" altLang="ko-KR" sz="1600" dirty="0"/>
-                        <a:t>“</a:t>
-                      </a:r>
-                      <a:r>
-                        <a:rPr lang="ko-KR" altLang="en-US" sz="1600" dirty="0"/>
-                        <a:t>현재 </a:t>
-                      </a:r>
-                      <a:r>
-                        <a:rPr lang="en-US" altLang="ko-KR" sz="1600" dirty="0"/>
-                        <a:t>&gt;= </a:t>
-                      </a:r>
-                      <a:r>
-                        <a:rPr lang="ko-KR" altLang="en-US" sz="1600" dirty="0"/>
-                        <a:t>최대</a:t>
-                      </a:r>
-                      <a:r>
-                        <a:rPr lang="en-US" altLang="ko-KR" sz="1600" dirty="0"/>
-                        <a:t>”</a:t>
-                      </a:r>
-                    </a:p>
-                    <a:p>
-                      <a:pPr algn="ctr" latinLnBrk="1">
-                        <a:lnSpc>
-                          <a:spcPct val="125000"/>
-                        </a:lnSpc>
-                      </a:pPr>
-                      <a:r>
-                        <a:rPr lang="ko-KR" altLang="en-US" sz="1600" dirty="0"/>
-                        <a:t>값이 되었을 때 연산으로 이동</a:t>
-                      </a:r>
-                      <a:endParaRPr lang="en-US" altLang="ko-KR" sz="1600" dirty="0"/>
+                        <a:t>.</a:t>
+                      </a:r>
                     </a:p>
                   </a:txBody>
                   <a:tcPr anchor="ctr"/>
                 </a:tc>
                 <a:extLst>
                   <a:ext uri="{0D108BD9-81ED-4DB2-BD59-A6C34878D82A}">
-                    <a16:rowId xmlns:a16="http://schemas.microsoft.com/office/drawing/2014/main" xmlns="" val="2967758029"/>
-                  </a:ext>
-                </a:extLst>
-              </a:tr>
-              <a:tr h="370840">
-                <a:tc>
-                  <a:txBody>
-                    <a:bodyPr/>
-                    <a:lstStyle/>
-                    <a:p>
-                      <a:pPr algn="ctr" latinLnBrk="1">
-                        <a:lnSpc>
-                          <a:spcPct val="125000"/>
-                        </a:lnSpc>
-                      </a:pPr>
-                      <a:r>
-                        <a:rPr lang="en-US" altLang="ko-KR" sz="1600" dirty="0"/>
-                        <a:t>4</a:t>
-                      </a:r>
-                      <a:endParaRPr lang="ko-KR" altLang="en-US" sz="1600" dirty="0"/>
-                    </a:p>
-                  </a:txBody>
-                  <a:tcPr anchor="ctr"/>
-                </a:tc>
-                <a:tc>
-                  <a:txBody>
-                    <a:bodyPr/>
-                    <a:lstStyle/>
-                    <a:p>
-                      <a:pPr algn="ctr" latinLnBrk="1">
-                        <a:lnSpc>
-                          <a:spcPct val="125000"/>
-                        </a:lnSpc>
-                      </a:pPr>
-                      <a:r>
-                        <a:rPr lang="ko-KR" altLang="en-US" sz="1600" dirty="0"/>
-                        <a:t>연산</a:t>
-                      </a:r>
-                    </a:p>
-                  </a:txBody>
-                  <a:tcPr anchor="ctr"/>
-                </a:tc>
-                <a:tc>
-                  <a:txBody>
-                    <a:bodyPr/>
-                    <a:lstStyle/>
-                    <a:p>
-                      <a:pPr algn="ctr" latinLnBrk="1">
-                        <a:lnSpc>
-                          <a:spcPct val="125000"/>
-                        </a:lnSpc>
-                      </a:pPr>
-                      <a:r>
-                        <a:rPr lang="ko-KR" altLang="en-US" sz="1600" dirty="0"/>
-                        <a:t>아래의 보스 몬스터의 </a:t>
-                      </a:r>
-                      <a:r>
-                        <a:rPr lang="en-US" altLang="ko-KR" sz="1600" dirty="0"/>
-                        <a:t>FSM</a:t>
-                      </a:r>
-                      <a:r>
-                        <a:rPr lang="ko-KR" altLang="en-US" sz="1600" dirty="0"/>
-                        <a:t>을 연산하는 </a:t>
-                      </a:r>
-                      <a:r>
-                        <a:rPr lang="ko-KR" altLang="en-US" sz="1600" dirty="0" err="1"/>
-                        <a:t>스테이터스</a:t>
-                      </a:r>
-                      <a:endParaRPr lang="en-US" altLang="ko-KR" sz="1600" dirty="0"/>
-                    </a:p>
-                    <a:p>
-                      <a:pPr algn="ctr" latinLnBrk="1">
-                        <a:lnSpc>
-                          <a:spcPct val="125000"/>
-                        </a:lnSpc>
-                      </a:pPr>
-                      <a:r>
-                        <a:rPr lang="en-US" altLang="ko-KR" sz="1600" dirty="0"/>
-                        <a:t>FSM</a:t>
-                      </a:r>
-                      <a:r>
-                        <a:rPr lang="ko-KR" altLang="en-US" sz="1600" dirty="0"/>
-                        <a:t>연산이 끝나면 다시 정지 상태로 들어간다</a:t>
-                      </a:r>
-                      <a:r>
-                        <a:rPr lang="en-US" altLang="ko-KR" sz="1600" dirty="0"/>
-                        <a:t>.</a:t>
-                      </a:r>
-                    </a:p>
-                  </a:txBody>
-                  <a:tcPr anchor="ctr"/>
-                </a:tc>
-                <a:extLst>
-                  <a:ext uri="{0D108BD9-81ED-4DB2-BD59-A6C34878D82A}">
-                    <a16:rowId xmlns:a16="http://schemas.microsoft.com/office/drawing/2014/main" xmlns="" val="2805100768"/>
+                    <a16:rowId xmlns:a16="http://schemas.microsoft.com/office/drawing/2014/main" val="2805100768"/>
                   </a:ext>
                 </a:extLst>
               </a:tr>
@@ -19250,7 +19203,7 @@
           <p:cNvPr id="29" name="타원 28">
             <a:extLst>
               <a:ext uri="{FF2B5EF4-FFF2-40B4-BE49-F238E27FC236}">
-                <a16:creationId xmlns:a16="http://schemas.microsoft.com/office/drawing/2014/main" xmlns="" id="{F6346441-E342-4FA2-8DB4-6A187748FCE0}"/>
+                <a16:creationId xmlns:a16="http://schemas.microsoft.com/office/drawing/2014/main" id="{F6346441-E342-4FA2-8DB4-6A187748FCE0}"/>
               </a:ext>
             </a:extLst>
           </p:cNvPr>
@@ -19316,7 +19269,7 @@
           <p:cNvPr id="30" name="타원 29">
             <a:extLst>
               <a:ext uri="{FF2B5EF4-FFF2-40B4-BE49-F238E27FC236}">
-                <a16:creationId xmlns:a16="http://schemas.microsoft.com/office/drawing/2014/main" xmlns="" id="{BEE710E9-D417-46B0-B9CE-66E9D03C223B}"/>
+                <a16:creationId xmlns:a16="http://schemas.microsoft.com/office/drawing/2014/main" id="{BEE710E9-D417-46B0-B9CE-66E9D03C223B}"/>
               </a:ext>
             </a:extLst>
           </p:cNvPr>
@@ -19382,7 +19335,7 @@
           <p:cNvPr id="31" name="타원 30">
             <a:extLst>
               <a:ext uri="{FF2B5EF4-FFF2-40B4-BE49-F238E27FC236}">
-                <a16:creationId xmlns:a16="http://schemas.microsoft.com/office/drawing/2014/main" xmlns="" id="{65A5463E-BED9-4C08-9ACD-50022D35184E}"/>
+                <a16:creationId xmlns:a16="http://schemas.microsoft.com/office/drawing/2014/main" id="{65A5463E-BED9-4C08-9ACD-50022D35184E}"/>
               </a:ext>
             </a:extLst>
           </p:cNvPr>
@@ -19448,7 +19401,7 @@
           <p:cNvPr id="32" name="타원 31">
             <a:extLst>
               <a:ext uri="{FF2B5EF4-FFF2-40B4-BE49-F238E27FC236}">
-                <a16:creationId xmlns:a16="http://schemas.microsoft.com/office/drawing/2014/main" xmlns="" id="{733DE4A7-F52F-46AB-9187-D4D8DEB32CEF}"/>
+                <a16:creationId xmlns:a16="http://schemas.microsoft.com/office/drawing/2014/main" id="{733DE4A7-F52F-46AB-9187-D4D8DEB32CEF}"/>
               </a:ext>
             </a:extLst>
           </p:cNvPr>
@@ -19519,13 +19472,6 @@
   <p:clrMapOvr>
     <a:masterClrMapping/>
   </p:clrMapOvr>
-  <p:timing>
-    <p:tnLst>
-      <p:par>
-        <p:cTn id="1" dur="indefinite" restart="never" nodeType="tmRoot"/>
-      </p:par>
-    </p:tnLst>
-  </p:timing>
 </p:sld>
 </file>
 
@@ -19551,7 +19497,7 @@
           <p:cNvPr id="2" name="제목 1">
             <a:extLst>
               <a:ext uri="{FF2B5EF4-FFF2-40B4-BE49-F238E27FC236}">
-                <a16:creationId xmlns:a16="http://schemas.microsoft.com/office/drawing/2014/main" xmlns="" id="{B0D0D6BF-BDD9-48B2-B072-093BAED78505}"/>
+                <a16:creationId xmlns:a16="http://schemas.microsoft.com/office/drawing/2014/main" id="{B0D0D6BF-BDD9-48B2-B072-093BAED78505}"/>
               </a:ext>
             </a:extLst>
           </p:cNvPr>
@@ -19568,10 +19514,9 @@
           <a:lstStyle/>
           <a:p>
             <a:r>
-              <a:rPr lang="ko-KR" altLang="en-US" dirty="0" smtClean="0"/>
+              <a:rPr lang="ko-KR" altLang="en-US" dirty="0"/>
               <a:t>대기 설명</a:t>
             </a:r>
-            <a:endParaRPr lang="ko-KR" altLang="en-US" dirty="0"/>
           </a:p>
         </p:txBody>
       </p:sp>
@@ -19580,7 +19525,7 @@
           <p:cNvPr id="3" name="내용 개체 틀 2">
             <a:extLst>
               <a:ext uri="{FF2B5EF4-FFF2-40B4-BE49-F238E27FC236}">
-                <a16:creationId xmlns:a16="http://schemas.microsoft.com/office/drawing/2014/main" xmlns="" id="{BED93B48-AA0D-45A5-BC61-836BE857E3A6}"/>
+                <a16:creationId xmlns:a16="http://schemas.microsoft.com/office/drawing/2014/main" id="{BED93B48-AA0D-45A5-BC61-836BE857E3A6}"/>
               </a:ext>
             </a:extLst>
           </p:cNvPr>
@@ -19640,7 +19585,7 @@
           <p:cNvPr id="40" name="표 28">
             <a:extLst>
               <a:ext uri="{FF2B5EF4-FFF2-40B4-BE49-F238E27FC236}">
-                <a16:creationId xmlns:a16="http://schemas.microsoft.com/office/drawing/2014/main" xmlns="" id="{881D1448-CB3C-4A8F-98E9-71C9A7C8F01B}"/>
+                <a16:creationId xmlns:a16="http://schemas.microsoft.com/office/drawing/2014/main" id="{881D1448-CB3C-4A8F-98E9-71C9A7C8F01B}"/>
               </a:ext>
             </a:extLst>
           </p:cNvPr>
@@ -19650,14 +19595,14 @@
           <p:nvPr>
             <p:extLst>
               <p:ext uri="{D42A27DB-BD31-4B8C-83A1-F6EECF244321}">
-                <p14:modId xmlns:p14="http://schemas.microsoft.com/office/powerpoint/2010/main" val="828359149"/>
+                <p14:modId xmlns:p14="http://schemas.microsoft.com/office/powerpoint/2010/main" val="367571329"/>
               </p:ext>
             </p:extLst>
           </p:nvPr>
         </p:nvGraphicFramePr>
         <p:xfrm>
           <a:off x="688374" y="2125846"/>
-          <a:ext cx="11010140" cy="2499360"/>
+          <a:ext cx="11010140" cy="2378140"/>
         </p:xfrm>
         <a:graphic>
           <a:graphicData uri="http://schemas.openxmlformats.org/drawingml/2006/table">
@@ -19669,26 +19614,38 @@
                 <a:gridCol w="678699">
                   <a:extLst>
                     <a:ext uri="{9D8B030D-6E8A-4147-A177-3AD203B41FA5}">
-                      <a16:colId xmlns:a16="http://schemas.microsoft.com/office/drawing/2014/main" xmlns="" val="2823673714"/>
+                      <a16:colId xmlns:a16="http://schemas.microsoft.com/office/drawing/2014/main" val="2823673714"/>
                     </a:ext>
                   </a:extLst>
                 </a:gridCol>
                 <a:gridCol w="1013988">
                   <a:extLst>
                     <a:ext uri="{9D8B030D-6E8A-4147-A177-3AD203B41FA5}">
-                      <a16:colId xmlns:a16="http://schemas.microsoft.com/office/drawing/2014/main" xmlns="" val="3657127649"/>
+                      <a16:colId xmlns:a16="http://schemas.microsoft.com/office/drawing/2014/main" val="3657127649"/>
                     </a:ext>
                   </a:extLst>
                 </a:gridCol>
                 <a:gridCol w="729363">
                   <a:extLst>
                     <a:ext uri="{9D8B030D-6E8A-4147-A177-3AD203B41FA5}">
-                      <a16:colId xmlns:a16="http://schemas.microsoft.com/office/drawing/2014/main" xmlns="" val="2018470204"/>
+                      <a16:colId xmlns:a16="http://schemas.microsoft.com/office/drawing/2014/main" val="2018470204"/>
                     </a:ext>
                   </a:extLst>
                 </a:gridCol>
-                <a:gridCol w="1217132"/>
-                <a:gridCol w="7370958"/>
+                <a:gridCol w="1217132">
+                  <a:extLst>
+                    <a:ext uri="{9D8B030D-6E8A-4147-A177-3AD203B41FA5}">
+                      <a16:colId xmlns:a16="http://schemas.microsoft.com/office/drawing/2014/main" val="20003"/>
+                    </a:ext>
+                  </a:extLst>
+                </a:gridCol>
+                <a:gridCol w="7370958">
+                  <a:extLst>
+                    <a:ext uri="{9D8B030D-6E8A-4147-A177-3AD203B41FA5}">
+                      <a16:colId xmlns:a16="http://schemas.microsoft.com/office/drawing/2014/main" val="20004"/>
+                    </a:ext>
+                  </a:extLst>
+                </a:gridCol>
               </a:tblGrid>
               <a:tr h="370840">
                 <a:tc>
@@ -19720,10 +19677,9 @@
                         </a:lnSpc>
                       </a:pPr>
                       <a:r>
-                        <a:rPr lang="ko-KR" altLang="en-US" sz="1600" dirty="0" smtClean="0"/>
+                        <a:rPr lang="ko-KR" altLang="en-US" sz="1600" dirty="0"/>
                         <a:t>데이터</a:t>
                       </a:r>
-                      <a:endParaRPr lang="ko-KR" altLang="en-US" sz="1600" dirty="0"/>
                     </a:p>
                   </a:txBody>
                   <a:tcPr anchor="ctr"/>
@@ -19739,10 +19695,9 @@
                         </a:lnSpc>
                       </a:pPr>
                       <a:r>
-                        <a:rPr lang="ko-KR" altLang="en-US" sz="1600" dirty="0" smtClean="0"/>
+                        <a:rPr lang="ko-KR" altLang="en-US" sz="1600" dirty="0"/>
                         <a:t>값</a:t>
                       </a:r>
-                      <a:endParaRPr lang="ko-KR" altLang="en-US" sz="1600" dirty="0"/>
                     </a:p>
                   </a:txBody>
                   <a:tcPr anchor="ctr"/>
@@ -19758,10 +19713,9 @@
                         </a:lnSpc>
                       </a:pPr>
                       <a:r>
-                        <a:rPr lang="ko-KR" altLang="en-US" sz="1600" dirty="0" smtClean="0"/>
+                        <a:rPr lang="ko-KR" altLang="en-US" sz="1600" dirty="0"/>
                         <a:t>명칭</a:t>
                       </a:r>
-                      <a:endParaRPr lang="ko-KR" altLang="en-US" sz="1600" dirty="0"/>
                     </a:p>
                   </a:txBody>
                   <a:tcPr anchor="ctr"/>
@@ -19777,17 +19731,16 @@
                         </a:lnSpc>
                       </a:pPr>
                       <a:r>
-                        <a:rPr lang="ko-KR" altLang="en-US" sz="1600" dirty="0" smtClean="0"/>
+                        <a:rPr lang="ko-KR" altLang="en-US" sz="1600" dirty="0"/>
                         <a:t>기능</a:t>
                       </a:r>
-                      <a:endParaRPr lang="ko-KR" altLang="en-US" sz="1600" dirty="0"/>
                     </a:p>
                   </a:txBody>
                   <a:tcPr anchor="ctr"/>
                 </a:tc>
                 <a:extLst>
                   <a:ext uri="{0D108BD9-81ED-4DB2-BD59-A6C34878D82A}">
-                    <a16:rowId xmlns:a16="http://schemas.microsoft.com/office/drawing/2014/main" xmlns="" val="3186733371"/>
+                    <a16:rowId xmlns:a16="http://schemas.microsoft.com/office/drawing/2014/main" val="3186733371"/>
                   </a:ext>
                 </a:extLst>
               </a:tr>
@@ -19803,7 +19756,7 @@
                         </a:lnSpc>
                       </a:pPr>
                       <a:r>
-                        <a:rPr lang="en-US" altLang="ko-KR" sz="1400" dirty="0" smtClean="0"/>
+                        <a:rPr lang="en-US" altLang="ko-KR" sz="1400" dirty="0"/>
                         <a:t>2</a:t>
                       </a:r>
                       <a:endParaRPr lang="ko-KR" altLang="en-US" sz="1400" dirty="0"/>
@@ -19841,7 +19794,7 @@
                       </a:pPr>
                       <a:r>
                         <a:rPr lang="en-US" altLang="ko-KR" sz="1400" dirty="0"/>
-                        <a:t>Int</a:t>
+                        <a:t>float</a:t>
                       </a:r>
                       <a:endParaRPr lang="ko-KR" altLang="en-US" sz="1400" dirty="0"/>
                     </a:p>
@@ -19859,7 +19812,7 @@
                         </a:lnSpc>
                       </a:pPr>
                       <a:r>
-                        <a:rPr lang="en-US" altLang="ko-KR" sz="1400" dirty="0" smtClean="0"/>
+                        <a:rPr lang="en-US" altLang="ko-KR" sz="1400" dirty="0"/>
                         <a:t>Speed</a:t>
                       </a:r>
                       <a:endParaRPr lang="ko-KR" altLang="en-US" sz="1400" dirty="0"/>
@@ -19882,16 +19835,12 @@
                         <a:t>보스 몬스터의 데이터 테이블에 </a:t>
                       </a:r>
                       <a:r>
-                        <a:rPr lang="ko-KR" altLang="en-US" sz="1600" dirty="0" err="1" smtClean="0"/>
+                        <a:rPr lang="ko-KR" altLang="en-US" sz="1600" dirty="0" err="1"/>
                         <a:t>표시되는몬스터의</a:t>
                       </a:r>
                       <a:r>
-                        <a:rPr lang="ko-KR" altLang="en-US" sz="1600" dirty="0" smtClean="0"/>
-                        <a:t> </a:t>
-                      </a:r>
-                      <a:r>
                         <a:rPr lang="ko-KR" altLang="en-US" sz="1600" dirty="0"/>
-                        <a:t>이동속도</a:t>
+                        <a:t> 이동속도</a:t>
                       </a:r>
                       <a:r>
                         <a:rPr lang="en-US" altLang="ko-KR" sz="1600" dirty="0"/>
@@ -19901,7 +19850,7 @@
                         <a:rPr lang="ko-KR" altLang="en-US" sz="1600" dirty="0"/>
                         <a:t> 매초 이동 속도 </a:t>
                       </a:r>
-                      <a:endParaRPr lang="en-US" altLang="ko-KR" sz="1600" dirty="0" smtClean="0"/>
+                      <a:endParaRPr lang="en-US" altLang="ko-KR" sz="1600" dirty="0"/>
                     </a:p>
                     <a:p>
                       <a:pPr algn="ctr" latinLnBrk="1">
@@ -19910,7 +19859,7 @@
                         </a:lnSpc>
                       </a:pPr>
                       <a:r>
-                        <a:rPr lang="ko-KR" altLang="en-US" sz="1600" dirty="0" smtClean="0"/>
+                        <a:rPr lang="ko-KR" altLang="en-US" sz="1600" dirty="0"/>
                         <a:t>만큼 현재 </a:t>
                       </a:r>
                       <a:r>
@@ -19931,7 +19880,7 @@
                 </a:tc>
                 <a:extLst>
                   <a:ext uri="{0D108BD9-81ED-4DB2-BD59-A6C34878D82A}">
-                    <a16:rowId xmlns:a16="http://schemas.microsoft.com/office/drawing/2014/main" xmlns="" val="3769079932"/>
+                    <a16:rowId xmlns:a16="http://schemas.microsoft.com/office/drawing/2014/main" val="3769079932"/>
                   </a:ext>
                 </a:extLst>
               </a:tr>
@@ -19947,7 +19896,7 @@
                         </a:lnSpc>
                       </a:pPr>
                       <a:r>
-                        <a:rPr lang="en-US" altLang="ko-KR" sz="1400" dirty="0" smtClean="0"/>
+                        <a:rPr lang="en-US" altLang="ko-KR" sz="1400" dirty="0"/>
                         <a:t>3</a:t>
                       </a:r>
                       <a:endParaRPr lang="ko-KR" altLang="en-US" sz="1400" dirty="0"/>
@@ -19998,7 +19947,7 @@
                       </a:pPr>
                       <a:r>
                         <a:rPr lang="en-US" altLang="ko-KR" sz="1400" dirty="0"/>
-                        <a:t>Int</a:t>
+                        <a:t>float</a:t>
                       </a:r>
                       <a:endParaRPr lang="ko-KR" altLang="en-US" sz="1400" dirty="0"/>
                     </a:p>
@@ -20016,7 +19965,7 @@
                         </a:lnSpc>
                       </a:pPr>
                       <a:r>
-                        <a:rPr lang="en-US" altLang="ko-KR" sz="1400" dirty="0" err="1" smtClean="0"/>
+                        <a:rPr lang="en-US" altLang="ko-KR" sz="1400" dirty="0" err="1"/>
                         <a:t>CurStamina</a:t>
                       </a:r>
                       <a:endParaRPr lang="ko-KR" altLang="en-US" sz="1400" dirty="0"/>
@@ -20039,32 +19988,20 @@
                         <a:t>현재 보스 몬스터가 가지고 있는 </a:t>
                       </a:r>
                       <a:r>
-                        <a:rPr lang="ko-KR" altLang="en-US" sz="1600" dirty="0" err="1" smtClean="0"/>
+                        <a:rPr lang="ko-KR" altLang="en-US" sz="1600" dirty="0" err="1"/>
                         <a:t>스테미너</a:t>
                       </a:r>
                       <a:r>
-                        <a:rPr lang="ko-KR" altLang="en-US" sz="1600" dirty="0" smtClean="0"/>
-                        <a:t> 매초 </a:t>
-                      </a:r>
-                      <a:r>
                         <a:rPr lang="ko-KR" altLang="en-US" sz="1600" dirty="0"/>
-                        <a:t>이동속도 만큼 </a:t>
-                      </a:r>
-                      <a:r>
-                        <a:rPr lang="ko-KR" altLang="en-US" sz="1600" dirty="0" smtClean="0"/>
-                        <a:t>회복이 되고 </a:t>
+                        <a:t> 매초 이동속도 만큼 회복이 되고 </a:t>
                       </a:r>
                       <a:r>
                         <a:rPr lang="en-US" altLang="ko-KR" sz="1600" dirty="0"/>
                         <a:t>FSM</a:t>
                       </a:r>
                       <a:r>
-                        <a:rPr lang="ko-KR" altLang="en-US" sz="1600" dirty="0" smtClean="0"/>
-                        <a:t>연산 이후 </a:t>
-                      </a:r>
-                      <a:r>
                         <a:rPr lang="ko-KR" altLang="en-US" sz="1600" dirty="0"/>
-                        <a:t>결과에 따라 감소 된다</a:t>
+                        <a:t>연산 이후 결과에 따라 감소 된다</a:t>
                       </a:r>
                       <a:r>
                         <a:rPr lang="en-US" altLang="ko-KR" sz="1600" dirty="0"/>
@@ -20077,7 +20014,7 @@
                 </a:tc>
                 <a:extLst>
                   <a:ext uri="{0D108BD9-81ED-4DB2-BD59-A6C34878D82A}">
-                    <a16:rowId xmlns:a16="http://schemas.microsoft.com/office/drawing/2014/main" xmlns="" val="858373754"/>
+                    <a16:rowId xmlns:a16="http://schemas.microsoft.com/office/drawing/2014/main" val="858373754"/>
                   </a:ext>
                 </a:extLst>
               </a:tr>
@@ -20093,7 +20030,7 @@
                         </a:lnSpc>
                       </a:pPr>
                       <a:r>
-                        <a:rPr lang="en-US" altLang="ko-KR" sz="1400" dirty="0" smtClean="0"/>
+                        <a:rPr lang="en-US" altLang="ko-KR" sz="1400" dirty="0"/>
                         <a:t>3</a:t>
                       </a:r>
                       <a:endParaRPr lang="ko-KR" altLang="en-US" sz="1400" dirty="0"/>
@@ -20144,7 +20081,7 @@
                       </a:pPr>
                       <a:r>
                         <a:rPr lang="en-US" altLang="ko-KR" sz="1400" dirty="0"/>
-                        <a:t>Int</a:t>
+                        <a:t>float</a:t>
                       </a:r>
                     </a:p>
                   </a:txBody>
@@ -20161,7 +20098,7 @@
                         </a:lnSpc>
                       </a:pPr>
                       <a:r>
-                        <a:rPr lang="en-US" altLang="ko-KR" sz="1400" dirty="0" err="1" smtClean="0"/>
+                        <a:rPr lang="en-US" altLang="ko-KR" sz="1400" dirty="0" err="1"/>
                         <a:t>MaxStamina</a:t>
                       </a:r>
                       <a:endParaRPr lang="en-US" altLang="ko-KR" sz="1400" dirty="0"/>
@@ -20181,23 +20118,15 @@
                       </a:pPr>
                       <a:r>
                         <a:rPr lang="ko-KR" altLang="en-US" sz="1600" dirty="0"/>
-                        <a:t>보스 몬스터의 데이터 테이블에 </a:t>
-                      </a:r>
-                      <a:r>
-                        <a:rPr lang="ko-KR" altLang="en-US" sz="1600" dirty="0" smtClean="0"/>
-                        <a:t>표시되는 </a:t>
-                      </a:r>
-                      <a:r>
-                        <a:rPr lang="ko-KR" altLang="en-US" sz="1600" dirty="0" err="1" smtClean="0"/>
+                        <a:t>보스 몬스터의 데이터 테이블에 표시되는 </a:t>
+                      </a:r>
+                      <a:r>
+                        <a:rPr lang="ko-KR" altLang="en-US" sz="1600" dirty="0" err="1"/>
                         <a:t>몬스터의</a:t>
                       </a:r>
                       <a:r>
-                        <a:rPr lang="ko-KR" altLang="en-US" sz="1600" dirty="0" smtClean="0"/>
-                        <a:t> </a:t>
-                      </a:r>
-                      <a:r>
                         <a:rPr lang="ko-KR" altLang="en-US" sz="1600" dirty="0"/>
-                        <a:t>최대 </a:t>
+                        <a:t> 최대 </a:t>
                       </a:r>
                       <a:r>
                         <a:rPr lang="ko-KR" altLang="en-US" sz="1600" dirty="0" err="1"/>
@@ -20249,15 +20178,7 @@
                       </a:r>
                       <a:r>
                         <a:rPr lang="ko-KR" altLang="en-US" sz="1600" dirty="0"/>
-                        <a:t>의 </a:t>
-                      </a:r>
-                      <a:r>
-                        <a:rPr lang="ko-KR" altLang="en-US" sz="1600" dirty="0" smtClean="0"/>
-                        <a:t>비교 작업을 </a:t>
-                      </a:r>
-                      <a:r>
-                        <a:rPr lang="ko-KR" altLang="en-US" sz="1600" dirty="0"/>
-                        <a:t>한다</a:t>
+                        <a:t>의 비교 작업을 한다</a:t>
                       </a:r>
                       <a:r>
                         <a:rPr lang="en-US" altLang="ko-KR" sz="1600" dirty="0"/>
@@ -20274,7 +20195,7 @@
                 </a:tc>
                 <a:extLst>
                   <a:ext uri="{0D108BD9-81ED-4DB2-BD59-A6C34878D82A}">
-                    <a16:rowId xmlns:a16="http://schemas.microsoft.com/office/drawing/2014/main" xmlns="" val="2967758029"/>
+                    <a16:rowId xmlns:a16="http://schemas.microsoft.com/office/drawing/2014/main" val="2967758029"/>
                   </a:ext>
                 </a:extLst>
               </a:tr>
@@ -20287,7 +20208,7 @@
           <p:cNvPr id="41" name="TextBox 40">
             <a:extLst>
               <a:ext uri="{FF2B5EF4-FFF2-40B4-BE49-F238E27FC236}">
-                <a16:creationId xmlns:a16="http://schemas.microsoft.com/office/drawing/2014/main" xmlns="" id="{F27AAED5-21D0-4ADF-9BE8-460DB407CC40}"/>
+                <a16:creationId xmlns:a16="http://schemas.microsoft.com/office/drawing/2014/main" id="{F27AAED5-21D0-4ADF-9BE8-460DB407CC40}"/>
               </a:ext>
             </a:extLst>
           </p:cNvPr>
@@ -20318,19 +20239,19 @@
               <a:buChar char="•"/>
             </a:pPr>
             <a:r>
-              <a:rPr lang="ko-KR" altLang="en-US" sz="1400" dirty="0" smtClean="0"/>
+              <a:rPr lang="ko-KR" altLang="en-US" sz="1400" dirty="0"/>
               <a:t>대기는 보스 </a:t>
             </a:r>
             <a:r>
-              <a:rPr lang="ko-KR" altLang="en-US" sz="1400" dirty="0" err="1" smtClean="0"/>
+              <a:rPr lang="ko-KR" altLang="en-US" sz="1400" dirty="0" err="1"/>
               <a:t>몬스터가</a:t>
             </a:r>
             <a:r>
-              <a:rPr lang="ko-KR" altLang="en-US" sz="1400" dirty="0" smtClean="0"/>
+              <a:rPr lang="ko-KR" altLang="en-US" sz="1400" dirty="0"/>
               <a:t> 플레이어와의 어떠한 접촉이 일어나지 않은 상태이다</a:t>
             </a:r>
             <a:r>
-              <a:rPr lang="en-US" altLang="ko-KR" sz="1400" dirty="0" smtClean="0"/>
+              <a:rPr lang="en-US" altLang="ko-KR" sz="1400" dirty="0"/>
               <a:t>.</a:t>
             </a:r>
           </a:p>
@@ -20346,13 +20267,6 @@
   <p:clrMapOvr>
     <a:masterClrMapping/>
   </p:clrMapOvr>
-  <p:timing>
-    <p:tnLst>
-      <p:par>
-        <p:cTn id="1" dur="indefinite" restart="never" nodeType="tmRoot"/>
-      </p:par>
-    </p:tnLst>
-  </p:timing>
 </p:sld>
 </file>
 
@@ -20378,7 +20292,7 @@
           <p:cNvPr id="2" name="제목 1">
             <a:extLst>
               <a:ext uri="{FF2B5EF4-FFF2-40B4-BE49-F238E27FC236}">
-                <a16:creationId xmlns:a16="http://schemas.microsoft.com/office/drawing/2014/main" xmlns="" id="{B0D0D6BF-BDD9-48B2-B072-093BAED78505}"/>
+                <a16:creationId xmlns:a16="http://schemas.microsoft.com/office/drawing/2014/main" id="{B0D0D6BF-BDD9-48B2-B072-093BAED78505}"/>
               </a:ext>
             </a:extLst>
           </p:cNvPr>
@@ -20395,22 +20309,17 @@
           <a:lstStyle/>
           <a:p>
             <a:r>
-              <a:rPr lang="ko-KR" altLang="en-US" dirty="0" smtClean="0"/>
+              <a:rPr lang="ko-KR" altLang="en-US" dirty="0"/>
               <a:t>대기 </a:t>
             </a:r>
             <a:r>
-              <a:rPr lang="ko-KR" altLang="en-US" dirty="0" err="1" smtClean="0"/>
-              <a:t>플로</a:t>
-            </a:r>
-            <a:r>
-              <a:rPr lang="ko-KR" altLang="en-US" dirty="0" err="1" smtClean="0"/>
-              <a:t>우</a:t>
-            </a:r>
-            <a:r>
-              <a:rPr lang="ko-KR" altLang="en-US" dirty="0" smtClean="0"/>
+              <a:rPr lang="ko-KR" altLang="en-US" dirty="0" err="1"/>
+              <a:t>플로우</a:t>
+            </a:r>
+            <a:r>
+              <a:rPr lang="ko-KR" altLang="en-US" dirty="0"/>
               <a:t> 차트</a:t>
             </a:r>
-            <a:endParaRPr lang="ko-KR" altLang="en-US" dirty="0"/>
           </a:p>
         </p:txBody>
       </p:sp>
@@ -20419,7 +20328,7 @@
           <p:cNvPr id="3" name="내용 개체 틀 2">
             <a:extLst>
               <a:ext uri="{FF2B5EF4-FFF2-40B4-BE49-F238E27FC236}">
-                <a16:creationId xmlns:a16="http://schemas.microsoft.com/office/drawing/2014/main" xmlns="" id="{BED93B48-AA0D-45A5-BC61-836BE857E3A6}"/>
+                <a16:creationId xmlns:a16="http://schemas.microsoft.com/office/drawing/2014/main" id="{BED93B48-AA0D-45A5-BC61-836BE857E3A6}"/>
               </a:ext>
             </a:extLst>
           </p:cNvPr>
@@ -20479,7 +20388,7 @@
           <p:cNvPr id="5" name="직사각형 4">
             <a:extLst>
               <a:ext uri="{FF2B5EF4-FFF2-40B4-BE49-F238E27FC236}">
-                <a16:creationId xmlns:a16="http://schemas.microsoft.com/office/drawing/2014/main" xmlns="" id="{43D1D2BF-E427-4741-8C52-A409965921E2}"/>
+                <a16:creationId xmlns:a16="http://schemas.microsoft.com/office/drawing/2014/main" id="{43D1D2BF-E427-4741-8C52-A409965921E2}"/>
               </a:ext>
             </a:extLst>
           </p:cNvPr>
@@ -20525,14 +20434,14 @@
           <a:p>
             <a:pPr algn="ctr"/>
             <a:r>
-              <a:rPr lang="ko-KR" altLang="en-US" sz="1000" dirty="0" smtClean="0">
+              <a:rPr lang="ko-KR" altLang="en-US" sz="1000" dirty="0">
                 <a:solidFill>
                   <a:schemeClr val="tx1"/>
                 </a:solidFill>
               </a:rPr>
               <a:t>랜덤 한 지형으로</a:t>
             </a:r>
-            <a:endParaRPr lang="en-US" altLang="ko-KR" sz="1000" dirty="0" smtClean="0">
+            <a:endParaRPr lang="en-US" altLang="ko-KR" sz="1000" dirty="0">
               <a:solidFill>
                 <a:schemeClr val="tx1"/>
               </a:solidFill>
@@ -20541,7 +20450,7 @@
           <a:p>
             <a:pPr algn="ctr"/>
             <a:r>
-              <a:rPr lang="ko-KR" altLang="en-US" sz="1000" dirty="0" smtClean="0">
+              <a:rPr lang="ko-KR" altLang="en-US" sz="1000" dirty="0">
                 <a:solidFill>
                   <a:schemeClr val="tx1"/>
                 </a:solidFill>
@@ -20549,7 +20458,7 @@
               <a:t>이동 </a:t>
             </a:r>
             <a:r>
-              <a:rPr lang="en-US" altLang="ko-KR" sz="1000" dirty="0" smtClean="0">
+              <a:rPr lang="en-US" altLang="ko-KR" sz="1000" dirty="0">
                 <a:solidFill>
                   <a:schemeClr val="tx1"/>
                 </a:solidFill>
@@ -20557,7 +20466,7 @@
               <a:t>&amp; </a:t>
             </a:r>
             <a:r>
-              <a:rPr lang="ko-KR" altLang="en-US" sz="1000" dirty="0" err="1" smtClean="0">
+              <a:rPr lang="ko-KR" altLang="en-US" sz="1000" dirty="0" err="1">
                 <a:solidFill>
                   <a:schemeClr val="tx1"/>
                 </a:solidFill>
@@ -20565,14 +20474,14 @@
               <a:t>스테미너</a:t>
             </a:r>
             <a:r>
-              <a:rPr lang="ko-KR" altLang="en-US" sz="1000" dirty="0" smtClean="0">
+              <a:rPr lang="ko-KR" altLang="en-US" sz="1000" dirty="0">
                 <a:solidFill>
                   <a:schemeClr val="tx1"/>
                 </a:solidFill>
               </a:rPr>
               <a:t> </a:t>
             </a:r>
-            <a:endParaRPr lang="en-US" altLang="ko-KR" sz="1000" dirty="0" smtClean="0">
+            <a:endParaRPr lang="en-US" altLang="ko-KR" sz="1000" dirty="0">
               <a:solidFill>
                 <a:schemeClr val="tx1"/>
               </a:solidFill>
@@ -20581,18 +20490,13 @@
           <a:p>
             <a:pPr algn="ctr"/>
             <a:r>
-              <a:rPr lang="ko-KR" altLang="en-US" sz="1000" dirty="0" smtClean="0">
+              <a:rPr lang="ko-KR" altLang="en-US" sz="1000" dirty="0">
                 <a:solidFill>
                   <a:schemeClr val="tx1"/>
                 </a:solidFill>
               </a:rPr>
               <a:t>소모</a:t>
             </a:r>
-            <a:endParaRPr lang="ko-KR" altLang="en-US" sz="1000" dirty="0">
-              <a:solidFill>
-                <a:schemeClr val="tx1"/>
-              </a:solidFill>
-            </a:endParaRPr>
           </a:p>
         </p:txBody>
       </p:sp>
@@ -20601,7 +20505,7 @@
           <p:cNvPr id="6" name="순서도: 판단 5">
             <a:extLst>
               <a:ext uri="{FF2B5EF4-FFF2-40B4-BE49-F238E27FC236}">
-                <a16:creationId xmlns:a16="http://schemas.microsoft.com/office/drawing/2014/main" xmlns="" id="{FC609F0B-2115-405B-8324-342A061AB0BF}"/>
+                <a16:creationId xmlns:a16="http://schemas.microsoft.com/office/drawing/2014/main" id="{FC609F0B-2115-405B-8324-342A061AB0BF}"/>
               </a:ext>
             </a:extLst>
           </p:cNvPr>
@@ -20659,7 +20563,7 @@
           <p:cNvPr id="7" name="TextBox 6">
             <a:extLst>
               <a:ext uri="{FF2B5EF4-FFF2-40B4-BE49-F238E27FC236}">
-                <a16:creationId xmlns:a16="http://schemas.microsoft.com/office/drawing/2014/main" xmlns="" id="{F27AAED5-21D0-4ADF-9BE8-460DB407CC40}"/>
+                <a16:creationId xmlns:a16="http://schemas.microsoft.com/office/drawing/2014/main" id="{F27AAED5-21D0-4ADF-9BE8-460DB407CC40}"/>
               </a:ext>
             </a:extLst>
           </p:cNvPr>
@@ -20684,31 +20588,31 @@
           <a:p>
             <a:pPr algn="ctr"/>
             <a:r>
-              <a:rPr lang="ko-KR" altLang="en-US" sz="1000" dirty="0" smtClean="0"/>
+              <a:rPr lang="ko-KR" altLang="en-US" sz="1000" dirty="0"/>
               <a:t>정령에</a:t>
             </a:r>
-            <a:endParaRPr lang="en-US" altLang="ko-KR" sz="1000" dirty="0" smtClean="0"/>
+            <a:endParaRPr lang="en-US" altLang="ko-KR" sz="1000" dirty="0"/>
           </a:p>
           <a:p>
             <a:pPr algn="ctr"/>
             <a:r>
-              <a:rPr lang="ko-KR" altLang="en-US" sz="1000" dirty="0" err="1" smtClean="0"/>
+              <a:rPr lang="ko-KR" altLang="en-US" sz="1000" dirty="0" err="1"/>
               <a:t>데미지를</a:t>
             </a:r>
             <a:r>
-              <a:rPr lang="ko-KR" altLang="en-US" sz="1000" dirty="0" smtClean="0"/>
+              <a:rPr lang="ko-KR" altLang="en-US" sz="1000" dirty="0"/>
               <a:t> </a:t>
             </a:r>
-            <a:endParaRPr lang="en-US" altLang="ko-KR" sz="1000" dirty="0" smtClean="0"/>
+            <a:endParaRPr lang="en-US" altLang="ko-KR" sz="1000" dirty="0"/>
           </a:p>
           <a:p>
             <a:pPr algn="ctr"/>
             <a:r>
-              <a:rPr lang="ko-KR" altLang="en-US" sz="1000" dirty="0" smtClean="0"/>
+              <a:rPr lang="ko-KR" altLang="en-US" sz="1000" dirty="0"/>
               <a:t>받았는가</a:t>
             </a:r>
             <a:r>
-              <a:rPr lang="en-US" altLang="ko-KR" sz="1000" dirty="0" smtClean="0"/>
+              <a:rPr lang="en-US" altLang="ko-KR" sz="1000" dirty="0"/>
               <a:t>?</a:t>
             </a:r>
           </a:p>
@@ -20719,7 +20623,7 @@
           <p:cNvPr id="8" name="타원 7">
             <a:extLst>
               <a:ext uri="{FF2B5EF4-FFF2-40B4-BE49-F238E27FC236}">
-                <a16:creationId xmlns:a16="http://schemas.microsoft.com/office/drawing/2014/main" xmlns="" id="{D07271FD-A020-49D2-8CEF-5AD36D770F03}"/>
+                <a16:creationId xmlns:a16="http://schemas.microsoft.com/office/drawing/2014/main" id="{D07271FD-A020-49D2-8CEF-5AD36D770F03}"/>
               </a:ext>
             </a:extLst>
           </p:cNvPr>
@@ -20777,7 +20681,7 @@
           <p:cNvPr id="9" name="TextBox 8">
             <a:extLst>
               <a:ext uri="{FF2B5EF4-FFF2-40B4-BE49-F238E27FC236}">
-                <a16:creationId xmlns:a16="http://schemas.microsoft.com/office/drawing/2014/main" xmlns="" id="{F27AAED5-21D0-4ADF-9BE8-460DB407CC40}"/>
+                <a16:creationId xmlns:a16="http://schemas.microsoft.com/office/drawing/2014/main" id="{F27AAED5-21D0-4ADF-9BE8-460DB407CC40}"/>
               </a:ext>
             </a:extLst>
           </p:cNvPr>
@@ -20802,10 +20706,9 @@
           <a:p>
             <a:pPr algn="ctr"/>
             <a:r>
-              <a:rPr lang="ko-KR" altLang="en-US" sz="1400" dirty="0" smtClean="0"/>
+              <a:rPr lang="ko-KR" altLang="en-US" sz="1400" dirty="0"/>
               <a:t>대기</a:t>
             </a:r>
-            <a:endParaRPr lang="ko-KR" altLang="en-US" sz="1400" dirty="0"/>
           </a:p>
         </p:txBody>
       </p:sp>
@@ -20814,7 +20717,7 @@
           <p:cNvPr id="10" name="순서도: 판단 9">
             <a:extLst>
               <a:ext uri="{FF2B5EF4-FFF2-40B4-BE49-F238E27FC236}">
-                <a16:creationId xmlns:a16="http://schemas.microsoft.com/office/drawing/2014/main" xmlns="" id="{FC609F0B-2115-405B-8324-342A061AB0BF}"/>
+                <a16:creationId xmlns:a16="http://schemas.microsoft.com/office/drawing/2014/main" id="{FC609F0B-2115-405B-8324-342A061AB0BF}"/>
               </a:ext>
             </a:extLst>
           </p:cNvPr>
@@ -20872,7 +20775,7 @@
           <p:cNvPr id="11" name="TextBox 10">
             <a:extLst>
               <a:ext uri="{FF2B5EF4-FFF2-40B4-BE49-F238E27FC236}">
-                <a16:creationId xmlns:a16="http://schemas.microsoft.com/office/drawing/2014/main" xmlns="" id="{F27AAED5-21D0-4ADF-9BE8-460DB407CC40}"/>
+                <a16:creationId xmlns:a16="http://schemas.microsoft.com/office/drawing/2014/main" id="{F27AAED5-21D0-4ADF-9BE8-460DB407CC40}"/>
               </a:ext>
             </a:extLst>
           </p:cNvPr>
@@ -20897,31 +20800,31 @@
           <a:p>
             <a:pPr algn="ctr"/>
             <a:r>
-              <a:rPr lang="ko-KR" altLang="en-US" sz="1000" dirty="0" smtClean="0"/>
+              <a:rPr lang="ko-KR" altLang="en-US" sz="1000" dirty="0"/>
               <a:t>플레이어가</a:t>
             </a:r>
-            <a:endParaRPr lang="en-US" altLang="ko-KR" sz="1000" dirty="0" smtClean="0"/>
+            <a:endParaRPr lang="en-US" altLang="ko-KR" sz="1000" dirty="0"/>
           </a:p>
           <a:p>
             <a:pPr algn="ctr"/>
             <a:r>
-              <a:rPr lang="ko-KR" altLang="en-US" sz="1000" dirty="0" smtClean="0"/>
+              <a:rPr lang="ko-KR" altLang="en-US" sz="1000" dirty="0"/>
               <a:t>전투 </a:t>
             </a:r>
             <a:r>
-              <a:rPr lang="ko-KR" altLang="en-US" sz="1000" dirty="0" err="1" smtClean="0"/>
+              <a:rPr lang="ko-KR" altLang="en-US" sz="1000" dirty="0" err="1"/>
               <a:t>범위안에</a:t>
             </a:r>
-            <a:endParaRPr lang="en-US" altLang="ko-KR" sz="1000" dirty="0" smtClean="0"/>
+            <a:endParaRPr lang="en-US" altLang="ko-KR" sz="1000" dirty="0"/>
           </a:p>
           <a:p>
             <a:pPr algn="ctr"/>
             <a:r>
-              <a:rPr lang="ko-KR" altLang="en-US" sz="1000" dirty="0" smtClean="0"/>
+              <a:rPr lang="ko-KR" altLang="en-US" sz="1000" dirty="0"/>
               <a:t>있는가</a:t>
             </a:r>
             <a:r>
-              <a:rPr lang="en-US" altLang="ko-KR" sz="1000" dirty="0" smtClean="0"/>
+              <a:rPr lang="en-US" altLang="ko-KR" sz="1000" dirty="0"/>
               <a:t>?</a:t>
             </a:r>
           </a:p>
@@ -20932,7 +20835,7 @@
           <p:cNvPr id="12" name="순서도: 판단 11">
             <a:extLst>
               <a:ext uri="{FF2B5EF4-FFF2-40B4-BE49-F238E27FC236}">
-                <a16:creationId xmlns:a16="http://schemas.microsoft.com/office/drawing/2014/main" xmlns="" id="{FC609F0B-2115-405B-8324-342A061AB0BF}"/>
+                <a16:creationId xmlns:a16="http://schemas.microsoft.com/office/drawing/2014/main" id="{FC609F0B-2115-405B-8324-342A061AB0BF}"/>
               </a:ext>
             </a:extLst>
           </p:cNvPr>
@@ -20990,7 +20893,7 @@
           <p:cNvPr id="13" name="TextBox 12">
             <a:extLst>
               <a:ext uri="{FF2B5EF4-FFF2-40B4-BE49-F238E27FC236}">
-                <a16:creationId xmlns:a16="http://schemas.microsoft.com/office/drawing/2014/main" xmlns="" id="{F27AAED5-21D0-4ADF-9BE8-460DB407CC40}"/>
+                <a16:creationId xmlns:a16="http://schemas.microsoft.com/office/drawing/2014/main" id="{F27AAED5-21D0-4ADF-9BE8-460DB407CC40}"/>
               </a:ext>
             </a:extLst>
           </p:cNvPr>
@@ -21015,30 +20918,29 @@
           <a:p>
             <a:pPr algn="ctr"/>
             <a:r>
-              <a:rPr lang="ko-KR" altLang="en-US" sz="1000" dirty="0" smtClean="0"/>
+              <a:rPr lang="ko-KR" altLang="en-US" sz="1000" dirty="0"/>
               <a:t>플레이어가</a:t>
             </a:r>
-            <a:endParaRPr lang="en-US" altLang="ko-KR" sz="1000" dirty="0" smtClean="0"/>
+            <a:endParaRPr lang="en-US" altLang="ko-KR" sz="1000" dirty="0"/>
           </a:p>
           <a:p>
             <a:pPr algn="ctr"/>
             <a:r>
-              <a:rPr lang="ko-KR" altLang="en-US" sz="1000" dirty="0" smtClean="0"/>
+              <a:rPr lang="ko-KR" altLang="en-US" sz="1000" dirty="0"/>
               <a:t>추격 범위 안에</a:t>
             </a:r>
-            <a:endParaRPr lang="en-US" altLang="ko-KR" sz="1000" dirty="0" smtClean="0"/>
+            <a:endParaRPr lang="en-US" altLang="ko-KR" sz="1000" dirty="0"/>
           </a:p>
           <a:p>
             <a:pPr algn="ctr"/>
             <a:r>
-              <a:rPr lang="ko-KR" altLang="en-US" sz="1000" dirty="0" smtClean="0"/>
+              <a:rPr lang="ko-KR" altLang="en-US" sz="1000" dirty="0"/>
               <a:t>있는가</a:t>
             </a:r>
             <a:r>
-              <a:rPr lang="en-US" altLang="ko-KR" sz="1000" dirty="0" smtClean="0"/>
+              <a:rPr lang="en-US" altLang="ko-KR" sz="1000" dirty="0"/>
               <a:t>?</a:t>
             </a:r>
-            <a:endParaRPr lang="en-US" altLang="ko-KR" sz="1000" dirty="0" smtClean="0"/>
           </a:p>
         </p:txBody>
       </p:sp>
@@ -21047,7 +20949,7 @@
           <p:cNvPr id="14" name="순서도: 판단 13">
             <a:extLst>
               <a:ext uri="{FF2B5EF4-FFF2-40B4-BE49-F238E27FC236}">
-                <a16:creationId xmlns:a16="http://schemas.microsoft.com/office/drawing/2014/main" xmlns="" id="{FC609F0B-2115-405B-8324-342A061AB0BF}"/>
+                <a16:creationId xmlns:a16="http://schemas.microsoft.com/office/drawing/2014/main" id="{FC609F0B-2115-405B-8324-342A061AB0BF}"/>
               </a:ext>
             </a:extLst>
           </p:cNvPr>
@@ -21105,7 +21007,7 @@
           <p:cNvPr id="15" name="TextBox 14">
             <a:extLst>
               <a:ext uri="{FF2B5EF4-FFF2-40B4-BE49-F238E27FC236}">
-                <a16:creationId xmlns:a16="http://schemas.microsoft.com/office/drawing/2014/main" xmlns="" id="{F27AAED5-21D0-4ADF-9BE8-460DB407CC40}"/>
+                <a16:creationId xmlns:a16="http://schemas.microsoft.com/office/drawing/2014/main" id="{F27AAED5-21D0-4ADF-9BE8-460DB407CC40}"/>
               </a:ext>
             </a:extLst>
           </p:cNvPr>
@@ -21130,34 +21032,29 @@
           <a:p>
             <a:pPr algn="ctr"/>
             <a:r>
-              <a:rPr lang="ko-KR" altLang="en-US" sz="1000" dirty="0" smtClean="0"/>
+              <a:rPr lang="ko-KR" altLang="en-US" sz="1000" dirty="0"/>
               <a:t>플레이어가</a:t>
             </a:r>
-            <a:endParaRPr lang="en-US" altLang="ko-KR" sz="1000" dirty="0" smtClean="0"/>
+            <a:endParaRPr lang="en-US" altLang="ko-KR" sz="1000" dirty="0"/>
           </a:p>
           <a:p>
             <a:pPr algn="ctr"/>
             <a:r>
-              <a:rPr lang="ko-KR" altLang="en-US" sz="1000" dirty="0" smtClean="0"/>
-              <a:t>인지</a:t>
-            </a:r>
-            <a:r>
-              <a:rPr lang="ko-KR" altLang="en-US" sz="1000" dirty="0" smtClean="0"/>
-              <a:t> 범위 안에</a:t>
-            </a:r>
-            <a:endParaRPr lang="en-US" altLang="ko-KR" sz="1000" dirty="0" smtClean="0"/>
+              <a:rPr lang="ko-KR" altLang="en-US" sz="1000" dirty="0"/>
+              <a:t>인지 범위 안에</a:t>
+            </a:r>
+            <a:endParaRPr lang="en-US" altLang="ko-KR" sz="1000" dirty="0"/>
           </a:p>
           <a:p>
             <a:pPr algn="ctr"/>
             <a:r>
-              <a:rPr lang="ko-KR" altLang="en-US" sz="1000" dirty="0" smtClean="0"/>
+              <a:rPr lang="ko-KR" altLang="en-US" sz="1000" dirty="0"/>
               <a:t>있는가</a:t>
             </a:r>
             <a:r>
-              <a:rPr lang="en-US" altLang="ko-KR" sz="1000" dirty="0" smtClean="0"/>
+              <a:rPr lang="en-US" altLang="ko-KR" sz="1000" dirty="0"/>
               <a:t>?</a:t>
             </a:r>
-            <a:endParaRPr lang="en-US" altLang="ko-KR" sz="1000" dirty="0" smtClean="0"/>
           </a:p>
         </p:txBody>
       </p:sp>
@@ -21166,7 +21063,7 @@
           <p:cNvPr id="18" name="순서도: 판단 17">
             <a:extLst>
               <a:ext uri="{FF2B5EF4-FFF2-40B4-BE49-F238E27FC236}">
-                <a16:creationId xmlns:a16="http://schemas.microsoft.com/office/drawing/2014/main" xmlns="" id="{FC609F0B-2115-405B-8324-342A061AB0BF}"/>
+                <a16:creationId xmlns:a16="http://schemas.microsoft.com/office/drawing/2014/main" id="{FC609F0B-2115-405B-8324-342A061AB0BF}"/>
               </a:ext>
             </a:extLst>
           </p:cNvPr>
@@ -21224,7 +21121,7 @@
           <p:cNvPr id="19" name="TextBox 18">
             <a:extLst>
               <a:ext uri="{FF2B5EF4-FFF2-40B4-BE49-F238E27FC236}">
-                <a16:creationId xmlns:a16="http://schemas.microsoft.com/office/drawing/2014/main" xmlns="" id="{F27AAED5-21D0-4ADF-9BE8-460DB407CC40}"/>
+                <a16:creationId xmlns:a16="http://schemas.microsoft.com/office/drawing/2014/main" id="{F27AAED5-21D0-4ADF-9BE8-460DB407CC40}"/>
               </a:ext>
             </a:extLst>
           </p:cNvPr>
@@ -21249,27 +21146,27 @@
           <a:p>
             <a:pPr algn="ctr"/>
             <a:r>
-              <a:rPr lang="ko-KR" altLang="en-US" sz="1000" dirty="0" smtClean="0"/>
+              <a:rPr lang="ko-KR" altLang="en-US" sz="1000" dirty="0"/>
               <a:t>인지 범위에서</a:t>
             </a:r>
-            <a:endParaRPr lang="en-US" altLang="ko-KR" sz="1000" dirty="0" smtClean="0"/>
+            <a:endParaRPr lang="en-US" altLang="ko-KR" sz="1000" dirty="0"/>
           </a:p>
           <a:p>
             <a:pPr algn="ctr"/>
             <a:r>
-              <a:rPr lang="ko-KR" altLang="en-US" sz="1000" dirty="0" smtClean="0"/>
+              <a:rPr lang="ko-KR" altLang="en-US" sz="1000" dirty="0"/>
               <a:t>아이템을 사용</a:t>
             </a:r>
-            <a:endParaRPr lang="en-US" altLang="ko-KR" sz="1000" dirty="0" smtClean="0"/>
+            <a:endParaRPr lang="en-US" altLang="ko-KR" sz="1000" dirty="0"/>
           </a:p>
           <a:p>
             <a:pPr algn="ctr"/>
             <a:r>
-              <a:rPr lang="ko-KR" altLang="en-US" sz="1000" dirty="0" smtClean="0"/>
+              <a:rPr lang="ko-KR" altLang="en-US" sz="1000" dirty="0"/>
               <a:t>했는가</a:t>
             </a:r>
             <a:r>
-              <a:rPr lang="en-US" altLang="ko-KR" sz="1000" dirty="0" smtClean="0"/>
+              <a:rPr lang="en-US" altLang="ko-KR" sz="1000" dirty="0"/>
               <a:t>?</a:t>
             </a:r>
           </a:p>
@@ -21280,7 +21177,7 @@
           <p:cNvPr id="20" name="순서도: 판단 19">
             <a:extLst>
               <a:ext uri="{FF2B5EF4-FFF2-40B4-BE49-F238E27FC236}">
-                <a16:creationId xmlns:a16="http://schemas.microsoft.com/office/drawing/2014/main" xmlns="" id="{FC609F0B-2115-405B-8324-342A061AB0BF}"/>
+                <a16:creationId xmlns:a16="http://schemas.microsoft.com/office/drawing/2014/main" id="{FC609F0B-2115-405B-8324-342A061AB0BF}"/>
               </a:ext>
             </a:extLst>
           </p:cNvPr>
@@ -21338,7 +21235,7 @@
           <p:cNvPr id="21" name="TextBox 20">
             <a:extLst>
               <a:ext uri="{FF2B5EF4-FFF2-40B4-BE49-F238E27FC236}">
-                <a16:creationId xmlns:a16="http://schemas.microsoft.com/office/drawing/2014/main" xmlns="" id="{F27AAED5-21D0-4ADF-9BE8-460DB407CC40}"/>
+                <a16:creationId xmlns:a16="http://schemas.microsoft.com/office/drawing/2014/main" id="{F27AAED5-21D0-4ADF-9BE8-460DB407CC40}"/>
               </a:ext>
             </a:extLst>
           </p:cNvPr>
@@ -21363,27 +21260,27 @@
           <a:p>
             <a:pPr algn="ctr"/>
             <a:r>
-              <a:rPr lang="ko-KR" altLang="en-US" sz="1000" dirty="0" smtClean="0"/>
+              <a:rPr lang="ko-KR" altLang="en-US" sz="1000" dirty="0"/>
               <a:t>인지 범위에서</a:t>
             </a:r>
-            <a:endParaRPr lang="en-US" altLang="ko-KR" sz="1000" dirty="0" smtClean="0"/>
+            <a:endParaRPr lang="en-US" altLang="ko-KR" sz="1000" dirty="0"/>
           </a:p>
           <a:p>
             <a:pPr algn="ctr"/>
             <a:r>
-              <a:rPr lang="ko-KR" altLang="en-US" sz="1000" dirty="0" smtClean="0"/>
+              <a:rPr lang="ko-KR" altLang="en-US" sz="1000" dirty="0"/>
               <a:t>정령을 사용</a:t>
             </a:r>
-            <a:endParaRPr lang="en-US" altLang="ko-KR" sz="1000" dirty="0" smtClean="0"/>
+            <a:endParaRPr lang="en-US" altLang="ko-KR" sz="1000" dirty="0"/>
           </a:p>
           <a:p>
             <a:pPr algn="ctr"/>
             <a:r>
-              <a:rPr lang="ko-KR" altLang="en-US" sz="1000" dirty="0" smtClean="0"/>
+              <a:rPr lang="ko-KR" altLang="en-US" sz="1000" dirty="0"/>
               <a:t>했는가</a:t>
             </a:r>
             <a:r>
-              <a:rPr lang="en-US" altLang="ko-KR" sz="1000" dirty="0" smtClean="0"/>
+              <a:rPr lang="en-US" altLang="ko-KR" sz="1000" dirty="0"/>
               <a:t>?</a:t>
             </a:r>
           </a:p>
@@ -21394,7 +21291,7 @@
           <p:cNvPr id="22" name="타원 21">
             <a:extLst>
               <a:ext uri="{FF2B5EF4-FFF2-40B4-BE49-F238E27FC236}">
-                <a16:creationId xmlns:a16="http://schemas.microsoft.com/office/drawing/2014/main" xmlns="" id="{D07271FD-A020-49D2-8CEF-5AD36D770F03}"/>
+                <a16:creationId xmlns:a16="http://schemas.microsoft.com/office/drawing/2014/main" id="{D07271FD-A020-49D2-8CEF-5AD36D770F03}"/>
               </a:ext>
             </a:extLst>
           </p:cNvPr>
@@ -21452,7 +21349,7 @@
           <p:cNvPr id="23" name="TextBox 22">
             <a:extLst>
               <a:ext uri="{FF2B5EF4-FFF2-40B4-BE49-F238E27FC236}">
-                <a16:creationId xmlns:a16="http://schemas.microsoft.com/office/drawing/2014/main" xmlns="" id="{F27AAED5-21D0-4ADF-9BE8-460DB407CC40}"/>
+                <a16:creationId xmlns:a16="http://schemas.microsoft.com/office/drawing/2014/main" id="{F27AAED5-21D0-4ADF-9BE8-460DB407CC40}"/>
               </a:ext>
             </a:extLst>
           </p:cNvPr>
@@ -21477,10 +21374,9 @@
           <a:p>
             <a:pPr algn="ctr"/>
             <a:r>
-              <a:rPr lang="ko-KR" altLang="en-US" sz="1400" dirty="0" smtClean="0"/>
+              <a:rPr lang="ko-KR" altLang="en-US" sz="1400" dirty="0"/>
               <a:t>턴 체크</a:t>
             </a:r>
-            <a:endParaRPr lang="ko-KR" altLang="en-US" sz="1400" dirty="0"/>
           </a:p>
         </p:txBody>
       </p:sp>
@@ -21489,7 +21385,7 @@
           <p:cNvPr id="24" name="타원 23">
             <a:extLst>
               <a:ext uri="{FF2B5EF4-FFF2-40B4-BE49-F238E27FC236}">
-                <a16:creationId xmlns:a16="http://schemas.microsoft.com/office/drawing/2014/main" xmlns="" id="{D07271FD-A020-49D2-8CEF-5AD36D770F03}"/>
+                <a16:creationId xmlns:a16="http://schemas.microsoft.com/office/drawing/2014/main" id="{D07271FD-A020-49D2-8CEF-5AD36D770F03}"/>
               </a:ext>
             </a:extLst>
           </p:cNvPr>
@@ -21547,7 +21443,7 @@
           <p:cNvPr id="25" name="TextBox 24">
             <a:extLst>
               <a:ext uri="{FF2B5EF4-FFF2-40B4-BE49-F238E27FC236}">
-                <a16:creationId xmlns:a16="http://schemas.microsoft.com/office/drawing/2014/main" xmlns="" id="{F27AAED5-21D0-4ADF-9BE8-460DB407CC40}"/>
+                <a16:creationId xmlns:a16="http://schemas.microsoft.com/office/drawing/2014/main" id="{F27AAED5-21D0-4ADF-9BE8-460DB407CC40}"/>
               </a:ext>
             </a:extLst>
           </p:cNvPr>
@@ -21572,10 +21468,9 @@
           <a:p>
             <a:pPr algn="ctr"/>
             <a:r>
-              <a:rPr lang="ko-KR" altLang="en-US" sz="1400" dirty="0" smtClean="0"/>
+              <a:rPr lang="ko-KR" altLang="en-US" sz="1400" dirty="0"/>
               <a:t>전투</a:t>
             </a:r>
-            <a:endParaRPr lang="ko-KR" altLang="en-US" sz="1400" dirty="0"/>
           </a:p>
         </p:txBody>
       </p:sp>
@@ -21584,7 +21479,7 @@
           <p:cNvPr id="26" name="타원 25">
             <a:extLst>
               <a:ext uri="{FF2B5EF4-FFF2-40B4-BE49-F238E27FC236}">
-                <a16:creationId xmlns:a16="http://schemas.microsoft.com/office/drawing/2014/main" xmlns="" id="{D07271FD-A020-49D2-8CEF-5AD36D770F03}"/>
+                <a16:creationId xmlns:a16="http://schemas.microsoft.com/office/drawing/2014/main" id="{D07271FD-A020-49D2-8CEF-5AD36D770F03}"/>
               </a:ext>
             </a:extLst>
           </p:cNvPr>
@@ -21642,7 +21537,7 @@
           <p:cNvPr id="27" name="TextBox 26">
             <a:extLst>
               <a:ext uri="{FF2B5EF4-FFF2-40B4-BE49-F238E27FC236}">
-                <a16:creationId xmlns:a16="http://schemas.microsoft.com/office/drawing/2014/main" xmlns="" id="{F27AAED5-21D0-4ADF-9BE8-460DB407CC40}"/>
+                <a16:creationId xmlns:a16="http://schemas.microsoft.com/office/drawing/2014/main" id="{F27AAED5-21D0-4ADF-9BE8-460DB407CC40}"/>
               </a:ext>
             </a:extLst>
           </p:cNvPr>
@@ -21667,10 +21562,9 @@
           <a:p>
             <a:pPr algn="ctr"/>
             <a:r>
-              <a:rPr lang="ko-KR" altLang="en-US" sz="1400" dirty="0" smtClean="0"/>
+              <a:rPr lang="ko-KR" altLang="en-US" sz="1400" dirty="0"/>
               <a:t>추격</a:t>
             </a:r>
-            <a:endParaRPr lang="ko-KR" altLang="en-US" sz="1400" dirty="0"/>
           </a:p>
         </p:txBody>
       </p:sp>
@@ -22225,7 +22119,7 @@
           <p:cNvPr id="58" name="타원 57">
             <a:extLst>
               <a:ext uri="{FF2B5EF4-FFF2-40B4-BE49-F238E27FC236}">
-                <a16:creationId xmlns:a16="http://schemas.microsoft.com/office/drawing/2014/main" xmlns="" id="{E823F898-3057-4BBE-8138-A2A83C8311FA}"/>
+                <a16:creationId xmlns:a16="http://schemas.microsoft.com/office/drawing/2014/main" id="{E823F898-3057-4BBE-8138-A2A83C8311FA}"/>
               </a:ext>
             </a:extLst>
           </p:cNvPr>
@@ -22291,7 +22185,7 @@
           <p:cNvPr id="59" name="타원 58">
             <a:extLst>
               <a:ext uri="{FF2B5EF4-FFF2-40B4-BE49-F238E27FC236}">
-                <a16:creationId xmlns:a16="http://schemas.microsoft.com/office/drawing/2014/main" xmlns="" id="{E823F898-3057-4BBE-8138-A2A83C8311FA}"/>
+                <a16:creationId xmlns:a16="http://schemas.microsoft.com/office/drawing/2014/main" id="{E823F898-3057-4BBE-8138-A2A83C8311FA}"/>
               </a:ext>
             </a:extLst>
           </p:cNvPr>
@@ -22337,7 +22231,7 @@
           <a:p>
             <a:pPr algn="ctr"/>
             <a:r>
-              <a:rPr lang="en-US" altLang="ko-KR" sz="1400" dirty="0" smtClean="0">
+              <a:rPr lang="en-US" altLang="ko-KR" sz="1400" dirty="0">
                 <a:solidFill>
                   <a:schemeClr val="tx1"/>
                 </a:solidFill>
@@ -22357,7 +22251,7 @@
           <p:cNvPr id="60" name="타원 59">
             <a:extLst>
               <a:ext uri="{FF2B5EF4-FFF2-40B4-BE49-F238E27FC236}">
-                <a16:creationId xmlns:a16="http://schemas.microsoft.com/office/drawing/2014/main" xmlns="" id="{E823F898-3057-4BBE-8138-A2A83C8311FA}"/>
+                <a16:creationId xmlns:a16="http://schemas.microsoft.com/office/drawing/2014/main" id="{E823F898-3057-4BBE-8138-A2A83C8311FA}"/>
               </a:ext>
             </a:extLst>
           </p:cNvPr>
@@ -22403,7 +22297,7 @@
           <a:p>
             <a:pPr algn="ctr"/>
             <a:r>
-              <a:rPr lang="en-US" altLang="ko-KR" sz="1400" dirty="0" smtClean="0">
+              <a:rPr lang="en-US" altLang="ko-KR" sz="1400" dirty="0">
                 <a:solidFill>
                   <a:schemeClr val="tx1"/>
                 </a:solidFill>
@@ -22428,13 +22322,6 @@
   <p:clrMapOvr>
     <a:masterClrMapping/>
   </p:clrMapOvr>
-  <p:timing>
-    <p:tnLst>
-      <p:par>
-        <p:cTn id="1" dur="indefinite" restart="never" nodeType="tmRoot"/>
-      </p:par>
-    </p:tnLst>
-  </p:timing>
 </p:sld>
 </file>
 
@@ -22460,7 +22347,7 @@
           <p:cNvPr id="2" name="제목 1">
             <a:extLst>
               <a:ext uri="{FF2B5EF4-FFF2-40B4-BE49-F238E27FC236}">
-                <a16:creationId xmlns:a16="http://schemas.microsoft.com/office/drawing/2014/main" xmlns="" id="{B0D0D6BF-BDD9-48B2-B072-093BAED78505}"/>
+                <a16:creationId xmlns:a16="http://schemas.microsoft.com/office/drawing/2014/main" id="{B0D0D6BF-BDD9-48B2-B072-093BAED78505}"/>
               </a:ext>
             </a:extLst>
           </p:cNvPr>
@@ -22477,10 +22364,9 @@
           <a:lstStyle/>
           <a:p>
             <a:r>
-              <a:rPr lang="ko-KR" altLang="en-US" dirty="0" smtClean="0"/>
+              <a:rPr lang="ko-KR" altLang="en-US" dirty="0"/>
               <a:t>대기 설명</a:t>
             </a:r>
-            <a:endParaRPr lang="ko-KR" altLang="en-US" dirty="0"/>
           </a:p>
         </p:txBody>
       </p:sp>
@@ -22489,7 +22375,7 @@
           <p:cNvPr id="3" name="내용 개체 틀 2">
             <a:extLst>
               <a:ext uri="{FF2B5EF4-FFF2-40B4-BE49-F238E27FC236}">
-                <a16:creationId xmlns:a16="http://schemas.microsoft.com/office/drawing/2014/main" xmlns="" id="{BED93B48-AA0D-45A5-BC61-836BE857E3A6}"/>
+                <a16:creationId xmlns:a16="http://schemas.microsoft.com/office/drawing/2014/main" id="{BED93B48-AA0D-45A5-BC61-836BE857E3A6}"/>
               </a:ext>
             </a:extLst>
           </p:cNvPr>
@@ -22549,7 +22435,7 @@
           <p:cNvPr id="40" name="표 28">
             <a:extLst>
               <a:ext uri="{FF2B5EF4-FFF2-40B4-BE49-F238E27FC236}">
-                <a16:creationId xmlns:a16="http://schemas.microsoft.com/office/drawing/2014/main" xmlns="" id="{881D1448-CB3C-4A8F-98E9-71C9A7C8F01B}"/>
+                <a16:creationId xmlns:a16="http://schemas.microsoft.com/office/drawing/2014/main" id="{881D1448-CB3C-4A8F-98E9-71C9A7C8F01B}"/>
               </a:ext>
             </a:extLst>
           </p:cNvPr>
@@ -22559,14 +22445,14 @@
           <p:nvPr>
             <p:extLst>
               <p:ext uri="{D42A27DB-BD31-4B8C-83A1-F6EECF244321}">
-                <p14:modId xmlns:p14="http://schemas.microsoft.com/office/powerpoint/2010/main" val="2691432779"/>
+                <p14:modId xmlns:p14="http://schemas.microsoft.com/office/powerpoint/2010/main" val="1776433109"/>
               </p:ext>
             </p:extLst>
           </p:nvPr>
         </p:nvGraphicFramePr>
         <p:xfrm>
           <a:off x="688374" y="2125846"/>
-          <a:ext cx="11010140" cy="2270760"/>
+          <a:ext cx="11010140" cy="2161732"/>
         </p:xfrm>
         <a:graphic>
           <a:graphicData uri="http://schemas.openxmlformats.org/drawingml/2006/table">
@@ -22578,26 +22464,38 @@
                 <a:gridCol w="678699">
                   <a:extLst>
                     <a:ext uri="{9D8B030D-6E8A-4147-A177-3AD203B41FA5}">
-                      <a16:colId xmlns:a16="http://schemas.microsoft.com/office/drawing/2014/main" xmlns="" val="2823673714"/>
+                      <a16:colId xmlns:a16="http://schemas.microsoft.com/office/drawing/2014/main" val="2823673714"/>
                     </a:ext>
                   </a:extLst>
                 </a:gridCol>
                 <a:gridCol w="1013988">
                   <a:extLst>
                     <a:ext uri="{9D8B030D-6E8A-4147-A177-3AD203B41FA5}">
-                      <a16:colId xmlns:a16="http://schemas.microsoft.com/office/drawing/2014/main" xmlns="" val="3657127649"/>
+                      <a16:colId xmlns:a16="http://schemas.microsoft.com/office/drawing/2014/main" val="3657127649"/>
                     </a:ext>
                   </a:extLst>
                 </a:gridCol>
                 <a:gridCol w="729363">
                   <a:extLst>
                     <a:ext uri="{9D8B030D-6E8A-4147-A177-3AD203B41FA5}">
-                      <a16:colId xmlns:a16="http://schemas.microsoft.com/office/drawing/2014/main" xmlns="" val="2018470204"/>
+                      <a16:colId xmlns:a16="http://schemas.microsoft.com/office/drawing/2014/main" val="2018470204"/>
                     </a:ext>
                   </a:extLst>
                 </a:gridCol>
-                <a:gridCol w="1045117"/>
-                <a:gridCol w="7542973"/>
+                <a:gridCol w="1045117">
+                  <a:extLst>
+                    <a:ext uri="{9D8B030D-6E8A-4147-A177-3AD203B41FA5}">
+                      <a16:colId xmlns:a16="http://schemas.microsoft.com/office/drawing/2014/main" val="20003"/>
+                    </a:ext>
+                  </a:extLst>
+                </a:gridCol>
+                <a:gridCol w="7542973">
+                  <a:extLst>
+                    <a:ext uri="{9D8B030D-6E8A-4147-A177-3AD203B41FA5}">
+                      <a16:colId xmlns:a16="http://schemas.microsoft.com/office/drawing/2014/main" val="20004"/>
+                    </a:ext>
+                  </a:extLst>
+                </a:gridCol>
               </a:tblGrid>
               <a:tr h="370840">
                 <a:tc>
@@ -22629,10 +22527,9 @@
                         </a:lnSpc>
                       </a:pPr>
                       <a:r>
-                        <a:rPr lang="ko-KR" altLang="en-US" sz="1600" dirty="0" smtClean="0"/>
+                        <a:rPr lang="ko-KR" altLang="en-US" sz="1600" dirty="0"/>
                         <a:t>데이터</a:t>
                       </a:r>
-                      <a:endParaRPr lang="ko-KR" altLang="en-US" sz="1600" dirty="0"/>
                     </a:p>
                   </a:txBody>
                   <a:tcPr anchor="ctr"/>
@@ -22648,10 +22545,9 @@
                         </a:lnSpc>
                       </a:pPr>
                       <a:r>
-                        <a:rPr lang="ko-KR" altLang="en-US" sz="1600" dirty="0" smtClean="0"/>
+                        <a:rPr lang="ko-KR" altLang="en-US" sz="1600" dirty="0"/>
                         <a:t>값</a:t>
                       </a:r>
-                      <a:endParaRPr lang="ko-KR" altLang="en-US" sz="1600" dirty="0"/>
                     </a:p>
                   </a:txBody>
                   <a:tcPr anchor="ctr"/>
@@ -22667,10 +22563,9 @@
                         </a:lnSpc>
                       </a:pPr>
                       <a:r>
-                        <a:rPr lang="ko-KR" altLang="en-US" sz="1600" dirty="0" smtClean="0"/>
+                        <a:rPr lang="ko-KR" altLang="en-US" sz="1600" dirty="0"/>
                         <a:t>명칭</a:t>
                       </a:r>
-                      <a:endParaRPr lang="ko-KR" altLang="en-US" sz="1600" dirty="0"/>
                     </a:p>
                   </a:txBody>
                   <a:tcPr anchor="ctr"/>
@@ -22686,17 +22581,16 @@
                         </a:lnSpc>
                       </a:pPr>
                       <a:r>
-                        <a:rPr lang="ko-KR" altLang="en-US" sz="1600" dirty="0" smtClean="0"/>
+                        <a:rPr lang="ko-KR" altLang="en-US" sz="1600" dirty="0"/>
                         <a:t>기능</a:t>
                       </a:r>
-                      <a:endParaRPr lang="ko-KR" altLang="en-US" sz="1600" dirty="0"/>
                     </a:p>
                   </a:txBody>
                   <a:tcPr anchor="ctr"/>
                 </a:tc>
                 <a:extLst>
                   <a:ext uri="{0D108BD9-81ED-4DB2-BD59-A6C34878D82A}">
-                    <a16:rowId xmlns:a16="http://schemas.microsoft.com/office/drawing/2014/main" xmlns="" val="3186733371"/>
+                    <a16:rowId xmlns:a16="http://schemas.microsoft.com/office/drawing/2014/main" val="3186733371"/>
                   </a:ext>
                 </a:extLst>
               </a:tr>
@@ -22712,7 +22606,7 @@
                         </a:lnSpc>
                       </a:pPr>
                       <a:r>
-                        <a:rPr lang="en-US" altLang="ko-KR" sz="1400" dirty="0" smtClean="0"/>
+                        <a:rPr lang="en-US" altLang="ko-KR" sz="1400" dirty="0"/>
                         <a:t>1</a:t>
                       </a:r>
                       <a:endParaRPr lang="ko-KR" altLang="en-US" sz="1400" dirty="0"/>
@@ -22731,8 +22625,26 @@
                         </a:lnSpc>
                       </a:pPr>
                       <a:r>
-                        <a:rPr lang="ko-KR" altLang="en-US" sz="1400" dirty="0" smtClean="0"/>
+                        <a:rPr lang="ko-KR" altLang="en-US" sz="1400" dirty="0"/>
                         <a:t>전투 범위</a:t>
+                      </a:r>
+                    </a:p>
+                  </a:txBody>
+                  <a:tcPr anchor="ctr"/>
+                </a:tc>
+                <a:tc>
+                  <a:txBody>
+                    <a:bodyPr/>
+                    <a:lstStyle/>
+                    <a:p>
+                      <a:pPr algn="ctr" latinLnBrk="1">
+                        <a:lnSpc>
+                          <a:spcPct val="125000"/>
+                        </a:lnSpc>
+                      </a:pPr>
+                      <a:r>
+                        <a:rPr lang="en-US" altLang="ko-KR" sz="1400" dirty="0"/>
+                        <a:t>float</a:t>
                       </a:r>
                       <a:endParaRPr lang="ko-KR" altLang="en-US" sz="1400" dirty="0"/>
                     </a:p>
@@ -22750,8 +22662,84 @@
                         </a:lnSpc>
                       </a:pPr>
                       <a:r>
-                        <a:rPr lang="en-US" altLang="ko-KR" sz="1400" dirty="0" err="1" smtClean="0"/>
-                        <a:t>int</a:t>
+                        <a:rPr lang="en-US" altLang="ko-KR" sz="1400" dirty="0" err="1"/>
+                        <a:t>SRange</a:t>
+                      </a:r>
+                      <a:endParaRPr lang="ko-KR" altLang="en-US" sz="1400" dirty="0"/>
+                    </a:p>
+                  </a:txBody>
+                  <a:tcPr anchor="ctr"/>
+                </a:tc>
+                <a:tc>
+                  <a:txBody>
+                    <a:bodyPr/>
+                    <a:lstStyle/>
+                    <a:p>
+                      <a:pPr algn="l" latinLnBrk="1">
+                        <a:lnSpc>
+                          <a:spcPct val="125000"/>
+                        </a:lnSpc>
+                      </a:pPr>
+                      <a:r>
+                        <a:rPr lang="ko-KR" altLang="en-US" sz="1400" dirty="0"/>
+                        <a:t>보스</a:t>
+                      </a:r>
+                      <a:r>
+                        <a:rPr lang="ko-KR" altLang="en-US" sz="1400" baseline="0" dirty="0"/>
+                        <a:t> </a:t>
+                      </a:r>
+                      <a:r>
+                        <a:rPr lang="ko-KR" altLang="en-US" sz="1400" baseline="0" dirty="0" err="1"/>
+                        <a:t>몬스터</a:t>
+                      </a:r>
+                      <a:r>
+                        <a:rPr lang="ko-KR" altLang="en-US" sz="1400" baseline="0" dirty="0"/>
+                        <a:t> 데이터 테이블에서 정해져 있는 전투 범위로 타일 단위로 범위가 정해진다</a:t>
+                      </a:r>
+                      <a:endParaRPr lang="en-US" altLang="ko-KR" sz="1400" baseline="0" dirty="0"/>
+                    </a:p>
+                    <a:p>
+                      <a:pPr algn="l" latinLnBrk="1">
+                        <a:lnSpc>
+                          <a:spcPct val="125000"/>
+                        </a:lnSpc>
+                      </a:pPr>
+                      <a:r>
+                        <a:rPr lang="ko-KR" altLang="en-US" sz="1400" dirty="0"/>
+                        <a:t>전투 범위에 들어오는 모든 플레이어는 </a:t>
+                      </a:r>
+                      <a:r>
+                        <a:rPr lang="ko-KR" altLang="en-US" sz="1400" dirty="0" err="1"/>
+                        <a:t>어그로</a:t>
+                      </a:r>
+                      <a:r>
+                        <a:rPr lang="ko-KR" altLang="en-US" sz="1400" dirty="0"/>
+                        <a:t> 수치를 급격하게 올리고 전투로 전환</a:t>
+                      </a:r>
+                    </a:p>
+                  </a:txBody>
+                  <a:tcPr anchor="ctr"/>
+                </a:tc>
+                <a:extLst>
+                  <a:ext uri="{0D108BD9-81ED-4DB2-BD59-A6C34878D82A}">
+                    <a16:rowId xmlns:a16="http://schemas.microsoft.com/office/drawing/2014/main" val="3769079932"/>
+                  </a:ext>
+                </a:extLst>
+              </a:tr>
+              <a:tr h="370840">
+                <a:tc>
+                  <a:txBody>
+                    <a:bodyPr/>
+                    <a:lstStyle/>
+                    <a:p>
+                      <a:pPr algn="ctr" latinLnBrk="1">
+                        <a:lnSpc>
+                          <a:spcPct val="125000"/>
+                        </a:lnSpc>
+                      </a:pPr>
+                      <a:r>
+                        <a:rPr lang="en-US" altLang="ko-KR" sz="1400" dirty="0"/>
+                        <a:t>2</a:t>
                       </a:r>
                       <a:endParaRPr lang="ko-KR" altLang="en-US" sz="1400" dirty="0"/>
                     </a:p>
@@ -22769,8 +22757,57 @@
                         </a:lnSpc>
                       </a:pPr>
                       <a:r>
-                        <a:rPr lang="en-US" altLang="ko-KR" sz="1400" dirty="0" err="1" smtClean="0"/>
-                        <a:t>SRange</a:t>
+                        <a:rPr lang="ko-KR" altLang="en-US" sz="1400" dirty="0"/>
+                        <a:t>추격 범위</a:t>
+                      </a:r>
+                    </a:p>
+                  </a:txBody>
+                  <a:tcPr anchor="ctr"/>
+                </a:tc>
+                <a:tc>
+                  <a:txBody>
+                    <a:bodyPr/>
+                    <a:lstStyle/>
+                    <a:p>
+                      <a:pPr marL="0" marR="0" lvl="0" indent="0" algn="ctr" defTabSz="914400" rtl="0" eaLnBrk="1" fontAlgn="auto" latinLnBrk="1" hangingPunct="1">
+                        <a:lnSpc>
+                          <a:spcPct val="125000"/>
+                        </a:lnSpc>
+                        <a:spcBef>
+                          <a:spcPts val="0"/>
+                        </a:spcBef>
+                        <a:spcAft>
+                          <a:spcPts val="0"/>
+                        </a:spcAft>
+                        <a:buClrTx/>
+                        <a:buSzTx/>
+                        <a:buFontTx/>
+                        <a:buNone/>
+                        <a:tabLst/>
+                        <a:defRPr/>
+                      </a:pPr>
+                      <a:r>
+                        <a:rPr lang="en-US" altLang="ko-KR" sz="1400" dirty="0"/>
+                        <a:t>float</a:t>
+                      </a:r>
+                      <a:endParaRPr lang="ko-KR" altLang="en-US" sz="1400" dirty="0"/>
+                    </a:p>
+                  </a:txBody>
+                  <a:tcPr anchor="ctr"/>
+                </a:tc>
+                <a:tc>
+                  <a:txBody>
+                    <a:bodyPr/>
+                    <a:lstStyle/>
+                    <a:p>
+                      <a:pPr algn="ctr" latinLnBrk="1">
+                        <a:lnSpc>
+                          <a:spcPct val="125000"/>
+                        </a:lnSpc>
+                      </a:pPr>
+                      <a:r>
+                        <a:rPr lang="en-US" altLang="ko-KR" sz="1400" dirty="0" err="1"/>
+                        <a:t>CRange</a:t>
                       </a:r>
                       <a:endParaRPr lang="ko-KR" altLang="en-US" sz="1400" dirty="0"/>
                     </a:p>
@@ -22788,22 +22825,21 @@
                         </a:lnSpc>
                       </a:pPr>
                       <a:r>
-                        <a:rPr lang="ko-KR" altLang="en-US" sz="1400" dirty="0" smtClean="0"/>
-                        <a:t>보스</a:t>
-                      </a:r>
-                      <a:r>
-                        <a:rPr lang="ko-KR" altLang="en-US" sz="1400" baseline="0" dirty="0" smtClean="0"/>
-                        <a:t> </a:t>
-                      </a:r>
-                      <a:r>
-                        <a:rPr lang="ko-KR" altLang="en-US" sz="1400" baseline="0" dirty="0" err="1" smtClean="0"/>
+                        <a:rPr lang="ko-KR" altLang="en-US" sz="1400" dirty="0"/>
+                        <a:t>보스 </a:t>
+                      </a:r>
+                      <a:r>
+                        <a:rPr lang="ko-KR" altLang="en-US" sz="1400" dirty="0" err="1"/>
                         <a:t>몬스터</a:t>
                       </a:r>
                       <a:r>
-                        <a:rPr lang="ko-KR" altLang="en-US" sz="1400" baseline="0" dirty="0" smtClean="0"/>
-                        <a:t> 데이터 테이블에서 정해져 있는 전투 범위로 타일 단위로 범위가 정해진다</a:t>
-                      </a:r>
-                      <a:endParaRPr lang="en-US" altLang="ko-KR" sz="1400" baseline="0" dirty="0" smtClean="0"/>
+                        <a:rPr lang="ko-KR" altLang="en-US" sz="1400" dirty="0"/>
+                        <a:t> 데이터 테이블에서 정해져 있는 추격 범위로 타일 단위로 범위가 정해진다</a:t>
+                      </a:r>
+                      <a:r>
+                        <a:rPr lang="en-US" altLang="ko-KR" sz="1400" dirty="0"/>
+                        <a:t>.</a:t>
+                      </a:r>
                     </a:p>
                     <a:p>
                       <a:pPr algn="l" latinLnBrk="1">
@@ -22812,16 +22848,12 @@
                         </a:lnSpc>
                       </a:pPr>
                       <a:r>
-                        <a:rPr lang="ko-KR" altLang="en-US" sz="1400" dirty="0" smtClean="0"/>
-                        <a:t>전투 범위에 들어오는 모든 플레이어는 </a:t>
-                      </a:r>
-                      <a:r>
-                        <a:rPr lang="ko-KR" altLang="en-US" sz="1400" dirty="0" err="1" smtClean="0"/>
-                        <a:t>어그로</a:t>
-                      </a:r>
-                      <a:r>
-                        <a:rPr lang="ko-KR" altLang="en-US" sz="1400" dirty="0" smtClean="0"/>
-                        <a:t> 수치를 급격하게 올리고 전투로 전환</a:t>
+                        <a:rPr lang="ko-KR" altLang="en-US" sz="1400" dirty="0"/>
+                        <a:t>추격 범위에 들어오는 플레이어에 즉시 추격으로 넘긴다</a:t>
+                      </a:r>
+                      <a:r>
+                        <a:rPr lang="en-US" altLang="ko-KR" sz="1400" dirty="0"/>
+                        <a:t>.</a:t>
                       </a:r>
                       <a:endParaRPr lang="ko-KR" altLang="en-US" sz="1400" dirty="0"/>
                     </a:p>
@@ -22830,7 +22862,7 @@
                 </a:tc>
                 <a:extLst>
                   <a:ext uri="{0D108BD9-81ED-4DB2-BD59-A6C34878D82A}">
-                    <a16:rowId xmlns:a16="http://schemas.microsoft.com/office/drawing/2014/main" xmlns="" val="3769079932"/>
+                    <a16:rowId xmlns:a16="http://schemas.microsoft.com/office/drawing/2014/main" val="858373754"/>
                   </a:ext>
                 </a:extLst>
               </a:tr>
@@ -22846,8 +22878,8 @@
                         </a:lnSpc>
                       </a:pPr>
                       <a:r>
-                        <a:rPr lang="en-US" altLang="ko-KR" sz="1400" dirty="0" smtClean="0"/>
-                        <a:t>2</a:t>
+                        <a:rPr lang="en-US" altLang="ko-KR" sz="1400" dirty="0"/>
+                        <a:t>3</a:t>
                       </a:r>
                       <a:endParaRPr lang="ko-KR" altLang="en-US" sz="1400" dirty="0"/>
                     </a:p>
@@ -22865,8 +22897,38 @@
                         </a:lnSpc>
                       </a:pPr>
                       <a:r>
-                        <a:rPr lang="ko-KR" altLang="en-US" sz="1400" dirty="0" smtClean="0"/>
-                        <a:t>추격 범위</a:t>
+                        <a:rPr lang="ko-KR" altLang="en-US" sz="1400" dirty="0"/>
+                        <a:t>인지 범위</a:t>
+                      </a:r>
+                    </a:p>
+                  </a:txBody>
+                  <a:tcPr anchor="ctr"/>
+                </a:tc>
+                <a:tc>
+                  <a:txBody>
+                    <a:bodyPr/>
+                    <a:lstStyle/>
+                    <a:p>
+                      <a:pPr marL="0" marR="0" lvl="0" indent="0" algn="ctr" defTabSz="914400" rtl="0" eaLnBrk="1" fontAlgn="auto" latinLnBrk="1" hangingPunct="1">
+                        <a:lnSpc>
+                          <a:spcPct val="125000"/>
+                        </a:lnSpc>
+                        <a:spcBef>
+                          <a:spcPts val="0"/>
+                        </a:spcBef>
+                        <a:spcAft>
+                          <a:spcPts val="0"/>
+                        </a:spcAft>
+                        <a:buClrTx/>
+                        <a:buSzTx/>
+                        <a:buFontTx/>
+                        <a:buNone/>
+                        <a:tabLst/>
+                        <a:defRPr/>
+                      </a:pPr>
+                      <a:r>
+                        <a:rPr lang="en-US" altLang="ko-KR" sz="1400" dirty="0"/>
+                        <a:t>float</a:t>
                       </a:r>
                       <a:endParaRPr lang="ko-KR" altLang="en-US" sz="1400" dirty="0"/>
                     </a:p>
@@ -22884,159 +22946,7 @@
                         </a:lnSpc>
                       </a:pPr>
                       <a:r>
-                        <a:rPr lang="en-US" altLang="ko-KR" sz="1400" dirty="0" err="1" smtClean="0"/>
-                        <a:t>int</a:t>
-                      </a:r>
-                      <a:r>
-                        <a:rPr lang="en-US" altLang="ko-KR" sz="1400" dirty="0" smtClean="0"/>
-                        <a:t> </a:t>
-                      </a:r>
-                      <a:endParaRPr lang="ko-KR" altLang="en-US" sz="1400" dirty="0"/>
-                    </a:p>
-                  </a:txBody>
-                  <a:tcPr anchor="ctr"/>
-                </a:tc>
-                <a:tc>
-                  <a:txBody>
-                    <a:bodyPr/>
-                    <a:lstStyle/>
-                    <a:p>
-                      <a:pPr algn="ctr" latinLnBrk="1">
-                        <a:lnSpc>
-                          <a:spcPct val="125000"/>
-                        </a:lnSpc>
-                      </a:pPr>
-                      <a:r>
-                        <a:rPr lang="en-US" altLang="ko-KR" sz="1400" dirty="0" err="1" smtClean="0"/>
-                        <a:t>CRange</a:t>
-                      </a:r>
-                      <a:endParaRPr lang="ko-KR" altLang="en-US" sz="1400" dirty="0"/>
-                    </a:p>
-                  </a:txBody>
-                  <a:tcPr anchor="ctr"/>
-                </a:tc>
-                <a:tc>
-                  <a:txBody>
-                    <a:bodyPr/>
-                    <a:lstStyle/>
-                    <a:p>
-                      <a:pPr algn="l" latinLnBrk="1">
-                        <a:lnSpc>
-                          <a:spcPct val="125000"/>
-                        </a:lnSpc>
-                      </a:pPr>
-                      <a:r>
-                        <a:rPr lang="ko-KR" altLang="en-US" sz="1400" dirty="0" smtClean="0"/>
-                        <a:t>보스 </a:t>
-                      </a:r>
-                      <a:r>
-                        <a:rPr lang="ko-KR" altLang="en-US" sz="1400" dirty="0" err="1" smtClean="0"/>
-                        <a:t>몬스터</a:t>
-                      </a:r>
-                      <a:r>
-                        <a:rPr lang="ko-KR" altLang="en-US" sz="1400" dirty="0" smtClean="0"/>
-                        <a:t> 데이터 테이블에서 정해져 있는 추격 범위로 타일 단위로 범위가 정해진다</a:t>
-                      </a:r>
-                      <a:r>
-                        <a:rPr lang="en-US" altLang="ko-KR" sz="1400" dirty="0" smtClean="0"/>
-                        <a:t>.</a:t>
-                      </a:r>
-                    </a:p>
-                    <a:p>
-                      <a:pPr algn="l" latinLnBrk="1">
-                        <a:lnSpc>
-                          <a:spcPct val="125000"/>
-                        </a:lnSpc>
-                      </a:pPr>
-                      <a:r>
-                        <a:rPr lang="ko-KR" altLang="en-US" sz="1400" dirty="0" smtClean="0"/>
-                        <a:t>추격 범위에 들어오는 플레이어에 즉시 추격으로 넘긴다</a:t>
-                      </a:r>
-                      <a:r>
-                        <a:rPr lang="en-US" altLang="ko-KR" sz="1400" dirty="0" smtClean="0"/>
-                        <a:t>.</a:t>
-                      </a:r>
-                      <a:endParaRPr lang="ko-KR" altLang="en-US" sz="1400" dirty="0"/>
-                    </a:p>
-                  </a:txBody>
-                  <a:tcPr anchor="ctr"/>
-                </a:tc>
-                <a:extLst>
-                  <a:ext uri="{0D108BD9-81ED-4DB2-BD59-A6C34878D82A}">
-                    <a16:rowId xmlns:a16="http://schemas.microsoft.com/office/drawing/2014/main" xmlns="" val="858373754"/>
-                  </a:ext>
-                </a:extLst>
-              </a:tr>
-              <a:tr h="370840">
-                <a:tc>
-                  <a:txBody>
-                    <a:bodyPr/>
-                    <a:lstStyle/>
-                    <a:p>
-                      <a:pPr algn="ctr" latinLnBrk="1">
-                        <a:lnSpc>
-                          <a:spcPct val="125000"/>
-                        </a:lnSpc>
-                      </a:pPr>
-                      <a:r>
-                        <a:rPr lang="en-US" altLang="ko-KR" sz="1400" dirty="0" smtClean="0"/>
-                        <a:t>3</a:t>
-                      </a:r>
-                      <a:endParaRPr lang="ko-KR" altLang="en-US" sz="1400" dirty="0"/>
-                    </a:p>
-                  </a:txBody>
-                  <a:tcPr anchor="ctr"/>
-                </a:tc>
-                <a:tc>
-                  <a:txBody>
-                    <a:bodyPr/>
-                    <a:lstStyle/>
-                    <a:p>
-                      <a:pPr algn="ctr" latinLnBrk="1">
-                        <a:lnSpc>
-                          <a:spcPct val="125000"/>
-                        </a:lnSpc>
-                      </a:pPr>
-                      <a:r>
-                        <a:rPr lang="ko-KR" altLang="en-US" sz="1400" dirty="0" smtClean="0"/>
-                        <a:t>인지 범위</a:t>
-                      </a:r>
-                      <a:endParaRPr lang="ko-KR" altLang="en-US" sz="1400" dirty="0"/>
-                    </a:p>
-                  </a:txBody>
-                  <a:tcPr anchor="ctr"/>
-                </a:tc>
-                <a:tc>
-                  <a:txBody>
-                    <a:bodyPr/>
-                    <a:lstStyle/>
-                    <a:p>
-                      <a:pPr algn="ctr" latinLnBrk="1">
-                        <a:lnSpc>
-                          <a:spcPct val="125000"/>
-                        </a:lnSpc>
-                      </a:pPr>
-                      <a:r>
-                        <a:rPr lang="en-US" altLang="ko-KR" sz="1400" dirty="0" err="1" smtClean="0"/>
-                        <a:t>int</a:t>
-                      </a:r>
-                      <a:endParaRPr lang="en-US" altLang="ko-KR" sz="1400" dirty="0"/>
-                    </a:p>
-                  </a:txBody>
-                  <a:tcPr anchor="ctr"/>
-                </a:tc>
-                <a:tc>
-                  <a:txBody>
-                    <a:bodyPr/>
-                    <a:lstStyle/>
-                    <a:p>
-                      <a:pPr algn="ctr" latinLnBrk="1">
-                        <a:lnSpc>
-                          <a:spcPct val="125000"/>
-                        </a:lnSpc>
-                      </a:pPr>
-                      <a:r>
-                        <a:rPr lang="en-US" altLang="ko-KR" sz="1400" dirty="0" err="1" smtClean="0"/>
+                        <a:rPr lang="en-US" altLang="ko-KR" sz="1400" dirty="0" err="1"/>
                         <a:t>FRange</a:t>
                       </a:r>
                       <a:endParaRPr lang="en-US" altLang="ko-KR" sz="1400" dirty="0"/>
@@ -23055,19 +22965,19 @@
                         </a:lnSpc>
                       </a:pPr>
                       <a:r>
-                        <a:rPr lang="ko-KR" altLang="en-US" sz="1400" dirty="0" smtClean="0"/>
+                        <a:rPr lang="ko-KR" altLang="en-US" sz="1400" dirty="0"/>
                         <a:t>보스 </a:t>
                       </a:r>
                       <a:r>
-                        <a:rPr lang="ko-KR" altLang="en-US" sz="1400" dirty="0" err="1" smtClean="0"/>
+                        <a:rPr lang="ko-KR" altLang="en-US" sz="1400" dirty="0" err="1"/>
                         <a:t>몬스터</a:t>
                       </a:r>
                       <a:r>
-                        <a:rPr lang="ko-KR" altLang="en-US" sz="1400" baseline="0" dirty="0" smtClean="0"/>
+                        <a:rPr lang="ko-KR" altLang="en-US" sz="1400" baseline="0" dirty="0"/>
                         <a:t> 데이터 테이블에서 정해져 있는 인지 범위로 타일 단위로 범위가 정해진다</a:t>
                       </a:r>
                       <a:r>
-                        <a:rPr lang="en-US" altLang="ko-KR" sz="1400" baseline="0" dirty="0" smtClean="0"/>
+                        <a:rPr lang="en-US" altLang="ko-KR" sz="1400" baseline="0" dirty="0"/>
                         <a:t>.</a:t>
                       </a:r>
                     </a:p>
@@ -23078,21 +22988,20 @@
                         </a:lnSpc>
                       </a:pPr>
                       <a:r>
-                        <a:rPr lang="ko-KR" altLang="en-US" sz="1400" dirty="0" smtClean="0"/>
+                        <a:rPr lang="ko-KR" altLang="en-US" sz="1400" dirty="0"/>
                         <a:t>인지 범위에 들어오는 플레이어는 별도의 행동을 하지 않는 이상 무시 된다</a:t>
                       </a:r>
                       <a:r>
-                        <a:rPr lang="en-US" altLang="ko-KR" sz="1400" dirty="0" smtClean="0"/>
+                        <a:rPr lang="en-US" altLang="ko-KR" sz="1400" dirty="0"/>
                         <a:t>.</a:t>
                       </a:r>
-                      <a:endParaRPr lang="en-US" altLang="ko-KR" sz="1400" dirty="0"/>
                     </a:p>
                   </a:txBody>
                   <a:tcPr anchor="ctr"/>
                 </a:tc>
                 <a:extLst>
                   <a:ext uri="{0D108BD9-81ED-4DB2-BD59-A6C34878D82A}">
-                    <a16:rowId xmlns:a16="http://schemas.microsoft.com/office/drawing/2014/main" xmlns="" val="2967758029"/>
+                    <a16:rowId xmlns:a16="http://schemas.microsoft.com/office/drawing/2014/main" val="2967758029"/>
                   </a:ext>
                 </a:extLst>
               </a:tr>
@@ -23105,7 +23014,7 @@
           <p:cNvPr id="41" name="TextBox 40">
             <a:extLst>
               <a:ext uri="{FF2B5EF4-FFF2-40B4-BE49-F238E27FC236}">
-                <a16:creationId xmlns:a16="http://schemas.microsoft.com/office/drawing/2014/main" xmlns="" id="{F27AAED5-21D0-4ADF-9BE8-460DB407CC40}"/>
+                <a16:creationId xmlns:a16="http://schemas.microsoft.com/office/drawing/2014/main" id="{F27AAED5-21D0-4ADF-9BE8-460DB407CC40}"/>
               </a:ext>
             </a:extLst>
           </p:cNvPr>
@@ -23136,19 +23045,19 @@
               <a:buChar char="•"/>
             </a:pPr>
             <a:r>
-              <a:rPr lang="ko-KR" altLang="en-US" sz="1400" dirty="0" smtClean="0"/>
+              <a:rPr lang="ko-KR" altLang="en-US" sz="1400" dirty="0"/>
               <a:t>대기는 보스 </a:t>
             </a:r>
             <a:r>
-              <a:rPr lang="ko-KR" altLang="en-US" sz="1400" dirty="0" err="1" smtClean="0"/>
+              <a:rPr lang="ko-KR" altLang="en-US" sz="1400" dirty="0" err="1"/>
               <a:t>몬스터가</a:t>
             </a:r>
             <a:r>
-              <a:rPr lang="ko-KR" altLang="en-US" sz="1400" dirty="0" smtClean="0"/>
+              <a:rPr lang="ko-KR" altLang="en-US" sz="1400" dirty="0"/>
               <a:t> 플레이어와의 어떠한 접촉이 일어나지 않은 상태이다</a:t>
             </a:r>
             <a:r>
-              <a:rPr lang="en-US" altLang="ko-KR" sz="1400" dirty="0" smtClean="0"/>
+              <a:rPr lang="en-US" altLang="ko-KR" sz="1400" dirty="0"/>
               <a:t>.</a:t>
             </a:r>
           </a:p>
@@ -23164,13 +23073,6 @@
   <p:clrMapOvr>
     <a:masterClrMapping/>
   </p:clrMapOvr>
-  <p:timing>
-    <p:tnLst>
-      <p:par>
-        <p:cTn id="1" dur="indefinite" restart="never" nodeType="tmRoot"/>
-      </p:par>
-    </p:tnLst>
-  </p:timing>
 </p:sld>
 </file>
 
@@ -23196,7 +23098,7 @@
           <p:cNvPr id="2" name="제목 1">
             <a:extLst>
               <a:ext uri="{FF2B5EF4-FFF2-40B4-BE49-F238E27FC236}">
-                <a16:creationId xmlns:a16="http://schemas.microsoft.com/office/drawing/2014/main" xmlns="" id="{B0D0D6BF-BDD9-48B2-B072-093BAED78505}"/>
+                <a16:creationId xmlns:a16="http://schemas.microsoft.com/office/drawing/2014/main" id="{B0D0D6BF-BDD9-48B2-B072-093BAED78505}"/>
               </a:ext>
             </a:extLst>
           </p:cNvPr>
@@ -23213,22 +23115,17 @@
           <a:lstStyle/>
           <a:p>
             <a:r>
-              <a:rPr lang="ko-KR" altLang="en-US" dirty="0" smtClean="0"/>
+              <a:rPr lang="ko-KR" altLang="en-US" dirty="0"/>
               <a:t>추격 </a:t>
             </a:r>
             <a:r>
-              <a:rPr lang="ko-KR" altLang="en-US" dirty="0" err="1" smtClean="0"/>
-              <a:t>플로</a:t>
-            </a:r>
-            <a:r>
-              <a:rPr lang="ko-KR" altLang="en-US" dirty="0" err="1" smtClean="0"/>
-              <a:t>우</a:t>
-            </a:r>
-            <a:r>
-              <a:rPr lang="ko-KR" altLang="en-US" dirty="0" smtClean="0"/>
+              <a:rPr lang="ko-KR" altLang="en-US" dirty="0" err="1"/>
+              <a:t>플로우</a:t>
+            </a:r>
+            <a:r>
+              <a:rPr lang="ko-KR" altLang="en-US" dirty="0"/>
               <a:t> 차트</a:t>
             </a:r>
-            <a:endParaRPr lang="ko-KR" altLang="en-US" dirty="0"/>
           </a:p>
         </p:txBody>
       </p:sp>
@@ -23237,7 +23134,7 @@
           <p:cNvPr id="3" name="내용 개체 틀 2">
             <a:extLst>
               <a:ext uri="{FF2B5EF4-FFF2-40B4-BE49-F238E27FC236}">
-                <a16:creationId xmlns:a16="http://schemas.microsoft.com/office/drawing/2014/main" xmlns="" id="{BED93B48-AA0D-45A5-BC61-836BE857E3A6}"/>
+                <a16:creationId xmlns:a16="http://schemas.microsoft.com/office/drawing/2014/main" id="{BED93B48-AA0D-45A5-BC61-836BE857E3A6}"/>
               </a:ext>
             </a:extLst>
           </p:cNvPr>
@@ -23297,7 +23194,7 @@
           <p:cNvPr id="5" name="직사각형 4">
             <a:extLst>
               <a:ext uri="{FF2B5EF4-FFF2-40B4-BE49-F238E27FC236}">
-                <a16:creationId xmlns:a16="http://schemas.microsoft.com/office/drawing/2014/main" xmlns="" id="{43D1D2BF-E427-4741-8C52-A409965921E2}"/>
+                <a16:creationId xmlns:a16="http://schemas.microsoft.com/office/drawing/2014/main" id="{43D1D2BF-E427-4741-8C52-A409965921E2}"/>
               </a:ext>
             </a:extLst>
           </p:cNvPr>
@@ -23343,14 +23240,14 @@
           <a:p>
             <a:pPr algn="ctr"/>
             <a:r>
-              <a:rPr lang="ko-KR" altLang="en-US" sz="1000" dirty="0" smtClean="0">
+              <a:rPr lang="ko-KR" altLang="en-US" sz="1000" dirty="0">
                 <a:solidFill>
                   <a:schemeClr val="tx1"/>
                 </a:solidFill>
               </a:rPr>
               <a:t>추격 대상을 향해</a:t>
             </a:r>
-            <a:endParaRPr lang="en-US" altLang="ko-KR" sz="1000" dirty="0" smtClean="0">
+            <a:endParaRPr lang="en-US" altLang="ko-KR" sz="1000" dirty="0">
               <a:solidFill>
                 <a:schemeClr val="tx1"/>
               </a:solidFill>
@@ -23359,7 +23256,7 @@
           <a:p>
             <a:pPr algn="ctr"/>
             <a:r>
-              <a:rPr lang="ko-KR" altLang="en-US" sz="1000" dirty="0" smtClean="0">
+              <a:rPr lang="ko-KR" altLang="en-US" sz="1000" dirty="0">
                 <a:solidFill>
                   <a:schemeClr val="tx1"/>
                 </a:solidFill>
@@ -23367,7 +23264,7 @@
               <a:t>이동 </a:t>
             </a:r>
             <a:r>
-              <a:rPr lang="en-US" altLang="ko-KR" sz="1000" dirty="0" smtClean="0">
+              <a:rPr lang="en-US" altLang="ko-KR" sz="1000" dirty="0">
                 <a:solidFill>
                   <a:schemeClr val="tx1"/>
                 </a:solidFill>
@@ -23375,14 +23272,14 @@
               <a:t>&amp; </a:t>
             </a:r>
             <a:r>
-              <a:rPr lang="ko-KR" altLang="en-US" sz="1000" dirty="0" err="1" smtClean="0">
+              <a:rPr lang="ko-KR" altLang="en-US" sz="1000" dirty="0" err="1">
                 <a:solidFill>
                   <a:schemeClr val="tx1"/>
                 </a:solidFill>
               </a:rPr>
               <a:t>스테미너</a:t>
             </a:r>
-            <a:endParaRPr lang="en-US" altLang="ko-KR" sz="1000" dirty="0" smtClean="0">
+            <a:endParaRPr lang="en-US" altLang="ko-KR" sz="1000" dirty="0">
               <a:solidFill>
                 <a:schemeClr val="tx1"/>
               </a:solidFill>
@@ -23391,18 +23288,13 @@
           <a:p>
             <a:pPr algn="ctr"/>
             <a:r>
-              <a:rPr lang="ko-KR" altLang="en-US" sz="1000" dirty="0" smtClean="0">
+              <a:rPr lang="ko-KR" altLang="en-US" sz="1000" dirty="0">
                 <a:solidFill>
                   <a:schemeClr val="tx1"/>
                 </a:solidFill>
               </a:rPr>
               <a:t>소모</a:t>
             </a:r>
-            <a:endParaRPr lang="ko-KR" altLang="en-US" sz="1000" dirty="0">
-              <a:solidFill>
-                <a:schemeClr val="tx1"/>
-              </a:solidFill>
-            </a:endParaRPr>
           </a:p>
         </p:txBody>
       </p:sp>
@@ -23411,7 +23303,7 @@
           <p:cNvPr id="6" name="순서도: 판단 5">
             <a:extLst>
               <a:ext uri="{FF2B5EF4-FFF2-40B4-BE49-F238E27FC236}">
-                <a16:creationId xmlns:a16="http://schemas.microsoft.com/office/drawing/2014/main" xmlns="" id="{FC609F0B-2115-405B-8324-342A061AB0BF}"/>
+                <a16:creationId xmlns:a16="http://schemas.microsoft.com/office/drawing/2014/main" id="{FC609F0B-2115-405B-8324-342A061AB0BF}"/>
               </a:ext>
             </a:extLst>
           </p:cNvPr>
@@ -23469,7 +23361,7 @@
           <p:cNvPr id="7" name="TextBox 6">
             <a:extLst>
               <a:ext uri="{FF2B5EF4-FFF2-40B4-BE49-F238E27FC236}">
-                <a16:creationId xmlns:a16="http://schemas.microsoft.com/office/drawing/2014/main" xmlns="" id="{F27AAED5-21D0-4ADF-9BE8-460DB407CC40}"/>
+                <a16:creationId xmlns:a16="http://schemas.microsoft.com/office/drawing/2014/main" id="{F27AAED5-21D0-4ADF-9BE8-460DB407CC40}"/>
               </a:ext>
             </a:extLst>
           </p:cNvPr>
@@ -23494,27 +23386,27 @@
           <a:p>
             <a:pPr algn="ctr"/>
             <a:r>
-              <a:rPr lang="ko-KR" altLang="en-US" sz="1000" dirty="0" err="1" smtClean="0"/>
+              <a:rPr lang="ko-KR" altLang="en-US" sz="1000" dirty="0" err="1"/>
               <a:t>스테미너</a:t>
             </a:r>
-            <a:endParaRPr lang="en-US" altLang="ko-KR" sz="1000" dirty="0" smtClean="0"/>
+            <a:endParaRPr lang="en-US" altLang="ko-KR" sz="1000" dirty="0"/>
           </a:p>
           <a:p>
             <a:pPr algn="ctr"/>
             <a:r>
-              <a:rPr lang="ko-KR" altLang="en-US" sz="1000" dirty="0" smtClean="0"/>
+              <a:rPr lang="ko-KR" altLang="en-US" sz="1000" dirty="0"/>
               <a:t>현재 </a:t>
             </a:r>
             <a:r>
-              <a:rPr lang="en-US" altLang="ko-KR" sz="1000" dirty="0" smtClean="0"/>
+              <a:rPr lang="en-US" altLang="ko-KR" sz="1000" dirty="0"/>
               <a:t>&lt; </a:t>
             </a:r>
             <a:r>
-              <a:rPr lang="ko-KR" altLang="en-US" sz="1000" dirty="0" smtClean="0"/>
+              <a:rPr lang="ko-KR" altLang="en-US" sz="1000" dirty="0"/>
               <a:t>최대</a:t>
             </a:r>
             <a:r>
-              <a:rPr lang="en-US" altLang="ko-KR" sz="1000" dirty="0" smtClean="0"/>
+              <a:rPr lang="en-US" altLang="ko-KR" sz="1000" dirty="0"/>
               <a:t>?</a:t>
             </a:r>
           </a:p>
@@ -23525,7 +23417,7 @@
           <p:cNvPr id="8" name="타원 7">
             <a:extLst>
               <a:ext uri="{FF2B5EF4-FFF2-40B4-BE49-F238E27FC236}">
-                <a16:creationId xmlns:a16="http://schemas.microsoft.com/office/drawing/2014/main" xmlns="" id="{D07271FD-A020-49D2-8CEF-5AD36D770F03}"/>
+                <a16:creationId xmlns:a16="http://schemas.microsoft.com/office/drawing/2014/main" id="{D07271FD-A020-49D2-8CEF-5AD36D770F03}"/>
               </a:ext>
             </a:extLst>
           </p:cNvPr>
@@ -23583,7 +23475,7 @@
           <p:cNvPr id="9" name="TextBox 8">
             <a:extLst>
               <a:ext uri="{FF2B5EF4-FFF2-40B4-BE49-F238E27FC236}">
-                <a16:creationId xmlns:a16="http://schemas.microsoft.com/office/drawing/2014/main" xmlns="" id="{F27AAED5-21D0-4ADF-9BE8-460DB407CC40}"/>
+                <a16:creationId xmlns:a16="http://schemas.microsoft.com/office/drawing/2014/main" id="{F27AAED5-21D0-4ADF-9BE8-460DB407CC40}"/>
               </a:ext>
             </a:extLst>
           </p:cNvPr>
@@ -23608,10 +23500,9 @@
           <a:p>
             <a:pPr algn="ctr"/>
             <a:r>
-              <a:rPr lang="ko-KR" altLang="en-US" sz="1400" dirty="0" smtClean="0"/>
+              <a:rPr lang="ko-KR" altLang="en-US" sz="1400" dirty="0"/>
               <a:t>추격</a:t>
             </a:r>
-            <a:endParaRPr lang="ko-KR" altLang="en-US" sz="1400" dirty="0"/>
           </a:p>
         </p:txBody>
       </p:sp>
@@ -23660,7 +23551,7 @@
           <a:p>
             <a:pPr algn="ctr"/>
             <a:r>
-              <a:rPr lang="ko-KR" altLang="en-US" sz="1000" dirty="0" smtClean="0">
+              <a:rPr lang="ko-KR" altLang="en-US" sz="1000" dirty="0">
                 <a:solidFill>
                   <a:schemeClr val="tx1"/>
                 </a:solidFill>
@@ -23668,23 +23559,18 @@
               <a:t>보스 상태 </a:t>
             </a:r>
             <a:r>
-              <a:rPr lang="en-US" altLang="ko-KR" sz="1000" dirty="0" smtClean="0">
+              <a:rPr lang="en-US" altLang="ko-KR" sz="1000" dirty="0">
                 <a:solidFill>
                   <a:schemeClr val="tx1"/>
                 </a:solidFill>
               </a:rPr>
               <a:t>:</a:t>
             </a:r>
-            <a:endParaRPr lang="en-US" altLang="ko-KR" sz="1000" dirty="0">
-              <a:solidFill>
-                <a:schemeClr val="tx1"/>
-              </a:solidFill>
-            </a:endParaRPr>
           </a:p>
           <a:p>
             <a:pPr algn="ctr"/>
             <a:r>
-              <a:rPr lang="en-US" altLang="ko-KR" sz="1000" dirty="0" smtClean="0">
+              <a:rPr lang="en-US" altLang="ko-KR" sz="1000" dirty="0">
                 <a:solidFill>
                   <a:schemeClr val="tx1"/>
                 </a:solidFill>
@@ -23692,18 +23578,13 @@
               <a:t> </a:t>
             </a:r>
             <a:r>
-              <a:rPr lang="ko-KR" altLang="en-US" sz="1000" dirty="0" smtClean="0">
+              <a:rPr lang="ko-KR" altLang="en-US" sz="1000" dirty="0">
                 <a:solidFill>
                   <a:schemeClr val="tx1"/>
                 </a:solidFill>
               </a:rPr>
               <a:t>추격 저장</a:t>
             </a:r>
-            <a:endParaRPr lang="ko-KR" altLang="en-US" sz="1000" dirty="0" smtClean="0">
-              <a:solidFill>
-                <a:schemeClr val="tx1"/>
-              </a:solidFill>
-            </a:endParaRPr>
           </a:p>
         </p:txBody>
       </p:sp>
@@ -23712,7 +23593,7 @@
           <p:cNvPr id="45" name="타원 44">
             <a:extLst>
               <a:ext uri="{FF2B5EF4-FFF2-40B4-BE49-F238E27FC236}">
-                <a16:creationId xmlns:a16="http://schemas.microsoft.com/office/drawing/2014/main" xmlns="" id="{D07271FD-A020-49D2-8CEF-5AD36D770F03}"/>
+                <a16:creationId xmlns:a16="http://schemas.microsoft.com/office/drawing/2014/main" id="{D07271FD-A020-49D2-8CEF-5AD36D770F03}"/>
               </a:ext>
             </a:extLst>
           </p:cNvPr>
@@ -23770,7 +23651,7 @@
           <p:cNvPr id="47" name="TextBox 46">
             <a:extLst>
               <a:ext uri="{FF2B5EF4-FFF2-40B4-BE49-F238E27FC236}">
-                <a16:creationId xmlns:a16="http://schemas.microsoft.com/office/drawing/2014/main" xmlns="" id="{F27AAED5-21D0-4ADF-9BE8-460DB407CC40}"/>
+                <a16:creationId xmlns:a16="http://schemas.microsoft.com/office/drawing/2014/main" id="{F27AAED5-21D0-4ADF-9BE8-460DB407CC40}"/>
               </a:ext>
             </a:extLst>
           </p:cNvPr>
@@ -23795,10 +23676,9 @@
           <a:p>
             <a:pPr algn="ctr"/>
             <a:r>
-              <a:rPr lang="ko-KR" altLang="en-US" sz="1400" dirty="0" smtClean="0"/>
+              <a:rPr lang="ko-KR" altLang="en-US" sz="1400" dirty="0"/>
               <a:t>전투</a:t>
             </a:r>
-            <a:endParaRPr lang="ko-KR" altLang="en-US" sz="1400" dirty="0"/>
           </a:p>
         </p:txBody>
       </p:sp>
@@ -23807,7 +23687,7 @@
           <p:cNvPr id="49" name="순서도: 판단 48">
             <a:extLst>
               <a:ext uri="{FF2B5EF4-FFF2-40B4-BE49-F238E27FC236}">
-                <a16:creationId xmlns:a16="http://schemas.microsoft.com/office/drawing/2014/main" xmlns="" id="{FC609F0B-2115-405B-8324-342A061AB0BF}"/>
+                <a16:creationId xmlns:a16="http://schemas.microsoft.com/office/drawing/2014/main" id="{FC609F0B-2115-405B-8324-342A061AB0BF}"/>
               </a:ext>
             </a:extLst>
           </p:cNvPr>
@@ -23865,7 +23745,7 @@
           <p:cNvPr id="51" name="TextBox 50">
             <a:extLst>
               <a:ext uri="{FF2B5EF4-FFF2-40B4-BE49-F238E27FC236}">
-                <a16:creationId xmlns:a16="http://schemas.microsoft.com/office/drawing/2014/main" xmlns="" id="{F27AAED5-21D0-4ADF-9BE8-460DB407CC40}"/>
+                <a16:creationId xmlns:a16="http://schemas.microsoft.com/office/drawing/2014/main" id="{F27AAED5-21D0-4ADF-9BE8-460DB407CC40}"/>
               </a:ext>
             </a:extLst>
           </p:cNvPr>
@@ -23890,31 +23770,31 @@
           <a:p>
             <a:pPr algn="ctr"/>
             <a:r>
-              <a:rPr lang="ko-KR" altLang="en-US" sz="1000" dirty="0" smtClean="0"/>
+              <a:rPr lang="ko-KR" altLang="en-US" sz="1000" dirty="0"/>
               <a:t>정령에</a:t>
             </a:r>
-            <a:endParaRPr lang="en-US" altLang="ko-KR" sz="1000" dirty="0" smtClean="0"/>
+            <a:endParaRPr lang="en-US" altLang="ko-KR" sz="1000" dirty="0"/>
           </a:p>
           <a:p>
             <a:pPr algn="ctr"/>
             <a:r>
-              <a:rPr lang="ko-KR" altLang="en-US" sz="1000" dirty="0" err="1" smtClean="0"/>
+              <a:rPr lang="ko-KR" altLang="en-US" sz="1000" dirty="0" err="1"/>
               <a:t>데미지를</a:t>
             </a:r>
             <a:r>
-              <a:rPr lang="ko-KR" altLang="en-US" sz="1000" dirty="0" smtClean="0"/>
+              <a:rPr lang="ko-KR" altLang="en-US" sz="1000" dirty="0"/>
               <a:t> </a:t>
             </a:r>
-            <a:endParaRPr lang="en-US" altLang="ko-KR" sz="1000" dirty="0" smtClean="0"/>
+            <a:endParaRPr lang="en-US" altLang="ko-KR" sz="1000" dirty="0"/>
           </a:p>
           <a:p>
             <a:pPr algn="ctr"/>
             <a:r>
-              <a:rPr lang="ko-KR" altLang="en-US" sz="1000" dirty="0" smtClean="0"/>
+              <a:rPr lang="ko-KR" altLang="en-US" sz="1000" dirty="0"/>
               <a:t>받았는가</a:t>
             </a:r>
             <a:r>
-              <a:rPr lang="en-US" altLang="ko-KR" sz="1000" dirty="0" smtClean="0"/>
+              <a:rPr lang="en-US" altLang="ko-KR" sz="1000" dirty="0"/>
               <a:t>?</a:t>
             </a:r>
           </a:p>
@@ -23925,7 +23805,7 @@
           <p:cNvPr id="53" name="순서도: 판단 52">
             <a:extLst>
               <a:ext uri="{FF2B5EF4-FFF2-40B4-BE49-F238E27FC236}">
-                <a16:creationId xmlns:a16="http://schemas.microsoft.com/office/drawing/2014/main" xmlns="" id="{FC609F0B-2115-405B-8324-342A061AB0BF}"/>
+                <a16:creationId xmlns:a16="http://schemas.microsoft.com/office/drawing/2014/main" id="{FC609F0B-2115-405B-8324-342A061AB0BF}"/>
               </a:ext>
             </a:extLst>
           </p:cNvPr>
@@ -23983,7 +23863,7 @@
           <p:cNvPr id="55" name="TextBox 54">
             <a:extLst>
               <a:ext uri="{FF2B5EF4-FFF2-40B4-BE49-F238E27FC236}">
-                <a16:creationId xmlns:a16="http://schemas.microsoft.com/office/drawing/2014/main" xmlns="" id="{F27AAED5-21D0-4ADF-9BE8-460DB407CC40}"/>
+                <a16:creationId xmlns:a16="http://schemas.microsoft.com/office/drawing/2014/main" id="{F27AAED5-21D0-4ADF-9BE8-460DB407CC40}"/>
               </a:ext>
             </a:extLst>
           </p:cNvPr>
@@ -24008,31 +23888,31 @@
           <a:p>
             <a:pPr algn="ctr"/>
             <a:r>
-              <a:rPr lang="ko-KR" altLang="en-US" sz="1000" dirty="0" smtClean="0"/>
+              <a:rPr lang="ko-KR" altLang="en-US" sz="1000" dirty="0"/>
               <a:t>플레이어가</a:t>
             </a:r>
-            <a:endParaRPr lang="en-US" altLang="ko-KR" sz="1000" dirty="0" smtClean="0"/>
+            <a:endParaRPr lang="en-US" altLang="ko-KR" sz="1000" dirty="0"/>
           </a:p>
           <a:p>
             <a:pPr algn="ctr"/>
             <a:r>
-              <a:rPr lang="ko-KR" altLang="en-US" sz="1000" dirty="0" smtClean="0"/>
+              <a:rPr lang="ko-KR" altLang="en-US" sz="1000" dirty="0"/>
               <a:t>전투 </a:t>
             </a:r>
             <a:r>
-              <a:rPr lang="ko-KR" altLang="en-US" sz="1000" dirty="0" err="1" smtClean="0"/>
+              <a:rPr lang="ko-KR" altLang="en-US" sz="1000" dirty="0" err="1"/>
               <a:t>범위안에</a:t>
             </a:r>
-            <a:endParaRPr lang="en-US" altLang="ko-KR" sz="1000" dirty="0" smtClean="0"/>
+            <a:endParaRPr lang="en-US" altLang="ko-KR" sz="1000" dirty="0"/>
           </a:p>
           <a:p>
             <a:pPr algn="ctr"/>
             <a:r>
-              <a:rPr lang="ko-KR" altLang="en-US" sz="1000" dirty="0" smtClean="0"/>
+              <a:rPr lang="ko-KR" altLang="en-US" sz="1000" dirty="0"/>
               <a:t>있는가</a:t>
             </a:r>
             <a:r>
-              <a:rPr lang="en-US" altLang="ko-KR" sz="1000" dirty="0" smtClean="0"/>
+              <a:rPr lang="en-US" altLang="ko-KR" sz="1000" dirty="0"/>
               <a:t>?</a:t>
             </a:r>
           </a:p>
@@ -24043,7 +23923,7 @@
           <p:cNvPr id="57" name="순서도: 판단 56">
             <a:extLst>
               <a:ext uri="{FF2B5EF4-FFF2-40B4-BE49-F238E27FC236}">
-                <a16:creationId xmlns:a16="http://schemas.microsoft.com/office/drawing/2014/main" xmlns="" id="{FC609F0B-2115-405B-8324-342A061AB0BF}"/>
+                <a16:creationId xmlns:a16="http://schemas.microsoft.com/office/drawing/2014/main" id="{FC609F0B-2115-405B-8324-342A061AB0BF}"/>
               </a:ext>
             </a:extLst>
           </p:cNvPr>
@@ -24101,7 +23981,7 @@
           <p:cNvPr id="61" name="TextBox 60">
             <a:extLst>
               <a:ext uri="{FF2B5EF4-FFF2-40B4-BE49-F238E27FC236}">
-                <a16:creationId xmlns:a16="http://schemas.microsoft.com/office/drawing/2014/main" xmlns="" id="{F27AAED5-21D0-4ADF-9BE8-460DB407CC40}"/>
+                <a16:creationId xmlns:a16="http://schemas.microsoft.com/office/drawing/2014/main" id="{F27AAED5-21D0-4ADF-9BE8-460DB407CC40}"/>
               </a:ext>
             </a:extLst>
           </p:cNvPr>
@@ -24126,27 +24006,27 @@
           <a:p>
             <a:pPr algn="ctr"/>
             <a:r>
-              <a:rPr lang="ko-KR" altLang="en-US" sz="1000" dirty="0" smtClean="0"/>
+              <a:rPr lang="ko-KR" altLang="en-US" sz="1000" dirty="0"/>
               <a:t>플레이어가</a:t>
             </a:r>
-            <a:endParaRPr lang="en-US" altLang="ko-KR" sz="1000" dirty="0" smtClean="0"/>
+            <a:endParaRPr lang="en-US" altLang="ko-KR" sz="1000" dirty="0"/>
           </a:p>
           <a:p>
             <a:pPr algn="ctr"/>
             <a:r>
-              <a:rPr lang="ko-KR" altLang="en-US" sz="1000" dirty="0" smtClean="0"/>
+              <a:rPr lang="ko-KR" altLang="en-US" sz="1000" dirty="0"/>
               <a:t>정령을 소환</a:t>
             </a:r>
-            <a:endParaRPr lang="en-US" altLang="ko-KR" sz="1000" dirty="0" smtClean="0"/>
+            <a:endParaRPr lang="en-US" altLang="ko-KR" sz="1000" dirty="0"/>
           </a:p>
           <a:p>
             <a:pPr algn="ctr"/>
             <a:r>
-              <a:rPr lang="ko-KR" altLang="en-US" sz="1000" dirty="0" smtClean="0"/>
+              <a:rPr lang="ko-KR" altLang="en-US" sz="1000" dirty="0"/>
               <a:t>했는가</a:t>
             </a:r>
             <a:r>
-              <a:rPr lang="en-US" altLang="ko-KR" sz="1000" dirty="0" smtClean="0"/>
+              <a:rPr lang="en-US" altLang="ko-KR" sz="1000" dirty="0"/>
               <a:t>?</a:t>
             </a:r>
           </a:p>
@@ -24157,7 +24037,7 @@
           <p:cNvPr id="62" name="순서도: 판단 61">
             <a:extLst>
               <a:ext uri="{FF2B5EF4-FFF2-40B4-BE49-F238E27FC236}">
-                <a16:creationId xmlns:a16="http://schemas.microsoft.com/office/drawing/2014/main" xmlns="" id="{FC609F0B-2115-405B-8324-342A061AB0BF}"/>
+                <a16:creationId xmlns:a16="http://schemas.microsoft.com/office/drawing/2014/main" id="{FC609F0B-2115-405B-8324-342A061AB0BF}"/>
               </a:ext>
             </a:extLst>
           </p:cNvPr>
@@ -24215,7 +24095,7 @@
           <p:cNvPr id="63" name="TextBox 62">
             <a:extLst>
               <a:ext uri="{FF2B5EF4-FFF2-40B4-BE49-F238E27FC236}">
-                <a16:creationId xmlns:a16="http://schemas.microsoft.com/office/drawing/2014/main" xmlns="" id="{F27AAED5-21D0-4ADF-9BE8-460DB407CC40}"/>
+                <a16:creationId xmlns:a16="http://schemas.microsoft.com/office/drawing/2014/main" id="{F27AAED5-21D0-4ADF-9BE8-460DB407CC40}"/>
               </a:ext>
             </a:extLst>
           </p:cNvPr>
@@ -24240,27 +24120,27 @@
           <a:p>
             <a:pPr algn="ctr"/>
             <a:r>
-              <a:rPr lang="ko-KR" altLang="en-US" sz="1000" dirty="0" smtClean="0"/>
+              <a:rPr lang="ko-KR" altLang="en-US" sz="1000" dirty="0"/>
               <a:t>플레이어가</a:t>
             </a:r>
-            <a:endParaRPr lang="en-US" altLang="ko-KR" sz="1000" dirty="0" smtClean="0"/>
+            <a:endParaRPr lang="en-US" altLang="ko-KR" sz="1000" dirty="0"/>
           </a:p>
           <a:p>
             <a:pPr algn="ctr"/>
             <a:r>
-              <a:rPr lang="ko-KR" altLang="en-US" sz="1000" dirty="0" smtClean="0"/>
+              <a:rPr lang="ko-KR" altLang="en-US" sz="1000" dirty="0"/>
               <a:t>인지 범위로</a:t>
             </a:r>
-            <a:endParaRPr lang="en-US" altLang="ko-KR" sz="1000" dirty="0" smtClean="0"/>
+            <a:endParaRPr lang="en-US" altLang="ko-KR" sz="1000" dirty="0"/>
           </a:p>
           <a:p>
             <a:pPr algn="ctr"/>
             <a:r>
-              <a:rPr lang="ko-KR" altLang="en-US" sz="1000" dirty="0" smtClean="0"/>
+              <a:rPr lang="ko-KR" altLang="en-US" sz="1000" dirty="0"/>
               <a:t>나갔는가</a:t>
             </a:r>
             <a:r>
-              <a:rPr lang="en-US" altLang="ko-KR" sz="1000" dirty="0" smtClean="0"/>
+              <a:rPr lang="en-US" altLang="ko-KR" sz="1000" dirty="0"/>
               <a:t>?</a:t>
             </a:r>
           </a:p>
@@ -24271,7 +24151,7 @@
           <p:cNvPr id="64" name="타원 63">
             <a:extLst>
               <a:ext uri="{FF2B5EF4-FFF2-40B4-BE49-F238E27FC236}">
-                <a16:creationId xmlns:a16="http://schemas.microsoft.com/office/drawing/2014/main" xmlns="" id="{D07271FD-A020-49D2-8CEF-5AD36D770F03}"/>
+                <a16:creationId xmlns:a16="http://schemas.microsoft.com/office/drawing/2014/main" id="{D07271FD-A020-49D2-8CEF-5AD36D770F03}"/>
               </a:ext>
             </a:extLst>
           </p:cNvPr>
@@ -24329,7 +24209,7 @@
           <p:cNvPr id="65" name="TextBox 64">
             <a:extLst>
               <a:ext uri="{FF2B5EF4-FFF2-40B4-BE49-F238E27FC236}">
-                <a16:creationId xmlns:a16="http://schemas.microsoft.com/office/drawing/2014/main" xmlns="" id="{F27AAED5-21D0-4ADF-9BE8-460DB407CC40}"/>
+                <a16:creationId xmlns:a16="http://schemas.microsoft.com/office/drawing/2014/main" id="{F27AAED5-21D0-4ADF-9BE8-460DB407CC40}"/>
               </a:ext>
             </a:extLst>
           </p:cNvPr>
@@ -24354,10 +24234,9 @@
           <a:p>
             <a:pPr algn="ctr"/>
             <a:r>
-              <a:rPr lang="ko-KR" altLang="en-US" sz="1400" dirty="0" smtClean="0"/>
+              <a:rPr lang="ko-KR" altLang="en-US" sz="1400" dirty="0"/>
               <a:t>턴 체크</a:t>
             </a:r>
-            <a:endParaRPr lang="ko-KR" altLang="en-US" sz="1400" dirty="0"/>
           </a:p>
         </p:txBody>
       </p:sp>
@@ -24366,7 +24245,7 @@
           <p:cNvPr id="66" name="직사각형 65">
             <a:extLst>
               <a:ext uri="{FF2B5EF4-FFF2-40B4-BE49-F238E27FC236}">
-                <a16:creationId xmlns:a16="http://schemas.microsoft.com/office/drawing/2014/main" xmlns="" id="{43D1D2BF-E427-4741-8C52-A409965921E2}"/>
+                <a16:creationId xmlns:a16="http://schemas.microsoft.com/office/drawing/2014/main" id="{43D1D2BF-E427-4741-8C52-A409965921E2}"/>
               </a:ext>
             </a:extLst>
           </p:cNvPr>
@@ -24412,7 +24291,7 @@
           <a:p>
             <a:pPr algn="ctr"/>
             <a:r>
-              <a:rPr lang="ko-KR" altLang="en-US" sz="1000" dirty="0" smtClean="0">
+              <a:rPr lang="ko-KR" altLang="en-US" sz="1000" dirty="0">
                 <a:solidFill>
                   <a:schemeClr val="tx1"/>
                 </a:solidFill>
@@ -24420,7 +24299,7 @@
               <a:t>대상의 </a:t>
             </a:r>
             <a:r>
-              <a:rPr lang="ko-KR" altLang="en-US" sz="1000" dirty="0" err="1" smtClean="0">
+              <a:rPr lang="ko-KR" altLang="en-US" sz="1000" dirty="0" err="1">
                 <a:solidFill>
                   <a:schemeClr val="tx1"/>
                 </a:solidFill>
@@ -24428,14 +24307,14 @@
               <a:t>어그로</a:t>
             </a:r>
             <a:r>
-              <a:rPr lang="ko-KR" altLang="en-US" sz="1000" dirty="0" smtClean="0">
+              <a:rPr lang="ko-KR" altLang="en-US" sz="1000" dirty="0">
                 <a:solidFill>
                   <a:schemeClr val="tx1"/>
                 </a:solidFill>
               </a:rPr>
               <a:t> 수치</a:t>
             </a:r>
-            <a:endParaRPr lang="en-US" altLang="ko-KR" sz="1000" dirty="0" smtClean="0">
+            <a:endParaRPr lang="en-US" altLang="ko-KR" sz="1000" dirty="0">
               <a:solidFill>
                 <a:schemeClr val="tx1"/>
               </a:solidFill>
@@ -24444,18 +24323,13 @@
           <a:p>
             <a:pPr algn="ctr"/>
             <a:r>
-              <a:rPr lang="ko-KR" altLang="en-US" sz="1000" dirty="0" smtClean="0">
+              <a:rPr lang="ko-KR" altLang="en-US" sz="1000" dirty="0">
                 <a:solidFill>
                   <a:schemeClr val="tx1"/>
                 </a:solidFill>
               </a:rPr>
               <a:t>감소</a:t>
             </a:r>
-            <a:endParaRPr lang="ko-KR" altLang="en-US" sz="1000" dirty="0">
-              <a:solidFill>
-                <a:schemeClr val="tx1"/>
-              </a:solidFill>
-            </a:endParaRPr>
           </a:p>
         </p:txBody>
       </p:sp>
@@ -24737,7 +24611,7 @@
           <p:cNvPr id="75" name="순서도: 판단 74">
             <a:extLst>
               <a:ext uri="{FF2B5EF4-FFF2-40B4-BE49-F238E27FC236}">
-                <a16:creationId xmlns:a16="http://schemas.microsoft.com/office/drawing/2014/main" xmlns="" id="{FC609F0B-2115-405B-8324-342A061AB0BF}"/>
+                <a16:creationId xmlns:a16="http://schemas.microsoft.com/office/drawing/2014/main" id="{FC609F0B-2115-405B-8324-342A061AB0BF}"/>
               </a:ext>
             </a:extLst>
           </p:cNvPr>
@@ -24795,7 +24669,7 @@
           <p:cNvPr id="76" name="TextBox 75">
             <a:extLst>
               <a:ext uri="{FF2B5EF4-FFF2-40B4-BE49-F238E27FC236}">
-                <a16:creationId xmlns:a16="http://schemas.microsoft.com/office/drawing/2014/main" xmlns="" id="{F27AAED5-21D0-4ADF-9BE8-460DB407CC40}"/>
+                <a16:creationId xmlns:a16="http://schemas.microsoft.com/office/drawing/2014/main" id="{F27AAED5-21D0-4ADF-9BE8-460DB407CC40}"/>
               </a:ext>
             </a:extLst>
           </p:cNvPr>
@@ -24820,7 +24694,7 @@
           <a:p>
             <a:pPr algn="ctr"/>
             <a:r>
-              <a:rPr lang="ko-KR" altLang="en-US" sz="1000" dirty="0" err="1" smtClean="0"/>
+              <a:rPr lang="ko-KR" altLang="en-US" sz="1000" dirty="0" err="1"/>
               <a:t>어그로</a:t>
             </a:r>
             <a:endParaRPr lang="en-US" altLang="ko-KR" sz="1000" dirty="0"/>
@@ -24828,19 +24702,19 @@
           <a:p>
             <a:pPr algn="ctr"/>
             <a:r>
-              <a:rPr lang="ko-KR" altLang="en-US" sz="1000" dirty="0" smtClean="0"/>
+              <a:rPr lang="ko-KR" altLang="en-US" sz="1000" dirty="0"/>
               <a:t>수치가 </a:t>
             </a:r>
             <a:r>
-              <a:rPr lang="en-US" altLang="ko-KR" sz="1000" dirty="0" smtClean="0"/>
+              <a:rPr lang="en-US" altLang="ko-KR" sz="1000" dirty="0"/>
               <a:t>0</a:t>
             </a:r>
             <a:r>
-              <a:rPr lang="ko-KR" altLang="en-US" sz="1000" dirty="0" smtClean="0"/>
+              <a:rPr lang="ko-KR" altLang="en-US" sz="1000" dirty="0"/>
               <a:t>인가</a:t>
             </a:r>
             <a:r>
-              <a:rPr lang="en-US" altLang="ko-KR" sz="1000" dirty="0" smtClean="0"/>
+              <a:rPr lang="en-US" altLang="ko-KR" sz="1000" dirty="0"/>
               <a:t>?</a:t>
             </a:r>
           </a:p>
@@ -25010,7 +24884,7 @@
           <a:p>
             <a:pPr algn="ctr"/>
             <a:r>
-              <a:rPr lang="ko-KR" altLang="en-US" sz="1000" dirty="0" smtClean="0">
+              <a:rPr lang="ko-KR" altLang="en-US" sz="1000" dirty="0">
                 <a:solidFill>
                   <a:schemeClr val="tx1"/>
                 </a:solidFill>
@@ -25018,23 +24892,18 @@
               <a:t>보스 상태 </a:t>
             </a:r>
             <a:r>
-              <a:rPr lang="en-US" altLang="ko-KR" sz="1000" dirty="0" smtClean="0">
+              <a:rPr lang="en-US" altLang="ko-KR" sz="1000" dirty="0">
                 <a:solidFill>
                   <a:schemeClr val="tx1"/>
                 </a:solidFill>
               </a:rPr>
               <a:t>:</a:t>
             </a:r>
-            <a:endParaRPr lang="en-US" altLang="ko-KR" sz="1000" dirty="0">
-              <a:solidFill>
-                <a:schemeClr val="tx1"/>
-              </a:solidFill>
-            </a:endParaRPr>
           </a:p>
           <a:p>
             <a:pPr algn="ctr"/>
             <a:r>
-              <a:rPr lang="en-US" altLang="ko-KR" sz="1000" dirty="0" smtClean="0">
+              <a:rPr lang="en-US" altLang="ko-KR" sz="1000" dirty="0">
                 <a:solidFill>
                   <a:schemeClr val="tx1"/>
                 </a:solidFill>
@@ -25042,18 +24911,13 @@
               <a:t> </a:t>
             </a:r>
             <a:r>
-              <a:rPr lang="ko-KR" altLang="en-US" sz="1000" dirty="0" smtClean="0">
+              <a:rPr lang="ko-KR" altLang="en-US" sz="1000" dirty="0">
                 <a:solidFill>
                   <a:schemeClr val="tx1"/>
                 </a:solidFill>
               </a:rPr>
               <a:t>대기 저장</a:t>
             </a:r>
-            <a:endParaRPr lang="ko-KR" altLang="en-US" sz="1000" dirty="0" smtClean="0">
-              <a:solidFill>
-                <a:schemeClr val="tx1"/>
-              </a:solidFill>
-            </a:endParaRPr>
           </a:p>
         </p:txBody>
       </p:sp>
@@ -25140,7 +25004,7 @@
           <a:lstStyle/>
           <a:p>
             <a:pPr algn="ctr"/>
-            <a:endParaRPr lang="ko-KR" altLang="en-US" sz="1400" dirty="0" smtClean="0">
+            <a:endParaRPr lang="ko-KR" altLang="en-US" sz="1400" dirty="0">
               <a:solidFill>
                 <a:schemeClr val="tx1"/>
               </a:solidFill>
@@ -25192,7 +25056,7 @@
           <a:lstStyle/>
           <a:p>
             <a:pPr algn="ctr"/>
-            <a:endParaRPr lang="ko-KR" altLang="en-US" sz="1400" dirty="0" smtClean="0">
+            <a:endParaRPr lang="ko-KR" altLang="en-US" sz="1400" dirty="0">
               <a:solidFill>
                 <a:schemeClr val="tx1"/>
               </a:solidFill>
@@ -25244,7 +25108,7 @@
           <a:lstStyle/>
           <a:p>
             <a:pPr algn="ctr"/>
-            <a:endParaRPr lang="ko-KR" altLang="en-US" sz="1400" dirty="0" smtClean="0">
+            <a:endParaRPr lang="ko-KR" altLang="en-US" sz="1400" dirty="0">
               <a:solidFill>
                 <a:schemeClr val="tx1"/>
               </a:solidFill>
@@ -25296,7 +25160,7 @@
           <a:lstStyle/>
           <a:p>
             <a:pPr algn="ctr"/>
-            <a:endParaRPr lang="ko-KR" altLang="en-US" sz="1400" dirty="0" smtClean="0">
+            <a:endParaRPr lang="ko-KR" altLang="en-US" sz="1400" dirty="0">
               <a:solidFill>
                 <a:schemeClr val="tx1"/>
               </a:solidFill>
@@ -25699,7 +25563,7 @@
           <p:cNvPr id="130" name="타원 129">
             <a:extLst>
               <a:ext uri="{FF2B5EF4-FFF2-40B4-BE49-F238E27FC236}">
-                <a16:creationId xmlns:a16="http://schemas.microsoft.com/office/drawing/2014/main" xmlns="" id="{E823F898-3057-4BBE-8138-A2A83C8311FA}"/>
+                <a16:creationId xmlns:a16="http://schemas.microsoft.com/office/drawing/2014/main" id="{E823F898-3057-4BBE-8138-A2A83C8311FA}"/>
               </a:ext>
             </a:extLst>
           </p:cNvPr>
@@ -25770,13 +25634,6 @@
   <p:clrMapOvr>
     <a:masterClrMapping/>
   </p:clrMapOvr>
-  <p:timing>
-    <p:tnLst>
-      <p:par>
-        <p:cTn id="1" dur="indefinite" restart="never" nodeType="tmRoot"/>
-      </p:par>
-    </p:tnLst>
-  </p:timing>
 </p:sld>
 </file>
 
